--- a/rough-diag.pptx
+++ b/rough-diag.pptx
@@ -15,6 +15,11 @@
     <p:sldId id="263" r:id="rId9"/>
     <p:sldId id="264" r:id="rId10"/>
     <p:sldId id="265" r:id="rId11"/>
+    <p:sldId id="266" r:id="rId12"/>
+    <p:sldId id="267" r:id="rId13"/>
+    <p:sldId id="268" r:id="rId14"/>
+    <p:sldId id="269" r:id="rId15"/>
+    <p:sldId id="270" r:id="rId16"/>
   </p:sldIdLst>
   <p:sldSz cx="12192000" cy="6858000"/>
   <p:notesSz cx="6858000" cy="9144000"/>
@@ -4388,7 +4393,7 @@
         <p:spPr>
           <a:xfrm>
             <a:off x="6072969" y="4274938"/>
-            <a:ext cx="1799493" cy="401717"/>
+            <a:ext cx="1799493" cy="574302"/>
           </a:xfrm>
           <a:prstGeom prst="ellipse">
             <a:avLst/>
@@ -4780,7 +4785,7 @@
         <p:spPr>
           <a:xfrm>
             <a:off x="70338" y="131831"/>
-            <a:ext cx="4158831" cy="523220"/>
+            <a:ext cx="4158831" cy="738664"/>
           </a:xfrm>
           <a:prstGeom prst="rect">
             <a:avLst/>
@@ -4817,6 +4822,66 @@
               <a:rPr lang="en-US" sz="1400" dirty="0"/>
               <a:t>Load balancer the request on multiple of my pods</a:t>
             </a:r>
+          </a:p>
+          <a:p>
+            <a:pPr marL="342900" indent="-342900">
+              <a:buAutoNum type="arabicPeriod"/>
+            </a:pPr>
+            <a:r>
+              <a:rPr lang="en-US" sz="1400" dirty="0" err="1"/>
+              <a:t>Dns</a:t>
+            </a:r>
+            <a:r>
+              <a:rPr lang="en-US" sz="1400" dirty="0"/>
+              <a:t> resolvable name</a:t>
+            </a:r>
+          </a:p>
+        </p:txBody>
+      </p:sp>
+      <p:sp>
+        <p:nvSpPr>
+          <p:cNvPr id="24" name="Rectangle 23">
+            <a:extLst>
+              <a:ext uri="{FF2B5EF4-FFF2-40B4-BE49-F238E27FC236}">
+                <a16:creationId xmlns:a16="http://schemas.microsoft.com/office/drawing/2014/main" id="{01EBEA6F-4F10-4D9B-9855-0B8A466E8133}"/>
+              </a:ext>
+            </a:extLst>
+          </p:cNvPr>
+          <p:cNvSpPr/>
+          <p:nvPr/>
+        </p:nvSpPr>
+        <p:spPr>
+          <a:xfrm>
+            <a:off x="228600" y="888023"/>
+            <a:ext cx="10788162" cy="5969977"/>
+          </a:xfrm>
+          <a:prstGeom prst="rect">
+            <a:avLst/>
+          </a:prstGeom>
+          <a:noFill/>
+        </p:spPr>
+        <p:style>
+          <a:lnRef idx="2">
+            <a:schemeClr val="accent1">
+              <a:shade val="50000"/>
+            </a:schemeClr>
+          </a:lnRef>
+          <a:fillRef idx="1">
+            <a:schemeClr val="accent1"/>
+          </a:fillRef>
+          <a:effectRef idx="0">
+            <a:schemeClr val="accent1"/>
+          </a:effectRef>
+          <a:fontRef idx="minor">
+            <a:schemeClr val="lt1"/>
+          </a:fontRef>
+        </p:style>
+        <p:txBody>
+          <a:bodyPr rtlCol="0" anchor="ctr"/>
+          <a:lstStyle/>
+          <a:p>
+            <a:pPr algn="ctr"/>
+            <a:endParaRPr lang="en-US"/>
           </a:p>
         </p:txBody>
       </p:sp>
@@ -4824,6 +4889,8040 @@
     <p:extLst>
       <p:ext uri="{BB962C8B-B14F-4D97-AF65-F5344CB8AC3E}">
         <p14:creationId xmlns:p14="http://schemas.microsoft.com/office/powerpoint/2010/main" val="2455710480"/>
+      </p:ext>
+    </p:extLst>
+  </p:cSld>
+  <p:clrMapOvr>
+    <a:masterClrMapping/>
+  </p:clrMapOvr>
+</p:sld>
+</file>
+
+<file path=ppt/slides/slide11.xml><?xml version="1.0" encoding="utf-8"?>
+<p:sld xmlns:a="http://schemas.openxmlformats.org/drawingml/2006/main" xmlns:r="http://schemas.openxmlformats.org/officeDocument/2006/relationships" xmlns:p="http://schemas.openxmlformats.org/presentationml/2006/main">
+  <p:cSld>
+    <p:spTree>
+      <p:nvGrpSpPr>
+        <p:cNvPr id="1" name=""/>
+        <p:cNvGrpSpPr/>
+        <p:nvPr/>
+      </p:nvGrpSpPr>
+      <p:grpSpPr>
+        <a:xfrm>
+          <a:off x="0" y="0"/>
+          <a:ext cx="0" cy="0"/>
+          <a:chOff x="0" y="0"/>
+          <a:chExt cx="0" cy="0"/>
+        </a:xfrm>
+      </p:grpSpPr>
+      <p:sp>
+        <p:nvSpPr>
+          <p:cNvPr id="2" name="Rectangle 1">
+            <a:extLst>
+              <a:ext uri="{FF2B5EF4-FFF2-40B4-BE49-F238E27FC236}">
+                <a16:creationId xmlns:a16="http://schemas.microsoft.com/office/drawing/2014/main" id="{BA1D0305-0525-4751-B80B-689E4F75F1E3}"/>
+              </a:ext>
+            </a:extLst>
+          </p:cNvPr>
+          <p:cNvSpPr/>
+          <p:nvPr/>
+        </p:nvSpPr>
+        <p:spPr>
+          <a:xfrm>
+            <a:off x="2004646" y="1204546"/>
+            <a:ext cx="9091246" cy="5073162"/>
+          </a:xfrm>
+          <a:prstGeom prst="rect">
+            <a:avLst/>
+          </a:prstGeom>
+          <a:noFill/>
+        </p:spPr>
+        <p:style>
+          <a:lnRef idx="2">
+            <a:schemeClr val="accent1">
+              <a:shade val="50000"/>
+            </a:schemeClr>
+          </a:lnRef>
+          <a:fillRef idx="1">
+            <a:schemeClr val="accent1"/>
+          </a:fillRef>
+          <a:effectRef idx="0">
+            <a:schemeClr val="accent1"/>
+          </a:effectRef>
+          <a:fontRef idx="minor">
+            <a:schemeClr val="lt1"/>
+          </a:fontRef>
+        </p:style>
+        <p:txBody>
+          <a:bodyPr rtlCol="0" anchor="ctr"/>
+          <a:lstStyle/>
+          <a:p>
+            <a:pPr algn="ctr"/>
+            <a:endParaRPr lang="en-US"/>
+          </a:p>
+        </p:txBody>
+      </p:sp>
+      <p:sp>
+        <p:nvSpPr>
+          <p:cNvPr id="3" name="Rectangle 2">
+            <a:extLst>
+              <a:ext uri="{FF2B5EF4-FFF2-40B4-BE49-F238E27FC236}">
+                <a16:creationId xmlns:a16="http://schemas.microsoft.com/office/drawing/2014/main" id="{C7EC8AA6-522D-4150-BF9F-43DFBAC62DBF}"/>
+              </a:ext>
+            </a:extLst>
+          </p:cNvPr>
+          <p:cNvSpPr/>
+          <p:nvPr/>
+        </p:nvSpPr>
+        <p:spPr>
+          <a:xfrm>
+            <a:off x="6939141" y="3376221"/>
+            <a:ext cx="2839915" cy="1477052"/>
+          </a:xfrm>
+          <a:prstGeom prst="rect">
+            <a:avLst/>
+          </a:prstGeom>
+          <a:noFill/>
+        </p:spPr>
+        <p:style>
+          <a:lnRef idx="2">
+            <a:schemeClr val="accent1">
+              <a:shade val="50000"/>
+            </a:schemeClr>
+          </a:lnRef>
+          <a:fillRef idx="1">
+            <a:schemeClr val="accent1"/>
+          </a:fillRef>
+          <a:effectRef idx="0">
+            <a:schemeClr val="accent1"/>
+          </a:effectRef>
+          <a:fontRef idx="minor">
+            <a:schemeClr val="lt1"/>
+          </a:fontRef>
+        </p:style>
+        <p:txBody>
+          <a:bodyPr rtlCol="0" anchor="ctr"/>
+          <a:lstStyle/>
+          <a:p>
+            <a:pPr algn="ctr"/>
+            <a:endParaRPr lang="en-US"/>
+          </a:p>
+        </p:txBody>
+      </p:sp>
+      <p:sp>
+        <p:nvSpPr>
+          <p:cNvPr id="4" name="TextBox 3">
+            <a:extLst>
+              <a:ext uri="{FF2B5EF4-FFF2-40B4-BE49-F238E27FC236}">
+                <a16:creationId xmlns:a16="http://schemas.microsoft.com/office/drawing/2014/main" id="{2D482E63-AA89-4218-8380-363F4132BC33}"/>
+              </a:ext>
+            </a:extLst>
+          </p:cNvPr>
+          <p:cNvSpPr txBox="1"/>
+          <p:nvPr/>
+        </p:nvSpPr>
+        <p:spPr>
+          <a:xfrm>
+            <a:off x="6939141" y="3042003"/>
+            <a:ext cx="1712520" cy="369332"/>
+          </a:xfrm>
+          <a:prstGeom prst="rect">
+            <a:avLst/>
+          </a:prstGeom>
+          <a:noFill/>
+        </p:spPr>
+        <p:txBody>
+          <a:bodyPr wrap="none" rtlCol="0">
+            <a:spAutoFit/>
+          </a:bodyPr>
+          <a:lstStyle/>
+          <a:p>
+            <a:r>
+              <a:rPr lang="en-US" dirty="0"/>
+              <a:t>Pod: 172.17.0.6</a:t>
+            </a:r>
+          </a:p>
+        </p:txBody>
+      </p:sp>
+      <p:sp>
+        <p:nvSpPr>
+          <p:cNvPr id="5" name="Oval 4">
+            <a:extLst>
+              <a:ext uri="{FF2B5EF4-FFF2-40B4-BE49-F238E27FC236}">
+                <a16:creationId xmlns:a16="http://schemas.microsoft.com/office/drawing/2014/main" id="{0FFF38E0-FA49-4476-8041-0FE6B10E4A49}"/>
+              </a:ext>
+            </a:extLst>
+          </p:cNvPr>
+          <p:cNvSpPr/>
+          <p:nvPr/>
+        </p:nvSpPr>
+        <p:spPr>
+          <a:xfrm>
+            <a:off x="6939141" y="3578389"/>
+            <a:ext cx="1712520" cy="1107830"/>
+          </a:xfrm>
+          <a:prstGeom prst="ellipse">
+            <a:avLst/>
+          </a:prstGeom>
+        </p:spPr>
+        <p:style>
+          <a:lnRef idx="2">
+            <a:schemeClr val="accent1">
+              <a:shade val="50000"/>
+            </a:schemeClr>
+          </a:lnRef>
+          <a:fillRef idx="1">
+            <a:schemeClr val="accent1"/>
+          </a:fillRef>
+          <a:effectRef idx="0">
+            <a:schemeClr val="accent1"/>
+          </a:effectRef>
+          <a:fontRef idx="minor">
+            <a:schemeClr val="lt1"/>
+          </a:fontRef>
+        </p:style>
+        <p:txBody>
+          <a:bodyPr rtlCol="0" anchor="ctr"/>
+          <a:lstStyle/>
+          <a:p>
+            <a:pPr algn="ctr"/>
+            <a:r>
+              <a:rPr lang="en-US" dirty="0"/>
+              <a:t>mysql:5.7</a:t>
+            </a:r>
+          </a:p>
+          <a:p>
+            <a:pPr algn="ctr"/>
+            <a:r>
+              <a:rPr lang="en-US" dirty="0"/>
+              <a:t>Port:3306</a:t>
+            </a:r>
+          </a:p>
+        </p:txBody>
+      </p:sp>
+      <p:sp>
+        <p:nvSpPr>
+          <p:cNvPr id="6" name="TextBox 5">
+            <a:extLst>
+              <a:ext uri="{FF2B5EF4-FFF2-40B4-BE49-F238E27FC236}">
+                <a16:creationId xmlns:a16="http://schemas.microsoft.com/office/drawing/2014/main" id="{3DCB57B8-57AC-451A-A44F-4532211F2184}"/>
+              </a:ext>
+            </a:extLst>
+          </p:cNvPr>
+          <p:cNvSpPr txBox="1"/>
+          <p:nvPr/>
+        </p:nvSpPr>
+        <p:spPr>
+          <a:xfrm>
+            <a:off x="7112977" y="5750169"/>
+            <a:ext cx="1338700" cy="369332"/>
+          </a:xfrm>
+          <a:prstGeom prst="rect">
+            <a:avLst/>
+          </a:prstGeom>
+          <a:noFill/>
+        </p:spPr>
+        <p:txBody>
+          <a:bodyPr wrap="none" rtlCol="0">
+            <a:spAutoFit/>
+          </a:bodyPr>
+          <a:lstStyle/>
+          <a:p>
+            <a:r>
+              <a:rPr lang="en-US" dirty="0"/>
+              <a:t>Deployment</a:t>
+            </a:r>
+          </a:p>
+        </p:txBody>
+      </p:sp>
+      <p:sp>
+        <p:nvSpPr>
+          <p:cNvPr id="7" name="TextBox 6">
+            <a:extLst>
+              <a:ext uri="{FF2B5EF4-FFF2-40B4-BE49-F238E27FC236}">
+                <a16:creationId xmlns:a16="http://schemas.microsoft.com/office/drawing/2014/main" id="{E516B37D-227B-4548-B07D-1C1313403F9D}"/>
+              </a:ext>
+            </a:extLst>
+          </p:cNvPr>
+          <p:cNvSpPr txBox="1"/>
+          <p:nvPr/>
+        </p:nvSpPr>
+        <p:spPr>
+          <a:xfrm>
+            <a:off x="7576084" y="5213783"/>
+            <a:ext cx="412485" cy="369332"/>
+          </a:xfrm>
+          <a:prstGeom prst="rect">
+            <a:avLst/>
+          </a:prstGeom>
+          <a:noFill/>
+        </p:spPr>
+        <p:txBody>
+          <a:bodyPr wrap="none" rtlCol="0">
+            <a:spAutoFit/>
+          </a:bodyPr>
+          <a:lstStyle/>
+          <a:p>
+            <a:r>
+              <a:rPr lang="en-US" dirty="0"/>
+              <a:t>RS</a:t>
+            </a:r>
+          </a:p>
+        </p:txBody>
+      </p:sp>
+      <p:cxnSp>
+        <p:nvCxnSpPr>
+          <p:cNvPr id="9" name="Straight Arrow Connector 8">
+            <a:extLst>
+              <a:ext uri="{FF2B5EF4-FFF2-40B4-BE49-F238E27FC236}">
+                <a16:creationId xmlns:a16="http://schemas.microsoft.com/office/drawing/2014/main" id="{6A76BF14-D39A-4CD0-ABCF-4EF149BBDECE}"/>
+              </a:ext>
+            </a:extLst>
+          </p:cNvPr>
+          <p:cNvCxnSpPr>
+            <a:stCxn id="6" idx="0"/>
+            <a:endCxn id="7" idx="2"/>
+          </p:cNvCxnSpPr>
+          <p:nvPr/>
+        </p:nvCxnSpPr>
+        <p:spPr>
+          <a:xfrm flipV="1">
+            <a:off x="7782327" y="5583115"/>
+            <a:ext cx="0" cy="167054"/>
+          </a:xfrm>
+          <a:prstGeom prst="straightConnector1">
+            <a:avLst/>
+          </a:prstGeom>
+          <a:ln>
+            <a:tailEnd type="triangle"/>
+          </a:ln>
+        </p:spPr>
+        <p:style>
+          <a:lnRef idx="1">
+            <a:schemeClr val="accent1"/>
+          </a:lnRef>
+          <a:fillRef idx="0">
+            <a:schemeClr val="accent1"/>
+          </a:fillRef>
+          <a:effectRef idx="0">
+            <a:schemeClr val="accent1"/>
+          </a:effectRef>
+          <a:fontRef idx="minor">
+            <a:schemeClr val="tx1"/>
+          </a:fontRef>
+        </p:style>
+      </p:cxnSp>
+      <p:cxnSp>
+        <p:nvCxnSpPr>
+          <p:cNvPr id="11" name="Straight Arrow Connector 10">
+            <a:extLst>
+              <a:ext uri="{FF2B5EF4-FFF2-40B4-BE49-F238E27FC236}">
+                <a16:creationId xmlns:a16="http://schemas.microsoft.com/office/drawing/2014/main" id="{12B75272-7516-4FA2-AF68-0B85E4A4ED21}"/>
+              </a:ext>
+            </a:extLst>
+          </p:cNvPr>
+          <p:cNvCxnSpPr>
+            <a:cxnSpLocks/>
+          </p:cNvCxnSpPr>
+          <p:nvPr/>
+        </p:nvCxnSpPr>
+        <p:spPr>
+          <a:xfrm flipH="1" flipV="1">
+            <a:off x="7757959" y="4853273"/>
+            <a:ext cx="1" cy="404391"/>
+          </a:xfrm>
+          <a:prstGeom prst="straightConnector1">
+            <a:avLst/>
+          </a:prstGeom>
+          <a:ln>
+            <a:tailEnd type="triangle"/>
+          </a:ln>
+        </p:spPr>
+        <p:style>
+          <a:lnRef idx="1">
+            <a:schemeClr val="accent1"/>
+          </a:lnRef>
+          <a:fillRef idx="0">
+            <a:schemeClr val="accent1"/>
+          </a:fillRef>
+          <a:effectRef idx="0">
+            <a:schemeClr val="accent1"/>
+          </a:effectRef>
+          <a:fontRef idx="minor">
+            <a:schemeClr val="tx1"/>
+          </a:fontRef>
+        </p:style>
+      </p:cxnSp>
+      <p:sp>
+        <p:nvSpPr>
+          <p:cNvPr id="12" name="Rectangle 11">
+            <a:extLst>
+              <a:ext uri="{FF2B5EF4-FFF2-40B4-BE49-F238E27FC236}">
+                <a16:creationId xmlns:a16="http://schemas.microsoft.com/office/drawing/2014/main" id="{BF47EB18-9BB9-4DBA-AB0D-FDBAC9212B89}"/>
+              </a:ext>
+            </a:extLst>
+          </p:cNvPr>
+          <p:cNvSpPr/>
+          <p:nvPr/>
+        </p:nvSpPr>
+        <p:spPr>
+          <a:xfrm>
+            <a:off x="2294227" y="3332340"/>
+            <a:ext cx="2839915" cy="1477052"/>
+          </a:xfrm>
+          <a:prstGeom prst="rect">
+            <a:avLst/>
+          </a:prstGeom>
+          <a:noFill/>
+        </p:spPr>
+        <p:style>
+          <a:lnRef idx="2">
+            <a:schemeClr val="accent1">
+              <a:shade val="50000"/>
+            </a:schemeClr>
+          </a:lnRef>
+          <a:fillRef idx="1">
+            <a:schemeClr val="accent1"/>
+          </a:fillRef>
+          <a:effectRef idx="0">
+            <a:schemeClr val="accent1"/>
+          </a:effectRef>
+          <a:fontRef idx="minor">
+            <a:schemeClr val="lt1"/>
+          </a:fontRef>
+        </p:style>
+        <p:txBody>
+          <a:bodyPr rtlCol="0" anchor="ctr"/>
+          <a:lstStyle/>
+          <a:p>
+            <a:pPr algn="ctr"/>
+            <a:endParaRPr lang="en-US"/>
+          </a:p>
+        </p:txBody>
+      </p:sp>
+      <p:sp>
+        <p:nvSpPr>
+          <p:cNvPr id="13" name="TextBox 12">
+            <a:extLst>
+              <a:ext uri="{FF2B5EF4-FFF2-40B4-BE49-F238E27FC236}">
+                <a16:creationId xmlns:a16="http://schemas.microsoft.com/office/drawing/2014/main" id="{E40CBD79-EC1B-4D66-B6AC-EC10CB55BD95}"/>
+              </a:ext>
+            </a:extLst>
+          </p:cNvPr>
+          <p:cNvSpPr txBox="1"/>
+          <p:nvPr/>
+        </p:nvSpPr>
+        <p:spPr>
+          <a:xfrm>
+            <a:off x="2294227" y="2998122"/>
+            <a:ext cx="1712520" cy="369332"/>
+          </a:xfrm>
+          <a:prstGeom prst="rect">
+            <a:avLst/>
+          </a:prstGeom>
+          <a:noFill/>
+        </p:spPr>
+        <p:txBody>
+          <a:bodyPr wrap="none" rtlCol="0">
+            <a:spAutoFit/>
+          </a:bodyPr>
+          <a:lstStyle/>
+          <a:p>
+            <a:r>
+              <a:rPr lang="en-US" dirty="0"/>
+              <a:t>Pod: 172.17.0.7</a:t>
+            </a:r>
+          </a:p>
+        </p:txBody>
+      </p:sp>
+      <p:sp>
+        <p:nvSpPr>
+          <p:cNvPr id="14" name="Oval 13">
+            <a:extLst>
+              <a:ext uri="{FF2B5EF4-FFF2-40B4-BE49-F238E27FC236}">
+                <a16:creationId xmlns:a16="http://schemas.microsoft.com/office/drawing/2014/main" id="{D5E4AB7D-933A-4E93-AFFF-AADB26C3D007}"/>
+              </a:ext>
+            </a:extLst>
+          </p:cNvPr>
+          <p:cNvSpPr/>
+          <p:nvPr/>
+        </p:nvSpPr>
+        <p:spPr>
+          <a:xfrm>
+            <a:off x="2294226" y="3534508"/>
+            <a:ext cx="2673427" cy="1107830"/>
+          </a:xfrm>
+          <a:prstGeom prst="ellipse">
+            <a:avLst/>
+          </a:prstGeom>
+        </p:spPr>
+        <p:style>
+          <a:lnRef idx="2">
+            <a:schemeClr val="accent1">
+              <a:shade val="50000"/>
+            </a:schemeClr>
+          </a:lnRef>
+          <a:fillRef idx="1">
+            <a:schemeClr val="accent1"/>
+          </a:fillRef>
+          <a:effectRef idx="0">
+            <a:schemeClr val="accent1"/>
+          </a:effectRef>
+          <a:fontRef idx="minor">
+            <a:schemeClr val="lt1"/>
+          </a:fontRef>
+        </p:style>
+        <p:txBody>
+          <a:bodyPr rtlCol="0" anchor="ctr"/>
+          <a:lstStyle/>
+          <a:p>
+            <a:pPr algn="ctr"/>
+            <a:r>
+              <a:rPr lang="en-US" dirty="0"/>
+              <a:t>Ghost:1-alpine</a:t>
+            </a:r>
+          </a:p>
+          <a:p>
+            <a:pPr algn="ctr"/>
+            <a:r>
+              <a:rPr lang="en-US" dirty="0"/>
+              <a:t>Port:2368</a:t>
+            </a:r>
+          </a:p>
+          <a:p>
+            <a:pPr algn="ctr"/>
+            <a:r>
+              <a:rPr lang="en-US" dirty="0"/>
+              <a:t>Dbhost:db-svc:8888</a:t>
+            </a:r>
+          </a:p>
+        </p:txBody>
+      </p:sp>
+      <p:sp>
+        <p:nvSpPr>
+          <p:cNvPr id="15" name="TextBox 14">
+            <a:extLst>
+              <a:ext uri="{FF2B5EF4-FFF2-40B4-BE49-F238E27FC236}">
+                <a16:creationId xmlns:a16="http://schemas.microsoft.com/office/drawing/2014/main" id="{9130FBFC-35FA-4777-BA72-C65D8BC964AC}"/>
+              </a:ext>
+            </a:extLst>
+          </p:cNvPr>
+          <p:cNvSpPr txBox="1"/>
+          <p:nvPr/>
+        </p:nvSpPr>
+        <p:spPr>
+          <a:xfrm>
+            <a:off x="2388577" y="5750169"/>
+            <a:ext cx="1338700" cy="369332"/>
+          </a:xfrm>
+          <a:prstGeom prst="rect">
+            <a:avLst/>
+          </a:prstGeom>
+          <a:noFill/>
+        </p:spPr>
+        <p:txBody>
+          <a:bodyPr wrap="none" rtlCol="0">
+            <a:spAutoFit/>
+          </a:bodyPr>
+          <a:lstStyle/>
+          <a:p>
+            <a:r>
+              <a:rPr lang="en-US" dirty="0"/>
+              <a:t>Deployment</a:t>
+            </a:r>
+          </a:p>
+        </p:txBody>
+      </p:sp>
+      <p:sp>
+        <p:nvSpPr>
+          <p:cNvPr id="16" name="TextBox 15">
+            <a:extLst>
+              <a:ext uri="{FF2B5EF4-FFF2-40B4-BE49-F238E27FC236}">
+                <a16:creationId xmlns:a16="http://schemas.microsoft.com/office/drawing/2014/main" id="{07C760C8-47BD-4CE7-84E3-15C15CA16E18}"/>
+              </a:ext>
+            </a:extLst>
+          </p:cNvPr>
+          <p:cNvSpPr txBox="1"/>
+          <p:nvPr/>
+        </p:nvSpPr>
+        <p:spPr>
+          <a:xfrm>
+            <a:off x="2851684" y="5213783"/>
+            <a:ext cx="412485" cy="369332"/>
+          </a:xfrm>
+          <a:prstGeom prst="rect">
+            <a:avLst/>
+          </a:prstGeom>
+          <a:noFill/>
+        </p:spPr>
+        <p:txBody>
+          <a:bodyPr wrap="none" rtlCol="0">
+            <a:spAutoFit/>
+          </a:bodyPr>
+          <a:lstStyle/>
+          <a:p>
+            <a:r>
+              <a:rPr lang="en-US" dirty="0"/>
+              <a:t>RS</a:t>
+            </a:r>
+          </a:p>
+        </p:txBody>
+      </p:sp>
+      <p:cxnSp>
+        <p:nvCxnSpPr>
+          <p:cNvPr id="17" name="Straight Arrow Connector 16">
+            <a:extLst>
+              <a:ext uri="{FF2B5EF4-FFF2-40B4-BE49-F238E27FC236}">
+                <a16:creationId xmlns:a16="http://schemas.microsoft.com/office/drawing/2014/main" id="{DC5F4549-7B7A-4574-A9BE-40540CD6E074}"/>
+              </a:ext>
+            </a:extLst>
+          </p:cNvPr>
+          <p:cNvCxnSpPr>
+            <a:stCxn id="15" idx="0"/>
+            <a:endCxn id="16" idx="2"/>
+          </p:cNvCxnSpPr>
+          <p:nvPr/>
+        </p:nvCxnSpPr>
+        <p:spPr>
+          <a:xfrm flipV="1">
+            <a:off x="3057927" y="5583115"/>
+            <a:ext cx="0" cy="167054"/>
+          </a:xfrm>
+          <a:prstGeom prst="straightConnector1">
+            <a:avLst/>
+          </a:prstGeom>
+          <a:ln>
+            <a:tailEnd type="triangle"/>
+          </a:ln>
+        </p:spPr>
+        <p:style>
+          <a:lnRef idx="1">
+            <a:schemeClr val="accent1"/>
+          </a:lnRef>
+          <a:fillRef idx="0">
+            <a:schemeClr val="accent1"/>
+          </a:fillRef>
+          <a:effectRef idx="0">
+            <a:schemeClr val="accent1"/>
+          </a:effectRef>
+          <a:fontRef idx="minor">
+            <a:schemeClr val="tx1"/>
+          </a:fontRef>
+        </p:style>
+      </p:cxnSp>
+      <p:cxnSp>
+        <p:nvCxnSpPr>
+          <p:cNvPr id="18" name="Straight Arrow Connector 17">
+            <a:extLst>
+              <a:ext uri="{FF2B5EF4-FFF2-40B4-BE49-F238E27FC236}">
+                <a16:creationId xmlns:a16="http://schemas.microsoft.com/office/drawing/2014/main" id="{A2525859-FE4D-45D4-8791-C1028E07BCF0}"/>
+              </a:ext>
+            </a:extLst>
+          </p:cNvPr>
+          <p:cNvCxnSpPr>
+            <a:stCxn id="16" idx="0"/>
+          </p:cNvCxnSpPr>
+          <p:nvPr/>
+        </p:nvCxnSpPr>
+        <p:spPr>
+          <a:xfrm flipH="1" flipV="1">
+            <a:off x="3057926" y="4809392"/>
+            <a:ext cx="1" cy="404391"/>
+          </a:xfrm>
+          <a:prstGeom prst="straightConnector1">
+            <a:avLst/>
+          </a:prstGeom>
+          <a:ln>
+            <a:tailEnd type="triangle"/>
+          </a:ln>
+        </p:spPr>
+        <p:style>
+          <a:lnRef idx="1">
+            <a:schemeClr val="accent1"/>
+          </a:lnRef>
+          <a:fillRef idx="0">
+            <a:schemeClr val="accent1"/>
+          </a:fillRef>
+          <a:effectRef idx="0">
+            <a:schemeClr val="accent1"/>
+          </a:effectRef>
+          <a:fontRef idx="minor">
+            <a:schemeClr val="tx1"/>
+          </a:fontRef>
+        </p:style>
+      </p:cxnSp>
+      <p:sp>
+        <p:nvSpPr>
+          <p:cNvPr id="19" name="TextBox 18">
+            <a:extLst>
+              <a:ext uri="{FF2B5EF4-FFF2-40B4-BE49-F238E27FC236}">
+                <a16:creationId xmlns:a16="http://schemas.microsoft.com/office/drawing/2014/main" id="{46A691C6-D1B0-4444-8F51-FB1F50F09A87}"/>
+              </a:ext>
+            </a:extLst>
+          </p:cNvPr>
+          <p:cNvSpPr txBox="1"/>
+          <p:nvPr/>
+        </p:nvSpPr>
+        <p:spPr>
+          <a:xfrm>
+            <a:off x="2101362" y="949569"/>
+            <a:ext cx="1645002" cy="369332"/>
+          </a:xfrm>
+          <a:prstGeom prst="rect">
+            <a:avLst/>
+          </a:prstGeom>
+          <a:noFill/>
+        </p:spPr>
+        <p:txBody>
+          <a:bodyPr wrap="none" rtlCol="0">
+            <a:spAutoFit/>
+          </a:bodyPr>
+          <a:lstStyle/>
+          <a:p>
+            <a:r>
+              <a:rPr lang="en-US" dirty="0"/>
+              <a:t>192.168.99.100</a:t>
+            </a:r>
+          </a:p>
+        </p:txBody>
+      </p:sp>
+      <p:sp>
+        <p:nvSpPr>
+          <p:cNvPr id="20" name="TextBox 19">
+            <a:extLst>
+              <a:ext uri="{FF2B5EF4-FFF2-40B4-BE49-F238E27FC236}">
+                <a16:creationId xmlns:a16="http://schemas.microsoft.com/office/drawing/2014/main" id="{C9A01DF4-AADA-469A-A040-40703E73B441}"/>
+              </a:ext>
+            </a:extLst>
+          </p:cNvPr>
+          <p:cNvSpPr txBox="1"/>
+          <p:nvPr/>
+        </p:nvSpPr>
+        <p:spPr>
+          <a:xfrm>
+            <a:off x="2388577" y="2189285"/>
+            <a:ext cx="2812758" cy="369332"/>
+          </a:xfrm>
+          <a:prstGeom prst="rect">
+            <a:avLst/>
+          </a:prstGeom>
+          <a:noFill/>
+        </p:spPr>
+        <p:txBody>
+          <a:bodyPr wrap="none" rtlCol="0">
+            <a:spAutoFit/>
+          </a:bodyPr>
+          <a:lstStyle/>
+          <a:p>
+            <a:r>
+              <a:rPr lang="en-US" dirty="0"/>
+              <a:t>ghost-svc: 10.102.33.4:8888</a:t>
+            </a:r>
+          </a:p>
+        </p:txBody>
+      </p:sp>
+      <p:sp>
+        <p:nvSpPr>
+          <p:cNvPr id="21" name="TextBox 20">
+            <a:extLst>
+              <a:ext uri="{FF2B5EF4-FFF2-40B4-BE49-F238E27FC236}">
+                <a16:creationId xmlns:a16="http://schemas.microsoft.com/office/drawing/2014/main" id="{FFFC0321-D650-4C6C-A106-B675F68111EE}"/>
+              </a:ext>
+            </a:extLst>
+          </p:cNvPr>
+          <p:cNvSpPr txBox="1"/>
+          <p:nvPr/>
+        </p:nvSpPr>
+        <p:spPr>
+          <a:xfrm>
+            <a:off x="1618814" y="2598127"/>
+            <a:ext cx="769763" cy="369332"/>
+          </a:xfrm>
+          <a:prstGeom prst="rect">
+            <a:avLst/>
+          </a:prstGeom>
+          <a:noFill/>
+        </p:spPr>
+        <p:txBody>
+          <a:bodyPr wrap="none" rtlCol="0">
+            <a:spAutoFit/>
+          </a:bodyPr>
+          <a:lstStyle/>
+          <a:p>
+            <a:r>
+              <a:rPr lang="en-US" dirty="0"/>
+              <a:t>32001</a:t>
+            </a:r>
+          </a:p>
+        </p:txBody>
+      </p:sp>
+      <p:cxnSp>
+        <p:nvCxnSpPr>
+          <p:cNvPr id="23" name="Straight Arrow Connector 22">
+            <a:extLst>
+              <a:ext uri="{FF2B5EF4-FFF2-40B4-BE49-F238E27FC236}">
+                <a16:creationId xmlns:a16="http://schemas.microsoft.com/office/drawing/2014/main" id="{36DBCEA0-894E-4D94-A664-F81D9496EA1D}"/>
+              </a:ext>
+            </a:extLst>
+          </p:cNvPr>
+          <p:cNvCxnSpPr>
+            <a:endCxn id="21" idx="1"/>
+          </p:cNvCxnSpPr>
+          <p:nvPr/>
+        </p:nvCxnSpPr>
+        <p:spPr>
+          <a:xfrm flipV="1">
+            <a:off x="465992" y="2782793"/>
+            <a:ext cx="1152822" cy="958334"/>
+          </a:xfrm>
+          <a:prstGeom prst="straightConnector1">
+            <a:avLst/>
+          </a:prstGeom>
+          <a:ln>
+            <a:tailEnd type="triangle"/>
+          </a:ln>
+        </p:spPr>
+        <p:style>
+          <a:lnRef idx="1">
+            <a:schemeClr val="accent1"/>
+          </a:lnRef>
+          <a:fillRef idx="0">
+            <a:schemeClr val="accent1"/>
+          </a:fillRef>
+          <a:effectRef idx="0">
+            <a:schemeClr val="accent1"/>
+          </a:effectRef>
+          <a:fontRef idx="minor">
+            <a:schemeClr val="tx1"/>
+          </a:fontRef>
+        </p:style>
+      </p:cxnSp>
+      <p:cxnSp>
+        <p:nvCxnSpPr>
+          <p:cNvPr id="25" name="Straight Arrow Connector 24">
+            <a:extLst>
+              <a:ext uri="{FF2B5EF4-FFF2-40B4-BE49-F238E27FC236}">
+                <a16:creationId xmlns:a16="http://schemas.microsoft.com/office/drawing/2014/main" id="{FD827BF1-4038-44CA-8C26-0C2A729CDD35}"/>
+              </a:ext>
+            </a:extLst>
+          </p:cNvPr>
+          <p:cNvCxnSpPr>
+            <a:stCxn id="21" idx="3"/>
+          </p:cNvCxnSpPr>
+          <p:nvPr/>
+        </p:nvCxnSpPr>
+        <p:spPr>
+          <a:xfrm flipV="1">
+            <a:off x="2388577" y="2503624"/>
+            <a:ext cx="669349" cy="279169"/>
+          </a:xfrm>
+          <a:prstGeom prst="straightConnector1">
+            <a:avLst/>
+          </a:prstGeom>
+          <a:ln>
+            <a:tailEnd type="triangle"/>
+          </a:ln>
+        </p:spPr>
+        <p:style>
+          <a:lnRef idx="1">
+            <a:schemeClr val="accent1"/>
+          </a:lnRef>
+          <a:fillRef idx="0">
+            <a:schemeClr val="accent1"/>
+          </a:fillRef>
+          <a:effectRef idx="0">
+            <a:schemeClr val="accent1"/>
+          </a:effectRef>
+          <a:fontRef idx="minor">
+            <a:schemeClr val="tx1"/>
+          </a:fontRef>
+        </p:style>
+      </p:cxnSp>
+      <p:cxnSp>
+        <p:nvCxnSpPr>
+          <p:cNvPr id="27" name="Straight Arrow Connector 26">
+            <a:extLst>
+              <a:ext uri="{FF2B5EF4-FFF2-40B4-BE49-F238E27FC236}">
+                <a16:creationId xmlns:a16="http://schemas.microsoft.com/office/drawing/2014/main" id="{94E0424C-0A80-4865-B1D3-AFA9FE8847E8}"/>
+              </a:ext>
+            </a:extLst>
+          </p:cNvPr>
+          <p:cNvCxnSpPr>
+            <a:stCxn id="20" idx="2"/>
+            <a:endCxn id="13" idx="0"/>
+          </p:cNvCxnSpPr>
+          <p:nvPr/>
+        </p:nvCxnSpPr>
+        <p:spPr>
+          <a:xfrm flipH="1">
+            <a:off x="3150487" y="2558617"/>
+            <a:ext cx="644469" cy="439505"/>
+          </a:xfrm>
+          <a:prstGeom prst="straightConnector1">
+            <a:avLst/>
+          </a:prstGeom>
+          <a:ln>
+            <a:tailEnd type="triangle"/>
+          </a:ln>
+        </p:spPr>
+        <p:style>
+          <a:lnRef idx="1">
+            <a:schemeClr val="accent1"/>
+          </a:lnRef>
+          <a:fillRef idx="0">
+            <a:schemeClr val="accent1"/>
+          </a:fillRef>
+          <a:effectRef idx="0">
+            <a:schemeClr val="accent1"/>
+          </a:effectRef>
+          <a:fontRef idx="minor">
+            <a:schemeClr val="tx1"/>
+          </a:fontRef>
+        </p:style>
+      </p:cxnSp>
+      <p:cxnSp>
+        <p:nvCxnSpPr>
+          <p:cNvPr id="29" name="Straight Arrow Connector 28">
+            <a:extLst>
+              <a:ext uri="{FF2B5EF4-FFF2-40B4-BE49-F238E27FC236}">
+                <a16:creationId xmlns:a16="http://schemas.microsoft.com/office/drawing/2014/main" id="{2F130728-D3B6-441F-90CA-27666550A1C6}"/>
+              </a:ext>
+            </a:extLst>
+          </p:cNvPr>
+          <p:cNvCxnSpPr>
+            <a:cxnSpLocks/>
+            <a:stCxn id="13" idx="2"/>
+            <a:endCxn id="14" idx="0"/>
+          </p:cNvCxnSpPr>
+          <p:nvPr/>
+        </p:nvCxnSpPr>
+        <p:spPr>
+          <a:xfrm>
+            <a:off x="3150487" y="3367454"/>
+            <a:ext cx="480453" cy="167054"/>
+          </a:xfrm>
+          <a:prstGeom prst="straightConnector1">
+            <a:avLst/>
+          </a:prstGeom>
+          <a:ln>
+            <a:tailEnd type="triangle"/>
+          </a:ln>
+        </p:spPr>
+        <p:style>
+          <a:lnRef idx="1">
+            <a:schemeClr val="accent1"/>
+          </a:lnRef>
+          <a:fillRef idx="0">
+            <a:schemeClr val="accent1"/>
+          </a:fillRef>
+          <a:effectRef idx="0">
+            <a:schemeClr val="accent1"/>
+          </a:effectRef>
+          <a:fontRef idx="minor">
+            <a:schemeClr val="tx1"/>
+          </a:fontRef>
+        </p:style>
+      </p:cxnSp>
+      <p:sp>
+        <p:nvSpPr>
+          <p:cNvPr id="31" name="TextBox 30">
+            <a:extLst>
+              <a:ext uri="{FF2B5EF4-FFF2-40B4-BE49-F238E27FC236}">
+                <a16:creationId xmlns:a16="http://schemas.microsoft.com/office/drawing/2014/main" id="{399B19D4-28A2-4B6D-9785-F0990563DC6F}"/>
+              </a:ext>
+            </a:extLst>
+          </p:cNvPr>
+          <p:cNvSpPr txBox="1"/>
+          <p:nvPr/>
+        </p:nvSpPr>
+        <p:spPr>
+          <a:xfrm>
+            <a:off x="6693995" y="2151661"/>
+            <a:ext cx="2539606" cy="646331"/>
+          </a:xfrm>
+          <a:prstGeom prst="rect">
+            <a:avLst/>
+          </a:prstGeom>
+          <a:noFill/>
+        </p:spPr>
+        <p:txBody>
+          <a:bodyPr wrap="none" rtlCol="0">
+            <a:spAutoFit/>
+          </a:bodyPr>
+          <a:lstStyle/>
+          <a:p>
+            <a:r>
+              <a:rPr lang="en-US" dirty="0" err="1"/>
+              <a:t>db</a:t>
+            </a:r>
+            <a:r>
+              <a:rPr lang="en-US" dirty="0"/>
+              <a:t>-svc: 10.102.55.7:8888</a:t>
+            </a:r>
+          </a:p>
+          <a:p>
+            <a:endParaRPr lang="en-US" dirty="0"/>
+          </a:p>
+        </p:txBody>
+      </p:sp>
+      <p:sp>
+        <p:nvSpPr>
+          <p:cNvPr id="32" name="Oval 31">
+            <a:extLst>
+              <a:ext uri="{FF2B5EF4-FFF2-40B4-BE49-F238E27FC236}">
+                <a16:creationId xmlns:a16="http://schemas.microsoft.com/office/drawing/2014/main" id="{B678CE62-ACB4-4F00-A593-B2C5A7F48DD4}"/>
+              </a:ext>
+            </a:extLst>
+          </p:cNvPr>
+          <p:cNvSpPr/>
+          <p:nvPr/>
+        </p:nvSpPr>
+        <p:spPr>
+          <a:xfrm>
+            <a:off x="4897315" y="1318901"/>
+            <a:ext cx="1389185" cy="580237"/>
+          </a:xfrm>
+          <a:prstGeom prst="ellipse">
+            <a:avLst/>
+          </a:prstGeom>
+        </p:spPr>
+        <p:style>
+          <a:lnRef idx="2">
+            <a:schemeClr val="accent1">
+              <a:shade val="50000"/>
+            </a:schemeClr>
+          </a:lnRef>
+          <a:fillRef idx="1">
+            <a:schemeClr val="accent1"/>
+          </a:fillRef>
+          <a:effectRef idx="0">
+            <a:schemeClr val="accent1"/>
+          </a:effectRef>
+          <a:fontRef idx="minor">
+            <a:schemeClr val="lt1"/>
+          </a:fontRef>
+        </p:style>
+        <p:txBody>
+          <a:bodyPr rtlCol="0" anchor="ctr"/>
+          <a:lstStyle/>
+          <a:p>
+            <a:pPr algn="ctr"/>
+            <a:r>
+              <a:rPr lang="en-US" dirty="0" err="1"/>
+              <a:t>Dns</a:t>
+            </a:r>
+            <a:r>
+              <a:rPr lang="en-US" dirty="0"/>
+              <a:t> service</a:t>
+            </a:r>
+          </a:p>
+        </p:txBody>
+      </p:sp>
+      <p:cxnSp>
+        <p:nvCxnSpPr>
+          <p:cNvPr id="34" name="Straight Arrow Connector 33">
+            <a:extLst>
+              <a:ext uri="{FF2B5EF4-FFF2-40B4-BE49-F238E27FC236}">
+                <a16:creationId xmlns:a16="http://schemas.microsoft.com/office/drawing/2014/main" id="{AF75DAF9-2088-4721-955C-E5A335EAD6F8}"/>
+              </a:ext>
+            </a:extLst>
+          </p:cNvPr>
+          <p:cNvCxnSpPr>
+            <a:cxnSpLocks/>
+            <a:endCxn id="32" idx="4"/>
+          </p:cNvCxnSpPr>
+          <p:nvPr/>
+        </p:nvCxnSpPr>
+        <p:spPr>
+          <a:xfrm flipV="1">
+            <a:off x="4132196" y="1899138"/>
+            <a:ext cx="1459712" cy="2268416"/>
+          </a:xfrm>
+          <a:prstGeom prst="straightConnector1">
+            <a:avLst/>
+          </a:prstGeom>
+          <a:ln>
+            <a:solidFill>
+              <a:srgbClr val="C00000"/>
+            </a:solidFill>
+            <a:tailEnd type="triangle"/>
+          </a:ln>
+        </p:spPr>
+        <p:style>
+          <a:lnRef idx="1">
+            <a:schemeClr val="accent1"/>
+          </a:lnRef>
+          <a:fillRef idx="0">
+            <a:schemeClr val="accent1"/>
+          </a:fillRef>
+          <a:effectRef idx="0">
+            <a:schemeClr val="accent1"/>
+          </a:effectRef>
+          <a:fontRef idx="minor">
+            <a:schemeClr val="tx1"/>
+          </a:fontRef>
+        </p:style>
+      </p:cxnSp>
+      <p:cxnSp>
+        <p:nvCxnSpPr>
+          <p:cNvPr id="36" name="Straight Arrow Connector 35">
+            <a:extLst>
+              <a:ext uri="{FF2B5EF4-FFF2-40B4-BE49-F238E27FC236}">
+                <a16:creationId xmlns:a16="http://schemas.microsoft.com/office/drawing/2014/main" id="{7DDCCA9F-09AF-4FF2-AAC8-C440698E338E}"/>
+              </a:ext>
+            </a:extLst>
+          </p:cNvPr>
+          <p:cNvCxnSpPr>
+            <a:cxnSpLocks/>
+            <a:stCxn id="32" idx="5"/>
+          </p:cNvCxnSpPr>
+          <p:nvPr/>
+        </p:nvCxnSpPr>
+        <p:spPr>
+          <a:xfrm flipH="1">
+            <a:off x="4396155" y="1814164"/>
+            <a:ext cx="1686904" cy="2283051"/>
+          </a:xfrm>
+          <a:prstGeom prst="straightConnector1">
+            <a:avLst/>
+          </a:prstGeom>
+          <a:ln>
+            <a:solidFill>
+              <a:srgbClr val="C00000"/>
+            </a:solidFill>
+            <a:tailEnd type="triangle"/>
+          </a:ln>
+        </p:spPr>
+        <p:style>
+          <a:lnRef idx="1">
+            <a:schemeClr val="accent1"/>
+          </a:lnRef>
+          <a:fillRef idx="0">
+            <a:schemeClr val="accent1"/>
+          </a:fillRef>
+          <a:effectRef idx="0">
+            <a:schemeClr val="accent1"/>
+          </a:effectRef>
+          <a:fontRef idx="minor">
+            <a:schemeClr val="tx1"/>
+          </a:fontRef>
+        </p:style>
+      </p:cxnSp>
+      <p:sp>
+        <p:nvSpPr>
+          <p:cNvPr id="37" name="TextBox 36">
+            <a:extLst>
+              <a:ext uri="{FF2B5EF4-FFF2-40B4-BE49-F238E27FC236}">
+                <a16:creationId xmlns:a16="http://schemas.microsoft.com/office/drawing/2014/main" id="{EC75BB9D-FBCA-488E-A11B-E75A7D52E89E}"/>
+              </a:ext>
+            </a:extLst>
+          </p:cNvPr>
+          <p:cNvSpPr txBox="1"/>
+          <p:nvPr/>
+        </p:nvSpPr>
+        <p:spPr>
+          <a:xfrm>
+            <a:off x="4528038" y="2890325"/>
+            <a:ext cx="597279" cy="276999"/>
+          </a:xfrm>
+          <a:prstGeom prst="rect">
+            <a:avLst/>
+          </a:prstGeom>
+          <a:noFill/>
+        </p:spPr>
+        <p:txBody>
+          <a:bodyPr wrap="none" rtlCol="0">
+            <a:spAutoFit/>
+          </a:bodyPr>
+          <a:lstStyle/>
+          <a:p>
+            <a:r>
+              <a:rPr lang="en-US" sz="1200" dirty="0"/>
+              <a:t>Db-svc</a:t>
+            </a:r>
+          </a:p>
+        </p:txBody>
+      </p:sp>
+      <p:sp>
+        <p:nvSpPr>
+          <p:cNvPr id="38" name="Rectangle 37">
+            <a:extLst>
+              <a:ext uri="{FF2B5EF4-FFF2-40B4-BE49-F238E27FC236}">
+                <a16:creationId xmlns:a16="http://schemas.microsoft.com/office/drawing/2014/main" id="{7ECAA53D-472D-401C-89A7-0F5C00B13BE4}"/>
+              </a:ext>
+            </a:extLst>
+          </p:cNvPr>
+          <p:cNvSpPr/>
+          <p:nvPr/>
+        </p:nvSpPr>
+        <p:spPr>
+          <a:xfrm>
+            <a:off x="5087210" y="2567382"/>
+            <a:ext cx="867545" cy="261610"/>
+          </a:xfrm>
+          <a:prstGeom prst="rect">
+            <a:avLst/>
+          </a:prstGeom>
+        </p:spPr>
+        <p:txBody>
+          <a:bodyPr wrap="none">
+            <a:spAutoFit/>
+          </a:bodyPr>
+          <a:lstStyle/>
+          <a:p>
+            <a:r>
+              <a:rPr lang="en-US" sz="1100" dirty="0"/>
+              <a:t>10.102.55.7</a:t>
+            </a:r>
+          </a:p>
+        </p:txBody>
+      </p:sp>
+      <p:cxnSp>
+        <p:nvCxnSpPr>
+          <p:cNvPr id="40" name="Straight Arrow Connector 39">
+            <a:extLst>
+              <a:ext uri="{FF2B5EF4-FFF2-40B4-BE49-F238E27FC236}">
+                <a16:creationId xmlns:a16="http://schemas.microsoft.com/office/drawing/2014/main" id="{7B475E08-E810-4477-A2EC-62EC11B5F756}"/>
+              </a:ext>
+            </a:extLst>
+          </p:cNvPr>
+          <p:cNvCxnSpPr>
+            <a:stCxn id="14" idx="6"/>
+            <a:endCxn id="31" idx="2"/>
+          </p:cNvCxnSpPr>
+          <p:nvPr/>
+        </p:nvCxnSpPr>
+        <p:spPr>
+          <a:xfrm flipV="1">
+            <a:off x="4967653" y="2797992"/>
+            <a:ext cx="2996145" cy="1290431"/>
+          </a:xfrm>
+          <a:prstGeom prst="straightConnector1">
+            <a:avLst/>
+          </a:prstGeom>
+          <a:ln>
+            <a:tailEnd type="triangle"/>
+          </a:ln>
+        </p:spPr>
+        <p:style>
+          <a:lnRef idx="1">
+            <a:schemeClr val="accent1"/>
+          </a:lnRef>
+          <a:fillRef idx="0">
+            <a:schemeClr val="accent1"/>
+          </a:fillRef>
+          <a:effectRef idx="0">
+            <a:schemeClr val="accent1"/>
+          </a:effectRef>
+          <a:fontRef idx="minor">
+            <a:schemeClr val="tx1"/>
+          </a:fontRef>
+        </p:style>
+      </p:cxnSp>
+      <p:cxnSp>
+        <p:nvCxnSpPr>
+          <p:cNvPr id="42" name="Straight Arrow Connector 41">
+            <a:extLst>
+              <a:ext uri="{FF2B5EF4-FFF2-40B4-BE49-F238E27FC236}">
+                <a16:creationId xmlns:a16="http://schemas.microsoft.com/office/drawing/2014/main" id="{17ABC16D-A9BF-4A79-9D0B-E4AD71584F29}"/>
+              </a:ext>
+            </a:extLst>
+          </p:cNvPr>
+          <p:cNvCxnSpPr>
+            <a:stCxn id="31" idx="2"/>
+            <a:endCxn id="4" idx="0"/>
+          </p:cNvCxnSpPr>
+          <p:nvPr/>
+        </p:nvCxnSpPr>
+        <p:spPr>
+          <a:xfrm flipH="1">
+            <a:off x="7795401" y="2797992"/>
+            <a:ext cx="168397" cy="244011"/>
+          </a:xfrm>
+          <a:prstGeom prst="straightConnector1">
+            <a:avLst/>
+          </a:prstGeom>
+          <a:ln>
+            <a:tailEnd type="triangle"/>
+          </a:ln>
+        </p:spPr>
+        <p:style>
+          <a:lnRef idx="1">
+            <a:schemeClr val="accent1"/>
+          </a:lnRef>
+          <a:fillRef idx="0">
+            <a:schemeClr val="accent1"/>
+          </a:fillRef>
+          <a:effectRef idx="0">
+            <a:schemeClr val="accent1"/>
+          </a:effectRef>
+          <a:fontRef idx="minor">
+            <a:schemeClr val="tx1"/>
+          </a:fontRef>
+        </p:style>
+      </p:cxnSp>
+      <p:cxnSp>
+        <p:nvCxnSpPr>
+          <p:cNvPr id="44" name="Straight Arrow Connector 43">
+            <a:extLst>
+              <a:ext uri="{FF2B5EF4-FFF2-40B4-BE49-F238E27FC236}">
+                <a16:creationId xmlns:a16="http://schemas.microsoft.com/office/drawing/2014/main" id="{B4B167BD-A44A-45E5-AEF8-E05B7D4D843D}"/>
+              </a:ext>
+            </a:extLst>
+          </p:cNvPr>
+          <p:cNvCxnSpPr>
+            <a:stCxn id="4" idx="2"/>
+            <a:endCxn id="5" idx="0"/>
+          </p:cNvCxnSpPr>
+          <p:nvPr/>
+        </p:nvCxnSpPr>
+        <p:spPr>
+          <a:xfrm>
+            <a:off x="7795401" y="3411335"/>
+            <a:ext cx="0" cy="167054"/>
+          </a:xfrm>
+          <a:prstGeom prst="straightConnector1">
+            <a:avLst/>
+          </a:prstGeom>
+          <a:ln>
+            <a:tailEnd type="triangle"/>
+          </a:ln>
+        </p:spPr>
+        <p:style>
+          <a:lnRef idx="1">
+            <a:schemeClr val="accent1"/>
+          </a:lnRef>
+          <a:fillRef idx="0">
+            <a:schemeClr val="accent1"/>
+          </a:fillRef>
+          <a:effectRef idx="0">
+            <a:schemeClr val="accent1"/>
+          </a:effectRef>
+          <a:fontRef idx="minor">
+            <a:schemeClr val="tx1"/>
+          </a:fontRef>
+        </p:style>
+      </p:cxnSp>
+    </p:spTree>
+    <p:extLst>
+      <p:ext uri="{BB962C8B-B14F-4D97-AF65-F5344CB8AC3E}">
+        <p14:creationId xmlns:p14="http://schemas.microsoft.com/office/powerpoint/2010/main" val="1134142633"/>
+      </p:ext>
+    </p:extLst>
+  </p:cSld>
+  <p:clrMapOvr>
+    <a:masterClrMapping/>
+  </p:clrMapOvr>
+</p:sld>
+</file>
+
+<file path=ppt/slides/slide12.xml><?xml version="1.0" encoding="utf-8"?>
+<p:sld xmlns:a="http://schemas.openxmlformats.org/drawingml/2006/main" xmlns:r="http://schemas.openxmlformats.org/officeDocument/2006/relationships" xmlns:p="http://schemas.openxmlformats.org/presentationml/2006/main">
+  <p:cSld>
+    <p:spTree>
+      <p:nvGrpSpPr>
+        <p:cNvPr id="1" name=""/>
+        <p:cNvGrpSpPr/>
+        <p:nvPr/>
+      </p:nvGrpSpPr>
+      <p:grpSpPr>
+        <a:xfrm>
+          <a:off x="0" y="0"/>
+          <a:ext cx="0" cy="0"/>
+          <a:chOff x="0" y="0"/>
+          <a:chExt cx="0" cy="0"/>
+        </a:xfrm>
+      </p:grpSpPr>
+      <p:sp>
+        <p:nvSpPr>
+          <p:cNvPr id="2" name="TextBox 1">
+            <a:extLst>
+              <a:ext uri="{FF2B5EF4-FFF2-40B4-BE49-F238E27FC236}">
+                <a16:creationId xmlns:a16="http://schemas.microsoft.com/office/drawing/2014/main" id="{EA34FD38-71AD-4CED-85CB-D5FBE4EB284C}"/>
+              </a:ext>
+            </a:extLst>
+          </p:cNvPr>
+          <p:cNvSpPr txBox="1"/>
+          <p:nvPr/>
+        </p:nvSpPr>
+        <p:spPr>
+          <a:xfrm>
+            <a:off x="3499338" y="747346"/>
+            <a:ext cx="1246495" cy="646331"/>
+          </a:xfrm>
+          <a:prstGeom prst="rect">
+            <a:avLst/>
+          </a:prstGeom>
+          <a:noFill/>
+        </p:spPr>
+        <p:txBody>
+          <a:bodyPr wrap="none" rtlCol="0">
+            <a:spAutoFit/>
+          </a:bodyPr>
+          <a:lstStyle/>
+          <a:p>
+            <a:r>
+              <a:rPr lang="en-US" dirty="0"/>
+              <a:t>Terraform</a:t>
+            </a:r>
+          </a:p>
+          <a:p>
+            <a:r>
+              <a:rPr lang="en-US" dirty="0"/>
+              <a:t>autoscaling</a:t>
+            </a:r>
+          </a:p>
+        </p:txBody>
+      </p:sp>
+      <p:cxnSp>
+        <p:nvCxnSpPr>
+          <p:cNvPr id="4" name="Straight Arrow Connector 3">
+            <a:extLst>
+              <a:ext uri="{FF2B5EF4-FFF2-40B4-BE49-F238E27FC236}">
+                <a16:creationId xmlns:a16="http://schemas.microsoft.com/office/drawing/2014/main" id="{A3FB39C4-BB7C-4403-B5DB-202A6E651FBE}"/>
+              </a:ext>
+            </a:extLst>
+          </p:cNvPr>
+          <p:cNvCxnSpPr>
+            <a:stCxn id="2" idx="2"/>
+          </p:cNvCxnSpPr>
+          <p:nvPr/>
+        </p:nvCxnSpPr>
+        <p:spPr>
+          <a:xfrm flipH="1">
+            <a:off x="2936634" y="1393677"/>
+            <a:ext cx="1185952" cy="848361"/>
+          </a:xfrm>
+          <a:prstGeom prst="straightConnector1">
+            <a:avLst/>
+          </a:prstGeom>
+          <a:ln>
+            <a:tailEnd type="triangle"/>
+          </a:ln>
+        </p:spPr>
+        <p:style>
+          <a:lnRef idx="1">
+            <a:schemeClr val="accent1"/>
+          </a:lnRef>
+          <a:fillRef idx="0">
+            <a:schemeClr val="accent1"/>
+          </a:fillRef>
+          <a:effectRef idx="0">
+            <a:schemeClr val="accent1"/>
+          </a:effectRef>
+          <a:fontRef idx="minor">
+            <a:schemeClr val="tx1"/>
+          </a:fontRef>
+        </p:style>
+      </p:cxnSp>
+      <p:cxnSp>
+        <p:nvCxnSpPr>
+          <p:cNvPr id="6" name="Straight Arrow Connector 5">
+            <a:extLst>
+              <a:ext uri="{FF2B5EF4-FFF2-40B4-BE49-F238E27FC236}">
+                <a16:creationId xmlns:a16="http://schemas.microsoft.com/office/drawing/2014/main" id="{E2E0A960-9FAC-4676-B182-9EAD98FB931C}"/>
+              </a:ext>
+            </a:extLst>
+          </p:cNvPr>
+          <p:cNvCxnSpPr>
+            <a:stCxn id="2" idx="2"/>
+          </p:cNvCxnSpPr>
+          <p:nvPr/>
+        </p:nvCxnSpPr>
+        <p:spPr>
+          <a:xfrm>
+            <a:off x="4122586" y="1393677"/>
+            <a:ext cx="1144006" cy="830777"/>
+          </a:xfrm>
+          <a:prstGeom prst="straightConnector1">
+            <a:avLst/>
+          </a:prstGeom>
+          <a:ln>
+            <a:tailEnd type="triangle"/>
+          </a:ln>
+        </p:spPr>
+        <p:style>
+          <a:lnRef idx="1">
+            <a:schemeClr val="accent1"/>
+          </a:lnRef>
+          <a:fillRef idx="0">
+            <a:schemeClr val="accent1"/>
+          </a:fillRef>
+          <a:effectRef idx="0">
+            <a:schemeClr val="accent1"/>
+          </a:effectRef>
+          <a:fontRef idx="minor">
+            <a:schemeClr val="tx1"/>
+          </a:fontRef>
+        </p:style>
+      </p:cxnSp>
+      <p:sp>
+        <p:nvSpPr>
+          <p:cNvPr id="7" name="Rectangle 6">
+            <a:extLst>
+              <a:ext uri="{FF2B5EF4-FFF2-40B4-BE49-F238E27FC236}">
+                <a16:creationId xmlns:a16="http://schemas.microsoft.com/office/drawing/2014/main" id="{8855D062-CA0B-46FD-8AF1-5B32E7CA5C5A}"/>
+              </a:ext>
+            </a:extLst>
+          </p:cNvPr>
+          <p:cNvSpPr/>
+          <p:nvPr/>
+        </p:nvSpPr>
+        <p:spPr>
+          <a:xfrm>
+            <a:off x="1995854" y="2224454"/>
+            <a:ext cx="1934308" cy="1740877"/>
+          </a:xfrm>
+          <a:prstGeom prst="rect">
+            <a:avLst/>
+          </a:prstGeom>
+          <a:noFill/>
+        </p:spPr>
+        <p:style>
+          <a:lnRef idx="2">
+            <a:schemeClr val="accent1">
+              <a:shade val="50000"/>
+            </a:schemeClr>
+          </a:lnRef>
+          <a:fillRef idx="1">
+            <a:schemeClr val="accent1"/>
+          </a:fillRef>
+          <a:effectRef idx="0">
+            <a:schemeClr val="accent1"/>
+          </a:effectRef>
+          <a:fontRef idx="minor">
+            <a:schemeClr val="lt1"/>
+          </a:fontRef>
+        </p:style>
+        <p:txBody>
+          <a:bodyPr rtlCol="0" anchor="ctr"/>
+          <a:lstStyle/>
+          <a:p>
+            <a:pPr algn="ctr"/>
+            <a:r>
+              <a:rPr lang="en-US" dirty="0"/>
+              <a:t>VM1</a:t>
+            </a:r>
+          </a:p>
+        </p:txBody>
+      </p:sp>
+      <p:sp>
+        <p:nvSpPr>
+          <p:cNvPr id="8" name="Rectangle 7">
+            <a:extLst>
+              <a:ext uri="{FF2B5EF4-FFF2-40B4-BE49-F238E27FC236}">
+                <a16:creationId xmlns:a16="http://schemas.microsoft.com/office/drawing/2014/main" id="{AAD2A699-BF33-4DC1-A4EB-51B51CD2B94A}"/>
+              </a:ext>
+            </a:extLst>
+          </p:cNvPr>
+          <p:cNvSpPr/>
+          <p:nvPr/>
+        </p:nvSpPr>
+        <p:spPr>
+          <a:xfrm>
+            <a:off x="7954108" y="4677507"/>
+            <a:ext cx="1934308" cy="1740877"/>
+          </a:xfrm>
+          <a:prstGeom prst="rect">
+            <a:avLst/>
+          </a:prstGeom>
+          <a:noFill/>
+        </p:spPr>
+        <p:style>
+          <a:lnRef idx="2">
+            <a:schemeClr val="accent1">
+              <a:shade val="50000"/>
+            </a:schemeClr>
+          </a:lnRef>
+          <a:fillRef idx="1">
+            <a:schemeClr val="accent1"/>
+          </a:fillRef>
+          <a:effectRef idx="0">
+            <a:schemeClr val="accent1"/>
+          </a:effectRef>
+          <a:fontRef idx="minor">
+            <a:schemeClr val="lt1"/>
+          </a:fontRef>
+        </p:style>
+        <p:txBody>
+          <a:bodyPr rtlCol="0" anchor="ctr"/>
+          <a:lstStyle/>
+          <a:p>
+            <a:pPr algn="ctr"/>
+            <a:r>
+              <a:rPr lang="en-US" dirty="0"/>
+              <a:t>VM2</a:t>
+            </a:r>
+          </a:p>
+        </p:txBody>
+      </p:sp>
+      <p:sp>
+        <p:nvSpPr>
+          <p:cNvPr id="9" name="Rectangle 8">
+            <a:extLst>
+              <a:ext uri="{FF2B5EF4-FFF2-40B4-BE49-F238E27FC236}">
+                <a16:creationId xmlns:a16="http://schemas.microsoft.com/office/drawing/2014/main" id="{FDB11EEE-CB6C-4677-974D-BF212E863970}"/>
+              </a:ext>
+            </a:extLst>
+          </p:cNvPr>
+          <p:cNvSpPr/>
+          <p:nvPr/>
+        </p:nvSpPr>
+        <p:spPr>
+          <a:xfrm>
+            <a:off x="4276446" y="2268416"/>
+            <a:ext cx="1934308" cy="1740877"/>
+          </a:xfrm>
+          <a:prstGeom prst="rect">
+            <a:avLst/>
+          </a:prstGeom>
+          <a:noFill/>
+        </p:spPr>
+        <p:style>
+          <a:lnRef idx="2">
+            <a:schemeClr val="accent1">
+              <a:shade val="50000"/>
+            </a:schemeClr>
+          </a:lnRef>
+          <a:fillRef idx="1">
+            <a:schemeClr val="accent1"/>
+          </a:fillRef>
+          <a:effectRef idx="0">
+            <a:schemeClr val="accent1"/>
+          </a:effectRef>
+          <a:fontRef idx="minor">
+            <a:schemeClr val="lt1"/>
+          </a:fontRef>
+        </p:style>
+        <p:txBody>
+          <a:bodyPr rtlCol="0" anchor="ctr"/>
+          <a:lstStyle/>
+          <a:p>
+            <a:pPr algn="ctr"/>
+            <a:r>
+              <a:rPr lang="en-US" dirty="0"/>
+              <a:t>VM3</a:t>
+            </a:r>
+          </a:p>
+        </p:txBody>
+      </p:sp>
+      <p:cxnSp>
+        <p:nvCxnSpPr>
+          <p:cNvPr id="11" name="Straight Arrow Connector 10">
+            <a:extLst>
+              <a:ext uri="{FF2B5EF4-FFF2-40B4-BE49-F238E27FC236}">
+                <a16:creationId xmlns:a16="http://schemas.microsoft.com/office/drawing/2014/main" id="{010E5D25-6820-48EA-B7E3-1614E42C7292}"/>
+              </a:ext>
+            </a:extLst>
+          </p:cNvPr>
+          <p:cNvCxnSpPr>
+            <a:stCxn id="2" idx="2"/>
+            <a:endCxn id="9" idx="0"/>
+          </p:cNvCxnSpPr>
+          <p:nvPr/>
+        </p:nvCxnSpPr>
+        <p:spPr>
+          <a:xfrm>
+            <a:off x="4122586" y="1393677"/>
+            <a:ext cx="1121014" cy="874739"/>
+          </a:xfrm>
+          <a:prstGeom prst="straightConnector1">
+            <a:avLst/>
+          </a:prstGeom>
+          <a:ln>
+            <a:tailEnd type="triangle"/>
+          </a:ln>
+        </p:spPr>
+        <p:style>
+          <a:lnRef idx="1">
+            <a:schemeClr val="accent1"/>
+          </a:lnRef>
+          <a:fillRef idx="0">
+            <a:schemeClr val="accent1"/>
+          </a:fillRef>
+          <a:effectRef idx="0">
+            <a:schemeClr val="accent1"/>
+          </a:effectRef>
+          <a:fontRef idx="minor">
+            <a:schemeClr val="tx1"/>
+          </a:fontRef>
+        </p:style>
+      </p:cxnSp>
+      <p:cxnSp>
+        <p:nvCxnSpPr>
+          <p:cNvPr id="13" name="Straight Arrow Connector 12">
+            <a:extLst>
+              <a:ext uri="{FF2B5EF4-FFF2-40B4-BE49-F238E27FC236}">
+                <a16:creationId xmlns:a16="http://schemas.microsoft.com/office/drawing/2014/main" id="{78D45879-978D-4818-A7E5-A2881030B70C}"/>
+              </a:ext>
+            </a:extLst>
+          </p:cNvPr>
+          <p:cNvCxnSpPr>
+            <a:cxnSpLocks/>
+            <a:stCxn id="9" idx="1"/>
+          </p:cNvCxnSpPr>
+          <p:nvPr/>
+        </p:nvCxnSpPr>
+        <p:spPr>
+          <a:xfrm flipH="1">
+            <a:off x="3907170" y="3138855"/>
+            <a:ext cx="369276" cy="17584"/>
+          </a:xfrm>
+          <a:prstGeom prst="straightConnector1">
+            <a:avLst/>
+          </a:prstGeom>
+          <a:ln>
+            <a:tailEnd type="triangle"/>
+          </a:ln>
+        </p:spPr>
+        <p:style>
+          <a:lnRef idx="1">
+            <a:schemeClr val="accent1"/>
+          </a:lnRef>
+          <a:fillRef idx="0">
+            <a:schemeClr val="accent1"/>
+          </a:fillRef>
+          <a:effectRef idx="0">
+            <a:schemeClr val="accent1"/>
+          </a:effectRef>
+          <a:fontRef idx="minor">
+            <a:schemeClr val="tx1"/>
+          </a:fontRef>
+        </p:style>
+      </p:cxnSp>
+      <p:sp>
+        <p:nvSpPr>
+          <p:cNvPr id="14" name="Oval 13">
+            <a:extLst>
+              <a:ext uri="{FF2B5EF4-FFF2-40B4-BE49-F238E27FC236}">
+                <a16:creationId xmlns:a16="http://schemas.microsoft.com/office/drawing/2014/main" id="{07A929FE-AD54-4B9B-8E71-DFBAE32E3132}"/>
+              </a:ext>
+            </a:extLst>
+          </p:cNvPr>
+          <p:cNvSpPr/>
+          <p:nvPr/>
+        </p:nvSpPr>
+        <p:spPr>
+          <a:xfrm>
+            <a:off x="2118946" y="3037742"/>
+            <a:ext cx="817688" cy="782515"/>
+          </a:xfrm>
+          <a:prstGeom prst="ellipse">
+            <a:avLst/>
+          </a:prstGeom>
+        </p:spPr>
+        <p:style>
+          <a:lnRef idx="2">
+            <a:schemeClr val="accent1">
+              <a:shade val="50000"/>
+            </a:schemeClr>
+          </a:lnRef>
+          <a:fillRef idx="1">
+            <a:schemeClr val="accent1"/>
+          </a:fillRef>
+          <a:effectRef idx="0">
+            <a:schemeClr val="accent1"/>
+          </a:effectRef>
+          <a:fontRef idx="minor">
+            <a:schemeClr val="lt1"/>
+          </a:fontRef>
+        </p:style>
+        <p:txBody>
+          <a:bodyPr rtlCol="0" anchor="ctr"/>
+          <a:lstStyle/>
+          <a:p>
+            <a:pPr algn="ctr"/>
+            <a:r>
+              <a:rPr lang="en-US" dirty="0"/>
+              <a:t>C1</a:t>
+            </a:r>
+          </a:p>
+          <a:p>
+            <a:pPr algn="ctr"/>
+            <a:r>
+              <a:rPr lang="en-US" dirty="0"/>
+              <a:t>20%</a:t>
+            </a:r>
+          </a:p>
+          <a:p>
+            <a:pPr algn="ctr"/>
+            <a:r>
+              <a:rPr lang="en-US" dirty="0"/>
+              <a:t>80%</a:t>
+            </a:r>
+          </a:p>
+        </p:txBody>
+      </p:sp>
+      <p:sp>
+        <p:nvSpPr>
+          <p:cNvPr id="15" name="TextBox 14">
+            <a:extLst>
+              <a:ext uri="{FF2B5EF4-FFF2-40B4-BE49-F238E27FC236}">
+                <a16:creationId xmlns:a16="http://schemas.microsoft.com/office/drawing/2014/main" id="{E29E64C5-AE91-4582-848F-E5A79B3D3C90}"/>
+              </a:ext>
+            </a:extLst>
+          </p:cNvPr>
+          <p:cNvSpPr txBox="1"/>
+          <p:nvPr/>
+        </p:nvSpPr>
+        <p:spPr>
+          <a:xfrm>
+            <a:off x="2365130" y="4132385"/>
+            <a:ext cx="583814" cy="369332"/>
+          </a:xfrm>
+          <a:prstGeom prst="rect">
+            <a:avLst/>
+          </a:prstGeom>
+          <a:noFill/>
+        </p:spPr>
+        <p:txBody>
+          <a:bodyPr wrap="none" rtlCol="0">
+            <a:spAutoFit/>
+          </a:bodyPr>
+          <a:lstStyle/>
+          <a:p>
+            <a:r>
+              <a:rPr lang="en-US" dirty="0"/>
+              <a:t>80%</a:t>
+            </a:r>
+          </a:p>
+        </p:txBody>
+      </p:sp>
+      <p:sp>
+        <p:nvSpPr>
+          <p:cNvPr id="17" name="TextBox 16">
+            <a:extLst>
+              <a:ext uri="{FF2B5EF4-FFF2-40B4-BE49-F238E27FC236}">
+                <a16:creationId xmlns:a16="http://schemas.microsoft.com/office/drawing/2014/main" id="{602D8EAD-96C9-4772-AD35-E6C52224912F}"/>
+              </a:ext>
+            </a:extLst>
+          </p:cNvPr>
+          <p:cNvSpPr txBox="1"/>
+          <p:nvPr/>
+        </p:nvSpPr>
+        <p:spPr>
+          <a:xfrm>
+            <a:off x="2778703" y="2270558"/>
+            <a:ext cx="938077" cy="369332"/>
+          </a:xfrm>
+          <a:prstGeom prst="rect">
+            <a:avLst/>
+          </a:prstGeom>
+          <a:noFill/>
+        </p:spPr>
+        <p:txBody>
+          <a:bodyPr wrap="none" rtlCol="0">
+            <a:spAutoFit/>
+          </a:bodyPr>
+          <a:lstStyle/>
+          <a:p>
+            <a:r>
+              <a:rPr lang="en-US" dirty="0"/>
+              <a:t>K8S - 10</a:t>
+            </a:r>
+          </a:p>
+        </p:txBody>
+      </p:sp>
+      <p:cxnSp>
+        <p:nvCxnSpPr>
+          <p:cNvPr id="19" name="Straight Arrow Connector 18">
+            <a:extLst>
+              <a:ext uri="{FF2B5EF4-FFF2-40B4-BE49-F238E27FC236}">
+                <a16:creationId xmlns:a16="http://schemas.microsoft.com/office/drawing/2014/main" id="{44F9AEAD-4938-425F-9588-198EB31BC6C1}"/>
+              </a:ext>
+            </a:extLst>
+          </p:cNvPr>
+          <p:cNvCxnSpPr>
+            <a:stCxn id="17" idx="2"/>
+            <a:endCxn id="14" idx="0"/>
+          </p:cNvCxnSpPr>
+          <p:nvPr/>
+        </p:nvCxnSpPr>
+        <p:spPr>
+          <a:xfrm flipH="1">
+            <a:off x="2527790" y="2639890"/>
+            <a:ext cx="719952" cy="397852"/>
+          </a:xfrm>
+          <a:prstGeom prst="straightConnector1">
+            <a:avLst/>
+          </a:prstGeom>
+          <a:ln>
+            <a:tailEnd type="triangle"/>
+          </a:ln>
+        </p:spPr>
+        <p:style>
+          <a:lnRef idx="1">
+            <a:schemeClr val="accent1"/>
+          </a:lnRef>
+          <a:fillRef idx="0">
+            <a:schemeClr val="accent1"/>
+          </a:fillRef>
+          <a:effectRef idx="0">
+            <a:schemeClr val="accent1"/>
+          </a:effectRef>
+          <a:fontRef idx="minor">
+            <a:schemeClr val="tx1"/>
+          </a:fontRef>
+        </p:style>
+      </p:cxnSp>
+      <p:sp>
+        <p:nvSpPr>
+          <p:cNvPr id="20" name="Oval 19">
+            <a:extLst>
+              <a:ext uri="{FF2B5EF4-FFF2-40B4-BE49-F238E27FC236}">
+                <a16:creationId xmlns:a16="http://schemas.microsoft.com/office/drawing/2014/main" id="{2AF1DC44-6C6E-48C9-B091-D3F1A09A7065}"/>
+              </a:ext>
+            </a:extLst>
+          </p:cNvPr>
+          <p:cNvSpPr/>
+          <p:nvPr/>
+        </p:nvSpPr>
+        <p:spPr>
+          <a:xfrm>
+            <a:off x="2993274" y="3026800"/>
+            <a:ext cx="817688" cy="782515"/>
+          </a:xfrm>
+          <a:prstGeom prst="ellipse">
+            <a:avLst/>
+          </a:prstGeom>
+        </p:spPr>
+        <p:style>
+          <a:lnRef idx="2">
+            <a:schemeClr val="accent1">
+              <a:shade val="50000"/>
+            </a:schemeClr>
+          </a:lnRef>
+          <a:fillRef idx="1">
+            <a:schemeClr val="accent1"/>
+          </a:fillRef>
+          <a:effectRef idx="0">
+            <a:schemeClr val="accent1"/>
+          </a:effectRef>
+          <a:fontRef idx="minor">
+            <a:schemeClr val="lt1"/>
+          </a:fontRef>
+        </p:style>
+        <p:txBody>
+          <a:bodyPr rtlCol="0" anchor="ctr"/>
+          <a:lstStyle/>
+          <a:p>
+            <a:pPr algn="ctr"/>
+            <a:r>
+              <a:rPr lang="en-US" dirty="0"/>
+              <a:t>C1</a:t>
+            </a:r>
+          </a:p>
+          <a:p>
+            <a:pPr algn="ctr"/>
+            <a:r>
+              <a:rPr lang="en-US" dirty="0"/>
+              <a:t>20%</a:t>
+            </a:r>
+          </a:p>
+          <a:p>
+            <a:pPr algn="ctr"/>
+            <a:r>
+              <a:rPr lang="en-US" dirty="0"/>
+              <a:t>80%</a:t>
+            </a:r>
+          </a:p>
+        </p:txBody>
+      </p:sp>
+      <p:sp>
+        <p:nvSpPr>
+          <p:cNvPr id="21" name="Oval 20">
+            <a:extLst>
+              <a:ext uri="{FF2B5EF4-FFF2-40B4-BE49-F238E27FC236}">
+                <a16:creationId xmlns:a16="http://schemas.microsoft.com/office/drawing/2014/main" id="{6DF4498C-FC52-40FB-A628-7988F4083E9C}"/>
+              </a:ext>
+            </a:extLst>
+          </p:cNvPr>
+          <p:cNvSpPr/>
+          <p:nvPr/>
+        </p:nvSpPr>
+        <p:spPr>
+          <a:xfrm>
+            <a:off x="3120766" y="5539154"/>
+            <a:ext cx="817688" cy="782515"/>
+          </a:xfrm>
+          <a:prstGeom prst="ellipse">
+            <a:avLst/>
+          </a:prstGeom>
+        </p:spPr>
+        <p:style>
+          <a:lnRef idx="2">
+            <a:schemeClr val="accent1">
+              <a:shade val="50000"/>
+            </a:schemeClr>
+          </a:lnRef>
+          <a:fillRef idx="1">
+            <a:schemeClr val="accent1"/>
+          </a:fillRef>
+          <a:effectRef idx="0">
+            <a:schemeClr val="accent1"/>
+          </a:effectRef>
+          <a:fontRef idx="minor">
+            <a:schemeClr val="lt1"/>
+          </a:fontRef>
+        </p:style>
+        <p:txBody>
+          <a:bodyPr rtlCol="0" anchor="ctr"/>
+          <a:lstStyle/>
+          <a:p>
+            <a:pPr algn="ctr"/>
+            <a:r>
+              <a:rPr lang="en-US" dirty="0"/>
+              <a:t>C1</a:t>
+            </a:r>
+          </a:p>
+          <a:p>
+            <a:pPr algn="ctr"/>
+            <a:r>
+              <a:rPr lang="en-US" dirty="0"/>
+              <a:t>20%</a:t>
+            </a:r>
+          </a:p>
+          <a:p>
+            <a:pPr algn="ctr"/>
+            <a:r>
+              <a:rPr lang="en-US" dirty="0"/>
+              <a:t>80%</a:t>
+            </a:r>
+          </a:p>
+        </p:txBody>
+      </p:sp>
+      <p:sp>
+        <p:nvSpPr>
+          <p:cNvPr id="22" name="Oval 21">
+            <a:extLst>
+              <a:ext uri="{FF2B5EF4-FFF2-40B4-BE49-F238E27FC236}">
+                <a16:creationId xmlns:a16="http://schemas.microsoft.com/office/drawing/2014/main" id="{9FC01D98-5506-41DE-9587-A4961C3327C5}"/>
+              </a:ext>
+            </a:extLst>
+          </p:cNvPr>
+          <p:cNvSpPr/>
+          <p:nvPr/>
+        </p:nvSpPr>
+        <p:spPr>
+          <a:xfrm>
+            <a:off x="1890343" y="2202500"/>
+            <a:ext cx="817688" cy="782515"/>
+          </a:xfrm>
+          <a:prstGeom prst="ellipse">
+            <a:avLst/>
+          </a:prstGeom>
+        </p:spPr>
+        <p:style>
+          <a:lnRef idx="2">
+            <a:schemeClr val="accent1">
+              <a:shade val="50000"/>
+            </a:schemeClr>
+          </a:lnRef>
+          <a:fillRef idx="1">
+            <a:schemeClr val="accent1"/>
+          </a:fillRef>
+          <a:effectRef idx="0">
+            <a:schemeClr val="accent1"/>
+          </a:effectRef>
+          <a:fontRef idx="minor">
+            <a:schemeClr val="lt1"/>
+          </a:fontRef>
+        </p:style>
+        <p:txBody>
+          <a:bodyPr rtlCol="0" anchor="ctr"/>
+          <a:lstStyle/>
+          <a:p>
+            <a:pPr algn="ctr"/>
+            <a:r>
+              <a:rPr lang="en-US" dirty="0"/>
+              <a:t>C1</a:t>
+            </a:r>
+          </a:p>
+          <a:p>
+            <a:pPr algn="ctr"/>
+            <a:r>
+              <a:rPr lang="en-US" dirty="0"/>
+              <a:t>20%</a:t>
+            </a:r>
+          </a:p>
+          <a:p>
+            <a:pPr algn="ctr"/>
+            <a:r>
+              <a:rPr lang="en-US" dirty="0"/>
+              <a:t>80%</a:t>
+            </a:r>
+          </a:p>
+        </p:txBody>
+      </p:sp>
+      <p:sp>
+        <p:nvSpPr>
+          <p:cNvPr id="23" name="Oval 22">
+            <a:extLst>
+              <a:ext uri="{FF2B5EF4-FFF2-40B4-BE49-F238E27FC236}">
+                <a16:creationId xmlns:a16="http://schemas.microsoft.com/office/drawing/2014/main" id="{A82583AB-FD27-41E6-8091-1AF718DDA131}"/>
+              </a:ext>
+            </a:extLst>
+          </p:cNvPr>
+          <p:cNvSpPr/>
+          <p:nvPr/>
+        </p:nvSpPr>
+        <p:spPr>
+          <a:xfrm>
+            <a:off x="3146630" y="2593757"/>
+            <a:ext cx="817688" cy="782515"/>
+          </a:xfrm>
+          <a:prstGeom prst="ellipse">
+            <a:avLst/>
+          </a:prstGeom>
+        </p:spPr>
+        <p:style>
+          <a:lnRef idx="2">
+            <a:schemeClr val="accent1">
+              <a:shade val="50000"/>
+            </a:schemeClr>
+          </a:lnRef>
+          <a:fillRef idx="1">
+            <a:schemeClr val="accent1"/>
+          </a:fillRef>
+          <a:effectRef idx="0">
+            <a:schemeClr val="accent1"/>
+          </a:effectRef>
+          <a:fontRef idx="minor">
+            <a:schemeClr val="lt1"/>
+          </a:fontRef>
+        </p:style>
+        <p:txBody>
+          <a:bodyPr rtlCol="0" anchor="ctr"/>
+          <a:lstStyle/>
+          <a:p>
+            <a:pPr algn="ctr"/>
+            <a:r>
+              <a:rPr lang="en-US" dirty="0"/>
+              <a:t>C1</a:t>
+            </a:r>
+          </a:p>
+          <a:p>
+            <a:pPr algn="ctr"/>
+            <a:r>
+              <a:rPr lang="en-US" dirty="0"/>
+              <a:t>20%</a:t>
+            </a:r>
+          </a:p>
+          <a:p>
+            <a:pPr algn="ctr"/>
+            <a:r>
+              <a:rPr lang="en-US" dirty="0"/>
+              <a:t>80%</a:t>
+            </a:r>
+          </a:p>
+        </p:txBody>
+      </p:sp>
+      <p:sp>
+        <p:nvSpPr>
+          <p:cNvPr id="28" name="Oval 27">
+            <a:extLst>
+              <a:ext uri="{FF2B5EF4-FFF2-40B4-BE49-F238E27FC236}">
+                <a16:creationId xmlns:a16="http://schemas.microsoft.com/office/drawing/2014/main" id="{6D2F4615-E23A-46EA-8606-AC3D8F30772F}"/>
+              </a:ext>
+            </a:extLst>
+          </p:cNvPr>
+          <p:cNvSpPr/>
+          <p:nvPr/>
+        </p:nvSpPr>
+        <p:spPr>
+          <a:xfrm>
+            <a:off x="4465475" y="2446430"/>
+            <a:ext cx="817688" cy="782515"/>
+          </a:xfrm>
+          <a:prstGeom prst="ellipse">
+            <a:avLst/>
+          </a:prstGeom>
+        </p:spPr>
+        <p:style>
+          <a:lnRef idx="2">
+            <a:schemeClr val="accent1">
+              <a:shade val="50000"/>
+            </a:schemeClr>
+          </a:lnRef>
+          <a:fillRef idx="1">
+            <a:schemeClr val="accent1"/>
+          </a:fillRef>
+          <a:effectRef idx="0">
+            <a:schemeClr val="accent1"/>
+          </a:effectRef>
+          <a:fontRef idx="minor">
+            <a:schemeClr val="lt1"/>
+          </a:fontRef>
+        </p:style>
+        <p:txBody>
+          <a:bodyPr rtlCol="0" anchor="ctr"/>
+          <a:lstStyle/>
+          <a:p>
+            <a:pPr algn="ctr"/>
+            <a:r>
+              <a:rPr lang="en-US" dirty="0"/>
+              <a:t>C1</a:t>
+            </a:r>
+          </a:p>
+          <a:p>
+            <a:pPr algn="ctr"/>
+            <a:r>
+              <a:rPr lang="en-US" dirty="0"/>
+              <a:t>20%</a:t>
+            </a:r>
+          </a:p>
+          <a:p>
+            <a:pPr algn="ctr"/>
+            <a:r>
+              <a:rPr lang="en-US" dirty="0"/>
+              <a:t>80%</a:t>
+            </a:r>
+          </a:p>
+        </p:txBody>
+      </p:sp>
+      <p:sp>
+        <p:nvSpPr>
+          <p:cNvPr id="29" name="Oval 28">
+            <a:extLst>
+              <a:ext uri="{FF2B5EF4-FFF2-40B4-BE49-F238E27FC236}">
+                <a16:creationId xmlns:a16="http://schemas.microsoft.com/office/drawing/2014/main" id="{C1654213-80A4-4165-AB98-8C3910228F34}"/>
+              </a:ext>
+            </a:extLst>
+          </p:cNvPr>
+          <p:cNvSpPr/>
+          <p:nvPr/>
+        </p:nvSpPr>
+        <p:spPr>
+          <a:xfrm>
+            <a:off x="5442609" y="3112477"/>
+            <a:ext cx="817688" cy="782515"/>
+          </a:xfrm>
+          <a:prstGeom prst="ellipse">
+            <a:avLst/>
+          </a:prstGeom>
+        </p:spPr>
+        <p:style>
+          <a:lnRef idx="2">
+            <a:schemeClr val="accent1">
+              <a:shade val="50000"/>
+            </a:schemeClr>
+          </a:lnRef>
+          <a:fillRef idx="1">
+            <a:schemeClr val="accent1"/>
+          </a:fillRef>
+          <a:effectRef idx="0">
+            <a:schemeClr val="accent1"/>
+          </a:effectRef>
+          <a:fontRef idx="minor">
+            <a:schemeClr val="lt1"/>
+          </a:fontRef>
+        </p:style>
+        <p:txBody>
+          <a:bodyPr rtlCol="0" anchor="ctr"/>
+          <a:lstStyle/>
+          <a:p>
+            <a:pPr algn="ctr"/>
+            <a:r>
+              <a:rPr lang="en-US" dirty="0"/>
+              <a:t>C1</a:t>
+            </a:r>
+          </a:p>
+          <a:p>
+            <a:pPr algn="ctr"/>
+            <a:r>
+              <a:rPr lang="en-US" dirty="0"/>
+              <a:t>20%</a:t>
+            </a:r>
+          </a:p>
+          <a:p>
+            <a:pPr algn="ctr"/>
+            <a:r>
+              <a:rPr lang="en-US" dirty="0"/>
+              <a:t>80%</a:t>
+            </a:r>
+          </a:p>
+        </p:txBody>
+      </p:sp>
+      <p:sp>
+        <p:nvSpPr>
+          <p:cNvPr id="30" name="Oval 29">
+            <a:extLst>
+              <a:ext uri="{FF2B5EF4-FFF2-40B4-BE49-F238E27FC236}">
+                <a16:creationId xmlns:a16="http://schemas.microsoft.com/office/drawing/2014/main" id="{358C8C6E-2907-49ED-842B-4513900B3973}"/>
+              </a:ext>
+            </a:extLst>
+          </p:cNvPr>
+          <p:cNvSpPr/>
+          <p:nvPr/>
+        </p:nvSpPr>
+        <p:spPr>
+          <a:xfrm>
+            <a:off x="4624921" y="3237798"/>
+            <a:ext cx="817688" cy="782515"/>
+          </a:xfrm>
+          <a:prstGeom prst="ellipse">
+            <a:avLst/>
+          </a:prstGeom>
+        </p:spPr>
+        <p:style>
+          <a:lnRef idx="2">
+            <a:schemeClr val="accent1">
+              <a:shade val="50000"/>
+            </a:schemeClr>
+          </a:lnRef>
+          <a:fillRef idx="1">
+            <a:schemeClr val="accent1"/>
+          </a:fillRef>
+          <a:effectRef idx="0">
+            <a:schemeClr val="accent1"/>
+          </a:effectRef>
+          <a:fontRef idx="minor">
+            <a:schemeClr val="lt1"/>
+          </a:fontRef>
+        </p:style>
+        <p:txBody>
+          <a:bodyPr rtlCol="0" anchor="ctr"/>
+          <a:lstStyle/>
+          <a:p>
+            <a:pPr algn="ctr"/>
+            <a:r>
+              <a:rPr lang="en-US" dirty="0"/>
+              <a:t>C1</a:t>
+            </a:r>
+          </a:p>
+          <a:p>
+            <a:pPr algn="ctr"/>
+            <a:r>
+              <a:rPr lang="en-US" dirty="0"/>
+              <a:t>20%</a:t>
+            </a:r>
+          </a:p>
+          <a:p>
+            <a:pPr algn="ctr"/>
+            <a:r>
+              <a:rPr lang="en-US" dirty="0"/>
+              <a:t>80%</a:t>
+            </a:r>
+          </a:p>
+        </p:txBody>
+      </p:sp>
+      <p:sp>
+        <p:nvSpPr>
+          <p:cNvPr id="32" name="Cloud 31">
+            <a:extLst>
+              <a:ext uri="{FF2B5EF4-FFF2-40B4-BE49-F238E27FC236}">
+                <a16:creationId xmlns:a16="http://schemas.microsoft.com/office/drawing/2014/main" id="{53CB8B5E-C97F-47A6-87AE-C2148817CE0B}"/>
+              </a:ext>
+            </a:extLst>
+          </p:cNvPr>
+          <p:cNvSpPr/>
+          <p:nvPr/>
+        </p:nvSpPr>
+        <p:spPr>
+          <a:xfrm>
+            <a:off x="6567854" y="1907931"/>
+            <a:ext cx="3982915" cy="1521069"/>
+          </a:xfrm>
+          <a:prstGeom prst="cloud">
+            <a:avLst/>
+          </a:prstGeom>
+          <a:noFill/>
+        </p:spPr>
+        <p:style>
+          <a:lnRef idx="2">
+            <a:schemeClr val="accent1">
+              <a:shade val="50000"/>
+            </a:schemeClr>
+          </a:lnRef>
+          <a:fillRef idx="1">
+            <a:schemeClr val="accent1"/>
+          </a:fillRef>
+          <a:effectRef idx="0">
+            <a:schemeClr val="accent1"/>
+          </a:effectRef>
+          <a:fontRef idx="minor">
+            <a:schemeClr val="lt1"/>
+          </a:fontRef>
+        </p:style>
+        <p:txBody>
+          <a:bodyPr rtlCol="0" anchor="ctr"/>
+          <a:lstStyle/>
+          <a:p>
+            <a:pPr algn="ctr"/>
+            <a:endParaRPr lang="en-US"/>
+          </a:p>
+        </p:txBody>
+      </p:sp>
+      <p:sp>
+        <p:nvSpPr>
+          <p:cNvPr id="33" name="Rectangle 32">
+            <a:extLst>
+              <a:ext uri="{FF2B5EF4-FFF2-40B4-BE49-F238E27FC236}">
+                <a16:creationId xmlns:a16="http://schemas.microsoft.com/office/drawing/2014/main" id="{39AB27CC-36D6-4C83-A89B-A21E352442CA}"/>
+              </a:ext>
+            </a:extLst>
+          </p:cNvPr>
+          <p:cNvSpPr/>
+          <p:nvPr/>
+        </p:nvSpPr>
+        <p:spPr>
+          <a:xfrm>
+            <a:off x="7218485" y="2446430"/>
+            <a:ext cx="448407" cy="538585"/>
+          </a:xfrm>
+          <a:prstGeom prst="rect">
+            <a:avLst/>
+          </a:prstGeom>
+        </p:spPr>
+        <p:style>
+          <a:lnRef idx="2">
+            <a:schemeClr val="accent1">
+              <a:shade val="50000"/>
+            </a:schemeClr>
+          </a:lnRef>
+          <a:fillRef idx="1">
+            <a:schemeClr val="accent1"/>
+          </a:fillRef>
+          <a:effectRef idx="0">
+            <a:schemeClr val="accent1"/>
+          </a:effectRef>
+          <a:fontRef idx="minor">
+            <a:schemeClr val="lt1"/>
+          </a:fontRef>
+        </p:style>
+        <p:txBody>
+          <a:bodyPr rtlCol="0" anchor="ctr"/>
+          <a:lstStyle/>
+          <a:p>
+            <a:pPr algn="ctr"/>
+            <a:endParaRPr lang="en-US"/>
+          </a:p>
+        </p:txBody>
+      </p:sp>
+    </p:spTree>
+    <p:extLst>
+      <p:ext uri="{BB962C8B-B14F-4D97-AF65-F5344CB8AC3E}">
+        <p14:creationId xmlns:p14="http://schemas.microsoft.com/office/powerpoint/2010/main" val="3140274339"/>
+      </p:ext>
+    </p:extLst>
+  </p:cSld>
+  <p:clrMapOvr>
+    <a:masterClrMapping/>
+  </p:clrMapOvr>
+</p:sld>
+</file>
+
+<file path=ppt/slides/slide13.xml><?xml version="1.0" encoding="utf-8"?>
+<p:sld xmlns:a="http://schemas.openxmlformats.org/drawingml/2006/main" xmlns:r="http://schemas.openxmlformats.org/officeDocument/2006/relationships" xmlns:p="http://schemas.openxmlformats.org/presentationml/2006/main">
+  <p:cSld>
+    <p:spTree>
+      <p:nvGrpSpPr>
+        <p:cNvPr id="1" name=""/>
+        <p:cNvGrpSpPr/>
+        <p:nvPr/>
+      </p:nvGrpSpPr>
+      <p:grpSpPr>
+        <a:xfrm>
+          <a:off x="0" y="0"/>
+          <a:ext cx="0" cy="0"/>
+          <a:chOff x="0" y="0"/>
+          <a:chExt cx="0" cy="0"/>
+        </a:xfrm>
+      </p:grpSpPr>
+      <p:sp>
+        <p:nvSpPr>
+          <p:cNvPr id="2" name="Rectangle 1">
+            <a:extLst>
+              <a:ext uri="{FF2B5EF4-FFF2-40B4-BE49-F238E27FC236}">
+                <a16:creationId xmlns:a16="http://schemas.microsoft.com/office/drawing/2014/main" id="{5EBDA307-18B8-4760-9B2B-9062D17C5333}"/>
+              </a:ext>
+            </a:extLst>
+          </p:cNvPr>
+          <p:cNvSpPr/>
+          <p:nvPr/>
+        </p:nvSpPr>
+        <p:spPr>
+          <a:xfrm>
+            <a:off x="4932485" y="465992"/>
+            <a:ext cx="2743200" cy="2215662"/>
+          </a:xfrm>
+          <a:prstGeom prst="rect">
+            <a:avLst/>
+          </a:prstGeom>
+          <a:noFill/>
+        </p:spPr>
+        <p:style>
+          <a:lnRef idx="2">
+            <a:schemeClr val="accent1">
+              <a:shade val="50000"/>
+            </a:schemeClr>
+          </a:lnRef>
+          <a:fillRef idx="1">
+            <a:schemeClr val="accent1"/>
+          </a:fillRef>
+          <a:effectRef idx="0">
+            <a:schemeClr val="accent1"/>
+          </a:effectRef>
+          <a:fontRef idx="minor">
+            <a:schemeClr val="lt1"/>
+          </a:fontRef>
+        </p:style>
+        <p:txBody>
+          <a:bodyPr rtlCol="0" anchor="ctr"/>
+          <a:lstStyle/>
+          <a:p>
+            <a:pPr algn="ctr"/>
+            <a:endParaRPr lang="en-US"/>
+          </a:p>
+        </p:txBody>
+      </p:sp>
+      <p:sp>
+        <p:nvSpPr>
+          <p:cNvPr id="3" name="Rectangle 2">
+            <a:extLst>
+              <a:ext uri="{FF2B5EF4-FFF2-40B4-BE49-F238E27FC236}">
+                <a16:creationId xmlns:a16="http://schemas.microsoft.com/office/drawing/2014/main" id="{43F5E39E-AA08-4867-A8F7-82A75ED10069}"/>
+              </a:ext>
+            </a:extLst>
+          </p:cNvPr>
+          <p:cNvSpPr/>
+          <p:nvPr/>
+        </p:nvSpPr>
+        <p:spPr>
+          <a:xfrm>
+            <a:off x="7828085" y="3713285"/>
+            <a:ext cx="2743200" cy="2215662"/>
+          </a:xfrm>
+          <a:prstGeom prst="rect">
+            <a:avLst/>
+          </a:prstGeom>
+          <a:noFill/>
+        </p:spPr>
+        <p:style>
+          <a:lnRef idx="2">
+            <a:schemeClr val="accent1">
+              <a:shade val="50000"/>
+            </a:schemeClr>
+          </a:lnRef>
+          <a:fillRef idx="1">
+            <a:schemeClr val="accent1"/>
+          </a:fillRef>
+          <a:effectRef idx="0">
+            <a:schemeClr val="accent1"/>
+          </a:effectRef>
+          <a:fontRef idx="minor">
+            <a:schemeClr val="lt1"/>
+          </a:fontRef>
+        </p:style>
+        <p:txBody>
+          <a:bodyPr rtlCol="0" anchor="ctr"/>
+          <a:lstStyle/>
+          <a:p>
+            <a:pPr algn="ctr"/>
+            <a:endParaRPr lang="en-US"/>
+          </a:p>
+        </p:txBody>
+      </p:sp>
+      <p:sp>
+        <p:nvSpPr>
+          <p:cNvPr id="4" name="Rectangle 3">
+            <a:extLst>
+              <a:ext uri="{FF2B5EF4-FFF2-40B4-BE49-F238E27FC236}">
+                <a16:creationId xmlns:a16="http://schemas.microsoft.com/office/drawing/2014/main" id="{95781D81-BC06-4155-8475-B7A13670A736}"/>
+              </a:ext>
+            </a:extLst>
+          </p:cNvPr>
+          <p:cNvSpPr/>
+          <p:nvPr/>
+        </p:nvSpPr>
+        <p:spPr>
+          <a:xfrm>
+            <a:off x="1975338" y="3713285"/>
+            <a:ext cx="2743200" cy="2215662"/>
+          </a:xfrm>
+          <a:prstGeom prst="rect">
+            <a:avLst/>
+          </a:prstGeom>
+          <a:noFill/>
+        </p:spPr>
+        <p:style>
+          <a:lnRef idx="2">
+            <a:schemeClr val="accent1">
+              <a:shade val="50000"/>
+            </a:schemeClr>
+          </a:lnRef>
+          <a:fillRef idx="1">
+            <a:schemeClr val="accent1"/>
+          </a:fillRef>
+          <a:effectRef idx="0">
+            <a:schemeClr val="accent1"/>
+          </a:effectRef>
+          <a:fontRef idx="minor">
+            <a:schemeClr val="lt1"/>
+          </a:fontRef>
+        </p:style>
+        <p:txBody>
+          <a:bodyPr rtlCol="0" anchor="ctr"/>
+          <a:lstStyle/>
+          <a:p>
+            <a:pPr algn="ctr"/>
+            <a:endParaRPr lang="en-US"/>
+          </a:p>
+        </p:txBody>
+      </p:sp>
+      <p:sp>
+        <p:nvSpPr>
+          <p:cNvPr id="5" name="TextBox 4">
+            <a:extLst>
+              <a:ext uri="{FF2B5EF4-FFF2-40B4-BE49-F238E27FC236}">
+                <a16:creationId xmlns:a16="http://schemas.microsoft.com/office/drawing/2014/main" id="{FDB618AE-2513-44A3-995C-F9F02AC0E722}"/>
+              </a:ext>
+            </a:extLst>
+          </p:cNvPr>
+          <p:cNvSpPr txBox="1"/>
+          <p:nvPr/>
+        </p:nvSpPr>
+        <p:spPr>
+          <a:xfrm>
+            <a:off x="5377389" y="2681654"/>
+            <a:ext cx="1853392" cy="276999"/>
+          </a:xfrm>
+          <a:prstGeom prst="rect">
+            <a:avLst/>
+          </a:prstGeom>
+          <a:noFill/>
+        </p:spPr>
+        <p:txBody>
+          <a:bodyPr wrap="none" rtlCol="0">
+            <a:spAutoFit/>
+          </a:bodyPr>
+          <a:lstStyle/>
+          <a:p>
+            <a:r>
+              <a:rPr lang="en-US" sz="1200" dirty="0"/>
+              <a:t>Node1: Ip: 192.168.99.100</a:t>
+            </a:r>
+          </a:p>
+        </p:txBody>
+      </p:sp>
+      <p:sp>
+        <p:nvSpPr>
+          <p:cNvPr id="6" name="TextBox 5">
+            <a:extLst>
+              <a:ext uri="{FF2B5EF4-FFF2-40B4-BE49-F238E27FC236}">
+                <a16:creationId xmlns:a16="http://schemas.microsoft.com/office/drawing/2014/main" id="{31508459-8929-4BC0-9D9B-7E2B84D9CF4F}"/>
+              </a:ext>
+            </a:extLst>
+          </p:cNvPr>
+          <p:cNvSpPr txBox="1"/>
+          <p:nvPr/>
+        </p:nvSpPr>
+        <p:spPr>
+          <a:xfrm>
+            <a:off x="8272989" y="5928947"/>
+            <a:ext cx="1853392" cy="276999"/>
+          </a:xfrm>
+          <a:prstGeom prst="rect">
+            <a:avLst/>
+          </a:prstGeom>
+          <a:noFill/>
+        </p:spPr>
+        <p:txBody>
+          <a:bodyPr wrap="none" rtlCol="0">
+            <a:spAutoFit/>
+          </a:bodyPr>
+          <a:lstStyle/>
+          <a:p>
+            <a:r>
+              <a:rPr lang="en-US" sz="1200" dirty="0"/>
+              <a:t>Node2: Ip: 192.168.99.101</a:t>
+            </a:r>
+          </a:p>
+        </p:txBody>
+      </p:sp>
+      <p:sp>
+        <p:nvSpPr>
+          <p:cNvPr id="7" name="TextBox 6">
+            <a:extLst>
+              <a:ext uri="{FF2B5EF4-FFF2-40B4-BE49-F238E27FC236}">
+                <a16:creationId xmlns:a16="http://schemas.microsoft.com/office/drawing/2014/main" id="{24C2D4E4-BD57-42D2-9265-F666B948B0CC}"/>
+              </a:ext>
+            </a:extLst>
+          </p:cNvPr>
+          <p:cNvSpPr txBox="1"/>
+          <p:nvPr/>
+        </p:nvSpPr>
+        <p:spPr>
+          <a:xfrm>
+            <a:off x="2420242" y="5928946"/>
+            <a:ext cx="1853392" cy="276999"/>
+          </a:xfrm>
+          <a:prstGeom prst="rect">
+            <a:avLst/>
+          </a:prstGeom>
+          <a:noFill/>
+        </p:spPr>
+        <p:txBody>
+          <a:bodyPr wrap="none" rtlCol="0">
+            <a:spAutoFit/>
+          </a:bodyPr>
+          <a:lstStyle/>
+          <a:p>
+            <a:r>
+              <a:rPr lang="en-US" sz="1200" dirty="0"/>
+              <a:t>Node3: Ip: 192.168.99.102</a:t>
+            </a:r>
+          </a:p>
+        </p:txBody>
+      </p:sp>
+      <p:sp>
+        <p:nvSpPr>
+          <p:cNvPr id="9" name="Isosceles Triangle 8">
+            <a:extLst>
+              <a:ext uri="{FF2B5EF4-FFF2-40B4-BE49-F238E27FC236}">
+                <a16:creationId xmlns:a16="http://schemas.microsoft.com/office/drawing/2014/main" id="{8167C5EB-CF58-49A4-A157-095DB9524635}"/>
+              </a:ext>
+            </a:extLst>
+          </p:cNvPr>
+          <p:cNvSpPr/>
+          <p:nvPr/>
+        </p:nvSpPr>
+        <p:spPr>
+          <a:xfrm>
+            <a:off x="1426711" y="1786262"/>
+            <a:ext cx="518746" cy="896816"/>
+          </a:xfrm>
+          <a:prstGeom prst="triangle">
+            <a:avLst/>
+          </a:prstGeom>
+        </p:spPr>
+        <p:style>
+          <a:lnRef idx="2">
+            <a:schemeClr val="accent1">
+              <a:shade val="50000"/>
+            </a:schemeClr>
+          </a:lnRef>
+          <a:fillRef idx="1">
+            <a:schemeClr val="accent1"/>
+          </a:fillRef>
+          <a:effectRef idx="0">
+            <a:schemeClr val="accent1"/>
+          </a:effectRef>
+          <a:fontRef idx="minor">
+            <a:schemeClr val="lt1"/>
+          </a:fontRef>
+        </p:style>
+        <p:txBody>
+          <a:bodyPr rtlCol="0" anchor="ctr"/>
+          <a:lstStyle/>
+          <a:p>
+            <a:pPr algn="ctr"/>
+            <a:endParaRPr lang="en-US"/>
+          </a:p>
+        </p:txBody>
+      </p:sp>
+      <p:sp>
+        <p:nvSpPr>
+          <p:cNvPr id="8" name="Rectangle 7">
+            <a:extLst>
+              <a:ext uri="{FF2B5EF4-FFF2-40B4-BE49-F238E27FC236}">
+                <a16:creationId xmlns:a16="http://schemas.microsoft.com/office/drawing/2014/main" id="{30C90A96-1033-4E1F-B005-9EF25FAC0BAD}"/>
+              </a:ext>
+            </a:extLst>
+          </p:cNvPr>
+          <p:cNvSpPr/>
+          <p:nvPr/>
+        </p:nvSpPr>
+        <p:spPr>
+          <a:xfrm>
+            <a:off x="611384" y="652055"/>
+            <a:ext cx="2206869" cy="1767254"/>
+          </a:xfrm>
+          <a:prstGeom prst="rect">
+            <a:avLst/>
+          </a:prstGeom>
+        </p:spPr>
+        <p:style>
+          <a:lnRef idx="2">
+            <a:schemeClr val="accent1">
+              <a:shade val="50000"/>
+            </a:schemeClr>
+          </a:lnRef>
+          <a:fillRef idx="1">
+            <a:schemeClr val="accent1"/>
+          </a:fillRef>
+          <a:effectRef idx="0">
+            <a:schemeClr val="accent1"/>
+          </a:effectRef>
+          <a:fontRef idx="minor">
+            <a:schemeClr val="lt1"/>
+          </a:fontRef>
+        </p:style>
+        <p:txBody>
+          <a:bodyPr rtlCol="0" anchor="ctr"/>
+          <a:lstStyle/>
+          <a:p>
+            <a:pPr algn="ctr"/>
+            <a:r>
+              <a:rPr lang="en-US" dirty="0" err="1"/>
+              <a:t>Kubectl</a:t>
+            </a:r>
+            <a:r>
+              <a:rPr lang="en-US" dirty="0"/>
+              <a:t> apply –f </a:t>
+            </a:r>
+            <a:r>
+              <a:rPr lang="en-US" dirty="0" err="1"/>
+              <a:t>dep.yml</a:t>
+            </a:r>
+            <a:endParaRPr lang="en-US" dirty="0"/>
+          </a:p>
+        </p:txBody>
+      </p:sp>
+      <p:sp>
+        <p:nvSpPr>
+          <p:cNvPr id="11" name="TextBox 10">
+            <a:extLst>
+              <a:ext uri="{FF2B5EF4-FFF2-40B4-BE49-F238E27FC236}">
+                <a16:creationId xmlns:a16="http://schemas.microsoft.com/office/drawing/2014/main" id="{2321F08B-147C-41A5-A91B-2A146EAFCB55}"/>
+              </a:ext>
+            </a:extLst>
+          </p:cNvPr>
+          <p:cNvSpPr txBox="1"/>
+          <p:nvPr/>
+        </p:nvSpPr>
+        <p:spPr>
+          <a:xfrm>
+            <a:off x="6937131" y="188993"/>
+            <a:ext cx="836832" cy="369332"/>
+          </a:xfrm>
+          <a:prstGeom prst="rect">
+            <a:avLst/>
+          </a:prstGeom>
+          <a:noFill/>
+        </p:spPr>
+        <p:txBody>
+          <a:bodyPr wrap="none" rtlCol="0">
+            <a:spAutoFit/>
+          </a:bodyPr>
+          <a:lstStyle/>
+          <a:p>
+            <a:r>
+              <a:rPr lang="en-US" dirty="0"/>
+              <a:t>master</a:t>
+            </a:r>
+          </a:p>
+        </p:txBody>
+      </p:sp>
+      <p:sp>
+        <p:nvSpPr>
+          <p:cNvPr id="12" name="TextBox 11">
+            <a:extLst>
+              <a:ext uri="{FF2B5EF4-FFF2-40B4-BE49-F238E27FC236}">
+                <a16:creationId xmlns:a16="http://schemas.microsoft.com/office/drawing/2014/main" id="{E0153105-D73D-47CA-9FC8-0D6BECD708E0}"/>
+              </a:ext>
+            </a:extLst>
+          </p:cNvPr>
+          <p:cNvSpPr txBox="1"/>
+          <p:nvPr/>
+        </p:nvSpPr>
+        <p:spPr>
+          <a:xfrm>
+            <a:off x="5730113" y="558325"/>
+            <a:ext cx="1147943" cy="369332"/>
+          </a:xfrm>
+          <a:prstGeom prst="rect">
+            <a:avLst/>
+          </a:prstGeom>
+          <a:noFill/>
+        </p:spPr>
+        <p:txBody>
+          <a:bodyPr wrap="none" rtlCol="0">
+            <a:spAutoFit/>
+          </a:bodyPr>
+          <a:lstStyle/>
+          <a:p>
+            <a:r>
+              <a:rPr lang="en-US" dirty="0" err="1"/>
+              <a:t>api</a:t>
+            </a:r>
+            <a:r>
+              <a:rPr lang="en-US" dirty="0"/>
+              <a:t>-server</a:t>
+            </a:r>
+          </a:p>
+        </p:txBody>
+      </p:sp>
+      <p:sp>
+        <p:nvSpPr>
+          <p:cNvPr id="13" name="Freeform: Shape 12">
+            <a:extLst>
+              <a:ext uri="{FF2B5EF4-FFF2-40B4-BE49-F238E27FC236}">
+                <a16:creationId xmlns:a16="http://schemas.microsoft.com/office/drawing/2014/main" id="{31A499A3-F3CE-4BC4-A400-9E2341CCAEB0}"/>
+              </a:ext>
+            </a:extLst>
+          </p:cNvPr>
+          <p:cNvSpPr/>
+          <p:nvPr/>
+        </p:nvSpPr>
+        <p:spPr>
+          <a:xfrm>
+            <a:off x="7244862" y="2145323"/>
+            <a:ext cx="79282" cy="430823"/>
+          </a:xfrm>
+          <a:custGeom>
+            <a:avLst/>
+            <a:gdLst>
+              <a:gd name="connsiteX0" fmla="*/ 0 w 79282"/>
+              <a:gd name="connsiteY0" fmla="*/ 0 h 430823"/>
+              <a:gd name="connsiteX1" fmla="*/ 52753 w 79282"/>
+              <a:gd name="connsiteY1" fmla="*/ 79131 h 430823"/>
+              <a:gd name="connsiteX2" fmla="*/ 70338 w 79282"/>
+              <a:gd name="connsiteY2" fmla="*/ 105508 h 430823"/>
+              <a:gd name="connsiteX3" fmla="*/ 70338 w 79282"/>
+              <a:gd name="connsiteY3" fmla="*/ 167054 h 430823"/>
+              <a:gd name="connsiteX4" fmla="*/ 61546 w 79282"/>
+              <a:gd name="connsiteY4" fmla="*/ 193431 h 430823"/>
+              <a:gd name="connsiteX5" fmla="*/ 35169 w 79282"/>
+              <a:gd name="connsiteY5" fmla="*/ 211015 h 430823"/>
+              <a:gd name="connsiteX6" fmla="*/ 26376 w 79282"/>
+              <a:gd name="connsiteY6" fmla="*/ 360485 h 430823"/>
+              <a:gd name="connsiteX7" fmla="*/ 52753 w 79282"/>
+              <a:gd name="connsiteY7" fmla="*/ 413239 h 430823"/>
+              <a:gd name="connsiteX8" fmla="*/ 52753 w 79282"/>
+              <a:gd name="connsiteY8" fmla="*/ 430823 h 430823"/>
+            </a:gdLst>
+            <a:ahLst/>
+            <a:cxnLst>
+              <a:cxn ang="0">
+                <a:pos x="connsiteX0" y="connsiteY0"/>
+              </a:cxn>
+              <a:cxn ang="0">
+                <a:pos x="connsiteX1" y="connsiteY1"/>
+              </a:cxn>
+              <a:cxn ang="0">
+                <a:pos x="connsiteX2" y="connsiteY2"/>
+              </a:cxn>
+              <a:cxn ang="0">
+                <a:pos x="connsiteX3" y="connsiteY3"/>
+              </a:cxn>
+              <a:cxn ang="0">
+                <a:pos x="connsiteX4" y="connsiteY4"/>
+              </a:cxn>
+              <a:cxn ang="0">
+                <a:pos x="connsiteX5" y="connsiteY5"/>
+              </a:cxn>
+              <a:cxn ang="0">
+                <a:pos x="connsiteX6" y="connsiteY6"/>
+              </a:cxn>
+              <a:cxn ang="0">
+                <a:pos x="connsiteX7" y="connsiteY7"/>
+              </a:cxn>
+              <a:cxn ang="0">
+                <a:pos x="connsiteX8" y="connsiteY8"/>
+              </a:cxn>
+            </a:cxnLst>
+            <a:rect l="l" t="t" r="r" b="b"/>
+            <a:pathLst>
+              <a:path w="79282" h="430823">
+                <a:moveTo>
+                  <a:pt x="0" y="0"/>
+                </a:moveTo>
+                <a:lnTo>
+                  <a:pt x="52753" y="79131"/>
+                </a:lnTo>
+                <a:lnTo>
+                  <a:pt x="70338" y="105508"/>
+                </a:lnTo>
+                <a:cubicBezTo>
+                  <a:pt x="82300" y="141395"/>
+                  <a:pt x="82227" y="125441"/>
+                  <a:pt x="70338" y="167054"/>
+                </a:cubicBezTo>
+                <a:cubicBezTo>
+                  <a:pt x="67792" y="175965"/>
+                  <a:pt x="67336" y="186194"/>
+                  <a:pt x="61546" y="193431"/>
+                </a:cubicBezTo>
+                <a:cubicBezTo>
+                  <a:pt x="54945" y="201682"/>
+                  <a:pt x="43961" y="205154"/>
+                  <a:pt x="35169" y="211015"/>
+                </a:cubicBezTo>
+                <a:cubicBezTo>
+                  <a:pt x="9745" y="287284"/>
+                  <a:pt x="11717" y="257875"/>
+                  <a:pt x="26376" y="360485"/>
+                </a:cubicBezTo>
+                <a:cubicBezTo>
+                  <a:pt x="32153" y="400923"/>
+                  <a:pt x="37277" y="374548"/>
+                  <a:pt x="52753" y="413239"/>
+                </a:cubicBezTo>
+                <a:cubicBezTo>
+                  <a:pt x="54930" y="418681"/>
+                  <a:pt x="52753" y="424962"/>
+                  <a:pt x="52753" y="430823"/>
+                </a:cubicBezTo>
+              </a:path>
+            </a:pathLst>
+          </a:custGeom>
+          <a:noFill/>
+        </p:spPr>
+        <p:style>
+          <a:lnRef idx="2">
+            <a:schemeClr val="accent1">
+              <a:shade val="50000"/>
+            </a:schemeClr>
+          </a:lnRef>
+          <a:fillRef idx="1">
+            <a:schemeClr val="accent1"/>
+          </a:fillRef>
+          <a:effectRef idx="0">
+            <a:schemeClr val="accent1"/>
+          </a:effectRef>
+          <a:fontRef idx="minor">
+            <a:schemeClr val="lt1"/>
+          </a:fontRef>
+        </p:style>
+        <p:txBody>
+          <a:bodyPr rtlCol="0" anchor="ctr"/>
+          <a:lstStyle/>
+          <a:p>
+            <a:pPr algn="ctr"/>
+            <a:endParaRPr lang="en-US"/>
+          </a:p>
+        </p:txBody>
+      </p:sp>
+      <p:sp>
+        <p:nvSpPr>
+          <p:cNvPr id="14" name="TextBox 13">
+            <a:extLst>
+              <a:ext uri="{FF2B5EF4-FFF2-40B4-BE49-F238E27FC236}">
+                <a16:creationId xmlns:a16="http://schemas.microsoft.com/office/drawing/2014/main" id="{04A44609-70CE-4A0E-9AC1-D8F9606A324B}"/>
+              </a:ext>
+            </a:extLst>
+          </p:cNvPr>
+          <p:cNvSpPr txBox="1"/>
+          <p:nvPr/>
+        </p:nvSpPr>
+        <p:spPr>
+          <a:xfrm>
+            <a:off x="7112977" y="2234670"/>
+            <a:ext cx="649537" cy="261610"/>
+          </a:xfrm>
+          <a:prstGeom prst="rect">
+            <a:avLst/>
+          </a:prstGeom>
+          <a:noFill/>
+        </p:spPr>
+        <p:txBody>
+          <a:bodyPr wrap="none" rtlCol="0">
+            <a:spAutoFit/>
+          </a:bodyPr>
+          <a:lstStyle/>
+          <a:p>
+            <a:r>
+              <a:rPr lang="en-US" sz="1100" dirty="0" err="1"/>
+              <a:t>dockerd</a:t>
+            </a:r>
+            <a:endParaRPr lang="en-US" dirty="0"/>
+          </a:p>
+        </p:txBody>
+      </p:sp>
+      <p:sp>
+        <p:nvSpPr>
+          <p:cNvPr id="15" name="Freeform: Shape 14">
+            <a:extLst>
+              <a:ext uri="{FF2B5EF4-FFF2-40B4-BE49-F238E27FC236}">
+                <a16:creationId xmlns:a16="http://schemas.microsoft.com/office/drawing/2014/main" id="{4B4DF8BF-549B-4F95-B02E-BC2AF331E0D9}"/>
+              </a:ext>
+            </a:extLst>
+          </p:cNvPr>
+          <p:cNvSpPr/>
+          <p:nvPr/>
+        </p:nvSpPr>
+        <p:spPr>
+          <a:xfrm>
+            <a:off x="10078916" y="5427783"/>
+            <a:ext cx="79282" cy="430823"/>
+          </a:xfrm>
+          <a:custGeom>
+            <a:avLst/>
+            <a:gdLst>
+              <a:gd name="connsiteX0" fmla="*/ 0 w 79282"/>
+              <a:gd name="connsiteY0" fmla="*/ 0 h 430823"/>
+              <a:gd name="connsiteX1" fmla="*/ 52753 w 79282"/>
+              <a:gd name="connsiteY1" fmla="*/ 79131 h 430823"/>
+              <a:gd name="connsiteX2" fmla="*/ 70338 w 79282"/>
+              <a:gd name="connsiteY2" fmla="*/ 105508 h 430823"/>
+              <a:gd name="connsiteX3" fmla="*/ 70338 w 79282"/>
+              <a:gd name="connsiteY3" fmla="*/ 167054 h 430823"/>
+              <a:gd name="connsiteX4" fmla="*/ 61546 w 79282"/>
+              <a:gd name="connsiteY4" fmla="*/ 193431 h 430823"/>
+              <a:gd name="connsiteX5" fmla="*/ 35169 w 79282"/>
+              <a:gd name="connsiteY5" fmla="*/ 211015 h 430823"/>
+              <a:gd name="connsiteX6" fmla="*/ 26376 w 79282"/>
+              <a:gd name="connsiteY6" fmla="*/ 360485 h 430823"/>
+              <a:gd name="connsiteX7" fmla="*/ 52753 w 79282"/>
+              <a:gd name="connsiteY7" fmla="*/ 413239 h 430823"/>
+              <a:gd name="connsiteX8" fmla="*/ 52753 w 79282"/>
+              <a:gd name="connsiteY8" fmla="*/ 430823 h 430823"/>
+            </a:gdLst>
+            <a:ahLst/>
+            <a:cxnLst>
+              <a:cxn ang="0">
+                <a:pos x="connsiteX0" y="connsiteY0"/>
+              </a:cxn>
+              <a:cxn ang="0">
+                <a:pos x="connsiteX1" y="connsiteY1"/>
+              </a:cxn>
+              <a:cxn ang="0">
+                <a:pos x="connsiteX2" y="connsiteY2"/>
+              </a:cxn>
+              <a:cxn ang="0">
+                <a:pos x="connsiteX3" y="connsiteY3"/>
+              </a:cxn>
+              <a:cxn ang="0">
+                <a:pos x="connsiteX4" y="connsiteY4"/>
+              </a:cxn>
+              <a:cxn ang="0">
+                <a:pos x="connsiteX5" y="connsiteY5"/>
+              </a:cxn>
+              <a:cxn ang="0">
+                <a:pos x="connsiteX6" y="connsiteY6"/>
+              </a:cxn>
+              <a:cxn ang="0">
+                <a:pos x="connsiteX7" y="connsiteY7"/>
+              </a:cxn>
+              <a:cxn ang="0">
+                <a:pos x="connsiteX8" y="connsiteY8"/>
+              </a:cxn>
+            </a:cxnLst>
+            <a:rect l="l" t="t" r="r" b="b"/>
+            <a:pathLst>
+              <a:path w="79282" h="430823">
+                <a:moveTo>
+                  <a:pt x="0" y="0"/>
+                </a:moveTo>
+                <a:lnTo>
+                  <a:pt x="52753" y="79131"/>
+                </a:lnTo>
+                <a:lnTo>
+                  <a:pt x="70338" y="105508"/>
+                </a:lnTo>
+                <a:cubicBezTo>
+                  <a:pt x="82300" y="141395"/>
+                  <a:pt x="82227" y="125441"/>
+                  <a:pt x="70338" y="167054"/>
+                </a:cubicBezTo>
+                <a:cubicBezTo>
+                  <a:pt x="67792" y="175965"/>
+                  <a:pt x="67336" y="186194"/>
+                  <a:pt x="61546" y="193431"/>
+                </a:cubicBezTo>
+                <a:cubicBezTo>
+                  <a:pt x="54945" y="201682"/>
+                  <a:pt x="43961" y="205154"/>
+                  <a:pt x="35169" y="211015"/>
+                </a:cubicBezTo>
+                <a:cubicBezTo>
+                  <a:pt x="9745" y="287284"/>
+                  <a:pt x="11717" y="257875"/>
+                  <a:pt x="26376" y="360485"/>
+                </a:cubicBezTo>
+                <a:cubicBezTo>
+                  <a:pt x="32153" y="400923"/>
+                  <a:pt x="37277" y="374548"/>
+                  <a:pt x="52753" y="413239"/>
+                </a:cubicBezTo>
+                <a:cubicBezTo>
+                  <a:pt x="54930" y="418681"/>
+                  <a:pt x="52753" y="424962"/>
+                  <a:pt x="52753" y="430823"/>
+                </a:cubicBezTo>
+              </a:path>
+            </a:pathLst>
+          </a:custGeom>
+          <a:noFill/>
+        </p:spPr>
+        <p:style>
+          <a:lnRef idx="2">
+            <a:schemeClr val="accent1">
+              <a:shade val="50000"/>
+            </a:schemeClr>
+          </a:lnRef>
+          <a:fillRef idx="1">
+            <a:schemeClr val="accent1"/>
+          </a:fillRef>
+          <a:effectRef idx="0">
+            <a:schemeClr val="accent1"/>
+          </a:effectRef>
+          <a:fontRef idx="minor">
+            <a:schemeClr val="lt1"/>
+          </a:fontRef>
+        </p:style>
+        <p:txBody>
+          <a:bodyPr rtlCol="0" anchor="ctr"/>
+          <a:lstStyle/>
+          <a:p>
+            <a:pPr algn="ctr"/>
+            <a:endParaRPr lang="en-US"/>
+          </a:p>
+        </p:txBody>
+      </p:sp>
+      <p:sp>
+        <p:nvSpPr>
+          <p:cNvPr id="16" name="TextBox 15">
+            <a:extLst>
+              <a:ext uri="{FF2B5EF4-FFF2-40B4-BE49-F238E27FC236}">
+                <a16:creationId xmlns:a16="http://schemas.microsoft.com/office/drawing/2014/main" id="{9C103EB7-7A5B-4FBD-A008-20F275023883}"/>
+              </a:ext>
+            </a:extLst>
+          </p:cNvPr>
+          <p:cNvSpPr txBox="1"/>
+          <p:nvPr/>
+        </p:nvSpPr>
+        <p:spPr>
+          <a:xfrm>
+            <a:off x="9947031" y="5517130"/>
+            <a:ext cx="649537" cy="261610"/>
+          </a:xfrm>
+          <a:prstGeom prst="rect">
+            <a:avLst/>
+          </a:prstGeom>
+          <a:noFill/>
+        </p:spPr>
+        <p:txBody>
+          <a:bodyPr wrap="none" rtlCol="0">
+            <a:spAutoFit/>
+          </a:bodyPr>
+          <a:lstStyle/>
+          <a:p>
+            <a:r>
+              <a:rPr lang="en-US" sz="1100" dirty="0" err="1"/>
+              <a:t>dockerd</a:t>
+            </a:r>
+            <a:endParaRPr lang="en-US" dirty="0"/>
+          </a:p>
+        </p:txBody>
+      </p:sp>
+      <p:sp>
+        <p:nvSpPr>
+          <p:cNvPr id="17" name="Freeform: Shape 16">
+            <a:extLst>
+              <a:ext uri="{FF2B5EF4-FFF2-40B4-BE49-F238E27FC236}">
+                <a16:creationId xmlns:a16="http://schemas.microsoft.com/office/drawing/2014/main" id="{0BF82CF0-ACC1-4609-A35E-FBFE641BBAB4}"/>
+              </a:ext>
+            </a:extLst>
+          </p:cNvPr>
+          <p:cNvSpPr/>
+          <p:nvPr/>
+        </p:nvSpPr>
+        <p:spPr>
+          <a:xfrm>
+            <a:off x="4199799" y="5580183"/>
+            <a:ext cx="79282" cy="430823"/>
+          </a:xfrm>
+          <a:custGeom>
+            <a:avLst/>
+            <a:gdLst>
+              <a:gd name="connsiteX0" fmla="*/ 0 w 79282"/>
+              <a:gd name="connsiteY0" fmla="*/ 0 h 430823"/>
+              <a:gd name="connsiteX1" fmla="*/ 52753 w 79282"/>
+              <a:gd name="connsiteY1" fmla="*/ 79131 h 430823"/>
+              <a:gd name="connsiteX2" fmla="*/ 70338 w 79282"/>
+              <a:gd name="connsiteY2" fmla="*/ 105508 h 430823"/>
+              <a:gd name="connsiteX3" fmla="*/ 70338 w 79282"/>
+              <a:gd name="connsiteY3" fmla="*/ 167054 h 430823"/>
+              <a:gd name="connsiteX4" fmla="*/ 61546 w 79282"/>
+              <a:gd name="connsiteY4" fmla="*/ 193431 h 430823"/>
+              <a:gd name="connsiteX5" fmla="*/ 35169 w 79282"/>
+              <a:gd name="connsiteY5" fmla="*/ 211015 h 430823"/>
+              <a:gd name="connsiteX6" fmla="*/ 26376 w 79282"/>
+              <a:gd name="connsiteY6" fmla="*/ 360485 h 430823"/>
+              <a:gd name="connsiteX7" fmla="*/ 52753 w 79282"/>
+              <a:gd name="connsiteY7" fmla="*/ 413239 h 430823"/>
+              <a:gd name="connsiteX8" fmla="*/ 52753 w 79282"/>
+              <a:gd name="connsiteY8" fmla="*/ 430823 h 430823"/>
+            </a:gdLst>
+            <a:ahLst/>
+            <a:cxnLst>
+              <a:cxn ang="0">
+                <a:pos x="connsiteX0" y="connsiteY0"/>
+              </a:cxn>
+              <a:cxn ang="0">
+                <a:pos x="connsiteX1" y="connsiteY1"/>
+              </a:cxn>
+              <a:cxn ang="0">
+                <a:pos x="connsiteX2" y="connsiteY2"/>
+              </a:cxn>
+              <a:cxn ang="0">
+                <a:pos x="connsiteX3" y="connsiteY3"/>
+              </a:cxn>
+              <a:cxn ang="0">
+                <a:pos x="connsiteX4" y="connsiteY4"/>
+              </a:cxn>
+              <a:cxn ang="0">
+                <a:pos x="connsiteX5" y="connsiteY5"/>
+              </a:cxn>
+              <a:cxn ang="0">
+                <a:pos x="connsiteX6" y="connsiteY6"/>
+              </a:cxn>
+              <a:cxn ang="0">
+                <a:pos x="connsiteX7" y="connsiteY7"/>
+              </a:cxn>
+              <a:cxn ang="0">
+                <a:pos x="connsiteX8" y="connsiteY8"/>
+              </a:cxn>
+            </a:cxnLst>
+            <a:rect l="l" t="t" r="r" b="b"/>
+            <a:pathLst>
+              <a:path w="79282" h="430823">
+                <a:moveTo>
+                  <a:pt x="0" y="0"/>
+                </a:moveTo>
+                <a:lnTo>
+                  <a:pt x="52753" y="79131"/>
+                </a:lnTo>
+                <a:lnTo>
+                  <a:pt x="70338" y="105508"/>
+                </a:lnTo>
+                <a:cubicBezTo>
+                  <a:pt x="82300" y="141395"/>
+                  <a:pt x="82227" y="125441"/>
+                  <a:pt x="70338" y="167054"/>
+                </a:cubicBezTo>
+                <a:cubicBezTo>
+                  <a:pt x="67792" y="175965"/>
+                  <a:pt x="67336" y="186194"/>
+                  <a:pt x="61546" y="193431"/>
+                </a:cubicBezTo>
+                <a:cubicBezTo>
+                  <a:pt x="54945" y="201682"/>
+                  <a:pt x="43961" y="205154"/>
+                  <a:pt x="35169" y="211015"/>
+                </a:cubicBezTo>
+                <a:cubicBezTo>
+                  <a:pt x="9745" y="287284"/>
+                  <a:pt x="11717" y="257875"/>
+                  <a:pt x="26376" y="360485"/>
+                </a:cubicBezTo>
+                <a:cubicBezTo>
+                  <a:pt x="32153" y="400923"/>
+                  <a:pt x="37277" y="374548"/>
+                  <a:pt x="52753" y="413239"/>
+                </a:cubicBezTo>
+                <a:cubicBezTo>
+                  <a:pt x="54930" y="418681"/>
+                  <a:pt x="52753" y="424962"/>
+                  <a:pt x="52753" y="430823"/>
+                </a:cubicBezTo>
+              </a:path>
+            </a:pathLst>
+          </a:custGeom>
+          <a:noFill/>
+        </p:spPr>
+        <p:style>
+          <a:lnRef idx="2">
+            <a:schemeClr val="accent1">
+              <a:shade val="50000"/>
+            </a:schemeClr>
+          </a:lnRef>
+          <a:fillRef idx="1">
+            <a:schemeClr val="accent1"/>
+          </a:fillRef>
+          <a:effectRef idx="0">
+            <a:schemeClr val="accent1"/>
+          </a:effectRef>
+          <a:fontRef idx="minor">
+            <a:schemeClr val="lt1"/>
+          </a:fontRef>
+        </p:style>
+        <p:txBody>
+          <a:bodyPr rtlCol="0" anchor="ctr"/>
+          <a:lstStyle/>
+          <a:p>
+            <a:pPr algn="ctr"/>
+            <a:endParaRPr lang="en-US"/>
+          </a:p>
+        </p:txBody>
+      </p:sp>
+      <p:sp>
+        <p:nvSpPr>
+          <p:cNvPr id="18" name="TextBox 17">
+            <a:extLst>
+              <a:ext uri="{FF2B5EF4-FFF2-40B4-BE49-F238E27FC236}">
+                <a16:creationId xmlns:a16="http://schemas.microsoft.com/office/drawing/2014/main" id="{CD894076-9CC3-4792-AA38-C690B258F406}"/>
+              </a:ext>
+            </a:extLst>
+          </p:cNvPr>
+          <p:cNvSpPr txBox="1"/>
+          <p:nvPr/>
+        </p:nvSpPr>
+        <p:spPr>
+          <a:xfrm>
+            <a:off x="4067914" y="5669530"/>
+            <a:ext cx="649537" cy="261610"/>
+          </a:xfrm>
+          <a:prstGeom prst="rect">
+            <a:avLst/>
+          </a:prstGeom>
+          <a:noFill/>
+        </p:spPr>
+        <p:txBody>
+          <a:bodyPr wrap="none" rtlCol="0">
+            <a:spAutoFit/>
+          </a:bodyPr>
+          <a:lstStyle/>
+          <a:p>
+            <a:r>
+              <a:rPr lang="en-US" sz="1100" dirty="0" err="1"/>
+              <a:t>dockerd</a:t>
+            </a:r>
+            <a:endParaRPr lang="en-US" dirty="0"/>
+          </a:p>
+        </p:txBody>
+      </p:sp>
+      <p:cxnSp>
+        <p:nvCxnSpPr>
+          <p:cNvPr id="20" name="Straight Arrow Connector 19">
+            <a:extLst>
+              <a:ext uri="{FF2B5EF4-FFF2-40B4-BE49-F238E27FC236}">
+                <a16:creationId xmlns:a16="http://schemas.microsoft.com/office/drawing/2014/main" id="{842A8211-195F-4B5E-B966-1627485D9A14}"/>
+              </a:ext>
+            </a:extLst>
+          </p:cNvPr>
+          <p:cNvCxnSpPr>
+            <a:stCxn id="8" idx="3"/>
+            <a:endCxn id="12" idx="1"/>
+          </p:cNvCxnSpPr>
+          <p:nvPr/>
+        </p:nvCxnSpPr>
+        <p:spPr>
+          <a:xfrm flipV="1">
+            <a:off x="2818253" y="742991"/>
+            <a:ext cx="2911860" cy="792691"/>
+          </a:xfrm>
+          <a:prstGeom prst="straightConnector1">
+            <a:avLst/>
+          </a:prstGeom>
+          <a:ln>
+            <a:tailEnd type="triangle"/>
+          </a:ln>
+        </p:spPr>
+        <p:style>
+          <a:lnRef idx="1">
+            <a:schemeClr val="accent1"/>
+          </a:lnRef>
+          <a:fillRef idx="0">
+            <a:schemeClr val="accent1"/>
+          </a:fillRef>
+          <a:effectRef idx="0">
+            <a:schemeClr val="accent1"/>
+          </a:effectRef>
+          <a:fontRef idx="minor">
+            <a:schemeClr val="tx1"/>
+          </a:fontRef>
+        </p:style>
+      </p:cxnSp>
+      <p:sp>
+        <p:nvSpPr>
+          <p:cNvPr id="22" name="TextBox 21">
+            <a:extLst>
+              <a:ext uri="{FF2B5EF4-FFF2-40B4-BE49-F238E27FC236}">
+                <a16:creationId xmlns:a16="http://schemas.microsoft.com/office/drawing/2014/main" id="{225C5943-594B-4458-BB4D-4DBE93818C6D}"/>
+              </a:ext>
+            </a:extLst>
+          </p:cNvPr>
+          <p:cNvSpPr txBox="1"/>
+          <p:nvPr/>
+        </p:nvSpPr>
+        <p:spPr>
+          <a:xfrm>
+            <a:off x="5377389" y="1034438"/>
+            <a:ext cx="1999202" cy="553998"/>
+          </a:xfrm>
+          <a:prstGeom prst="rect">
+            <a:avLst/>
+          </a:prstGeom>
+          <a:noFill/>
+        </p:spPr>
+        <p:txBody>
+          <a:bodyPr wrap="none" rtlCol="0">
+            <a:spAutoFit/>
+          </a:bodyPr>
+          <a:lstStyle/>
+          <a:p>
+            <a:r>
+              <a:rPr lang="en-US" dirty="0"/>
+              <a:t>controller-manager</a:t>
+            </a:r>
+          </a:p>
+          <a:p>
+            <a:r>
+              <a:rPr lang="en-US" sz="1200" dirty="0"/>
+              <a:t>(conf of pod, dep, svc, …)</a:t>
+            </a:r>
+            <a:endParaRPr lang="en-US" dirty="0"/>
+          </a:p>
+        </p:txBody>
+      </p:sp>
+      <p:cxnSp>
+        <p:nvCxnSpPr>
+          <p:cNvPr id="24" name="Straight Arrow Connector 23">
+            <a:extLst>
+              <a:ext uri="{FF2B5EF4-FFF2-40B4-BE49-F238E27FC236}">
+                <a16:creationId xmlns:a16="http://schemas.microsoft.com/office/drawing/2014/main" id="{4954CD5D-9789-4747-BBA4-2B5758474210}"/>
+              </a:ext>
+            </a:extLst>
+          </p:cNvPr>
+          <p:cNvCxnSpPr>
+            <a:stCxn id="12" idx="2"/>
+          </p:cNvCxnSpPr>
+          <p:nvPr/>
+        </p:nvCxnSpPr>
+        <p:spPr>
+          <a:xfrm flipH="1">
+            <a:off x="6304084" y="927657"/>
+            <a:ext cx="1" cy="211679"/>
+          </a:xfrm>
+          <a:prstGeom prst="straightConnector1">
+            <a:avLst/>
+          </a:prstGeom>
+          <a:ln>
+            <a:tailEnd type="triangle"/>
+          </a:ln>
+        </p:spPr>
+        <p:style>
+          <a:lnRef idx="1">
+            <a:schemeClr val="accent1"/>
+          </a:lnRef>
+          <a:fillRef idx="0">
+            <a:schemeClr val="accent1"/>
+          </a:fillRef>
+          <a:effectRef idx="0">
+            <a:schemeClr val="accent1"/>
+          </a:effectRef>
+          <a:fontRef idx="minor">
+            <a:schemeClr val="tx1"/>
+          </a:fontRef>
+        </p:style>
+      </p:cxnSp>
+      <p:sp>
+        <p:nvSpPr>
+          <p:cNvPr id="26" name="TextBox 25">
+            <a:extLst>
+              <a:ext uri="{FF2B5EF4-FFF2-40B4-BE49-F238E27FC236}">
+                <a16:creationId xmlns:a16="http://schemas.microsoft.com/office/drawing/2014/main" id="{88E5F024-D4BD-4237-8963-7242EB0084E0}"/>
+              </a:ext>
+            </a:extLst>
+          </p:cNvPr>
+          <p:cNvSpPr txBox="1"/>
+          <p:nvPr/>
+        </p:nvSpPr>
+        <p:spPr>
+          <a:xfrm>
+            <a:off x="5730112" y="1675659"/>
+            <a:ext cx="1117614" cy="369332"/>
+          </a:xfrm>
+          <a:prstGeom prst="rect">
+            <a:avLst/>
+          </a:prstGeom>
+          <a:noFill/>
+        </p:spPr>
+        <p:txBody>
+          <a:bodyPr wrap="none" rtlCol="0">
+            <a:spAutoFit/>
+          </a:bodyPr>
+          <a:lstStyle/>
+          <a:p>
+            <a:r>
+              <a:rPr lang="en-US" dirty="0"/>
+              <a:t>Scheduler</a:t>
+            </a:r>
+          </a:p>
+        </p:txBody>
+      </p:sp>
+      <p:cxnSp>
+        <p:nvCxnSpPr>
+          <p:cNvPr id="28" name="Straight Arrow Connector 27">
+            <a:extLst>
+              <a:ext uri="{FF2B5EF4-FFF2-40B4-BE49-F238E27FC236}">
+                <a16:creationId xmlns:a16="http://schemas.microsoft.com/office/drawing/2014/main" id="{8FC268BE-45BD-43B2-B6CC-B7F0286D0DB3}"/>
+              </a:ext>
+            </a:extLst>
+          </p:cNvPr>
+          <p:cNvCxnSpPr>
+            <a:stCxn id="22" idx="2"/>
+          </p:cNvCxnSpPr>
+          <p:nvPr/>
+        </p:nvCxnSpPr>
+        <p:spPr>
+          <a:xfrm>
+            <a:off x="6376990" y="1588436"/>
+            <a:ext cx="0" cy="197826"/>
+          </a:xfrm>
+          <a:prstGeom prst="straightConnector1">
+            <a:avLst/>
+          </a:prstGeom>
+          <a:ln>
+            <a:tailEnd type="triangle"/>
+          </a:ln>
+        </p:spPr>
+        <p:style>
+          <a:lnRef idx="1">
+            <a:schemeClr val="accent1"/>
+          </a:lnRef>
+          <a:fillRef idx="0">
+            <a:schemeClr val="accent1"/>
+          </a:fillRef>
+          <a:effectRef idx="0">
+            <a:schemeClr val="accent1"/>
+          </a:effectRef>
+          <a:fontRef idx="minor">
+            <a:schemeClr val="tx1"/>
+          </a:fontRef>
+        </p:style>
+      </p:cxnSp>
+      <p:sp>
+        <p:nvSpPr>
+          <p:cNvPr id="29" name="TextBox 28">
+            <a:extLst>
+              <a:ext uri="{FF2B5EF4-FFF2-40B4-BE49-F238E27FC236}">
+                <a16:creationId xmlns:a16="http://schemas.microsoft.com/office/drawing/2014/main" id="{D0C59C0B-93BA-4BEE-9376-EEF0E9BE3025}"/>
+              </a:ext>
+            </a:extLst>
+          </p:cNvPr>
+          <p:cNvSpPr txBox="1"/>
+          <p:nvPr/>
+        </p:nvSpPr>
+        <p:spPr>
+          <a:xfrm>
+            <a:off x="8244094" y="738636"/>
+            <a:ext cx="946093" cy="261610"/>
+          </a:xfrm>
+          <a:prstGeom prst="rect">
+            <a:avLst/>
+          </a:prstGeom>
+          <a:noFill/>
+        </p:spPr>
+        <p:txBody>
+          <a:bodyPr wrap="none" rtlCol="0">
+            <a:spAutoFit/>
+          </a:bodyPr>
+          <a:lstStyle/>
+          <a:p>
+            <a:r>
+              <a:rPr lang="en-US" sz="1100" dirty="0" err="1"/>
+              <a:t>kubeadm</a:t>
+            </a:r>
+            <a:r>
+              <a:rPr lang="en-US" sz="1100" dirty="0"/>
+              <a:t> </a:t>
+            </a:r>
+            <a:r>
+              <a:rPr lang="en-US" sz="1100" dirty="0" err="1"/>
+              <a:t>init</a:t>
+            </a:r>
+            <a:endParaRPr lang="en-US" dirty="0"/>
+          </a:p>
+        </p:txBody>
+      </p:sp>
+      <p:cxnSp>
+        <p:nvCxnSpPr>
+          <p:cNvPr id="31" name="Straight Arrow Connector 30">
+            <a:extLst>
+              <a:ext uri="{FF2B5EF4-FFF2-40B4-BE49-F238E27FC236}">
+                <a16:creationId xmlns:a16="http://schemas.microsoft.com/office/drawing/2014/main" id="{9171261B-645F-4AF9-A534-3A58F41E2D1B}"/>
+              </a:ext>
+            </a:extLst>
+          </p:cNvPr>
+          <p:cNvCxnSpPr>
+            <a:stCxn id="29" idx="1"/>
+            <a:endCxn id="12" idx="3"/>
+          </p:cNvCxnSpPr>
+          <p:nvPr/>
+        </p:nvCxnSpPr>
+        <p:spPr>
+          <a:xfrm flipH="1" flipV="1">
+            <a:off x="6878056" y="742991"/>
+            <a:ext cx="1366038" cy="126450"/>
+          </a:xfrm>
+          <a:prstGeom prst="straightConnector1">
+            <a:avLst/>
+          </a:prstGeom>
+          <a:ln>
+            <a:prstDash val="sysDot"/>
+            <a:tailEnd type="triangle"/>
+          </a:ln>
+        </p:spPr>
+        <p:style>
+          <a:lnRef idx="1">
+            <a:schemeClr val="accent1"/>
+          </a:lnRef>
+          <a:fillRef idx="0">
+            <a:schemeClr val="accent1"/>
+          </a:fillRef>
+          <a:effectRef idx="0">
+            <a:schemeClr val="accent1"/>
+          </a:effectRef>
+          <a:fontRef idx="minor">
+            <a:schemeClr val="tx1"/>
+          </a:fontRef>
+        </p:style>
+      </p:cxnSp>
+      <p:cxnSp>
+        <p:nvCxnSpPr>
+          <p:cNvPr id="33" name="Straight Arrow Connector 32">
+            <a:extLst>
+              <a:ext uri="{FF2B5EF4-FFF2-40B4-BE49-F238E27FC236}">
+                <a16:creationId xmlns:a16="http://schemas.microsoft.com/office/drawing/2014/main" id="{4D418C8B-4D69-4612-9CF4-C3A3D7130E23}"/>
+              </a:ext>
+            </a:extLst>
+          </p:cNvPr>
+          <p:cNvCxnSpPr>
+            <a:cxnSpLocks/>
+            <a:stCxn id="29" idx="1"/>
+          </p:cNvCxnSpPr>
+          <p:nvPr/>
+        </p:nvCxnSpPr>
+        <p:spPr>
+          <a:xfrm flipH="1">
+            <a:off x="7230780" y="869441"/>
+            <a:ext cx="1013314" cy="366556"/>
+          </a:xfrm>
+          <a:prstGeom prst="straightConnector1">
+            <a:avLst/>
+          </a:prstGeom>
+          <a:ln>
+            <a:prstDash val="sysDot"/>
+            <a:tailEnd type="triangle"/>
+          </a:ln>
+        </p:spPr>
+        <p:style>
+          <a:lnRef idx="1">
+            <a:schemeClr val="accent1"/>
+          </a:lnRef>
+          <a:fillRef idx="0">
+            <a:schemeClr val="accent1"/>
+          </a:fillRef>
+          <a:effectRef idx="0">
+            <a:schemeClr val="accent1"/>
+          </a:effectRef>
+          <a:fontRef idx="minor">
+            <a:schemeClr val="tx1"/>
+          </a:fontRef>
+        </p:style>
+      </p:cxnSp>
+      <p:cxnSp>
+        <p:nvCxnSpPr>
+          <p:cNvPr id="35" name="Straight Arrow Connector 34">
+            <a:extLst>
+              <a:ext uri="{FF2B5EF4-FFF2-40B4-BE49-F238E27FC236}">
+                <a16:creationId xmlns:a16="http://schemas.microsoft.com/office/drawing/2014/main" id="{0C355414-0D48-4BF5-BAB0-5FDC2CE6FB33}"/>
+              </a:ext>
+            </a:extLst>
+          </p:cNvPr>
+          <p:cNvCxnSpPr>
+            <a:cxnSpLocks/>
+            <a:endCxn id="26" idx="3"/>
+          </p:cNvCxnSpPr>
+          <p:nvPr/>
+        </p:nvCxnSpPr>
+        <p:spPr>
+          <a:xfrm flipH="1">
+            <a:off x="6847726" y="894028"/>
+            <a:ext cx="1853212" cy="966297"/>
+          </a:xfrm>
+          <a:prstGeom prst="straightConnector1">
+            <a:avLst/>
+          </a:prstGeom>
+          <a:ln>
+            <a:prstDash val="sysDot"/>
+            <a:tailEnd type="triangle"/>
+          </a:ln>
+        </p:spPr>
+        <p:style>
+          <a:lnRef idx="1">
+            <a:schemeClr val="accent1"/>
+          </a:lnRef>
+          <a:fillRef idx="0">
+            <a:schemeClr val="accent1"/>
+          </a:fillRef>
+          <a:effectRef idx="0">
+            <a:schemeClr val="accent1"/>
+          </a:effectRef>
+          <a:fontRef idx="minor">
+            <a:schemeClr val="tx1"/>
+          </a:fontRef>
+        </p:style>
+      </p:cxnSp>
+      <p:sp>
+        <p:nvSpPr>
+          <p:cNvPr id="36" name="TextBox 35">
+            <a:extLst>
+              <a:ext uri="{FF2B5EF4-FFF2-40B4-BE49-F238E27FC236}">
+                <a16:creationId xmlns:a16="http://schemas.microsoft.com/office/drawing/2014/main" id="{22222C51-444B-4DD2-9192-E81ECBA5838D}"/>
+              </a:ext>
+            </a:extLst>
+          </p:cNvPr>
+          <p:cNvSpPr txBox="1"/>
+          <p:nvPr/>
+        </p:nvSpPr>
+        <p:spPr>
+          <a:xfrm>
+            <a:off x="7435666" y="828041"/>
+            <a:ext cx="613886" cy="276999"/>
+          </a:xfrm>
+          <a:prstGeom prst="rect">
+            <a:avLst/>
+          </a:prstGeom>
+          <a:noFill/>
+        </p:spPr>
+        <p:txBody>
+          <a:bodyPr wrap="none" rtlCol="0">
+            <a:spAutoFit/>
+          </a:bodyPr>
+          <a:lstStyle/>
+          <a:p>
+            <a:r>
+              <a:rPr lang="en-US" sz="1200" dirty="0"/>
+              <a:t>installs</a:t>
+            </a:r>
+            <a:endParaRPr lang="en-US" dirty="0"/>
+          </a:p>
+        </p:txBody>
+      </p:sp>
+      <p:sp>
+        <p:nvSpPr>
+          <p:cNvPr id="37" name="TextBox 36">
+            <a:extLst>
+              <a:ext uri="{FF2B5EF4-FFF2-40B4-BE49-F238E27FC236}">
+                <a16:creationId xmlns:a16="http://schemas.microsoft.com/office/drawing/2014/main" id="{E7DB61C3-A4CF-4593-B97A-EA32D1B37944}"/>
+              </a:ext>
+            </a:extLst>
+          </p:cNvPr>
+          <p:cNvSpPr txBox="1"/>
+          <p:nvPr/>
+        </p:nvSpPr>
+        <p:spPr>
+          <a:xfrm>
+            <a:off x="8526556" y="2394390"/>
+            <a:ext cx="1107996" cy="261610"/>
+          </a:xfrm>
+          <a:prstGeom prst="rect">
+            <a:avLst/>
+          </a:prstGeom>
+          <a:noFill/>
+        </p:spPr>
+        <p:txBody>
+          <a:bodyPr wrap="none" rtlCol="0">
+            <a:spAutoFit/>
+          </a:bodyPr>
+          <a:lstStyle/>
+          <a:p>
+            <a:r>
+              <a:rPr lang="en-US" sz="1100" dirty="0" err="1"/>
+              <a:t>kubeadm</a:t>
+            </a:r>
+            <a:r>
+              <a:rPr lang="en-US" sz="1100" dirty="0"/>
+              <a:t> join….</a:t>
+            </a:r>
+            <a:endParaRPr lang="en-US" dirty="0"/>
+          </a:p>
+        </p:txBody>
+      </p:sp>
+      <p:sp>
+        <p:nvSpPr>
+          <p:cNvPr id="38" name="TextBox 37">
+            <a:extLst>
+              <a:ext uri="{FF2B5EF4-FFF2-40B4-BE49-F238E27FC236}">
+                <a16:creationId xmlns:a16="http://schemas.microsoft.com/office/drawing/2014/main" id="{632CBFF2-721B-4157-8A55-957750C67D97}"/>
+              </a:ext>
+            </a:extLst>
+          </p:cNvPr>
+          <p:cNvSpPr txBox="1"/>
+          <p:nvPr/>
+        </p:nvSpPr>
+        <p:spPr>
+          <a:xfrm>
+            <a:off x="2371162" y="2673882"/>
+            <a:ext cx="1107996" cy="261610"/>
+          </a:xfrm>
+          <a:prstGeom prst="rect">
+            <a:avLst/>
+          </a:prstGeom>
+          <a:noFill/>
+        </p:spPr>
+        <p:txBody>
+          <a:bodyPr wrap="none" rtlCol="0">
+            <a:spAutoFit/>
+          </a:bodyPr>
+          <a:lstStyle/>
+          <a:p>
+            <a:r>
+              <a:rPr lang="en-US" sz="1100" dirty="0" err="1"/>
+              <a:t>kubeadm</a:t>
+            </a:r>
+            <a:r>
+              <a:rPr lang="en-US" sz="1100" dirty="0"/>
+              <a:t> join….</a:t>
+            </a:r>
+            <a:endParaRPr lang="en-US" dirty="0"/>
+          </a:p>
+        </p:txBody>
+      </p:sp>
+      <p:sp>
+        <p:nvSpPr>
+          <p:cNvPr id="39" name="Arc 38">
+            <a:extLst>
+              <a:ext uri="{FF2B5EF4-FFF2-40B4-BE49-F238E27FC236}">
+                <a16:creationId xmlns:a16="http://schemas.microsoft.com/office/drawing/2014/main" id="{B7F8031B-4099-4B62-B581-FC64491B062D}"/>
+              </a:ext>
+            </a:extLst>
+          </p:cNvPr>
+          <p:cNvSpPr/>
+          <p:nvPr/>
+        </p:nvSpPr>
+        <p:spPr>
+          <a:xfrm>
+            <a:off x="6175017" y="1535682"/>
+            <a:ext cx="3015170" cy="4322924"/>
+          </a:xfrm>
+          <a:prstGeom prst="arc">
+            <a:avLst/>
+          </a:prstGeom>
+          <a:ln>
+            <a:prstDash val="sysDot"/>
+          </a:ln>
+        </p:spPr>
+        <p:style>
+          <a:lnRef idx="1">
+            <a:schemeClr val="accent1"/>
+          </a:lnRef>
+          <a:fillRef idx="0">
+            <a:schemeClr val="accent1"/>
+          </a:fillRef>
+          <a:effectRef idx="0">
+            <a:schemeClr val="accent1"/>
+          </a:effectRef>
+          <a:fontRef idx="minor">
+            <a:schemeClr val="tx1"/>
+          </a:fontRef>
+        </p:style>
+        <p:txBody>
+          <a:bodyPr rtlCol="0" anchor="ctr"/>
+          <a:lstStyle/>
+          <a:p>
+            <a:pPr algn="ctr"/>
+            <a:endParaRPr lang="en-US"/>
+          </a:p>
+        </p:txBody>
+      </p:sp>
+      <p:sp>
+        <p:nvSpPr>
+          <p:cNvPr id="43" name="Freeform: Shape 42">
+            <a:extLst>
+              <a:ext uri="{FF2B5EF4-FFF2-40B4-BE49-F238E27FC236}">
+                <a16:creationId xmlns:a16="http://schemas.microsoft.com/office/drawing/2014/main" id="{842CE532-DD4F-43DF-9047-204D0ED465E3}"/>
+              </a:ext>
+            </a:extLst>
+          </p:cNvPr>
+          <p:cNvSpPr/>
+          <p:nvPr/>
+        </p:nvSpPr>
+        <p:spPr>
+          <a:xfrm>
+            <a:off x="2880760" y="1477107"/>
+            <a:ext cx="2051726" cy="2215662"/>
+          </a:xfrm>
+          <a:custGeom>
+            <a:avLst/>
+            <a:gdLst>
+              <a:gd name="connsiteX0" fmla="*/ 302056 w 2212239"/>
+              <a:gd name="connsiteY0" fmla="*/ 2319764 h 2319764"/>
+              <a:gd name="connsiteX1" fmla="*/ 3118 w 2212239"/>
+              <a:gd name="connsiteY1" fmla="*/ 1466910 h 2319764"/>
+              <a:gd name="connsiteX2" fmla="*/ 469110 w 2212239"/>
+              <a:gd name="connsiteY2" fmla="*/ 842657 h 2319764"/>
+              <a:gd name="connsiteX3" fmla="*/ 2069310 w 2212239"/>
+              <a:gd name="connsiteY3" fmla="*/ 68933 h 2319764"/>
+              <a:gd name="connsiteX4" fmla="*/ 2034141 w 2212239"/>
+              <a:gd name="connsiteY4" fmla="*/ 86518 h 2319764"/>
+            </a:gdLst>
+            <a:ahLst/>
+            <a:cxnLst>
+              <a:cxn ang="0">
+                <a:pos x="connsiteX0" y="connsiteY0"/>
+              </a:cxn>
+              <a:cxn ang="0">
+                <a:pos x="connsiteX1" y="connsiteY1"/>
+              </a:cxn>
+              <a:cxn ang="0">
+                <a:pos x="connsiteX2" y="connsiteY2"/>
+              </a:cxn>
+              <a:cxn ang="0">
+                <a:pos x="connsiteX3" y="connsiteY3"/>
+              </a:cxn>
+              <a:cxn ang="0">
+                <a:pos x="connsiteX4" y="connsiteY4"/>
+              </a:cxn>
+            </a:cxnLst>
+            <a:rect l="l" t="t" r="r" b="b"/>
+            <a:pathLst>
+              <a:path w="2212239" h="2319764">
+                <a:moveTo>
+                  <a:pt x="302056" y="2319764"/>
+                </a:moveTo>
+                <a:cubicBezTo>
+                  <a:pt x="138666" y="2016429"/>
+                  <a:pt x="-24724" y="1713094"/>
+                  <a:pt x="3118" y="1466910"/>
+                </a:cubicBezTo>
+                <a:cubicBezTo>
+                  <a:pt x="30960" y="1220725"/>
+                  <a:pt x="124745" y="1075653"/>
+                  <a:pt x="469110" y="842657"/>
+                </a:cubicBezTo>
+                <a:cubicBezTo>
+                  <a:pt x="813475" y="609661"/>
+                  <a:pt x="1808472" y="194956"/>
+                  <a:pt x="2069310" y="68933"/>
+                </a:cubicBezTo>
+                <a:cubicBezTo>
+                  <a:pt x="2330148" y="-57090"/>
+                  <a:pt x="2182144" y="14714"/>
+                  <a:pt x="2034141" y="86518"/>
+                </a:cubicBezTo>
+              </a:path>
+            </a:pathLst>
+          </a:custGeom>
+          <a:noFill/>
+          <a:ln>
+            <a:prstDash val="sysDot"/>
+          </a:ln>
+        </p:spPr>
+        <p:style>
+          <a:lnRef idx="2">
+            <a:schemeClr val="accent1">
+              <a:shade val="50000"/>
+            </a:schemeClr>
+          </a:lnRef>
+          <a:fillRef idx="1">
+            <a:schemeClr val="accent1"/>
+          </a:fillRef>
+          <a:effectRef idx="0">
+            <a:schemeClr val="accent1"/>
+          </a:effectRef>
+          <a:fontRef idx="minor">
+            <a:schemeClr val="lt1"/>
+          </a:fontRef>
+        </p:style>
+        <p:txBody>
+          <a:bodyPr rtlCol="0" anchor="ctr"/>
+          <a:lstStyle/>
+          <a:p>
+            <a:pPr algn="ctr"/>
+            <a:endParaRPr lang="en-US"/>
+          </a:p>
+        </p:txBody>
+      </p:sp>
+      <p:sp>
+        <p:nvSpPr>
+          <p:cNvPr id="44" name="TextBox 43">
+            <a:extLst>
+              <a:ext uri="{FF2B5EF4-FFF2-40B4-BE49-F238E27FC236}">
+                <a16:creationId xmlns:a16="http://schemas.microsoft.com/office/drawing/2014/main" id="{124EF7FB-7451-4640-9346-F1BE56FC4768}"/>
+              </a:ext>
+            </a:extLst>
+          </p:cNvPr>
+          <p:cNvSpPr txBox="1"/>
+          <p:nvPr/>
+        </p:nvSpPr>
+        <p:spPr>
+          <a:xfrm>
+            <a:off x="4041865" y="3780692"/>
+            <a:ext cx="615874" cy="261610"/>
+          </a:xfrm>
+          <a:prstGeom prst="rect">
+            <a:avLst/>
+          </a:prstGeom>
+          <a:noFill/>
+        </p:spPr>
+        <p:txBody>
+          <a:bodyPr wrap="none" rtlCol="0">
+            <a:spAutoFit/>
+          </a:bodyPr>
+          <a:lstStyle/>
+          <a:p>
+            <a:r>
+              <a:rPr lang="en-US" sz="1100" dirty="0" err="1"/>
+              <a:t>kubelet</a:t>
+            </a:r>
+            <a:endParaRPr lang="en-US" dirty="0"/>
+          </a:p>
+        </p:txBody>
+      </p:sp>
+      <p:sp>
+        <p:nvSpPr>
+          <p:cNvPr id="45" name="TextBox 44">
+            <a:extLst>
+              <a:ext uri="{FF2B5EF4-FFF2-40B4-BE49-F238E27FC236}">
+                <a16:creationId xmlns:a16="http://schemas.microsoft.com/office/drawing/2014/main" id="{9083C2D7-C54E-4BB0-AE53-7F6C1FB365DB}"/>
+              </a:ext>
+            </a:extLst>
+          </p:cNvPr>
+          <p:cNvSpPr txBox="1"/>
+          <p:nvPr/>
+        </p:nvSpPr>
+        <p:spPr>
+          <a:xfrm>
+            <a:off x="7802802" y="3814377"/>
+            <a:ext cx="615874" cy="261610"/>
+          </a:xfrm>
+          <a:prstGeom prst="rect">
+            <a:avLst/>
+          </a:prstGeom>
+          <a:noFill/>
+        </p:spPr>
+        <p:txBody>
+          <a:bodyPr wrap="none" rtlCol="0">
+            <a:spAutoFit/>
+          </a:bodyPr>
+          <a:lstStyle/>
+          <a:p>
+            <a:r>
+              <a:rPr lang="en-US" sz="1100" dirty="0" err="1"/>
+              <a:t>kubelet</a:t>
+            </a:r>
+            <a:endParaRPr lang="en-US" dirty="0"/>
+          </a:p>
+        </p:txBody>
+      </p:sp>
+      <p:sp>
+        <p:nvSpPr>
+          <p:cNvPr id="46" name="TextBox 45">
+            <a:extLst>
+              <a:ext uri="{FF2B5EF4-FFF2-40B4-BE49-F238E27FC236}">
+                <a16:creationId xmlns:a16="http://schemas.microsoft.com/office/drawing/2014/main" id="{DFEDB1F1-E5BF-41AB-829C-9C7C4AA732D7}"/>
+              </a:ext>
+            </a:extLst>
+          </p:cNvPr>
+          <p:cNvSpPr txBox="1"/>
+          <p:nvPr/>
+        </p:nvSpPr>
+        <p:spPr>
+          <a:xfrm>
+            <a:off x="7132249" y="414013"/>
+            <a:ext cx="615874" cy="261610"/>
+          </a:xfrm>
+          <a:prstGeom prst="rect">
+            <a:avLst/>
+          </a:prstGeom>
+          <a:noFill/>
+        </p:spPr>
+        <p:txBody>
+          <a:bodyPr wrap="none" rtlCol="0">
+            <a:spAutoFit/>
+          </a:bodyPr>
+          <a:lstStyle/>
+          <a:p>
+            <a:r>
+              <a:rPr lang="en-US" sz="1100" dirty="0" err="1"/>
+              <a:t>kubelet</a:t>
+            </a:r>
+            <a:endParaRPr lang="en-US" dirty="0"/>
+          </a:p>
+        </p:txBody>
+      </p:sp>
+      <p:cxnSp>
+        <p:nvCxnSpPr>
+          <p:cNvPr id="48" name="Straight Arrow Connector 47">
+            <a:extLst>
+              <a:ext uri="{FF2B5EF4-FFF2-40B4-BE49-F238E27FC236}">
+                <a16:creationId xmlns:a16="http://schemas.microsoft.com/office/drawing/2014/main" id="{520B2C46-6576-456B-AA60-AE62C304D1B2}"/>
+              </a:ext>
+            </a:extLst>
+          </p:cNvPr>
+          <p:cNvCxnSpPr>
+            <a:stCxn id="26" idx="2"/>
+            <a:endCxn id="45" idx="0"/>
+          </p:cNvCxnSpPr>
+          <p:nvPr/>
+        </p:nvCxnSpPr>
+        <p:spPr>
+          <a:xfrm>
+            <a:off x="6288919" y="2044991"/>
+            <a:ext cx="1821820" cy="1769386"/>
+          </a:xfrm>
+          <a:prstGeom prst="straightConnector1">
+            <a:avLst/>
+          </a:prstGeom>
+          <a:ln>
+            <a:tailEnd type="triangle"/>
+          </a:ln>
+        </p:spPr>
+        <p:style>
+          <a:lnRef idx="1">
+            <a:schemeClr val="accent1"/>
+          </a:lnRef>
+          <a:fillRef idx="0">
+            <a:schemeClr val="accent1"/>
+          </a:fillRef>
+          <a:effectRef idx="0">
+            <a:schemeClr val="accent1"/>
+          </a:effectRef>
+          <a:fontRef idx="minor">
+            <a:schemeClr val="tx1"/>
+          </a:fontRef>
+        </p:style>
+      </p:cxnSp>
+      <p:cxnSp>
+        <p:nvCxnSpPr>
+          <p:cNvPr id="50" name="Straight Arrow Connector 49">
+            <a:extLst>
+              <a:ext uri="{FF2B5EF4-FFF2-40B4-BE49-F238E27FC236}">
+                <a16:creationId xmlns:a16="http://schemas.microsoft.com/office/drawing/2014/main" id="{93E10A3A-A21C-4474-B76B-2997112C9866}"/>
+              </a:ext>
+            </a:extLst>
+          </p:cNvPr>
+          <p:cNvCxnSpPr>
+            <a:stCxn id="45" idx="3"/>
+            <a:endCxn id="16" idx="0"/>
+          </p:cNvCxnSpPr>
+          <p:nvPr/>
+        </p:nvCxnSpPr>
+        <p:spPr>
+          <a:xfrm>
+            <a:off x="8418676" y="3945182"/>
+            <a:ext cx="1853124" cy="1571948"/>
+          </a:xfrm>
+          <a:prstGeom prst="straightConnector1">
+            <a:avLst/>
+          </a:prstGeom>
+          <a:ln>
+            <a:tailEnd type="triangle"/>
+          </a:ln>
+        </p:spPr>
+        <p:style>
+          <a:lnRef idx="1">
+            <a:schemeClr val="accent1"/>
+          </a:lnRef>
+          <a:fillRef idx="0">
+            <a:schemeClr val="accent1"/>
+          </a:fillRef>
+          <a:effectRef idx="0">
+            <a:schemeClr val="accent1"/>
+          </a:effectRef>
+          <a:fontRef idx="minor">
+            <a:schemeClr val="tx1"/>
+          </a:fontRef>
+        </p:style>
+      </p:cxnSp>
+      <p:cxnSp>
+        <p:nvCxnSpPr>
+          <p:cNvPr id="52" name="Straight Arrow Connector 51">
+            <a:extLst>
+              <a:ext uri="{FF2B5EF4-FFF2-40B4-BE49-F238E27FC236}">
+                <a16:creationId xmlns:a16="http://schemas.microsoft.com/office/drawing/2014/main" id="{36EFEC18-D511-4E16-A698-B92C075AB125}"/>
+              </a:ext>
+            </a:extLst>
+          </p:cNvPr>
+          <p:cNvCxnSpPr>
+            <a:stCxn id="16" idx="1"/>
+          </p:cNvCxnSpPr>
+          <p:nvPr/>
+        </p:nvCxnSpPr>
+        <p:spPr>
+          <a:xfrm flipH="1">
+            <a:off x="9337431" y="5647935"/>
+            <a:ext cx="609600" cy="21595"/>
+          </a:xfrm>
+          <a:prstGeom prst="straightConnector1">
+            <a:avLst/>
+          </a:prstGeom>
+          <a:ln>
+            <a:tailEnd type="triangle"/>
+          </a:ln>
+        </p:spPr>
+        <p:style>
+          <a:lnRef idx="1">
+            <a:schemeClr val="accent1"/>
+          </a:lnRef>
+          <a:fillRef idx="0">
+            <a:schemeClr val="accent1"/>
+          </a:fillRef>
+          <a:effectRef idx="0">
+            <a:schemeClr val="accent1"/>
+          </a:effectRef>
+          <a:fontRef idx="minor">
+            <a:schemeClr val="tx1"/>
+          </a:fontRef>
+        </p:style>
+      </p:cxnSp>
+      <p:sp>
+        <p:nvSpPr>
+          <p:cNvPr id="53" name="Oval 52">
+            <a:extLst>
+              <a:ext uri="{FF2B5EF4-FFF2-40B4-BE49-F238E27FC236}">
+                <a16:creationId xmlns:a16="http://schemas.microsoft.com/office/drawing/2014/main" id="{2E5329B7-2BCD-4E98-8C94-AC01BBC0F055}"/>
+              </a:ext>
+            </a:extLst>
+          </p:cNvPr>
+          <p:cNvSpPr/>
+          <p:nvPr/>
+        </p:nvSpPr>
+        <p:spPr>
+          <a:xfrm>
+            <a:off x="8176846" y="5427783"/>
+            <a:ext cx="615874" cy="321244"/>
+          </a:xfrm>
+          <a:prstGeom prst="ellipse">
+            <a:avLst/>
+          </a:prstGeom>
+        </p:spPr>
+        <p:style>
+          <a:lnRef idx="2">
+            <a:schemeClr val="accent1">
+              <a:shade val="50000"/>
+            </a:schemeClr>
+          </a:lnRef>
+          <a:fillRef idx="1">
+            <a:schemeClr val="accent1"/>
+          </a:fillRef>
+          <a:effectRef idx="0">
+            <a:schemeClr val="accent1"/>
+          </a:effectRef>
+          <a:fontRef idx="minor">
+            <a:schemeClr val="lt1"/>
+          </a:fontRef>
+        </p:style>
+        <p:txBody>
+          <a:bodyPr rtlCol="0" anchor="ctr"/>
+          <a:lstStyle/>
+          <a:p>
+            <a:pPr algn="ctr"/>
+            <a:r>
+              <a:rPr lang="en-US" sz="1100" dirty="0"/>
+              <a:t>pod</a:t>
+            </a:r>
+            <a:endParaRPr lang="en-US" dirty="0"/>
+          </a:p>
+        </p:txBody>
+      </p:sp>
+      <p:sp>
+        <p:nvSpPr>
+          <p:cNvPr id="54" name="Oval 53">
+            <a:extLst>
+              <a:ext uri="{FF2B5EF4-FFF2-40B4-BE49-F238E27FC236}">
+                <a16:creationId xmlns:a16="http://schemas.microsoft.com/office/drawing/2014/main" id="{020ACE8C-9738-453B-9482-202C202A4644}"/>
+              </a:ext>
+            </a:extLst>
+          </p:cNvPr>
+          <p:cNvSpPr/>
+          <p:nvPr/>
+        </p:nvSpPr>
+        <p:spPr>
+          <a:xfrm>
+            <a:off x="8752722" y="5441543"/>
+            <a:ext cx="781222" cy="321244"/>
+          </a:xfrm>
+          <a:prstGeom prst="ellipse">
+            <a:avLst/>
+          </a:prstGeom>
+        </p:spPr>
+        <p:style>
+          <a:lnRef idx="2">
+            <a:schemeClr val="accent1">
+              <a:shade val="50000"/>
+            </a:schemeClr>
+          </a:lnRef>
+          <a:fillRef idx="1">
+            <a:schemeClr val="accent1"/>
+          </a:fillRef>
+          <a:effectRef idx="0">
+            <a:schemeClr val="accent1"/>
+          </a:effectRef>
+          <a:fontRef idx="minor">
+            <a:schemeClr val="lt1"/>
+          </a:fontRef>
+        </p:style>
+        <p:txBody>
+          <a:bodyPr rtlCol="0" anchor="ctr"/>
+          <a:lstStyle/>
+          <a:p>
+            <a:pPr algn="ctr"/>
+            <a:r>
+              <a:rPr lang="en-US" sz="1100" dirty="0" err="1"/>
+              <a:t>nginx</a:t>
+            </a:r>
+            <a:endParaRPr lang="en-US" dirty="0"/>
+          </a:p>
+        </p:txBody>
+      </p:sp>
+      <p:sp>
+        <p:nvSpPr>
+          <p:cNvPr id="55" name="Rectangle 54">
+            <a:extLst>
+              <a:ext uri="{FF2B5EF4-FFF2-40B4-BE49-F238E27FC236}">
+                <a16:creationId xmlns:a16="http://schemas.microsoft.com/office/drawing/2014/main" id="{D4D086D5-1C01-4668-A522-71D192832CF2}"/>
+              </a:ext>
+            </a:extLst>
+          </p:cNvPr>
+          <p:cNvSpPr/>
+          <p:nvPr/>
+        </p:nvSpPr>
+        <p:spPr>
+          <a:xfrm>
+            <a:off x="8548310" y="5388545"/>
+            <a:ext cx="415221" cy="218666"/>
+          </a:xfrm>
+          <a:prstGeom prst="rect">
+            <a:avLst/>
+          </a:prstGeom>
+        </p:spPr>
+        <p:style>
+          <a:lnRef idx="2">
+            <a:schemeClr val="accent1">
+              <a:shade val="50000"/>
+            </a:schemeClr>
+          </a:lnRef>
+          <a:fillRef idx="1">
+            <a:schemeClr val="accent1"/>
+          </a:fillRef>
+          <a:effectRef idx="0">
+            <a:schemeClr val="accent1"/>
+          </a:effectRef>
+          <a:fontRef idx="minor">
+            <a:schemeClr val="lt1"/>
+          </a:fontRef>
+        </p:style>
+        <p:txBody>
+          <a:bodyPr rtlCol="0" anchor="ctr"/>
+          <a:lstStyle/>
+          <a:p>
+            <a:pPr algn="ctr"/>
+            <a:r>
+              <a:rPr lang="en-US" sz="1000" dirty="0" err="1"/>
+              <a:t>veth</a:t>
+            </a:r>
+            <a:endParaRPr lang="en-US" sz="1000" dirty="0"/>
+          </a:p>
+        </p:txBody>
+      </p:sp>
+      <p:sp>
+        <p:nvSpPr>
+          <p:cNvPr id="56" name="TextBox 55">
+            <a:extLst>
+              <a:ext uri="{FF2B5EF4-FFF2-40B4-BE49-F238E27FC236}">
+                <a16:creationId xmlns:a16="http://schemas.microsoft.com/office/drawing/2014/main" id="{B0DB4A5B-0788-4425-A4DE-36740804E68D}"/>
+              </a:ext>
+            </a:extLst>
+          </p:cNvPr>
+          <p:cNvSpPr txBox="1"/>
+          <p:nvPr/>
+        </p:nvSpPr>
+        <p:spPr>
+          <a:xfrm>
+            <a:off x="7224650" y="2032447"/>
+            <a:ext cx="263214" cy="276999"/>
+          </a:xfrm>
+          <a:prstGeom prst="rect">
+            <a:avLst/>
+          </a:prstGeom>
+          <a:noFill/>
+        </p:spPr>
+        <p:txBody>
+          <a:bodyPr wrap="none" rtlCol="0">
+            <a:spAutoFit/>
+          </a:bodyPr>
+          <a:lstStyle/>
+          <a:p>
+            <a:r>
+              <a:rPr lang="en-US" sz="1200" dirty="0"/>
+              <a:t>1</a:t>
+            </a:r>
+            <a:endParaRPr lang="en-US" dirty="0"/>
+          </a:p>
+        </p:txBody>
+      </p:sp>
+      <p:sp>
+        <p:nvSpPr>
+          <p:cNvPr id="57" name="TextBox 56">
+            <a:extLst>
+              <a:ext uri="{FF2B5EF4-FFF2-40B4-BE49-F238E27FC236}">
+                <a16:creationId xmlns:a16="http://schemas.microsoft.com/office/drawing/2014/main" id="{A2CB4CCC-8056-470A-9324-BB5AE678DCC0}"/>
+              </a:ext>
+            </a:extLst>
+          </p:cNvPr>
+          <p:cNvSpPr txBox="1"/>
+          <p:nvPr/>
+        </p:nvSpPr>
+        <p:spPr>
+          <a:xfrm>
+            <a:off x="9082024" y="714456"/>
+            <a:ext cx="263214" cy="276999"/>
+          </a:xfrm>
+          <a:prstGeom prst="rect">
+            <a:avLst/>
+          </a:prstGeom>
+          <a:noFill/>
+        </p:spPr>
+        <p:txBody>
+          <a:bodyPr wrap="none" rtlCol="0">
+            <a:spAutoFit/>
+          </a:bodyPr>
+          <a:lstStyle/>
+          <a:p>
+            <a:r>
+              <a:rPr lang="en-US" sz="1200" dirty="0"/>
+              <a:t>2</a:t>
+            </a:r>
+            <a:endParaRPr lang="en-US" dirty="0"/>
+          </a:p>
+        </p:txBody>
+      </p:sp>
+      <p:sp>
+        <p:nvSpPr>
+          <p:cNvPr id="58" name="TextBox 57">
+            <a:extLst>
+              <a:ext uri="{FF2B5EF4-FFF2-40B4-BE49-F238E27FC236}">
+                <a16:creationId xmlns:a16="http://schemas.microsoft.com/office/drawing/2014/main" id="{E4608D6A-7C4D-40FA-8BA9-097C0EB2B65E}"/>
+              </a:ext>
+            </a:extLst>
+          </p:cNvPr>
+          <p:cNvSpPr txBox="1"/>
+          <p:nvPr/>
+        </p:nvSpPr>
+        <p:spPr>
+          <a:xfrm>
+            <a:off x="7362644" y="803606"/>
+            <a:ext cx="263214" cy="276999"/>
+          </a:xfrm>
+          <a:prstGeom prst="rect">
+            <a:avLst/>
+          </a:prstGeom>
+          <a:noFill/>
+        </p:spPr>
+        <p:txBody>
+          <a:bodyPr wrap="none" rtlCol="0">
+            <a:spAutoFit/>
+          </a:bodyPr>
+          <a:lstStyle/>
+          <a:p>
+            <a:r>
+              <a:rPr lang="en-US" sz="1200" dirty="0"/>
+              <a:t>3</a:t>
+            </a:r>
+            <a:endParaRPr lang="en-US" dirty="0"/>
+          </a:p>
+        </p:txBody>
+      </p:sp>
+      <p:sp>
+        <p:nvSpPr>
+          <p:cNvPr id="59" name="TextBox 58">
+            <a:extLst>
+              <a:ext uri="{FF2B5EF4-FFF2-40B4-BE49-F238E27FC236}">
+                <a16:creationId xmlns:a16="http://schemas.microsoft.com/office/drawing/2014/main" id="{7F13E421-3FDA-4F63-887E-CED4040A9F20}"/>
+              </a:ext>
+            </a:extLst>
+          </p:cNvPr>
+          <p:cNvSpPr txBox="1"/>
+          <p:nvPr/>
+        </p:nvSpPr>
+        <p:spPr>
+          <a:xfrm>
+            <a:off x="7515044" y="446051"/>
+            <a:ext cx="263214" cy="276999"/>
+          </a:xfrm>
+          <a:prstGeom prst="rect">
+            <a:avLst/>
+          </a:prstGeom>
+          <a:noFill/>
+        </p:spPr>
+        <p:txBody>
+          <a:bodyPr wrap="none" rtlCol="0">
+            <a:spAutoFit/>
+          </a:bodyPr>
+          <a:lstStyle/>
+          <a:p>
+            <a:r>
+              <a:rPr lang="en-US" sz="1200" dirty="0"/>
+              <a:t>1</a:t>
+            </a:r>
+            <a:endParaRPr lang="en-US" dirty="0"/>
+          </a:p>
+        </p:txBody>
+      </p:sp>
+      <p:sp>
+        <p:nvSpPr>
+          <p:cNvPr id="60" name="TextBox 59">
+            <a:extLst>
+              <a:ext uri="{FF2B5EF4-FFF2-40B4-BE49-F238E27FC236}">
+                <a16:creationId xmlns:a16="http://schemas.microsoft.com/office/drawing/2014/main" id="{0E3C26A0-59BD-4286-B307-BEBC7F18E8A5}"/>
+              </a:ext>
+            </a:extLst>
+          </p:cNvPr>
+          <p:cNvSpPr txBox="1"/>
+          <p:nvPr/>
+        </p:nvSpPr>
+        <p:spPr>
+          <a:xfrm>
+            <a:off x="7801403" y="3992455"/>
+            <a:ext cx="263214" cy="276999"/>
+          </a:xfrm>
+          <a:prstGeom prst="rect">
+            <a:avLst/>
+          </a:prstGeom>
+          <a:noFill/>
+        </p:spPr>
+        <p:txBody>
+          <a:bodyPr wrap="none" rtlCol="0">
+            <a:spAutoFit/>
+          </a:bodyPr>
+          <a:lstStyle/>
+          <a:p>
+            <a:r>
+              <a:rPr lang="en-US" sz="1200" dirty="0"/>
+              <a:t>1</a:t>
+            </a:r>
+            <a:endParaRPr lang="en-US" dirty="0"/>
+          </a:p>
+        </p:txBody>
+      </p:sp>
+      <p:sp>
+        <p:nvSpPr>
+          <p:cNvPr id="61" name="TextBox 60">
+            <a:extLst>
+              <a:ext uri="{FF2B5EF4-FFF2-40B4-BE49-F238E27FC236}">
+                <a16:creationId xmlns:a16="http://schemas.microsoft.com/office/drawing/2014/main" id="{DBC00BA1-A0D2-4E3D-9D97-5CD672BE2D08}"/>
+              </a:ext>
+            </a:extLst>
+          </p:cNvPr>
+          <p:cNvSpPr txBox="1"/>
+          <p:nvPr/>
+        </p:nvSpPr>
+        <p:spPr>
+          <a:xfrm>
+            <a:off x="3936307" y="3785177"/>
+            <a:ext cx="263214" cy="276999"/>
+          </a:xfrm>
+          <a:prstGeom prst="rect">
+            <a:avLst/>
+          </a:prstGeom>
+          <a:noFill/>
+        </p:spPr>
+        <p:txBody>
+          <a:bodyPr wrap="none" rtlCol="0">
+            <a:spAutoFit/>
+          </a:bodyPr>
+          <a:lstStyle/>
+          <a:p>
+            <a:r>
+              <a:rPr lang="en-US" sz="1200" dirty="0"/>
+              <a:t>1</a:t>
+            </a:r>
+            <a:endParaRPr lang="en-US" dirty="0"/>
+          </a:p>
+        </p:txBody>
+      </p:sp>
+      <p:sp>
+        <p:nvSpPr>
+          <p:cNvPr id="62" name="TextBox 61">
+            <a:extLst>
+              <a:ext uri="{FF2B5EF4-FFF2-40B4-BE49-F238E27FC236}">
+                <a16:creationId xmlns:a16="http://schemas.microsoft.com/office/drawing/2014/main" id="{753F57E6-74C2-4251-A270-B69B649CECB9}"/>
+              </a:ext>
+            </a:extLst>
+          </p:cNvPr>
+          <p:cNvSpPr txBox="1"/>
+          <p:nvPr/>
+        </p:nvSpPr>
+        <p:spPr>
+          <a:xfrm>
+            <a:off x="4273634" y="5474591"/>
+            <a:ext cx="263214" cy="276999"/>
+          </a:xfrm>
+          <a:prstGeom prst="rect">
+            <a:avLst/>
+          </a:prstGeom>
+          <a:noFill/>
+        </p:spPr>
+        <p:txBody>
+          <a:bodyPr wrap="none" rtlCol="0">
+            <a:spAutoFit/>
+          </a:bodyPr>
+          <a:lstStyle/>
+          <a:p>
+            <a:r>
+              <a:rPr lang="en-US" sz="1200" dirty="0"/>
+              <a:t>1</a:t>
+            </a:r>
+            <a:endParaRPr lang="en-US" dirty="0"/>
+          </a:p>
+        </p:txBody>
+      </p:sp>
+      <p:sp>
+        <p:nvSpPr>
+          <p:cNvPr id="63" name="TextBox 62">
+            <a:extLst>
+              <a:ext uri="{FF2B5EF4-FFF2-40B4-BE49-F238E27FC236}">
+                <a16:creationId xmlns:a16="http://schemas.microsoft.com/office/drawing/2014/main" id="{AD666695-6B1C-40A4-8A97-FCD08935686D}"/>
+              </a:ext>
+            </a:extLst>
+          </p:cNvPr>
+          <p:cNvSpPr txBox="1"/>
+          <p:nvPr/>
+        </p:nvSpPr>
+        <p:spPr>
+          <a:xfrm>
+            <a:off x="10212998" y="5381733"/>
+            <a:ext cx="263214" cy="276999"/>
+          </a:xfrm>
+          <a:prstGeom prst="rect">
+            <a:avLst/>
+          </a:prstGeom>
+          <a:noFill/>
+        </p:spPr>
+        <p:txBody>
+          <a:bodyPr wrap="none" rtlCol="0">
+            <a:spAutoFit/>
+          </a:bodyPr>
+          <a:lstStyle/>
+          <a:p>
+            <a:r>
+              <a:rPr lang="en-US" sz="1200" dirty="0"/>
+              <a:t>1</a:t>
+            </a:r>
+            <a:endParaRPr lang="en-US" dirty="0"/>
+          </a:p>
+        </p:txBody>
+      </p:sp>
+      <p:sp>
+        <p:nvSpPr>
+          <p:cNvPr id="64" name="TextBox 63">
+            <a:extLst>
+              <a:ext uri="{FF2B5EF4-FFF2-40B4-BE49-F238E27FC236}">
+                <a16:creationId xmlns:a16="http://schemas.microsoft.com/office/drawing/2014/main" id="{C7E38D4D-55FB-49D1-B031-34BBAD36DBB1}"/>
+              </a:ext>
+            </a:extLst>
+          </p:cNvPr>
+          <p:cNvSpPr txBox="1"/>
+          <p:nvPr/>
+        </p:nvSpPr>
+        <p:spPr>
+          <a:xfrm>
+            <a:off x="8585533" y="2633449"/>
+            <a:ext cx="263214" cy="276999"/>
+          </a:xfrm>
+          <a:prstGeom prst="rect">
+            <a:avLst/>
+          </a:prstGeom>
+          <a:noFill/>
+        </p:spPr>
+        <p:txBody>
+          <a:bodyPr wrap="none" rtlCol="0">
+            <a:spAutoFit/>
+          </a:bodyPr>
+          <a:lstStyle/>
+          <a:p>
+            <a:r>
+              <a:rPr lang="en-US" sz="1200" dirty="0"/>
+              <a:t>4</a:t>
+            </a:r>
+            <a:endParaRPr lang="en-US" dirty="0"/>
+          </a:p>
+        </p:txBody>
+      </p:sp>
+      <p:sp>
+        <p:nvSpPr>
+          <p:cNvPr id="65" name="TextBox 64">
+            <a:extLst>
+              <a:ext uri="{FF2B5EF4-FFF2-40B4-BE49-F238E27FC236}">
+                <a16:creationId xmlns:a16="http://schemas.microsoft.com/office/drawing/2014/main" id="{F2094E27-80D6-4E06-BC08-F4648EC0BD17}"/>
+              </a:ext>
+            </a:extLst>
+          </p:cNvPr>
+          <p:cNvSpPr txBox="1"/>
+          <p:nvPr/>
+        </p:nvSpPr>
+        <p:spPr>
+          <a:xfrm>
+            <a:off x="3305549" y="2656000"/>
+            <a:ext cx="263214" cy="276999"/>
+          </a:xfrm>
+          <a:prstGeom prst="rect">
+            <a:avLst/>
+          </a:prstGeom>
+          <a:noFill/>
+        </p:spPr>
+        <p:txBody>
+          <a:bodyPr wrap="none" rtlCol="0">
+            <a:spAutoFit/>
+          </a:bodyPr>
+          <a:lstStyle/>
+          <a:p>
+            <a:r>
+              <a:rPr lang="en-US" sz="1200" dirty="0"/>
+              <a:t>4</a:t>
+            </a:r>
+            <a:endParaRPr lang="en-US" dirty="0"/>
+          </a:p>
+        </p:txBody>
+      </p:sp>
+      <p:sp>
+        <p:nvSpPr>
+          <p:cNvPr id="66" name="Rectangle 65">
+            <a:extLst>
+              <a:ext uri="{FF2B5EF4-FFF2-40B4-BE49-F238E27FC236}">
+                <a16:creationId xmlns:a16="http://schemas.microsoft.com/office/drawing/2014/main" id="{C245A181-2DB7-4BAF-B965-045859E71EDE}"/>
+              </a:ext>
+            </a:extLst>
+          </p:cNvPr>
+          <p:cNvSpPr/>
+          <p:nvPr/>
+        </p:nvSpPr>
+        <p:spPr>
+          <a:xfrm>
+            <a:off x="5377389" y="584550"/>
+            <a:ext cx="2008450" cy="1472042"/>
+          </a:xfrm>
+          <a:prstGeom prst="rect">
+            <a:avLst/>
+          </a:prstGeom>
+          <a:noFill/>
+          <a:ln>
+            <a:solidFill>
+              <a:srgbClr val="00B050"/>
+            </a:solidFill>
+            <a:prstDash val="sysDot"/>
+          </a:ln>
+        </p:spPr>
+        <p:style>
+          <a:lnRef idx="2">
+            <a:schemeClr val="accent1">
+              <a:shade val="50000"/>
+            </a:schemeClr>
+          </a:lnRef>
+          <a:fillRef idx="1">
+            <a:schemeClr val="accent1"/>
+          </a:fillRef>
+          <a:effectRef idx="0">
+            <a:schemeClr val="accent1"/>
+          </a:effectRef>
+          <a:fontRef idx="minor">
+            <a:schemeClr val="lt1"/>
+          </a:fontRef>
+        </p:style>
+        <p:txBody>
+          <a:bodyPr rtlCol="0" anchor="ctr"/>
+          <a:lstStyle/>
+          <a:p>
+            <a:pPr algn="ctr"/>
+            <a:endParaRPr lang="en-US"/>
+          </a:p>
+        </p:txBody>
+      </p:sp>
+      <p:cxnSp>
+        <p:nvCxnSpPr>
+          <p:cNvPr id="68" name="Straight Arrow Connector 67">
+            <a:extLst>
+              <a:ext uri="{FF2B5EF4-FFF2-40B4-BE49-F238E27FC236}">
+                <a16:creationId xmlns:a16="http://schemas.microsoft.com/office/drawing/2014/main" id="{E052A8E6-E23F-4AC7-A93C-657B560526F7}"/>
+              </a:ext>
+            </a:extLst>
+          </p:cNvPr>
+          <p:cNvCxnSpPr/>
+          <p:nvPr/>
+        </p:nvCxnSpPr>
+        <p:spPr>
+          <a:xfrm flipV="1">
+            <a:off x="7376591" y="1311437"/>
+            <a:ext cx="2749790" cy="224245"/>
+          </a:xfrm>
+          <a:prstGeom prst="straightConnector1">
+            <a:avLst/>
+          </a:prstGeom>
+          <a:ln>
+            <a:tailEnd type="triangle"/>
+          </a:ln>
+        </p:spPr>
+        <p:style>
+          <a:lnRef idx="1">
+            <a:schemeClr val="accent1"/>
+          </a:lnRef>
+          <a:fillRef idx="0">
+            <a:schemeClr val="accent1"/>
+          </a:fillRef>
+          <a:effectRef idx="0">
+            <a:schemeClr val="accent1"/>
+          </a:effectRef>
+          <a:fontRef idx="minor">
+            <a:schemeClr val="tx1"/>
+          </a:fontRef>
+        </p:style>
+      </p:cxnSp>
+      <p:sp>
+        <p:nvSpPr>
+          <p:cNvPr id="69" name="TextBox 68">
+            <a:extLst>
+              <a:ext uri="{FF2B5EF4-FFF2-40B4-BE49-F238E27FC236}">
+                <a16:creationId xmlns:a16="http://schemas.microsoft.com/office/drawing/2014/main" id="{8AF3BAE8-1062-4AC3-AC54-BCD324993DD9}"/>
+              </a:ext>
+            </a:extLst>
+          </p:cNvPr>
+          <p:cNvSpPr txBox="1"/>
+          <p:nvPr/>
+        </p:nvSpPr>
+        <p:spPr>
+          <a:xfrm>
+            <a:off x="9945551" y="1110191"/>
+            <a:ext cx="1450012" cy="369332"/>
+          </a:xfrm>
+          <a:prstGeom prst="rect">
+            <a:avLst/>
+          </a:prstGeom>
+          <a:noFill/>
+        </p:spPr>
+        <p:txBody>
+          <a:bodyPr wrap="none" rtlCol="0">
+            <a:spAutoFit/>
+          </a:bodyPr>
+          <a:lstStyle/>
+          <a:p>
+            <a:r>
+              <a:rPr lang="en-US" dirty="0"/>
+              <a:t>Control Plane</a:t>
+            </a:r>
+          </a:p>
+        </p:txBody>
+      </p:sp>
+      <p:sp>
+        <p:nvSpPr>
+          <p:cNvPr id="70" name="Cylinder 69">
+            <a:extLst>
+              <a:ext uri="{FF2B5EF4-FFF2-40B4-BE49-F238E27FC236}">
+                <a16:creationId xmlns:a16="http://schemas.microsoft.com/office/drawing/2014/main" id="{F664AD25-C039-48B8-93D5-FCD634BE4994}"/>
+              </a:ext>
+            </a:extLst>
+          </p:cNvPr>
+          <p:cNvSpPr/>
+          <p:nvPr/>
+        </p:nvSpPr>
+        <p:spPr>
+          <a:xfrm>
+            <a:off x="5056285" y="2190188"/>
+            <a:ext cx="847941" cy="398779"/>
+          </a:xfrm>
+          <a:prstGeom prst="can">
+            <a:avLst/>
+          </a:prstGeom>
+        </p:spPr>
+        <p:style>
+          <a:lnRef idx="2">
+            <a:schemeClr val="accent1">
+              <a:shade val="50000"/>
+            </a:schemeClr>
+          </a:lnRef>
+          <a:fillRef idx="1">
+            <a:schemeClr val="accent1"/>
+          </a:fillRef>
+          <a:effectRef idx="0">
+            <a:schemeClr val="accent1"/>
+          </a:effectRef>
+          <a:fontRef idx="minor">
+            <a:schemeClr val="lt1"/>
+          </a:fontRef>
+        </p:style>
+        <p:txBody>
+          <a:bodyPr rtlCol="0" anchor="ctr"/>
+          <a:lstStyle/>
+          <a:p>
+            <a:pPr algn="ctr"/>
+            <a:r>
+              <a:rPr lang="en-US" dirty="0" err="1"/>
+              <a:t>etcd</a:t>
+            </a:r>
+            <a:endParaRPr lang="en-US" dirty="0"/>
+          </a:p>
+        </p:txBody>
+      </p:sp>
+      <p:cxnSp>
+        <p:nvCxnSpPr>
+          <p:cNvPr id="73" name="Straight Arrow Connector 72">
+            <a:extLst>
+              <a:ext uri="{FF2B5EF4-FFF2-40B4-BE49-F238E27FC236}">
+                <a16:creationId xmlns:a16="http://schemas.microsoft.com/office/drawing/2014/main" id="{368384A6-0916-4F8A-B1A0-DE508D96704D}"/>
+              </a:ext>
+            </a:extLst>
+          </p:cNvPr>
+          <p:cNvCxnSpPr>
+            <a:cxnSpLocks/>
+            <a:stCxn id="29" idx="2"/>
+            <a:endCxn id="70" idx="4"/>
+          </p:cNvCxnSpPr>
+          <p:nvPr/>
+        </p:nvCxnSpPr>
+        <p:spPr>
+          <a:xfrm flipH="1">
+            <a:off x="5904226" y="1000246"/>
+            <a:ext cx="2812915" cy="1389332"/>
+          </a:xfrm>
+          <a:prstGeom prst="straightConnector1">
+            <a:avLst/>
+          </a:prstGeom>
+          <a:ln>
+            <a:prstDash val="sysDot"/>
+            <a:tailEnd type="triangle"/>
+          </a:ln>
+        </p:spPr>
+        <p:style>
+          <a:lnRef idx="1">
+            <a:schemeClr val="accent1"/>
+          </a:lnRef>
+          <a:fillRef idx="0">
+            <a:schemeClr val="accent1"/>
+          </a:fillRef>
+          <a:effectRef idx="0">
+            <a:schemeClr val="accent1"/>
+          </a:effectRef>
+          <a:fontRef idx="minor">
+            <a:schemeClr val="tx1"/>
+          </a:fontRef>
+        </p:style>
+      </p:cxnSp>
+      <p:cxnSp>
+        <p:nvCxnSpPr>
+          <p:cNvPr id="78" name="Straight Arrow Connector 77">
+            <a:extLst>
+              <a:ext uri="{FF2B5EF4-FFF2-40B4-BE49-F238E27FC236}">
+                <a16:creationId xmlns:a16="http://schemas.microsoft.com/office/drawing/2014/main" id="{2C51959B-BC7F-401A-996E-78FD5D149C98}"/>
+              </a:ext>
+            </a:extLst>
+          </p:cNvPr>
+          <p:cNvCxnSpPr/>
+          <p:nvPr/>
+        </p:nvCxnSpPr>
+        <p:spPr>
+          <a:xfrm flipH="1">
+            <a:off x="5292969" y="1588436"/>
+            <a:ext cx="290146" cy="646234"/>
+          </a:xfrm>
+          <a:prstGeom prst="straightConnector1">
+            <a:avLst/>
+          </a:prstGeom>
+          <a:ln>
+            <a:tailEnd type="triangle"/>
+          </a:ln>
+        </p:spPr>
+        <p:style>
+          <a:lnRef idx="1">
+            <a:schemeClr val="accent1"/>
+          </a:lnRef>
+          <a:fillRef idx="0">
+            <a:schemeClr val="accent1"/>
+          </a:fillRef>
+          <a:effectRef idx="0">
+            <a:schemeClr val="accent1"/>
+          </a:effectRef>
+          <a:fontRef idx="minor">
+            <a:schemeClr val="tx1"/>
+          </a:fontRef>
+        </p:style>
+      </p:cxnSp>
+    </p:spTree>
+    <p:extLst>
+      <p:ext uri="{BB962C8B-B14F-4D97-AF65-F5344CB8AC3E}">
+        <p14:creationId xmlns:p14="http://schemas.microsoft.com/office/powerpoint/2010/main" val="2098689246"/>
+      </p:ext>
+    </p:extLst>
+  </p:cSld>
+  <p:clrMapOvr>
+    <a:masterClrMapping/>
+  </p:clrMapOvr>
+</p:sld>
+</file>
+
+<file path=ppt/slides/slide14.xml><?xml version="1.0" encoding="utf-8"?>
+<p:sld xmlns:a="http://schemas.openxmlformats.org/drawingml/2006/main" xmlns:r="http://schemas.openxmlformats.org/officeDocument/2006/relationships" xmlns:p="http://schemas.openxmlformats.org/presentationml/2006/main">
+  <p:cSld>
+    <p:spTree>
+      <p:nvGrpSpPr>
+        <p:cNvPr id="1" name=""/>
+        <p:cNvGrpSpPr/>
+        <p:nvPr/>
+      </p:nvGrpSpPr>
+      <p:grpSpPr>
+        <a:xfrm>
+          <a:off x="0" y="0"/>
+          <a:ext cx="0" cy="0"/>
+          <a:chOff x="0" y="0"/>
+          <a:chExt cx="0" cy="0"/>
+        </a:xfrm>
+      </p:grpSpPr>
+      <p:sp>
+        <p:nvSpPr>
+          <p:cNvPr id="2" name="Rectangle 1">
+            <a:extLst>
+              <a:ext uri="{FF2B5EF4-FFF2-40B4-BE49-F238E27FC236}">
+                <a16:creationId xmlns:a16="http://schemas.microsoft.com/office/drawing/2014/main" id="{ED3CC2A8-397C-43E5-AF08-257A566BB207}"/>
+              </a:ext>
+            </a:extLst>
+          </p:cNvPr>
+          <p:cNvSpPr/>
+          <p:nvPr/>
+        </p:nvSpPr>
+        <p:spPr>
+          <a:xfrm>
+            <a:off x="404445" y="1762858"/>
+            <a:ext cx="888023" cy="3332284"/>
+          </a:xfrm>
+          <a:prstGeom prst="rect">
+            <a:avLst/>
+          </a:prstGeom>
+        </p:spPr>
+        <p:style>
+          <a:lnRef idx="2">
+            <a:schemeClr val="accent1">
+              <a:shade val="50000"/>
+            </a:schemeClr>
+          </a:lnRef>
+          <a:fillRef idx="1">
+            <a:schemeClr val="accent1"/>
+          </a:fillRef>
+          <a:effectRef idx="0">
+            <a:schemeClr val="accent1"/>
+          </a:effectRef>
+          <a:fontRef idx="minor">
+            <a:schemeClr val="lt1"/>
+          </a:fontRef>
+        </p:style>
+        <p:txBody>
+          <a:bodyPr rtlCol="0" anchor="ctr"/>
+          <a:lstStyle/>
+          <a:p>
+            <a:pPr algn="ctr"/>
+            <a:endParaRPr lang="en-US"/>
+          </a:p>
+        </p:txBody>
+      </p:sp>
+      <p:sp>
+        <p:nvSpPr>
+          <p:cNvPr id="3" name="Rectangle 2">
+            <a:extLst>
+              <a:ext uri="{FF2B5EF4-FFF2-40B4-BE49-F238E27FC236}">
+                <a16:creationId xmlns:a16="http://schemas.microsoft.com/office/drawing/2014/main" id="{04FFDF1C-1E3D-4C01-8882-A29E3597C06B}"/>
+              </a:ext>
+            </a:extLst>
+          </p:cNvPr>
+          <p:cNvSpPr/>
+          <p:nvPr/>
+        </p:nvSpPr>
+        <p:spPr>
+          <a:xfrm>
+            <a:off x="2880946" y="334107"/>
+            <a:ext cx="8100646" cy="2497016"/>
+          </a:xfrm>
+          <a:prstGeom prst="rect">
+            <a:avLst/>
+          </a:prstGeom>
+          <a:noFill/>
+        </p:spPr>
+        <p:style>
+          <a:lnRef idx="2">
+            <a:schemeClr val="accent1">
+              <a:shade val="50000"/>
+            </a:schemeClr>
+          </a:lnRef>
+          <a:fillRef idx="1">
+            <a:schemeClr val="accent1"/>
+          </a:fillRef>
+          <a:effectRef idx="0">
+            <a:schemeClr val="accent1"/>
+          </a:effectRef>
+          <a:fontRef idx="minor">
+            <a:schemeClr val="lt1"/>
+          </a:fontRef>
+        </p:style>
+        <p:txBody>
+          <a:bodyPr rtlCol="0" anchor="ctr"/>
+          <a:lstStyle/>
+          <a:p>
+            <a:pPr algn="ctr"/>
+            <a:r>
+              <a:rPr lang="en-US" dirty="0"/>
+              <a:t>VM2</a:t>
+            </a:r>
+          </a:p>
+        </p:txBody>
+      </p:sp>
+      <p:sp>
+        <p:nvSpPr>
+          <p:cNvPr id="4" name="Rectangle 3">
+            <a:extLst>
+              <a:ext uri="{FF2B5EF4-FFF2-40B4-BE49-F238E27FC236}">
+                <a16:creationId xmlns:a16="http://schemas.microsoft.com/office/drawing/2014/main" id="{FE74DE45-BF94-42AF-8036-C840C48E8F39}"/>
+              </a:ext>
+            </a:extLst>
+          </p:cNvPr>
+          <p:cNvSpPr/>
+          <p:nvPr/>
+        </p:nvSpPr>
+        <p:spPr>
+          <a:xfrm>
+            <a:off x="2880946" y="3846634"/>
+            <a:ext cx="8100646" cy="2497016"/>
+          </a:xfrm>
+          <a:prstGeom prst="rect">
+            <a:avLst/>
+          </a:prstGeom>
+          <a:noFill/>
+        </p:spPr>
+        <p:style>
+          <a:lnRef idx="2">
+            <a:schemeClr val="accent1">
+              <a:shade val="50000"/>
+            </a:schemeClr>
+          </a:lnRef>
+          <a:fillRef idx="1">
+            <a:schemeClr val="accent1"/>
+          </a:fillRef>
+          <a:effectRef idx="0">
+            <a:schemeClr val="accent1"/>
+          </a:effectRef>
+          <a:fontRef idx="minor">
+            <a:schemeClr val="lt1"/>
+          </a:fontRef>
+        </p:style>
+        <p:txBody>
+          <a:bodyPr rtlCol="0" anchor="ctr"/>
+          <a:lstStyle/>
+          <a:p>
+            <a:pPr algn="ctr"/>
+            <a:r>
+              <a:rPr lang="en-US" dirty="0"/>
+              <a:t>VM2</a:t>
+            </a:r>
+          </a:p>
+        </p:txBody>
+      </p:sp>
+      <p:sp>
+        <p:nvSpPr>
+          <p:cNvPr id="5" name="TextBox 4">
+            <a:extLst>
+              <a:ext uri="{FF2B5EF4-FFF2-40B4-BE49-F238E27FC236}">
+                <a16:creationId xmlns:a16="http://schemas.microsoft.com/office/drawing/2014/main" id="{4F55AFF4-9B24-4178-8087-15B2FD0B88B9}"/>
+              </a:ext>
+            </a:extLst>
+          </p:cNvPr>
+          <p:cNvSpPr txBox="1"/>
+          <p:nvPr/>
+        </p:nvSpPr>
+        <p:spPr>
+          <a:xfrm>
+            <a:off x="3024554" y="149469"/>
+            <a:ext cx="1473480" cy="253916"/>
+          </a:xfrm>
+          <a:prstGeom prst="rect">
+            <a:avLst/>
+          </a:prstGeom>
+          <a:noFill/>
+        </p:spPr>
+        <p:txBody>
+          <a:bodyPr wrap="none" rtlCol="0">
+            <a:spAutoFit/>
+          </a:bodyPr>
+          <a:lstStyle/>
+          <a:p>
+            <a:r>
+              <a:rPr lang="en-US" sz="1050" dirty="0"/>
+              <a:t>Node2: 192.168.99.101</a:t>
+            </a:r>
+            <a:endParaRPr lang="en-US" dirty="0"/>
+          </a:p>
+        </p:txBody>
+      </p:sp>
+      <p:sp>
+        <p:nvSpPr>
+          <p:cNvPr id="6" name="TextBox 5">
+            <a:extLst>
+              <a:ext uri="{FF2B5EF4-FFF2-40B4-BE49-F238E27FC236}">
+                <a16:creationId xmlns:a16="http://schemas.microsoft.com/office/drawing/2014/main" id="{AB4DAE75-828E-46DD-8817-BC2E8463FA2C}"/>
+              </a:ext>
+            </a:extLst>
+          </p:cNvPr>
+          <p:cNvSpPr txBox="1"/>
+          <p:nvPr/>
+        </p:nvSpPr>
+        <p:spPr>
+          <a:xfrm>
+            <a:off x="3089031" y="3616570"/>
+            <a:ext cx="1473480" cy="253916"/>
+          </a:xfrm>
+          <a:prstGeom prst="rect">
+            <a:avLst/>
+          </a:prstGeom>
+          <a:noFill/>
+        </p:spPr>
+        <p:txBody>
+          <a:bodyPr wrap="none" rtlCol="0">
+            <a:spAutoFit/>
+          </a:bodyPr>
+          <a:lstStyle/>
+          <a:p>
+            <a:r>
+              <a:rPr lang="en-US" sz="1050" dirty="0"/>
+              <a:t>Node3: 192.168.99.102</a:t>
+            </a:r>
+            <a:endParaRPr lang="en-US" dirty="0"/>
+          </a:p>
+        </p:txBody>
+      </p:sp>
+      <p:sp>
+        <p:nvSpPr>
+          <p:cNvPr id="7" name="TextBox 6">
+            <a:extLst>
+              <a:ext uri="{FF2B5EF4-FFF2-40B4-BE49-F238E27FC236}">
+                <a16:creationId xmlns:a16="http://schemas.microsoft.com/office/drawing/2014/main" id="{DAA141C8-C5BF-4440-AFED-7EACA71B5C82}"/>
+              </a:ext>
+            </a:extLst>
+          </p:cNvPr>
+          <p:cNvSpPr txBox="1"/>
+          <p:nvPr/>
+        </p:nvSpPr>
+        <p:spPr>
+          <a:xfrm>
+            <a:off x="298939" y="5635869"/>
+            <a:ext cx="2145324" cy="692497"/>
+          </a:xfrm>
+          <a:prstGeom prst="rect">
+            <a:avLst/>
+          </a:prstGeom>
+          <a:noFill/>
+        </p:spPr>
+        <p:txBody>
+          <a:bodyPr wrap="square" rtlCol="0">
+            <a:spAutoFit/>
+          </a:bodyPr>
+          <a:lstStyle/>
+          <a:p>
+            <a:r>
+              <a:rPr lang="en-US" sz="1050" dirty="0"/>
+              <a:t>Pod-to-pod:</a:t>
+            </a:r>
+          </a:p>
+          <a:p>
+            <a:r>
+              <a:rPr lang="en-US" sz="1050" dirty="0"/>
+              <a:t>A pod can reach any other pod in the k8s cluster</a:t>
+            </a:r>
+            <a:r>
+              <a:rPr lang="en-US" dirty="0"/>
+              <a:t> </a:t>
+            </a:r>
+          </a:p>
+        </p:txBody>
+      </p:sp>
+      <p:sp>
+        <p:nvSpPr>
+          <p:cNvPr id="8" name="Oval 7">
+            <a:extLst>
+              <a:ext uri="{FF2B5EF4-FFF2-40B4-BE49-F238E27FC236}">
+                <a16:creationId xmlns:a16="http://schemas.microsoft.com/office/drawing/2014/main" id="{BDD77F0D-C6EE-4639-9CA8-D615AC779687}"/>
+              </a:ext>
+            </a:extLst>
+          </p:cNvPr>
+          <p:cNvSpPr/>
+          <p:nvPr/>
+        </p:nvSpPr>
+        <p:spPr>
+          <a:xfrm>
+            <a:off x="7846142" y="845574"/>
+            <a:ext cx="1986116" cy="1258529"/>
+          </a:xfrm>
+          <a:prstGeom prst="ellipse">
+            <a:avLst/>
+          </a:prstGeom>
+        </p:spPr>
+        <p:style>
+          <a:lnRef idx="2">
+            <a:schemeClr val="accent1">
+              <a:shade val="50000"/>
+            </a:schemeClr>
+          </a:lnRef>
+          <a:fillRef idx="1">
+            <a:schemeClr val="accent1"/>
+          </a:fillRef>
+          <a:effectRef idx="0">
+            <a:schemeClr val="accent1"/>
+          </a:effectRef>
+          <a:fontRef idx="minor">
+            <a:schemeClr val="lt1"/>
+          </a:fontRef>
+        </p:style>
+        <p:txBody>
+          <a:bodyPr rtlCol="0" anchor="ctr"/>
+          <a:lstStyle/>
+          <a:p>
+            <a:pPr algn="ctr"/>
+            <a:r>
+              <a:rPr lang="en-US" dirty="0"/>
+              <a:t>Pod,</a:t>
+            </a:r>
+          </a:p>
+          <a:p>
+            <a:pPr algn="ctr"/>
+            <a:r>
+              <a:rPr lang="en-US" dirty="0"/>
+              <a:t>Container</a:t>
+            </a:r>
+          </a:p>
+          <a:p>
+            <a:pPr algn="ctr"/>
+            <a:r>
+              <a:rPr lang="en-US" sz="1050" dirty="0"/>
+              <a:t>Ping 172.18.0.2</a:t>
+            </a:r>
+            <a:endParaRPr lang="en-US" dirty="0"/>
+          </a:p>
+        </p:txBody>
+      </p:sp>
+      <p:sp>
+        <p:nvSpPr>
+          <p:cNvPr id="9" name="TextBox 8">
+            <a:extLst>
+              <a:ext uri="{FF2B5EF4-FFF2-40B4-BE49-F238E27FC236}">
+                <a16:creationId xmlns:a16="http://schemas.microsoft.com/office/drawing/2014/main" id="{98067A04-4C0A-4EEA-99EB-AFD7BC754E91}"/>
+              </a:ext>
+            </a:extLst>
+          </p:cNvPr>
+          <p:cNvSpPr txBox="1"/>
+          <p:nvPr/>
+        </p:nvSpPr>
+        <p:spPr>
+          <a:xfrm>
+            <a:off x="8436078" y="668593"/>
+            <a:ext cx="795411" cy="261610"/>
+          </a:xfrm>
+          <a:prstGeom prst="rect">
+            <a:avLst/>
+          </a:prstGeom>
+          <a:noFill/>
+        </p:spPr>
+        <p:txBody>
+          <a:bodyPr wrap="none" rtlCol="0">
+            <a:spAutoFit/>
+          </a:bodyPr>
+          <a:lstStyle/>
+          <a:p>
+            <a:r>
+              <a:rPr lang="en-US" sz="1100" dirty="0"/>
+              <a:t>172.17.0.2</a:t>
+            </a:r>
+            <a:endParaRPr lang="en-US" dirty="0"/>
+          </a:p>
+        </p:txBody>
+      </p:sp>
+      <p:sp>
+        <p:nvSpPr>
+          <p:cNvPr id="10" name="Oval 9">
+            <a:extLst>
+              <a:ext uri="{FF2B5EF4-FFF2-40B4-BE49-F238E27FC236}">
+                <a16:creationId xmlns:a16="http://schemas.microsoft.com/office/drawing/2014/main" id="{1EC0A133-E19E-4AA1-918C-A71325E48F6F}"/>
+              </a:ext>
+            </a:extLst>
+          </p:cNvPr>
+          <p:cNvSpPr/>
+          <p:nvPr/>
+        </p:nvSpPr>
+        <p:spPr>
+          <a:xfrm>
+            <a:off x="5692917" y="434793"/>
+            <a:ext cx="1986116" cy="1258529"/>
+          </a:xfrm>
+          <a:prstGeom prst="ellipse">
+            <a:avLst/>
+          </a:prstGeom>
+        </p:spPr>
+        <p:style>
+          <a:lnRef idx="2">
+            <a:schemeClr val="accent1">
+              <a:shade val="50000"/>
+            </a:schemeClr>
+          </a:lnRef>
+          <a:fillRef idx="1">
+            <a:schemeClr val="accent1"/>
+          </a:fillRef>
+          <a:effectRef idx="0">
+            <a:schemeClr val="accent1"/>
+          </a:effectRef>
+          <a:fontRef idx="minor">
+            <a:schemeClr val="lt1"/>
+          </a:fontRef>
+        </p:style>
+        <p:txBody>
+          <a:bodyPr rtlCol="0" anchor="ctr"/>
+          <a:lstStyle/>
+          <a:p>
+            <a:pPr algn="ctr"/>
+            <a:r>
+              <a:rPr lang="en-US" dirty="0"/>
+              <a:t>Pod,</a:t>
+            </a:r>
+          </a:p>
+          <a:p>
+            <a:pPr algn="ctr"/>
+            <a:r>
+              <a:rPr lang="en-US" dirty="0"/>
+              <a:t>container</a:t>
+            </a:r>
+          </a:p>
+        </p:txBody>
+      </p:sp>
+      <p:sp>
+        <p:nvSpPr>
+          <p:cNvPr id="11" name="TextBox 10">
+            <a:extLst>
+              <a:ext uri="{FF2B5EF4-FFF2-40B4-BE49-F238E27FC236}">
+                <a16:creationId xmlns:a16="http://schemas.microsoft.com/office/drawing/2014/main" id="{CA73BC21-FA30-4CBC-858F-8A354BD2D9DA}"/>
+              </a:ext>
+            </a:extLst>
+          </p:cNvPr>
+          <p:cNvSpPr txBox="1"/>
+          <p:nvPr/>
+        </p:nvSpPr>
+        <p:spPr>
+          <a:xfrm>
+            <a:off x="6282853" y="257812"/>
+            <a:ext cx="795411" cy="261610"/>
+          </a:xfrm>
+          <a:prstGeom prst="rect">
+            <a:avLst/>
+          </a:prstGeom>
+          <a:noFill/>
+        </p:spPr>
+        <p:txBody>
+          <a:bodyPr wrap="none" rtlCol="0">
+            <a:spAutoFit/>
+          </a:bodyPr>
+          <a:lstStyle/>
+          <a:p>
+            <a:r>
+              <a:rPr lang="en-US" sz="1100" dirty="0"/>
+              <a:t>172.17.0.3</a:t>
+            </a:r>
+            <a:endParaRPr lang="en-US" dirty="0"/>
+          </a:p>
+        </p:txBody>
+      </p:sp>
+      <p:cxnSp>
+        <p:nvCxnSpPr>
+          <p:cNvPr id="13" name="Straight Arrow Connector 12">
+            <a:extLst>
+              <a:ext uri="{FF2B5EF4-FFF2-40B4-BE49-F238E27FC236}">
+                <a16:creationId xmlns:a16="http://schemas.microsoft.com/office/drawing/2014/main" id="{5B167BEB-D4BF-4207-9CE5-75FF549DC668}"/>
+              </a:ext>
+            </a:extLst>
+          </p:cNvPr>
+          <p:cNvCxnSpPr>
+            <a:cxnSpLocks/>
+          </p:cNvCxnSpPr>
+          <p:nvPr/>
+        </p:nvCxnSpPr>
+        <p:spPr>
+          <a:xfrm flipH="1" flipV="1">
+            <a:off x="7679033" y="1157466"/>
+            <a:ext cx="870163" cy="19665"/>
+          </a:xfrm>
+          <a:prstGeom prst="straightConnector1">
+            <a:avLst/>
+          </a:prstGeom>
+          <a:ln>
+            <a:tailEnd type="triangle"/>
+          </a:ln>
+        </p:spPr>
+        <p:style>
+          <a:lnRef idx="1">
+            <a:schemeClr val="accent1"/>
+          </a:lnRef>
+          <a:fillRef idx="0">
+            <a:schemeClr val="accent1"/>
+          </a:fillRef>
+          <a:effectRef idx="0">
+            <a:schemeClr val="accent1"/>
+          </a:effectRef>
+          <a:fontRef idx="minor">
+            <a:schemeClr val="tx1"/>
+          </a:fontRef>
+        </p:style>
+      </p:cxnSp>
+      <p:sp>
+        <p:nvSpPr>
+          <p:cNvPr id="14" name="Oval 13">
+            <a:extLst>
+              <a:ext uri="{FF2B5EF4-FFF2-40B4-BE49-F238E27FC236}">
+                <a16:creationId xmlns:a16="http://schemas.microsoft.com/office/drawing/2014/main" id="{8EC3BECE-9E68-4113-9C17-B597258D7DAA}"/>
+              </a:ext>
+            </a:extLst>
+          </p:cNvPr>
+          <p:cNvSpPr/>
+          <p:nvPr/>
+        </p:nvSpPr>
+        <p:spPr>
+          <a:xfrm>
+            <a:off x="7595420" y="4465877"/>
+            <a:ext cx="1986116" cy="1258529"/>
+          </a:xfrm>
+          <a:prstGeom prst="ellipse">
+            <a:avLst/>
+          </a:prstGeom>
+        </p:spPr>
+        <p:style>
+          <a:lnRef idx="2">
+            <a:schemeClr val="accent1">
+              <a:shade val="50000"/>
+            </a:schemeClr>
+          </a:lnRef>
+          <a:fillRef idx="1">
+            <a:schemeClr val="accent1"/>
+          </a:fillRef>
+          <a:effectRef idx="0">
+            <a:schemeClr val="accent1"/>
+          </a:effectRef>
+          <a:fontRef idx="minor">
+            <a:schemeClr val="lt1"/>
+          </a:fontRef>
+        </p:style>
+        <p:txBody>
+          <a:bodyPr rtlCol="0" anchor="ctr"/>
+          <a:lstStyle/>
+          <a:p>
+            <a:pPr algn="ctr"/>
+            <a:r>
+              <a:rPr lang="en-US" dirty="0"/>
+              <a:t>Pod,</a:t>
+            </a:r>
+          </a:p>
+          <a:p>
+            <a:pPr algn="ctr"/>
+            <a:r>
+              <a:rPr lang="en-US" dirty="0"/>
+              <a:t>container</a:t>
+            </a:r>
+          </a:p>
+        </p:txBody>
+      </p:sp>
+      <p:sp>
+        <p:nvSpPr>
+          <p:cNvPr id="15" name="TextBox 14">
+            <a:extLst>
+              <a:ext uri="{FF2B5EF4-FFF2-40B4-BE49-F238E27FC236}">
+                <a16:creationId xmlns:a16="http://schemas.microsoft.com/office/drawing/2014/main" id="{C40995FB-A95F-4B20-ACF8-4ABC330ADFA9}"/>
+              </a:ext>
+            </a:extLst>
+          </p:cNvPr>
+          <p:cNvSpPr txBox="1"/>
+          <p:nvPr/>
+        </p:nvSpPr>
+        <p:spPr>
+          <a:xfrm>
+            <a:off x="8185356" y="4288896"/>
+            <a:ext cx="795411" cy="261610"/>
+          </a:xfrm>
+          <a:prstGeom prst="rect">
+            <a:avLst/>
+          </a:prstGeom>
+          <a:noFill/>
+        </p:spPr>
+        <p:txBody>
+          <a:bodyPr wrap="none" rtlCol="0">
+            <a:spAutoFit/>
+          </a:bodyPr>
+          <a:lstStyle/>
+          <a:p>
+            <a:r>
+              <a:rPr lang="en-US" sz="1100" dirty="0"/>
+              <a:t>172.18.0.2</a:t>
+            </a:r>
+            <a:endParaRPr lang="en-US" dirty="0"/>
+          </a:p>
+        </p:txBody>
+      </p:sp>
+      <p:sp>
+        <p:nvSpPr>
+          <p:cNvPr id="16" name="Cloud 15">
+            <a:extLst>
+              <a:ext uri="{FF2B5EF4-FFF2-40B4-BE49-F238E27FC236}">
+                <a16:creationId xmlns:a16="http://schemas.microsoft.com/office/drawing/2014/main" id="{97090845-DF58-409F-943D-7D9EE13F573F}"/>
+              </a:ext>
+            </a:extLst>
+          </p:cNvPr>
+          <p:cNvSpPr/>
+          <p:nvPr/>
+        </p:nvSpPr>
+        <p:spPr>
+          <a:xfrm>
+            <a:off x="1022555" y="1189703"/>
+            <a:ext cx="2256029" cy="4375355"/>
+          </a:xfrm>
+          <a:prstGeom prst="cloud">
+            <a:avLst/>
+          </a:prstGeom>
+          <a:noFill/>
+        </p:spPr>
+        <p:style>
+          <a:lnRef idx="2">
+            <a:schemeClr val="accent1">
+              <a:shade val="50000"/>
+            </a:schemeClr>
+          </a:lnRef>
+          <a:fillRef idx="1">
+            <a:schemeClr val="accent1"/>
+          </a:fillRef>
+          <a:effectRef idx="0">
+            <a:schemeClr val="accent1"/>
+          </a:effectRef>
+          <a:fontRef idx="minor">
+            <a:schemeClr val="lt1"/>
+          </a:fontRef>
+        </p:style>
+        <p:txBody>
+          <a:bodyPr rtlCol="0" anchor="ctr"/>
+          <a:lstStyle/>
+          <a:p>
+            <a:pPr algn="ctr"/>
+            <a:endParaRPr lang="en-US"/>
+          </a:p>
+        </p:txBody>
+      </p:sp>
+      <p:sp>
+        <p:nvSpPr>
+          <p:cNvPr id="17" name="TextBox 16">
+            <a:extLst>
+              <a:ext uri="{FF2B5EF4-FFF2-40B4-BE49-F238E27FC236}">
+                <a16:creationId xmlns:a16="http://schemas.microsoft.com/office/drawing/2014/main" id="{E4FC34F7-DE7E-47E5-838E-F72E5DF866B4}"/>
+              </a:ext>
+            </a:extLst>
+          </p:cNvPr>
+          <p:cNvSpPr txBox="1"/>
+          <p:nvPr/>
+        </p:nvSpPr>
+        <p:spPr>
+          <a:xfrm>
+            <a:off x="1749841" y="1290304"/>
+            <a:ext cx="696024" cy="369332"/>
+          </a:xfrm>
+          <a:prstGeom prst="rect">
+            <a:avLst/>
+          </a:prstGeom>
+          <a:noFill/>
+        </p:spPr>
+        <p:txBody>
+          <a:bodyPr wrap="none" rtlCol="0">
+            <a:spAutoFit/>
+          </a:bodyPr>
+          <a:lstStyle/>
+          <a:p>
+            <a:r>
+              <a:rPr lang="en-US" dirty="0"/>
+              <a:t>mesh</a:t>
+            </a:r>
+          </a:p>
+        </p:txBody>
+      </p:sp>
+      <p:sp>
+        <p:nvSpPr>
+          <p:cNvPr id="18" name="TextBox 17">
+            <a:extLst>
+              <a:ext uri="{FF2B5EF4-FFF2-40B4-BE49-F238E27FC236}">
+                <a16:creationId xmlns:a16="http://schemas.microsoft.com/office/drawing/2014/main" id="{765203B4-8054-480C-9CC7-05A82107C486}"/>
+              </a:ext>
+            </a:extLst>
+          </p:cNvPr>
+          <p:cNvSpPr txBox="1"/>
+          <p:nvPr/>
+        </p:nvSpPr>
+        <p:spPr>
+          <a:xfrm>
+            <a:off x="1306323" y="2734913"/>
+            <a:ext cx="1678665" cy="938719"/>
+          </a:xfrm>
+          <a:prstGeom prst="rect">
+            <a:avLst/>
+          </a:prstGeom>
+          <a:noFill/>
+        </p:spPr>
+        <p:txBody>
+          <a:bodyPr wrap="none" rtlCol="0">
+            <a:spAutoFit/>
+          </a:bodyPr>
+          <a:lstStyle/>
+          <a:p>
+            <a:r>
+              <a:rPr lang="en-US" sz="1100" dirty="0"/>
+              <a:t>Aws – calico</a:t>
+            </a:r>
+          </a:p>
+          <a:p>
+            <a:r>
+              <a:rPr lang="en-US" sz="1100" dirty="0" err="1"/>
+              <a:t>Gc</a:t>
+            </a:r>
+            <a:r>
+              <a:rPr lang="en-US" sz="1100" dirty="0"/>
+              <a:t> – cloud-weave</a:t>
+            </a:r>
+          </a:p>
+          <a:p>
+            <a:r>
+              <a:rPr lang="en-US" sz="1100" dirty="0"/>
+              <a:t>Oracle –flannel</a:t>
+            </a:r>
+          </a:p>
+          <a:p>
+            <a:endParaRPr lang="en-US" sz="1100" dirty="0"/>
+          </a:p>
+          <a:p>
+            <a:r>
+              <a:rPr lang="en-US" sz="1100" dirty="0"/>
+              <a:t>(docker swarm -&gt; overlay)</a:t>
+            </a:r>
+          </a:p>
+        </p:txBody>
+      </p:sp>
+      <p:sp>
+        <p:nvSpPr>
+          <p:cNvPr id="19" name="TextBox 18">
+            <a:extLst>
+              <a:ext uri="{FF2B5EF4-FFF2-40B4-BE49-F238E27FC236}">
+                <a16:creationId xmlns:a16="http://schemas.microsoft.com/office/drawing/2014/main" id="{8B43C271-3AD5-4AB3-A49E-72A50830313C}"/>
+              </a:ext>
+            </a:extLst>
+          </p:cNvPr>
+          <p:cNvSpPr txBox="1"/>
+          <p:nvPr/>
+        </p:nvSpPr>
+        <p:spPr>
+          <a:xfrm>
+            <a:off x="3195484" y="1474839"/>
+            <a:ext cx="558166" cy="261610"/>
+          </a:xfrm>
+          <a:prstGeom prst="rect">
+            <a:avLst/>
+          </a:prstGeom>
+          <a:noFill/>
+        </p:spPr>
+        <p:txBody>
+          <a:bodyPr wrap="none" rtlCol="0">
+            <a:spAutoFit/>
+          </a:bodyPr>
+          <a:lstStyle/>
+          <a:p>
+            <a:r>
+              <a:rPr lang="en-US" sz="1050" dirty="0"/>
+              <a:t>weave</a:t>
+            </a:r>
+            <a:endParaRPr lang="en-US" dirty="0"/>
+          </a:p>
+        </p:txBody>
+      </p:sp>
+      <p:sp>
+        <p:nvSpPr>
+          <p:cNvPr id="20" name="TextBox 19">
+            <a:extLst>
+              <a:ext uri="{FF2B5EF4-FFF2-40B4-BE49-F238E27FC236}">
+                <a16:creationId xmlns:a16="http://schemas.microsoft.com/office/drawing/2014/main" id="{18CEF354-96F1-40C8-838F-B572F6A0C7D3}"/>
+              </a:ext>
+            </a:extLst>
+          </p:cNvPr>
+          <p:cNvSpPr txBox="1"/>
+          <p:nvPr/>
+        </p:nvSpPr>
+        <p:spPr>
+          <a:xfrm>
+            <a:off x="3215097" y="4726082"/>
+            <a:ext cx="558166" cy="261610"/>
+          </a:xfrm>
+          <a:prstGeom prst="rect">
+            <a:avLst/>
+          </a:prstGeom>
+          <a:noFill/>
+        </p:spPr>
+        <p:txBody>
+          <a:bodyPr wrap="none" rtlCol="0">
+            <a:spAutoFit/>
+          </a:bodyPr>
+          <a:lstStyle/>
+          <a:p>
+            <a:r>
+              <a:rPr lang="en-US" sz="1050" dirty="0"/>
+              <a:t>weave</a:t>
+            </a:r>
+            <a:endParaRPr lang="en-US" dirty="0"/>
+          </a:p>
+        </p:txBody>
+      </p:sp>
+      <p:sp>
+        <p:nvSpPr>
+          <p:cNvPr id="21" name="TextBox 20">
+            <a:extLst>
+              <a:ext uri="{FF2B5EF4-FFF2-40B4-BE49-F238E27FC236}">
+                <a16:creationId xmlns:a16="http://schemas.microsoft.com/office/drawing/2014/main" id="{F3CEE3F9-AAE6-45BF-9982-A97B30C88211}"/>
+              </a:ext>
+            </a:extLst>
+          </p:cNvPr>
+          <p:cNvSpPr txBox="1"/>
+          <p:nvPr/>
+        </p:nvSpPr>
+        <p:spPr>
+          <a:xfrm>
+            <a:off x="3218770" y="1759975"/>
+            <a:ext cx="801823" cy="253916"/>
+          </a:xfrm>
+          <a:prstGeom prst="rect">
+            <a:avLst/>
+          </a:prstGeom>
+          <a:noFill/>
+        </p:spPr>
+        <p:txBody>
+          <a:bodyPr wrap="none" rtlCol="0">
+            <a:spAutoFit/>
+          </a:bodyPr>
+          <a:lstStyle/>
+          <a:p>
+            <a:r>
+              <a:rPr lang="en-US" sz="1050" dirty="0" err="1"/>
+              <a:t>kube</a:t>
+            </a:r>
+            <a:r>
+              <a:rPr lang="en-US" sz="1050" dirty="0"/>
+              <a:t>-proxy</a:t>
+            </a:r>
+            <a:endParaRPr lang="en-US" dirty="0"/>
+          </a:p>
+        </p:txBody>
+      </p:sp>
+      <p:sp>
+        <p:nvSpPr>
+          <p:cNvPr id="22" name="TextBox 21">
+            <a:extLst>
+              <a:ext uri="{FF2B5EF4-FFF2-40B4-BE49-F238E27FC236}">
+                <a16:creationId xmlns:a16="http://schemas.microsoft.com/office/drawing/2014/main" id="{7DF863F7-0524-4193-AD6B-F51374FB126C}"/>
+              </a:ext>
+            </a:extLst>
+          </p:cNvPr>
+          <p:cNvSpPr txBox="1"/>
+          <p:nvPr/>
+        </p:nvSpPr>
+        <p:spPr>
+          <a:xfrm>
+            <a:off x="3194683" y="4968183"/>
+            <a:ext cx="801823" cy="253916"/>
+          </a:xfrm>
+          <a:prstGeom prst="rect">
+            <a:avLst/>
+          </a:prstGeom>
+          <a:noFill/>
+        </p:spPr>
+        <p:txBody>
+          <a:bodyPr wrap="none" rtlCol="0">
+            <a:spAutoFit/>
+          </a:bodyPr>
+          <a:lstStyle/>
+          <a:p>
+            <a:r>
+              <a:rPr lang="en-US" sz="1050" dirty="0" err="1"/>
+              <a:t>kube</a:t>
+            </a:r>
+            <a:r>
+              <a:rPr lang="en-US" sz="1050" dirty="0"/>
+              <a:t>-proxy</a:t>
+            </a:r>
+            <a:endParaRPr lang="en-US" dirty="0"/>
+          </a:p>
+        </p:txBody>
+      </p:sp>
+      <p:sp>
+        <p:nvSpPr>
+          <p:cNvPr id="27" name="TextBox 26">
+            <a:extLst>
+              <a:ext uri="{FF2B5EF4-FFF2-40B4-BE49-F238E27FC236}">
+                <a16:creationId xmlns:a16="http://schemas.microsoft.com/office/drawing/2014/main" id="{A028E17A-CCE7-4BA1-B639-8ADE4700874F}"/>
+              </a:ext>
+            </a:extLst>
+          </p:cNvPr>
+          <p:cNvSpPr txBox="1"/>
+          <p:nvPr/>
+        </p:nvSpPr>
+        <p:spPr>
+          <a:xfrm>
+            <a:off x="3382297" y="2369574"/>
+            <a:ext cx="2462534" cy="430887"/>
+          </a:xfrm>
+          <a:prstGeom prst="rect">
+            <a:avLst/>
+          </a:prstGeom>
+          <a:noFill/>
+        </p:spPr>
+        <p:txBody>
+          <a:bodyPr wrap="none" rtlCol="0">
+            <a:spAutoFit/>
+          </a:bodyPr>
+          <a:lstStyle/>
+          <a:p>
+            <a:r>
+              <a:rPr lang="en-US" sz="1100" dirty="0"/>
+              <a:t>172.17.0.0/16 next hop 192.168.99.101</a:t>
+            </a:r>
+          </a:p>
+          <a:p>
+            <a:r>
+              <a:rPr lang="en-US" sz="1100" dirty="0"/>
+              <a:t>172.18.0.0/16 next hop 192.168.99.102</a:t>
+            </a:r>
+          </a:p>
+        </p:txBody>
+      </p:sp>
+      <p:sp>
+        <p:nvSpPr>
+          <p:cNvPr id="28" name="TextBox 27">
+            <a:extLst>
+              <a:ext uri="{FF2B5EF4-FFF2-40B4-BE49-F238E27FC236}">
+                <a16:creationId xmlns:a16="http://schemas.microsoft.com/office/drawing/2014/main" id="{3C479402-4FA6-4443-AC55-13FF0CB3E07D}"/>
+              </a:ext>
+            </a:extLst>
+          </p:cNvPr>
+          <p:cNvSpPr txBox="1"/>
+          <p:nvPr/>
+        </p:nvSpPr>
+        <p:spPr>
+          <a:xfrm>
+            <a:off x="3460955" y="2222090"/>
+            <a:ext cx="584455" cy="276999"/>
+          </a:xfrm>
+          <a:prstGeom prst="rect">
+            <a:avLst/>
+          </a:prstGeom>
+          <a:noFill/>
+        </p:spPr>
+        <p:txBody>
+          <a:bodyPr wrap="none" rtlCol="0">
+            <a:spAutoFit/>
+          </a:bodyPr>
+          <a:lstStyle/>
+          <a:p>
+            <a:r>
+              <a:rPr lang="en-US" sz="1200" dirty="0"/>
+              <a:t>routes</a:t>
+            </a:r>
+            <a:endParaRPr lang="en-US" dirty="0"/>
+          </a:p>
+        </p:txBody>
+      </p:sp>
+      <p:sp>
+        <p:nvSpPr>
+          <p:cNvPr id="29" name="TextBox 28">
+            <a:extLst>
+              <a:ext uri="{FF2B5EF4-FFF2-40B4-BE49-F238E27FC236}">
+                <a16:creationId xmlns:a16="http://schemas.microsoft.com/office/drawing/2014/main" id="{49873C7E-3C41-44EE-9168-FB0578EEDE67}"/>
+              </a:ext>
+            </a:extLst>
+          </p:cNvPr>
+          <p:cNvSpPr txBox="1"/>
+          <p:nvPr/>
+        </p:nvSpPr>
+        <p:spPr>
+          <a:xfrm>
+            <a:off x="3328206" y="5897479"/>
+            <a:ext cx="2462534" cy="430887"/>
+          </a:xfrm>
+          <a:prstGeom prst="rect">
+            <a:avLst/>
+          </a:prstGeom>
+          <a:noFill/>
+        </p:spPr>
+        <p:txBody>
+          <a:bodyPr wrap="none" rtlCol="0">
+            <a:spAutoFit/>
+          </a:bodyPr>
+          <a:lstStyle/>
+          <a:p>
+            <a:r>
+              <a:rPr lang="en-US" sz="1100" dirty="0"/>
+              <a:t>172.17.0.0/16 next hop 192.168.99.101</a:t>
+            </a:r>
+          </a:p>
+          <a:p>
+            <a:r>
+              <a:rPr lang="en-US" sz="1100" dirty="0"/>
+              <a:t>172.18.0.0/16 next hop 192.168.99.102</a:t>
+            </a:r>
+          </a:p>
+        </p:txBody>
+      </p:sp>
+      <p:sp>
+        <p:nvSpPr>
+          <p:cNvPr id="30" name="TextBox 29">
+            <a:extLst>
+              <a:ext uri="{FF2B5EF4-FFF2-40B4-BE49-F238E27FC236}">
+                <a16:creationId xmlns:a16="http://schemas.microsoft.com/office/drawing/2014/main" id="{BB9CCF9A-71E0-4268-A325-C70F0284EF06}"/>
+              </a:ext>
+            </a:extLst>
+          </p:cNvPr>
+          <p:cNvSpPr txBox="1"/>
+          <p:nvPr/>
+        </p:nvSpPr>
+        <p:spPr>
+          <a:xfrm>
+            <a:off x="3328206" y="5705118"/>
+            <a:ext cx="584455" cy="276999"/>
+          </a:xfrm>
+          <a:prstGeom prst="rect">
+            <a:avLst/>
+          </a:prstGeom>
+          <a:noFill/>
+        </p:spPr>
+        <p:txBody>
+          <a:bodyPr wrap="none" rtlCol="0">
+            <a:spAutoFit/>
+          </a:bodyPr>
+          <a:lstStyle/>
+          <a:p>
+            <a:r>
+              <a:rPr lang="en-US" sz="1200" dirty="0"/>
+              <a:t>routes</a:t>
+            </a:r>
+            <a:endParaRPr lang="en-US" dirty="0"/>
+          </a:p>
+        </p:txBody>
+      </p:sp>
+      <p:cxnSp>
+        <p:nvCxnSpPr>
+          <p:cNvPr id="32" name="Straight Arrow Connector 31">
+            <a:extLst>
+              <a:ext uri="{FF2B5EF4-FFF2-40B4-BE49-F238E27FC236}">
+                <a16:creationId xmlns:a16="http://schemas.microsoft.com/office/drawing/2014/main" id="{AD74DCA3-D97B-4AF5-BDF8-6534BDC1E6A5}"/>
+              </a:ext>
+            </a:extLst>
+          </p:cNvPr>
+          <p:cNvCxnSpPr/>
+          <p:nvPr/>
+        </p:nvCxnSpPr>
+        <p:spPr>
+          <a:xfrm flipH="1" flipV="1">
+            <a:off x="7944465" y="1886933"/>
+            <a:ext cx="491613" cy="335157"/>
+          </a:xfrm>
+          <a:prstGeom prst="straightConnector1">
+            <a:avLst/>
+          </a:prstGeom>
+          <a:ln>
+            <a:tailEnd type="triangle"/>
+          </a:ln>
+        </p:spPr>
+        <p:style>
+          <a:lnRef idx="1">
+            <a:schemeClr val="accent1"/>
+          </a:lnRef>
+          <a:fillRef idx="0">
+            <a:schemeClr val="accent1"/>
+          </a:fillRef>
+          <a:effectRef idx="0">
+            <a:schemeClr val="accent1"/>
+          </a:effectRef>
+          <a:fontRef idx="minor">
+            <a:schemeClr val="tx1"/>
+          </a:fontRef>
+        </p:style>
+      </p:cxnSp>
+      <p:cxnSp>
+        <p:nvCxnSpPr>
+          <p:cNvPr id="34" name="Straight Arrow Connector 33">
+            <a:extLst>
+              <a:ext uri="{FF2B5EF4-FFF2-40B4-BE49-F238E27FC236}">
+                <a16:creationId xmlns:a16="http://schemas.microsoft.com/office/drawing/2014/main" id="{1930560F-634D-4EB5-B5C5-65C5E0886355}"/>
+              </a:ext>
+            </a:extLst>
+          </p:cNvPr>
+          <p:cNvCxnSpPr/>
+          <p:nvPr/>
+        </p:nvCxnSpPr>
+        <p:spPr>
+          <a:xfrm flipH="1" flipV="1">
+            <a:off x="3996506" y="1064057"/>
+            <a:ext cx="3947959" cy="949834"/>
+          </a:xfrm>
+          <a:prstGeom prst="straightConnector1">
+            <a:avLst/>
+          </a:prstGeom>
+          <a:ln>
+            <a:tailEnd type="triangle"/>
+          </a:ln>
+        </p:spPr>
+        <p:style>
+          <a:lnRef idx="1">
+            <a:schemeClr val="accent1"/>
+          </a:lnRef>
+          <a:fillRef idx="0">
+            <a:schemeClr val="accent1"/>
+          </a:fillRef>
+          <a:effectRef idx="0">
+            <a:schemeClr val="accent1"/>
+          </a:effectRef>
+          <a:fontRef idx="minor">
+            <a:schemeClr val="tx1"/>
+          </a:fontRef>
+        </p:style>
+      </p:cxnSp>
+      <p:cxnSp>
+        <p:nvCxnSpPr>
+          <p:cNvPr id="36" name="Straight Arrow Connector 35">
+            <a:extLst>
+              <a:ext uri="{FF2B5EF4-FFF2-40B4-BE49-F238E27FC236}">
+                <a16:creationId xmlns:a16="http://schemas.microsoft.com/office/drawing/2014/main" id="{A65905BB-F663-48D5-934B-399CE213808B}"/>
+              </a:ext>
+            </a:extLst>
+          </p:cNvPr>
+          <p:cNvCxnSpPr/>
+          <p:nvPr/>
+        </p:nvCxnSpPr>
+        <p:spPr>
+          <a:xfrm>
+            <a:off x="4045410" y="1233736"/>
+            <a:ext cx="313007" cy="1180715"/>
+          </a:xfrm>
+          <a:prstGeom prst="straightConnector1">
+            <a:avLst/>
+          </a:prstGeom>
+          <a:ln>
+            <a:tailEnd type="triangle"/>
+          </a:ln>
+        </p:spPr>
+        <p:style>
+          <a:lnRef idx="1">
+            <a:schemeClr val="accent1"/>
+          </a:lnRef>
+          <a:fillRef idx="0">
+            <a:schemeClr val="accent1"/>
+          </a:fillRef>
+          <a:effectRef idx="0">
+            <a:schemeClr val="accent1"/>
+          </a:effectRef>
+          <a:fontRef idx="minor">
+            <a:schemeClr val="tx1"/>
+          </a:fontRef>
+        </p:style>
+      </p:cxnSp>
+      <p:cxnSp>
+        <p:nvCxnSpPr>
+          <p:cNvPr id="38" name="Straight Arrow Connector 37">
+            <a:extLst>
+              <a:ext uri="{FF2B5EF4-FFF2-40B4-BE49-F238E27FC236}">
+                <a16:creationId xmlns:a16="http://schemas.microsoft.com/office/drawing/2014/main" id="{92E01789-3172-48F9-B37D-390C26E91209}"/>
+              </a:ext>
+            </a:extLst>
+          </p:cNvPr>
+          <p:cNvCxnSpPr>
+            <a:stCxn id="27" idx="2"/>
+          </p:cNvCxnSpPr>
+          <p:nvPr/>
+        </p:nvCxnSpPr>
+        <p:spPr>
+          <a:xfrm flipH="1">
+            <a:off x="4005870" y="2800461"/>
+            <a:ext cx="607694" cy="873171"/>
+          </a:xfrm>
+          <a:prstGeom prst="straightConnector1">
+            <a:avLst/>
+          </a:prstGeom>
+          <a:ln>
+            <a:tailEnd type="triangle"/>
+          </a:ln>
+        </p:spPr>
+        <p:style>
+          <a:lnRef idx="1">
+            <a:schemeClr val="accent1"/>
+          </a:lnRef>
+          <a:fillRef idx="0">
+            <a:schemeClr val="accent1"/>
+          </a:fillRef>
+          <a:effectRef idx="0">
+            <a:schemeClr val="accent1"/>
+          </a:effectRef>
+          <a:fontRef idx="minor">
+            <a:schemeClr val="tx1"/>
+          </a:fontRef>
+        </p:style>
+      </p:cxnSp>
+      <p:cxnSp>
+        <p:nvCxnSpPr>
+          <p:cNvPr id="40" name="Straight Arrow Connector 39">
+            <a:extLst>
+              <a:ext uri="{FF2B5EF4-FFF2-40B4-BE49-F238E27FC236}">
+                <a16:creationId xmlns:a16="http://schemas.microsoft.com/office/drawing/2014/main" id="{FAA8F7CE-D64C-4C38-903A-383D721384FB}"/>
+              </a:ext>
+            </a:extLst>
+          </p:cNvPr>
+          <p:cNvCxnSpPr>
+            <a:stCxn id="6" idx="2"/>
+            <a:endCxn id="15" idx="1"/>
+          </p:cNvCxnSpPr>
+          <p:nvPr/>
+        </p:nvCxnSpPr>
+        <p:spPr>
+          <a:xfrm>
+            <a:off x="3825771" y="3870486"/>
+            <a:ext cx="4359585" cy="549215"/>
+          </a:xfrm>
+          <a:prstGeom prst="straightConnector1">
+            <a:avLst/>
+          </a:prstGeom>
+          <a:ln>
+            <a:tailEnd type="triangle"/>
+          </a:ln>
+        </p:spPr>
+        <p:style>
+          <a:lnRef idx="1">
+            <a:schemeClr val="accent1"/>
+          </a:lnRef>
+          <a:fillRef idx="0">
+            <a:schemeClr val="accent1"/>
+          </a:fillRef>
+          <a:effectRef idx="0">
+            <a:schemeClr val="accent1"/>
+          </a:effectRef>
+          <a:fontRef idx="minor">
+            <a:schemeClr val="tx1"/>
+          </a:fontRef>
+        </p:style>
+      </p:cxnSp>
+      <p:cxnSp>
+        <p:nvCxnSpPr>
+          <p:cNvPr id="42" name="Straight Arrow Connector 41">
+            <a:extLst>
+              <a:ext uri="{FF2B5EF4-FFF2-40B4-BE49-F238E27FC236}">
+                <a16:creationId xmlns:a16="http://schemas.microsoft.com/office/drawing/2014/main" id="{18E992A6-6DC7-40CC-A1A6-4D68D6D6F266}"/>
+              </a:ext>
+            </a:extLst>
+          </p:cNvPr>
+          <p:cNvCxnSpPr/>
+          <p:nvPr/>
+        </p:nvCxnSpPr>
+        <p:spPr>
+          <a:xfrm>
+            <a:off x="7511845" y="4655933"/>
+            <a:ext cx="0" cy="702936"/>
+          </a:xfrm>
+          <a:prstGeom prst="straightConnector1">
+            <a:avLst/>
+          </a:prstGeom>
+          <a:ln>
+            <a:tailEnd type="triangle"/>
+          </a:ln>
+        </p:spPr>
+        <p:style>
+          <a:lnRef idx="1">
+            <a:schemeClr val="accent1"/>
+          </a:lnRef>
+          <a:fillRef idx="0">
+            <a:schemeClr val="accent1"/>
+          </a:fillRef>
+          <a:effectRef idx="0">
+            <a:schemeClr val="accent1"/>
+          </a:effectRef>
+          <a:fontRef idx="minor">
+            <a:schemeClr val="tx1"/>
+          </a:fontRef>
+        </p:style>
+      </p:cxnSp>
+    </p:spTree>
+    <p:extLst>
+      <p:ext uri="{BB962C8B-B14F-4D97-AF65-F5344CB8AC3E}">
+        <p14:creationId xmlns:p14="http://schemas.microsoft.com/office/powerpoint/2010/main" val="3473926944"/>
+      </p:ext>
+    </p:extLst>
+  </p:cSld>
+  <p:clrMapOvr>
+    <a:masterClrMapping/>
+  </p:clrMapOvr>
+</p:sld>
+</file>
+
+<file path=ppt/slides/slide15.xml><?xml version="1.0" encoding="utf-8"?>
+<p:sld xmlns:a="http://schemas.openxmlformats.org/drawingml/2006/main" xmlns:r="http://schemas.openxmlformats.org/officeDocument/2006/relationships" xmlns:p="http://schemas.openxmlformats.org/presentationml/2006/main">
+  <p:cSld>
+    <p:spTree>
+      <p:nvGrpSpPr>
+        <p:cNvPr id="1" name=""/>
+        <p:cNvGrpSpPr/>
+        <p:nvPr/>
+      </p:nvGrpSpPr>
+      <p:grpSpPr>
+        <a:xfrm>
+          <a:off x="0" y="0"/>
+          <a:ext cx="0" cy="0"/>
+          <a:chOff x="0" y="0"/>
+          <a:chExt cx="0" cy="0"/>
+        </a:xfrm>
+      </p:grpSpPr>
+      <p:sp>
+        <p:nvSpPr>
+          <p:cNvPr id="2" name="Rectangle 1">
+            <a:extLst>
+              <a:ext uri="{FF2B5EF4-FFF2-40B4-BE49-F238E27FC236}">
+                <a16:creationId xmlns:a16="http://schemas.microsoft.com/office/drawing/2014/main" id="{ED3CC2A8-397C-43E5-AF08-257A566BB207}"/>
+              </a:ext>
+            </a:extLst>
+          </p:cNvPr>
+          <p:cNvSpPr/>
+          <p:nvPr/>
+        </p:nvSpPr>
+        <p:spPr>
+          <a:xfrm>
+            <a:off x="404445" y="1762858"/>
+            <a:ext cx="888023" cy="3332284"/>
+          </a:xfrm>
+          <a:prstGeom prst="rect">
+            <a:avLst/>
+          </a:prstGeom>
+        </p:spPr>
+        <p:style>
+          <a:lnRef idx="2">
+            <a:schemeClr val="accent1">
+              <a:shade val="50000"/>
+            </a:schemeClr>
+          </a:lnRef>
+          <a:fillRef idx="1">
+            <a:schemeClr val="accent1"/>
+          </a:fillRef>
+          <a:effectRef idx="0">
+            <a:schemeClr val="accent1"/>
+          </a:effectRef>
+          <a:fontRef idx="minor">
+            <a:schemeClr val="lt1"/>
+          </a:fontRef>
+        </p:style>
+        <p:txBody>
+          <a:bodyPr rtlCol="0" anchor="ctr"/>
+          <a:lstStyle/>
+          <a:p>
+            <a:pPr algn="ctr"/>
+            <a:endParaRPr lang="en-US"/>
+          </a:p>
+        </p:txBody>
+      </p:sp>
+      <p:sp>
+        <p:nvSpPr>
+          <p:cNvPr id="3" name="Rectangle 2">
+            <a:extLst>
+              <a:ext uri="{FF2B5EF4-FFF2-40B4-BE49-F238E27FC236}">
+                <a16:creationId xmlns:a16="http://schemas.microsoft.com/office/drawing/2014/main" id="{04FFDF1C-1E3D-4C01-8882-A29E3597C06B}"/>
+              </a:ext>
+            </a:extLst>
+          </p:cNvPr>
+          <p:cNvSpPr/>
+          <p:nvPr/>
+        </p:nvSpPr>
+        <p:spPr>
+          <a:xfrm>
+            <a:off x="2880946" y="334107"/>
+            <a:ext cx="8100646" cy="2497016"/>
+          </a:xfrm>
+          <a:prstGeom prst="rect">
+            <a:avLst/>
+          </a:prstGeom>
+          <a:noFill/>
+        </p:spPr>
+        <p:style>
+          <a:lnRef idx="2">
+            <a:schemeClr val="accent1">
+              <a:shade val="50000"/>
+            </a:schemeClr>
+          </a:lnRef>
+          <a:fillRef idx="1">
+            <a:schemeClr val="accent1"/>
+          </a:fillRef>
+          <a:effectRef idx="0">
+            <a:schemeClr val="accent1"/>
+          </a:effectRef>
+          <a:fontRef idx="minor">
+            <a:schemeClr val="lt1"/>
+          </a:fontRef>
+        </p:style>
+        <p:txBody>
+          <a:bodyPr rtlCol="0" anchor="ctr"/>
+          <a:lstStyle/>
+          <a:p>
+            <a:pPr algn="ctr"/>
+            <a:r>
+              <a:rPr lang="en-US" dirty="0"/>
+              <a:t>VM2</a:t>
+            </a:r>
+          </a:p>
+        </p:txBody>
+      </p:sp>
+      <p:sp>
+        <p:nvSpPr>
+          <p:cNvPr id="4" name="Rectangle 3">
+            <a:extLst>
+              <a:ext uri="{FF2B5EF4-FFF2-40B4-BE49-F238E27FC236}">
+                <a16:creationId xmlns:a16="http://schemas.microsoft.com/office/drawing/2014/main" id="{FE74DE45-BF94-42AF-8036-C840C48E8F39}"/>
+              </a:ext>
+            </a:extLst>
+          </p:cNvPr>
+          <p:cNvSpPr/>
+          <p:nvPr/>
+        </p:nvSpPr>
+        <p:spPr>
+          <a:xfrm>
+            <a:off x="2880946" y="3846634"/>
+            <a:ext cx="8100646" cy="2497016"/>
+          </a:xfrm>
+          <a:prstGeom prst="rect">
+            <a:avLst/>
+          </a:prstGeom>
+          <a:noFill/>
+        </p:spPr>
+        <p:style>
+          <a:lnRef idx="2">
+            <a:schemeClr val="accent1">
+              <a:shade val="50000"/>
+            </a:schemeClr>
+          </a:lnRef>
+          <a:fillRef idx="1">
+            <a:schemeClr val="accent1"/>
+          </a:fillRef>
+          <a:effectRef idx="0">
+            <a:schemeClr val="accent1"/>
+          </a:effectRef>
+          <a:fontRef idx="minor">
+            <a:schemeClr val="lt1"/>
+          </a:fontRef>
+        </p:style>
+        <p:txBody>
+          <a:bodyPr rtlCol="0" anchor="ctr"/>
+          <a:lstStyle/>
+          <a:p>
+            <a:pPr algn="ctr"/>
+            <a:r>
+              <a:rPr lang="en-US" dirty="0"/>
+              <a:t>VM2</a:t>
+            </a:r>
+          </a:p>
+        </p:txBody>
+      </p:sp>
+      <p:sp>
+        <p:nvSpPr>
+          <p:cNvPr id="5" name="TextBox 4">
+            <a:extLst>
+              <a:ext uri="{FF2B5EF4-FFF2-40B4-BE49-F238E27FC236}">
+                <a16:creationId xmlns:a16="http://schemas.microsoft.com/office/drawing/2014/main" id="{4F55AFF4-9B24-4178-8087-15B2FD0B88B9}"/>
+              </a:ext>
+            </a:extLst>
+          </p:cNvPr>
+          <p:cNvSpPr txBox="1"/>
+          <p:nvPr/>
+        </p:nvSpPr>
+        <p:spPr>
+          <a:xfrm>
+            <a:off x="3024554" y="149469"/>
+            <a:ext cx="1473480" cy="253916"/>
+          </a:xfrm>
+          <a:prstGeom prst="rect">
+            <a:avLst/>
+          </a:prstGeom>
+          <a:noFill/>
+        </p:spPr>
+        <p:txBody>
+          <a:bodyPr wrap="none" rtlCol="0">
+            <a:spAutoFit/>
+          </a:bodyPr>
+          <a:lstStyle/>
+          <a:p>
+            <a:r>
+              <a:rPr lang="en-US" sz="1050" dirty="0"/>
+              <a:t>Node2: 192.168.99.101</a:t>
+            </a:r>
+            <a:endParaRPr lang="en-US" dirty="0"/>
+          </a:p>
+        </p:txBody>
+      </p:sp>
+      <p:sp>
+        <p:nvSpPr>
+          <p:cNvPr id="6" name="TextBox 5">
+            <a:extLst>
+              <a:ext uri="{FF2B5EF4-FFF2-40B4-BE49-F238E27FC236}">
+                <a16:creationId xmlns:a16="http://schemas.microsoft.com/office/drawing/2014/main" id="{AB4DAE75-828E-46DD-8817-BC2E8463FA2C}"/>
+              </a:ext>
+            </a:extLst>
+          </p:cNvPr>
+          <p:cNvSpPr txBox="1"/>
+          <p:nvPr/>
+        </p:nvSpPr>
+        <p:spPr>
+          <a:xfrm>
+            <a:off x="3089031" y="3616570"/>
+            <a:ext cx="1473480" cy="253916"/>
+          </a:xfrm>
+          <a:prstGeom prst="rect">
+            <a:avLst/>
+          </a:prstGeom>
+          <a:noFill/>
+        </p:spPr>
+        <p:txBody>
+          <a:bodyPr wrap="none" rtlCol="0">
+            <a:spAutoFit/>
+          </a:bodyPr>
+          <a:lstStyle/>
+          <a:p>
+            <a:r>
+              <a:rPr lang="en-US" sz="1050" dirty="0"/>
+              <a:t>Node3: 192.168.99.102</a:t>
+            </a:r>
+            <a:endParaRPr lang="en-US" dirty="0"/>
+          </a:p>
+        </p:txBody>
+      </p:sp>
+      <p:sp>
+        <p:nvSpPr>
+          <p:cNvPr id="7" name="TextBox 6">
+            <a:extLst>
+              <a:ext uri="{FF2B5EF4-FFF2-40B4-BE49-F238E27FC236}">
+                <a16:creationId xmlns:a16="http://schemas.microsoft.com/office/drawing/2014/main" id="{DAA141C8-C5BF-4440-AFED-7EACA71B5C82}"/>
+              </a:ext>
+            </a:extLst>
+          </p:cNvPr>
+          <p:cNvSpPr txBox="1"/>
+          <p:nvPr/>
+        </p:nvSpPr>
+        <p:spPr>
+          <a:xfrm>
+            <a:off x="298939" y="5635869"/>
+            <a:ext cx="2145324" cy="692497"/>
+          </a:xfrm>
+          <a:prstGeom prst="rect">
+            <a:avLst/>
+          </a:prstGeom>
+          <a:noFill/>
+        </p:spPr>
+        <p:txBody>
+          <a:bodyPr wrap="square" rtlCol="0">
+            <a:spAutoFit/>
+          </a:bodyPr>
+          <a:lstStyle/>
+          <a:p>
+            <a:r>
+              <a:rPr lang="en-US" sz="1050" dirty="0"/>
+              <a:t>Pod-to-pod:</a:t>
+            </a:r>
+          </a:p>
+          <a:p>
+            <a:r>
+              <a:rPr lang="en-US" sz="1050" dirty="0"/>
+              <a:t>A pod can reach any other pod in the k8s cluster</a:t>
+            </a:r>
+            <a:r>
+              <a:rPr lang="en-US" dirty="0"/>
+              <a:t> </a:t>
+            </a:r>
+          </a:p>
+        </p:txBody>
+      </p:sp>
+      <p:sp>
+        <p:nvSpPr>
+          <p:cNvPr id="8" name="Oval 7">
+            <a:extLst>
+              <a:ext uri="{FF2B5EF4-FFF2-40B4-BE49-F238E27FC236}">
+                <a16:creationId xmlns:a16="http://schemas.microsoft.com/office/drawing/2014/main" id="{BDD77F0D-C6EE-4639-9CA8-D615AC779687}"/>
+              </a:ext>
+            </a:extLst>
+          </p:cNvPr>
+          <p:cNvSpPr/>
+          <p:nvPr/>
+        </p:nvSpPr>
+        <p:spPr>
+          <a:xfrm>
+            <a:off x="7846142" y="845574"/>
+            <a:ext cx="1986116" cy="1258529"/>
+          </a:xfrm>
+          <a:prstGeom prst="ellipse">
+            <a:avLst/>
+          </a:prstGeom>
+        </p:spPr>
+        <p:style>
+          <a:lnRef idx="2">
+            <a:schemeClr val="accent1">
+              <a:shade val="50000"/>
+            </a:schemeClr>
+          </a:lnRef>
+          <a:fillRef idx="1">
+            <a:schemeClr val="accent1"/>
+          </a:fillRef>
+          <a:effectRef idx="0">
+            <a:schemeClr val="accent1"/>
+          </a:effectRef>
+          <a:fontRef idx="minor">
+            <a:schemeClr val="lt1"/>
+          </a:fontRef>
+        </p:style>
+        <p:txBody>
+          <a:bodyPr rtlCol="0" anchor="ctr"/>
+          <a:lstStyle/>
+          <a:p>
+            <a:pPr algn="ctr"/>
+            <a:r>
+              <a:rPr lang="en-US" dirty="0"/>
+              <a:t>Pod, ghost</a:t>
+            </a:r>
+          </a:p>
+          <a:p>
+            <a:pPr algn="ctr"/>
+            <a:r>
+              <a:rPr lang="en-US" dirty="0"/>
+              <a:t>Container</a:t>
+            </a:r>
+          </a:p>
+          <a:p>
+            <a:pPr algn="ctr"/>
+            <a:endParaRPr lang="en-US" dirty="0"/>
+          </a:p>
+          <a:p>
+            <a:pPr algn="ctr"/>
+            <a:endParaRPr lang="en-US" dirty="0"/>
+          </a:p>
+        </p:txBody>
+      </p:sp>
+      <p:sp>
+        <p:nvSpPr>
+          <p:cNvPr id="9" name="TextBox 8">
+            <a:extLst>
+              <a:ext uri="{FF2B5EF4-FFF2-40B4-BE49-F238E27FC236}">
+                <a16:creationId xmlns:a16="http://schemas.microsoft.com/office/drawing/2014/main" id="{98067A04-4C0A-4EEA-99EB-AFD7BC754E91}"/>
+              </a:ext>
+            </a:extLst>
+          </p:cNvPr>
+          <p:cNvSpPr txBox="1"/>
+          <p:nvPr/>
+        </p:nvSpPr>
+        <p:spPr>
+          <a:xfrm>
+            <a:off x="8436078" y="668593"/>
+            <a:ext cx="795411" cy="261610"/>
+          </a:xfrm>
+          <a:prstGeom prst="rect">
+            <a:avLst/>
+          </a:prstGeom>
+          <a:noFill/>
+        </p:spPr>
+        <p:txBody>
+          <a:bodyPr wrap="none" rtlCol="0">
+            <a:spAutoFit/>
+          </a:bodyPr>
+          <a:lstStyle/>
+          <a:p>
+            <a:r>
+              <a:rPr lang="en-US" sz="1100" dirty="0"/>
+              <a:t>172.17.0.2</a:t>
+            </a:r>
+            <a:endParaRPr lang="en-US" dirty="0"/>
+          </a:p>
+        </p:txBody>
+      </p:sp>
+      <p:sp>
+        <p:nvSpPr>
+          <p:cNvPr id="14" name="Oval 13">
+            <a:extLst>
+              <a:ext uri="{FF2B5EF4-FFF2-40B4-BE49-F238E27FC236}">
+                <a16:creationId xmlns:a16="http://schemas.microsoft.com/office/drawing/2014/main" id="{8EC3BECE-9E68-4113-9C17-B597258D7DAA}"/>
+              </a:ext>
+            </a:extLst>
+          </p:cNvPr>
+          <p:cNvSpPr/>
+          <p:nvPr/>
+        </p:nvSpPr>
+        <p:spPr>
+          <a:xfrm>
+            <a:off x="7595420" y="4465877"/>
+            <a:ext cx="1986116" cy="1258529"/>
+          </a:xfrm>
+          <a:prstGeom prst="ellipse">
+            <a:avLst/>
+          </a:prstGeom>
+        </p:spPr>
+        <p:style>
+          <a:lnRef idx="2">
+            <a:schemeClr val="accent1">
+              <a:shade val="50000"/>
+            </a:schemeClr>
+          </a:lnRef>
+          <a:fillRef idx="1">
+            <a:schemeClr val="accent1"/>
+          </a:fillRef>
+          <a:effectRef idx="0">
+            <a:schemeClr val="accent1"/>
+          </a:effectRef>
+          <a:fontRef idx="minor">
+            <a:schemeClr val="lt1"/>
+          </a:fontRef>
+        </p:style>
+        <p:txBody>
+          <a:bodyPr rtlCol="0" anchor="ctr"/>
+          <a:lstStyle/>
+          <a:p>
+            <a:pPr algn="ctr"/>
+            <a:r>
+              <a:rPr lang="en-US" dirty="0"/>
+              <a:t>Pod </a:t>
+            </a:r>
+            <a:r>
+              <a:rPr lang="en-US" dirty="0" err="1"/>
+              <a:t>db</a:t>
+            </a:r>
+            <a:r>
+              <a:rPr lang="en-US" dirty="0"/>
+              <a:t>,</a:t>
+            </a:r>
+          </a:p>
+          <a:p>
+            <a:pPr algn="ctr"/>
+            <a:r>
+              <a:rPr lang="en-US" dirty="0"/>
+              <a:t>container</a:t>
+            </a:r>
+          </a:p>
+        </p:txBody>
+      </p:sp>
+      <p:sp>
+        <p:nvSpPr>
+          <p:cNvPr id="15" name="TextBox 14">
+            <a:extLst>
+              <a:ext uri="{FF2B5EF4-FFF2-40B4-BE49-F238E27FC236}">
+                <a16:creationId xmlns:a16="http://schemas.microsoft.com/office/drawing/2014/main" id="{C40995FB-A95F-4B20-ACF8-4ABC330ADFA9}"/>
+              </a:ext>
+            </a:extLst>
+          </p:cNvPr>
+          <p:cNvSpPr txBox="1"/>
+          <p:nvPr/>
+        </p:nvSpPr>
+        <p:spPr>
+          <a:xfrm>
+            <a:off x="8185356" y="4288896"/>
+            <a:ext cx="795411" cy="261610"/>
+          </a:xfrm>
+          <a:prstGeom prst="rect">
+            <a:avLst/>
+          </a:prstGeom>
+          <a:noFill/>
+        </p:spPr>
+        <p:txBody>
+          <a:bodyPr wrap="none" rtlCol="0">
+            <a:spAutoFit/>
+          </a:bodyPr>
+          <a:lstStyle/>
+          <a:p>
+            <a:r>
+              <a:rPr lang="en-US" sz="1100" dirty="0"/>
+              <a:t>172.18.0.2</a:t>
+            </a:r>
+            <a:endParaRPr lang="en-US" dirty="0"/>
+          </a:p>
+        </p:txBody>
+      </p:sp>
+      <p:sp>
+        <p:nvSpPr>
+          <p:cNvPr id="16" name="Cloud 15">
+            <a:extLst>
+              <a:ext uri="{FF2B5EF4-FFF2-40B4-BE49-F238E27FC236}">
+                <a16:creationId xmlns:a16="http://schemas.microsoft.com/office/drawing/2014/main" id="{97090845-DF58-409F-943D-7D9EE13F573F}"/>
+              </a:ext>
+            </a:extLst>
+          </p:cNvPr>
+          <p:cNvSpPr/>
+          <p:nvPr/>
+        </p:nvSpPr>
+        <p:spPr>
+          <a:xfrm>
+            <a:off x="1022555" y="1189703"/>
+            <a:ext cx="2256029" cy="4375355"/>
+          </a:xfrm>
+          <a:prstGeom prst="cloud">
+            <a:avLst/>
+          </a:prstGeom>
+          <a:noFill/>
+        </p:spPr>
+        <p:style>
+          <a:lnRef idx="2">
+            <a:schemeClr val="accent1">
+              <a:shade val="50000"/>
+            </a:schemeClr>
+          </a:lnRef>
+          <a:fillRef idx="1">
+            <a:schemeClr val="accent1"/>
+          </a:fillRef>
+          <a:effectRef idx="0">
+            <a:schemeClr val="accent1"/>
+          </a:effectRef>
+          <a:fontRef idx="minor">
+            <a:schemeClr val="lt1"/>
+          </a:fontRef>
+        </p:style>
+        <p:txBody>
+          <a:bodyPr rtlCol="0" anchor="ctr"/>
+          <a:lstStyle/>
+          <a:p>
+            <a:pPr algn="ctr"/>
+            <a:endParaRPr lang="en-US"/>
+          </a:p>
+        </p:txBody>
+      </p:sp>
+      <p:sp>
+        <p:nvSpPr>
+          <p:cNvPr id="17" name="TextBox 16">
+            <a:extLst>
+              <a:ext uri="{FF2B5EF4-FFF2-40B4-BE49-F238E27FC236}">
+                <a16:creationId xmlns:a16="http://schemas.microsoft.com/office/drawing/2014/main" id="{E4FC34F7-DE7E-47E5-838E-F72E5DF866B4}"/>
+              </a:ext>
+            </a:extLst>
+          </p:cNvPr>
+          <p:cNvSpPr txBox="1"/>
+          <p:nvPr/>
+        </p:nvSpPr>
+        <p:spPr>
+          <a:xfrm>
+            <a:off x="1749841" y="1290304"/>
+            <a:ext cx="696024" cy="369332"/>
+          </a:xfrm>
+          <a:prstGeom prst="rect">
+            <a:avLst/>
+          </a:prstGeom>
+          <a:noFill/>
+        </p:spPr>
+        <p:txBody>
+          <a:bodyPr wrap="none" rtlCol="0">
+            <a:spAutoFit/>
+          </a:bodyPr>
+          <a:lstStyle/>
+          <a:p>
+            <a:r>
+              <a:rPr lang="en-US" dirty="0"/>
+              <a:t>mesh</a:t>
+            </a:r>
+          </a:p>
+        </p:txBody>
+      </p:sp>
+      <p:sp>
+        <p:nvSpPr>
+          <p:cNvPr id="18" name="TextBox 17">
+            <a:extLst>
+              <a:ext uri="{FF2B5EF4-FFF2-40B4-BE49-F238E27FC236}">
+                <a16:creationId xmlns:a16="http://schemas.microsoft.com/office/drawing/2014/main" id="{765203B4-8054-480C-9CC7-05A82107C486}"/>
+              </a:ext>
+            </a:extLst>
+          </p:cNvPr>
+          <p:cNvSpPr txBox="1"/>
+          <p:nvPr/>
+        </p:nvSpPr>
+        <p:spPr>
+          <a:xfrm>
+            <a:off x="1306323" y="2734913"/>
+            <a:ext cx="1678665" cy="938719"/>
+          </a:xfrm>
+          <a:prstGeom prst="rect">
+            <a:avLst/>
+          </a:prstGeom>
+          <a:noFill/>
+        </p:spPr>
+        <p:txBody>
+          <a:bodyPr wrap="none" rtlCol="0">
+            <a:spAutoFit/>
+          </a:bodyPr>
+          <a:lstStyle/>
+          <a:p>
+            <a:r>
+              <a:rPr lang="en-US" sz="1100" dirty="0"/>
+              <a:t>Aws – calico</a:t>
+            </a:r>
+          </a:p>
+          <a:p>
+            <a:r>
+              <a:rPr lang="en-US" sz="1100" dirty="0" err="1"/>
+              <a:t>Gc</a:t>
+            </a:r>
+            <a:r>
+              <a:rPr lang="en-US" sz="1100" dirty="0"/>
+              <a:t> – cloud-weave</a:t>
+            </a:r>
+          </a:p>
+          <a:p>
+            <a:r>
+              <a:rPr lang="en-US" sz="1100" dirty="0"/>
+              <a:t>Oracle –flannel</a:t>
+            </a:r>
+          </a:p>
+          <a:p>
+            <a:endParaRPr lang="en-US" sz="1100" dirty="0"/>
+          </a:p>
+          <a:p>
+            <a:r>
+              <a:rPr lang="en-US" sz="1100" dirty="0"/>
+              <a:t>(docker swarm -&gt; overlay)</a:t>
+            </a:r>
+          </a:p>
+        </p:txBody>
+      </p:sp>
+      <p:sp>
+        <p:nvSpPr>
+          <p:cNvPr id="19" name="TextBox 18">
+            <a:extLst>
+              <a:ext uri="{FF2B5EF4-FFF2-40B4-BE49-F238E27FC236}">
+                <a16:creationId xmlns:a16="http://schemas.microsoft.com/office/drawing/2014/main" id="{8B43C271-3AD5-4AB3-A49E-72A50830313C}"/>
+              </a:ext>
+            </a:extLst>
+          </p:cNvPr>
+          <p:cNvSpPr txBox="1"/>
+          <p:nvPr/>
+        </p:nvSpPr>
+        <p:spPr>
+          <a:xfrm>
+            <a:off x="3195484" y="1474839"/>
+            <a:ext cx="558166" cy="261610"/>
+          </a:xfrm>
+          <a:prstGeom prst="rect">
+            <a:avLst/>
+          </a:prstGeom>
+          <a:noFill/>
+        </p:spPr>
+        <p:txBody>
+          <a:bodyPr wrap="none" rtlCol="0">
+            <a:spAutoFit/>
+          </a:bodyPr>
+          <a:lstStyle/>
+          <a:p>
+            <a:r>
+              <a:rPr lang="en-US" sz="1050" dirty="0"/>
+              <a:t>weave</a:t>
+            </a:r>
+            <a:endParaRPr lang="en-US" dirty="0"/>
+          </a:p>
+        </p:txBody>
+      </p:sp>
+      <p:sp>
+        <p:nvSpPr>
+          <p:cNvPr id="20" name="TextBox 19">
+            <a:extLst>
+              <a:ext uri="{FF2B5EF4-FFF2-40B4-BE49-F238E27FC236}">
+                <a16:creationId xmlns:a16="http://schemas.microsoft.com/office/drawing/2014/main" id="{18CEF354-96F1-40C8-838F-B572F6A0C7D3}"/>
+              </a:ext>
+            </a:extLst>
+          </p:cNvPr>
+          <p:cNvSpPr txBox="1"/>
+          <p:nvPr/>
+        </p:nvSpPr>
+        <p:spPr>
+          <a:xfrm>
+            <a:off x="3215097" y="4726082"/>
+            <a:ext cx="558166" cy="261610"/>
+          </a:xfrm>
+          <a:prstGeom prst="rect">
+            <a:avLst/>
+          </a:prstGeom>
+          <a:noFill/>
+        </p:spPr>
+        <p:txBody>
+          <a:bodyPr wrap="none" rtlCol="0">
+            <a:spAutoFit/>
+          </a:bodyPr>
+          <a:lstStyle/>
+          <a:p>
+            <a:r>
+              <a:rPr lang="en-US" sz="1050" dirty="0"/>
+              <a:t>weave</a:t>
+            </a:r>
+            <a:endParaRPr lang="en-US" dirty="0"/>
+          </a:p>
+        </p:txBody>
+      </p:sp>
+      <p:sp>
+        <p:nvSpPr>
+          <p:cNvPr id="21" name="TextBox 20">
+            <a:extLst>
+              <a:ext uri="{FF2B5EF4-FFF2-40B4-BE49-F238E27FC236}">
+                <a16:creationId xmlns:a16="http://schemas.microsoft.com/office/drawing/2014/main" id="{F3CEE3F9-AAE6-45BF-9982-A97B30C88211}"/>
+              </a:ext>
+            </a:extLst>
+          </p:cNvPr>
+          <p:cNvSpPr txBox="1"/>
+          <p:nvPr/>
+        </p:nvSpPr>
+        <p:spPr>
+          <a:xfrm>
+            <a:off x="3218770" y="1759975"/>
+            <a:ext cx="2311851" cy="415498"/>
+          </a:xfrm>
+          <a:prstGeom prst="rect">
+            <a:avLst/>
+          </a:prstGeom>
+          <a:noFill/>
+        </p:spPr>
+        <p:txBody>
+          <a:bodyPr wrap="none" rtlCol="0">
+            <a:spAutoFit/>
+          </a:bodyPr>
+          <a:lstStyle/>
+          <a:p>
+            <a:r>
+              <a:rPr lang="en-US" sz="1050" dirty="0" err="1"/>
+              <a:t>kube</a:t>
+            </a:r>
+            <a:r>
+              <a:rPr lang="en-US" sz="1050" dirty="0"/>
+              <a:t>-proxy (</a:t>
+            </a:r>
+            <a:r>
+              <a:rPr lang="en-US" sz="1050" dirty="0" err="1"/>
+              <a:t>netfilters</a:t>
+            </a:r>
+            <a:r>
+              <a:rPr lang="en-US" sz="1050" dirty="0"/>
+              <a:t>, packet sniffers)</a:t>
+            </a:r>
+          </a:p>
+          <a:p>
+            <a:r>
+              <a:rPr lang="en-US" sz="1050" dirty="0"/>
+              <a:t>10.23.45.343:8888  -&gt; 172.18.0.2:3306</a:t>
+            </a:r>
+            <a:endParaRPr lang="en-US" dirty="0"/>
+          </a:p>
+        </p:txBody>
+      </p:sp>
+      <p:sp>
+        <p:nvSpPr>
+          <p:cNvPr id="22" name="TextBox 21">
+            <a:extLst>
+              <a:ext uri="{FF2B5EF4-FFF2-40B4-BE49-F238E27FC236}">
+                <a16:creationId xmlns:a16="http://schemas.microsoft.com/office/drawing/2014/main" id="{7DF863F7-0524-4193-AD6B-F51374FB126C}"/>
+              </a:ext>
+            </a:extLst>
+          </p:cNvPr>
+          <p:cNvSpPr txBox="1"/>
+          <p:nvPr/>
+        </p:nvSpPr>
+        <p:spPr>
+          <a:xfrm>
+            <a:off x="3194683" y="4968183"/>
+            <a:ext cx="2311851" cy="415498"/>
+          </a:xfrm>
+          <a:prstGeom prst="rect">
+            <a:avLst/>
+          </a:prstGeom>
+          <a:noFill/>
+        </p:spPr>
+        <p:txBody>
+          <a:bodyPr wrap="none" rtlCol="0">
+            <a:spAutoFit/>
+          </a:bodyPr>
+          <a:lstStyle/>
+          <a:p>
+            <a:r>
+              <a:rPr lang="en-US" sz="1050" dirty="0" err="1"/>
+              <a:t>kube</a:t>
+            </a:r>
+            <a:r>
+              <a:rPr lang="en-US" sz="1050" dirty="0"/>
+              <a:t>-proxy</a:t>
+            </a:r>
+          </a:p>
+          <a:p>
+            <a:r>
+              <a:rPr lang="en-US" sz="1050" dirty="0"/>
+              <a:t>10.23.45.343:8888  -&gt; 172.18.0.2:3306</a:t>
+            </a:r>
+          </a:p>
+        </p:txBody>
+      </p:sp>
+      <p:sp>
+        <p:nvSpPr>
+          <p:cNvPr id="27" name="TextBox 26">
+            <a:extLst>
+              <a:ext uri="{FF2B5EF4-FFF2-40B4-BE49-F238E27FC236}">
+                <a16:creationId xmlns:a16="http://schemas.microsoft.com/office/drawing/2014/main" id="{A028E17A-CCE7-4BA1-B639-8ADE4700874F}"/>
+              </a:ext>
+            </a:extLst>
+          </p:cNvPr>
+          <p:cNvSpPr txBox="1"/>
+          <p:nvPr/>
+        </p:nvSpPr>
+        <p:spPr>
+          <a:xfrm>
+            <a:off x="3382297" y="2369574"/>
+            <a:ext cx="2462534" cy="430887"/>
+          </a:xfrm>
+          <a:prstGeom prst="rect">
+            <a:avLst/>
+          </a:prstGeom>
+          <a:noFill/>
+        </p:spPr>
+        <p:txBody>
+          <a:bodyPr wrap="none" rtlCol="0">
+            <a:spAutoFit/>
+          </a:bodyPr>
+          <a:lstStyle/>
+          <a:p>
+            <a:r>
+              <a:rPr lang="en-US" sz="1100" dirty="0"/>
+              <a:t>172.17.0.0/16 next hop 192.168.99.101</a:t>
+            </a:r>
+          </a:p>
+          <a:p>
+            <a:r>
+              <a:rPr lang="en-US" sz="1100" dirty="0"/>
+              <a:t>172.18.0.0/16 next hop 192.168.99.102</a:t>
+            </a:r>
+          </a:p>
+        </p:txBody>
+      </p:sp>
+      <p:sp>
+        <p:nvSpPr>
+          <p:cNvPr id="28" name="TextBox 27">
+            <a:extLst>
+              <a:ext uri="{FF2B5EF4-FFF2-40B4-BE49-F238E27FC236}">
+                <a16:creationId xmlns:a16="http://schemas.microsoft.com/office/drawing/2014/main" id="{3C479402-4FA6-4443-AC55-13FF0CB3E07D}"/>
+              </a:ext>
+            </a:extLst>
+          </p:cNvPr>
+          <p:cNvSpPr txBox="1"/>
+          <p:nvPr/>
+        </p:nvSpPr>
+        <p:spPr>
+          <a:xfrm>
+            <a:off x="3460955" y="2222090"/>
+            <a:ext cx="584455" cy="276999"/>
+          </a:xfrm>
+          <a:prstGeom prst="rect">
+            <a:avLst/>
+          </a:prstGeom>
+          <a:noFill/>
+        </p:spPr>
+        <p:txBody>
+          <a:bodyPr wrap="none" rtlCol="0">
+            <a:spAutoFit/>
+          </a:bodyPr>
+          <a:lstStyle/>
+          <a:p>
+            <a:r>
+              <a:rPr lang="en-US" sz="1200" dirty="0"/>
+              <a:t>routes</a:t>
+            </a:r>
+            <a:endParaRPr lang="en-US" dirty="0"/>
+          </a:p>
+        </p:txBody>
+      </p:sp>
+      <p:sp>
+        <p:nvSpPr>
+          <p:cNvPr id="29" name="TextBox 28">
+            <a:extLst>
+              <a:ext uri="{FF2B5EF4-FFF2-40B4-BE49-F238E27FC236}">
+                <a16:creationId xmlns:a16="http://schemas.microsoft.com/office/drawing/2014/main" id="{49873C7E-3C41-44EE-9168-FB0578EEDE67}"/>
+              </a:ext>
+            </a:extLst>
+          </p:cNvPr>
+          <p:cNvSpPr txBox="1"/>
+          <p:nvPr/>
+        </p:nvSpPr>
+        <p:spPr>
+          <a:xfrm>
+            <a:off x="3328206" y="5897479"/>
+            <a:ext cx="2462534" cy="430887"/>
+          </a:xfrm>
+          <a:prstGeom prst="rect">
+            <a:avLst/>
+          </a:prstGeom>
+          <a:noFill/>
+        </p:spPr>
+        <p:txBody>
+          <a:bodyPr wrap="none" rtlCol="0">
+            <a:spAutoFit/>
+          </a:bodyPr>
+          <a:lstStyle/>
+          <a:p>
+            <a:r>
+              <a:rPr lang="en-US" sz="1100" dirty="0"/>
+              <a:t>172.17.0.0/16 next hop 192.168.99.101</a:t>
+            </a:r>
+          </a:p>
+          <a:p>
+            <a:r>
+              <a:rPr lang="en-US" sz="1100" dirty="0"/>
+              <a:t>172.18.0.0/16 next hop 192.168.99.102</a:t>
+            </a:r>
+          </a:p>
+        </p:txBody>
+      </p:sp>
+      <p:sp>
+        <p:nvSpPr>
+          <p:cNvPr id="30" name="TextBox 29">
+            <a:extLst>
+              <a:ext uri="{FF2B5EF4-FFF2-40B4-BE49-F238E27FC236}">
+                <a16:creationId xmlns:a16="http://schemas.microsoft.com/office/drawing/2014/main" id="{BB9CCF9A-71E0-4268-A325-C70F0284EF06}"/>
+              </a:ext>
+            </a:extLst>
+          </p:cNvPr>
+          <p:cNvSpPr txBox="1"/>
+          <p:nvPr/>
+        </p:nvSpPr>
+        <p:spPr>
+          <a:xfrm>
+            <a:off x="3328206" y="5705118"/>
+            <a:ext cx="584455" cy="276999"/>
+          </a:xfrm>
+          <a:prstGeom prst="rect">
+            <a:avLst/>
+          </a:prstGeom>
+          <a:noFill/>
+        </p:spPr>
+        <p:txBody>
+          <a:bodyPr wrap="none" rtlCol="0">
+            <a:spAutoFit/>
+          </a:bodyPr>
+          <a:lstStyle/>
+          <a:p>
+            <a:r>
+              <a:rPr lang="en-US" sz="1200" dirty="0"/>
+              <a:t>routes</a:t>
+            </a:r>
+            <a:endParaRPr lang="en-US" dirty="0"/>
+          </a:p>
+        </p:txBody>
+      </p:sp>
+      <p:sp>
+        <p:nvSpPr>
+          <p:cNvPr id="23" name="Oval 22">
+            <a:extLst>
+              <a:ext uri="{FF2B5EF4-FFF2-40B4-BE49-F238E27FC236}">
+                <a16:creationId xmlns:a16="http://schemas.microsoft.com/office/drawing/2014/main" id="{053337C5-956B-4128-9F9B-ECC32EDC6A8F}"/>
+              </a:ext>
+            </a:extLst>
+          </p:cNvPr>
+          <p:cNvSpPr/>
+          <p:nvPr/>
+        </p:nvSpPr>
+        <p:spPr>
+          <a:xfrm>
+            <a:off x="10284541" y="930203"/>
+            <a:ext cx="1494503" cy="829772"/>
+          </a:xfrm>
+          <a:prstGeom prst="ellipse">
+            <a:avLst/>
+          </a:prstGeom>
+        </p:spPr>
+        <p:style>
+          <a:lnRef idx="2">
+            <a:schemeClr val="accent1">
+              <a:shade val="50000"/>
+            </a:schemeClr>
+          </a:lnRef>
+          <a:fillRef idx="1">
+            <a:schemeClr val="accent1"/>
+          </a:fillRef>
+          <a:effectRef idx="0">
+            <a:schemeClr val="accent1"/>
+          </a:effectRef>
+          <a:fontRef idx="minor">
+            <a:schemeClr val="lt1"/>
+          </a:fontRef>
+        </p:style>
+        <p:txBody>
+          <a:bodyPr rtlCol="0" anchor="ctr"/>
+          <a:lstStyle/>
+          <a:p>
+            <a:pPr algn="ctr"/>
+            <a:r>
+              <a:rPr lang="en-US" dirty="0" err="1"/>
+              <a:t>Dns</a:t>
+            </a:r>
+            <a:endParaRPr lang="en-US" dirty="0"/>
+          </a:p>
+          <a:p>
+            <a:pPr algn="ctr"/>
+            <a:r>
+              <a:rPr lang="en-US" sz="1200" dirty="0"/>
+              <a:t>Db-svc : 10.23.45.343</a:t>
+            </a:r>
+          </a:p>
+        </p:txBody>
+      </p:sp>
+      <p:sp>
+        <p:nvSpPr>
+          <p:cNvPr id="24" name="TextBox 23">
+            <a:extLst>
+              <a:ext uri="{FF2B5EF4-FFF2-40B4-BE49-F238E27FC236}">
+                <a16:creationId xmlns:a16="http://schemas.microsoft.com/office/drawing/2014/main" id="{C64553BA-0647-4297-B213-689E918366CA}"/>
+              </a:ext>
+            </a:extLst>
+          </p:cNvPr>
+          <p:cNvSpPr txBox="1"/>
+          <p:nvPr/>
+        </p:nvSpPr>
+        <p:spPr>
+          <a:xfrm>
+            <a:off x="8185356" y="2222090"/>
+            <a:ext cx="2561920" cy="938719"/>
+          </a:xfrm>
+          <a:prstGeom prst="rect">
+            <a:avLst/>
+          </a:prstGeom>
+          <a:noFill/>
+        </p:spPr>
+        <p:txBody>
+          <a:bodyPr wrap="none" rtlCol="0">
+            <a:spAutoFit/>
+          </a:bodyPr>
+          <a:lstStyle/>
+          <a:p>
+            <a:pPr marL="228600" indent="-228600">
+              <a:buAutoNum type="arabicPeriod"/>
+            </a:pPr>
+            <a:r>
+              <a:rPr lang="en-US" sz="1100" dirty="0"/>
+              <a:t>Conn </a:t>
+            </a:r>
+            <a:r>
+              <a:rPr lang="en-US" sz="1100" dirty="0" err="1"/>
+              <a:t>init</a:t>
+            </a:r>
+            <a:r>
+              <a:rPr lang="en-US" sz="1100" dirty="0"/>
+              <a:t> db-svc:888</a:t>
+            </a:r>
+          </a:p>
+          <a:p>
+            <a:pPr marL="342900" indent="-342900">
+              <a:buAutoNum type="arabicPeriod"/>
+            </a:pPr>
+            <a:r>
+              <a:rPr lang="en-US" sz="1100" dirty="0"/>
+              <a:t>/</a:t>
+            </a:r>
+            <a:r>
+              <a:rPr lang="en-US" sz="1100" dirty="0" err="1"/>
+              <a:t>etc</a:t>
+            </a:r>
+            <a:r>
+              <a:rPr lang="en-US" sz="1100" dirty="0"/>
+              <a:t>/resolve – 10.96.0.10</a:t>
+            </a:r>
+          </a:p>
+          <a:p>
+            <a:pPr marL="342900" indent="-342900">
+              <a:buAutoNum type="arabicPeriod"/>
+            </a:pPr>
+            <a:r>
+              <a:rPr lang="en-US" sz="1100" dirty="0"/>
+              <a:t>Sends </a:t>
+            </a:r>
+            <a:r>
+              <a:rPr lang="en-US" sz="1100" dirty="0" err="1"/>
+              <a:t>db</a:t>
+            </a:r>
+            <a:r>
+              <a:rPr lang="en-US" sz="1100" dirty="0"/>
+              <a:t>-svc to </a:t>
+            </a:r>
+            <a:r>
+              <a:rPr lang="en-US" sz="1100" dirty="0" err="1"/>
+              <a:t>dns</a:t>
+            </a:r>
+            <a:endParaRPr lang="en-US" sz="1100" dirty="0"/>
+          </a:p>
+          <a:p>
+            <a:pPr marL="342900" indent="-342900">
+              <a:buAutoNum type="arabicPeriod"/>
+            </a:pPr>
+            <a:r>
+              <a:rPr lang="en-US" sz="1100" dirty="0" err="1"/>
+              <a:t>Dns</a:t>
+            </a:r>
+            <a:r>
+              <a:rPr lang="en-US" sz="1100" dirty="0"/>
+              <a:t> replies back with 10.23.45.343 </a:t>
+            </a:r>
+          </a:p>
+          <a:p>
+            <a:pPr marL="342900" indent="-342900">
+              <a:buAutoNum type="arabicPeriod"/>
+            </a:pPr>
+            <a:r>
+              <a:rPr lang="en-US" sz="1100" dirty="0"/>
+              <a:t>Conn to 10.23.45.343:8888</a:t>
+            </a:r>
+            <a:endParaRPr lang="en-US" dirty="0"/>
+          </a:p>
+        </p:txBody>
+      </p:sp>
+      <p:sp>
+        <p:nvSpPr>
+          <p:cNvPr id="25" name="TextBox 24">
+            <a:extLst>
+              <a:ext uri="{FF2B5EF4-FFF2-40B4-BE49-F238E27FC236}">
+                <a16:creationId xmlns:a16="http://schemas.microsoft.com/office/drawing/2014/main" id="{734C1FAF-E625-40BA-B571-C09013669BB7}"/>
+              </a:ext>
+            </a:extLst>
+          </p:cNvPr>
+          <p:cNvSpPr txBox="1"/>
+          <p:nvPr/>
+        </p:nvSpPr>
+        <p:spPr>
+          <a:xfrm>
+            <a:off x="10520517" y="737419"/>
+            <a:ext cx="795411" cy="261610"/>
+          </a:xfrm>
+          <a:prstGeom prst="rect">
+            <a:avLst/>
+          </a:prstGeom>
+          <a:noFill/>
+        </p:spPr>
+        <p:txBody>
+          <a:bodyPr wrap="none" rtlCol="0">
+            <a:spAutoFit/>
+          </a:bodyPr>
+          <a:lstStyle/>
+          <a:p>
+            <a:r>
+              <a:rPr lang="en-US" sz="1100" dirty="0"/>
+              <a:t>10.96.0.10</a:t>
+            </a:r>
+          </a:p>
+        </p:txBody>
+      </p:sp>
+      <p:cxnSp>
+        <p:nvCxnSpPr>
+          <p:cNvPr id="31" name="Straight Arrow Connector 30">
+            <a:extLst>
+              <a:ext uri="{FF2B5EF4-FFF2-40B4-BE49-F238E27FC236}">
+                <a16:creationId xmlns:a16="http://schemas.microsoft.com/office/drawing/2014/main" id="{735120E6-546D-404F-92C1-3B62731F52EF}"/>
+              </a:ext>
+            </a:extLst>
+          </p:cNvPr>
+          <p:cNvCxnSpPr/>
+          <p:nvPr/>
+        </p:nvCxnSpPr>
+        <p:spPr>
+          <a:xfrm flipH="1" flipV="1">
+            <a:off x="7688826" y="1474838"/>
+            <a:ext cx="496530" cy="1543665"/>
+          </a:xfrm>
+          <a:prstGeom prst="straightConnector1">
+            <a:avLst/>
+          </a:prstGeom>
+          <a:ln>
+            <a:tailEnd type="triangle"/>
+          </a:ln>
+        </p:spPr>
+        <p:style>
+          <a:lnRef idx="1">
+            <a:schemeClr val="accent1"/>
+          </a:lnRef>
+          <a:fillRef idx="0">
+            <a:schemeClr val="accent1"/>
+          </a:fillRef>
+          <a:effectRef idx="0">
+            <a:schemeClr val="accent1"/>
+          </a:effectRef>
+          <a:fontRef idx="minor">
+            <a:schemeClr val="tx1"/>
+          </a:fontRef>
+        </p:style>
+      </p:cxnSp>
+      <p:cxnSp>
+        <p:nvCxnSpPr>
+          <p:cNvPr id="35" name="Straight Arrow Connector 34">
+            <a:extLst>
+              <a:ext uri="{FF2B5EF4-FFF2-40B4-BE49-F238E27FC236}">
+                <a16:creationId xmlns:a16="http://schemas.microsoft.com/office/drawing/2014/main" id="{BEC7489C-C162-439B-A63B-AB0CF2C97CD5}"/>
+              </a:ext>
+            </a:extLst>
+          </p:cNvPr>
+          <p:cNvCxnSpPr/>
+          <p:nvPr/>
+        </p:nvCxnSpPr>
+        <p:spPr>
+          <a:xfrm flipH="1" flipV="1">
+            <a:off x="4345859" y="514350"/>
+            <a:ext cx="3165947" cy="775954"/>
+          </a:xfrm>
+          <a:prstGeom prst="straightConnector1">
+            <a:avLst/>
+          </a:prstGeom>
+          <a:ln>
+            <a:tailEnd type="triangle"/>
+          </a:ln>
+        </p:spPr>
+        <p:style>
+          <a:lnRef idx="1">
+            <a:schemeClr val="accent1"/>
+          </a:lnRef>
+          <a:fillRef idx="0">
+            <a:schemeClr val="accent1"/>
+          </a:fillRef>
+          <a:effectRef idx="0">
+            <a:schemeClr val="accent1"/>
+          </a:effectRef>
+          <a:fontRef idx="minor">
+            <a:schemeClr val="tx1"/>
+          </a:fontRef>
+        </p:style>
+      </p:cxnSp>
+      <p:cxnSp>
+        <p:nvCxnSpPr>
+          <p:cNvPr id="39" name="Straight Arrow Connector 38">
+            <a:extLst>
+              <a:ext uri="{FF2B5EF4-FFF2-40B4-BE49-F238E27FC236}">
+                <a16:creationId xmlns:a16="http://schemas.microsoft.com/office/drawing/2014/main" id="{4F07A9FC-EF10-4ECC-B557-DF7DA82C1F78}"/>
+              </a:ext>
+            </a:extLst>
+          </p:cNvPr>
+          <p:cNvCxnSpPr>
+            <a:cxnSpLocks/>
+            <a:endCxn id="21" idx="0"/>
+          </p:cNvCxnSpPr>
+          <p:nvPr/>
+        </p:nvCxnSpPr>
+        <p:spPr>
+          <a:xfrm>
+            <a:off x="3780572" y="576387"/>
+            <a:ext cx="594124" cy="1183588"/>
+          </a:xfrm>
+          <a:prstGeom prst="straightConnector1">
+            <a:avLst/>
+          </a:prstGeom>
+          <a:ln>
+            <a:tailEnd type="triangle"/>
+          </a:ln>
+        </p:spPr>
+        <p:style>
+          <a:lnRef idx="1">
+            <a:schemeClr val="accent1"/>
+          </a:lnRef>
+          <a:fillRef idx="0">
+            <a:schemeClr val="accent1"/>
+          </a:fillRef>
+          <a:effectRef idx="0">
+            <a:schemeClr val="accent1"/>
+          </a:effectRef>
+          <a:fontRef idx="minor">
+            <a:schemeClr val="tx1"/>
+          </a:fontRef>
+        </p:style>
+      </p:cxnSp>
+      <p:sp>
+        <p:nvSpPr>
+          <p:cNvPr id="43" name="TextBox 42">
+            <a:extLst>
+              <a:ext uri="{FF2B5EF4-FFF2-40B4-BE49-F238E27FC236}">
+                <a16:creationId xmlns:a16="http://schemas.microsoft.com/office/drawing/2014/main" id="{27EC223C-2B82-408B-89DD-50DC037688B8}"/>
+              </a:ext>
+            </a:extLst>
+          </p:cNvPr>
+          <p:cNvSpPr txBox="1"/>
+          <p:nvPr/>
+        </p:nvSpPr>
+        <p:spPr>
+          <a:xfrm>
+            <a:off x="7511806" y="1946787"/>
+            <a:ext cx="253596" cy="253916"/>
+          </a:xfrm>
+          <a:prstGeom prst="rect">
+            <a:avLst/>
+          </a:prstGeom>
+          <a:noFill/>
+        </p:spPr>
+        <p:txBody>
+          <a:bodyPr wrap="none" rtlCol="0">
+            <a:spAutoFit/>
+          </a:bodyPr>
+          <a:lstStyle/>
+          <a:p>
+            <a:r>
+              <a:rPr lang="en-US" sz="1050" dirty="0"/>
+              <a:t>6</a:t>
+            </a:r>
+            <a:endParaRPr lang="en-US" dirty="0"/>
+          </a:p>
+        </p:txBody>
+      </p:sp>
+      <p:sp>
+        <p:nvSpPr>
+          <p:cNvPr id="44" name="TextBox 43">
+            <a:extLst>
+              <a:ext uri="{FF2B5EF4-FFF2-40B4-BE49-F238E27FC236}">
+                <a16:creationId xmlns:a16="http://schemas.microsoft.com/office/drawing/2014/main" id="{F408DDA7-AA7B-4427-AF00-0AC87127162D}"/>
+              </a:ext>
+            </a:extLst>
+          </p:cNvPr>
+          <p:cNvSpPr txBox="1"/>
+          <p:nvPr/>
+        </p:nvSpPr>
+        <p:spPr>
+          <a:xfrm>
+            <a:off x="5949319" y="648411"/>
+            <a:ext cx="253596" cy="253916"/>
+          </a:xfrm>
+          <a:prstGeom prst="rect">
+            <a:avLst/>
+          </a:prstGeom>
+          <a:noFill/>
+        </p:spPr>
+        <p:txBody>
+          <a:bodyPr wrap="none" rtlCol="0">
+            <a:spAutoFit/>
+          </a:bodyPr>
+          <a:lstStyle/>
+          <a:p>
+            <a:r>
+              <a:rPr lang="en-US" sz="1050" dirty="0"/>
+              <a:t>7</a:t>
+            </a:r>
+            <a:endParaRPr lang="en-US" dirty="0"/>
+          </a:p>
+        </p:txBody>
+      </p:sp>
+      <p:sp>
+        <p:nvSpPr>
+          <p:cNvPr id="45" name="TextBox 44">
+            <a:extLst>
+              <a:ext uri="{FF2B5EF4-FFF2-40B4-BE49-F238E27FC236}">
+                <a16:creationId xmlns:a16="http://schemas.microsoft.com/office/drawing/2014/main" id="{396401ED-4B5B-419B-9543-1BDD17F438E9}"/>
+              </a:ext>
+            </a:extLst>
+          </p:cNvPr>
+          <p:cNvSpPr txBox="1"/>
+          <p:nvPr/>
+        </p:nvSpPr>
+        <p:spPr>
+          <a:xfrm>
+            <a:off x="4001521" y="949747"/>
+            <a:ext cx="253596" cy="253916"/>
+          </a:xfrm>
+          <a:prstGeom prst="rect">
+            <a:avLst/>
+          </a:prstGeom>
+          <a:noFill/>
+        </p:spPr>
+        <p:txBody>
+          <a:bodyPr wrap="none" rtlCol="0">
+            <a:spAutoFit/>
+          </a:bodyPr>
+          <a:lstStyle/>
+          <a:p>
+            <a:r>
+              <a:rPr lang="en-US" sz="1050" dirty="0"/>
+              <a:t>8</a:t>
+            </a:r>
+            <a:endParaRPr lang="en-US" dirty="0"/>
+          </a:p>
+        </p:txBody>
+      </p:sp>
+      <p:sp>
+        <p:nvSpPr>
+          <p:cNvPr id="46" name="TextBox 45">
+            <a:extLst>
+              <a:ext uri="{FF2B5EF4-FFF2-40B4-BE49-F238E27FC236}">
+                <a16:creationId xmlns:a16="http://schemas.microsoft.com/office/drawing/2014/main" id="{49476296-64FD-494F-85A6-8FAE753478F5}"/>
+              </a:ext>
+            </a:extLst>
+          </p:cNvPr>
+          <p:cNvSpPr txBox="1"/>
+          <p:nvPr/>
+        </p:nvSpPr>
+        <p:spPr>
+          <a:xfrm>
+            <a:off x="5437239" y="1582615"/>
+            <a:ext cx="1726755" cy="430887"/>
+          </a:xfrm>
+          <a:prstGeom prst="rect">
+            <a:avLst/>
+          </a:prstGeom>
+          <a:noFill/>
+        </p:spPr>
+        <p:txBody>
+          <a:bodyPr wrap="none" rtlCol="0">
+            <a:spAutoFit/>
+          </a:bodyPr>
+          <a:lstStyle/>
+          <a:p>
+            <a:r>
+              <a:rPr lang="en-US" sz="1100" dirty="0"/>
+              <a:t>9 converts svc </a:t>
+            </a:r>
+            <a:r>
+              <a:rPr lang="en-US" sz="1100" dirty="0" err="1"/>
+              <a:t>ip</a:t>
+            </a:r>
+            <a:r>
+              <a:rPr lang="en-US" sz="1100" dirty="0"/>
+              <a:t> to pods </a:t>
+            </a:r>
+            <a:r>
+              <a:rPr lang="en-US" sz="1100" dirty="0" err="1"/>
+              <a:t>ip</a:t>
+            </a:r>
+            <a:endParaRPr lang="en-US" sz="1100" dirty="0"/>
+          </a:p>
+          <a:p>
+            <a:r>
+              <a:rPr lang="en-US" sz="1100" dirty="0"/>
+              <a:t>10 pod-to-pod comm </a:t>
+            </a:r>
+            <a:endParaRPr lang="en-US" dirty="0"/>
+          </a:p>
+        </p:txBody>
+      </p:sp>
+      <p:cxnSp>
+        <p:nvCxnSpPr>
+          <p:cNvPr id="48" name="Straight Arrow Connector 47">
+            <a:extLst>
+              <a:ext uri="{FF2B5EF4-FFF2-40B4-BE49-F238E27FC236}">
+                <a16:creationId xmlns:a16="http://schemas.microsoft.com/office/drawing/2014/main" id="{E39BDC27-28AC-4459-B789-EE843B7808A6}"/>
+              </a:ext>
+            </a:extLst>
+          </p:cNvPr>
+          <p:cNvCxnSpPr>
+            <a:stCxn id="46" idx="2"/>
+          </p:cNvCxnSpPr>
+          <p:nvPr/>
+        </p:nvCxnSpPr>
+        <p:spPr>
+          <a:xfrm flipH="1">
+            <a:off x="5790740" y="2013502"/>
+            <a:ext cx="509877" cy="485587"/>
+          </a:xfrm>
+          <a:prstGeom prst="straightConnector1">
+            <a:avLst/>
+          </a:prstGeom>
+          <a:ln>
+            <a:tailEnd type="triangle"/>
+          </a:ln>
+        </p:spPr>
+        <p:style>
+          <a:lnRef idx="1">
+            <a:schemeClr val="accent1"/>
+          </a:lnRef>
+          <a:fillRef idx="0">
+            <a:schemeClr val="accent1"/>
+          </a:fillRef>
+          <a:effectRef idx="0">
+            <a:schemeClr val="accent1"/>
+          </a:effectRef>
+          <a:fontRef idx="minor">
+            <a:schemeClr val="tx1"/>
+          </a:fontRef>
+        </p:style>
+      </p:cxnSp>
+      <p:cxnSp>
+        <p:nvCxnSpPr>
+          <p:cNvPr id="50" name="Straight Arrow Connector 49">
+            <a:extLst>
+              <a:ext uri="{FF2B5EF4-FFF2-40B4-BE49-F238E27FC236}">
+                <a16:creationId xmlns:a16="http://schemas.microsoft.com/office/drawing/2014/main" id="{CAA7381A-1682-46D1-BBF3-4D3BDA0BE9C2}"/>
+              </a:ext>
+            </a:extLst>
+          </p:cNvPr>
+          <p:cNvCxnSpPr>
+            <a:endCxn id="6" idx="0"/>
+          </p:cNvCxnSpPr>
+          <p:nvPr/>
+        </p:nvCxnSpPr>
+        <p:spPr>
+          <a:xfrm flipH="1">
+            <a:off x="3825771" y="2800461"/>
+            <a:ext cx="1611468" cy="816109"/>
+          </a:xfrm>
+          <a:prstGeom prst="straightConnector1">
+            <a:avLst/>
+          </a:prstGeom>
+          <a:ln>
+            <a:tailEnd type="triangle"/>
+          </a:ln>
+        </p:spPr>
+        <p:style>
+          <a:lnRef idx="1">
+            <a:schemeClr val="accent1"/>
+          </a:lnRef>
+          <a:fillRef idx="0">
+            <a:schemeClr val="accent1"/>
+          </a:fillRef>
+          <a:effectRef idx="0">
+            <a:schemeClr val="accent1"/>
+          </a:effectRef>
+          <a:fontRef idx="minor">
+            <a:schemeClr val="tx1"/>
+          </a:fontRef>
+        </p:style>
+      </p:cxnSp>
+      <p:cxnSp>
+        <p:nvCxnSpPr>
+          <p:cNvPr id="52" name="Straight Arrow Connector 51">
+            <a:extLst>
+              <a:ext uri="{FF2B5EF4-FFF2-40B4-BE49-F238E27FC236}">
+                <a16:creationId xmlns:a16="http://schemas.microsoft.com/office/drawing/2014/main" id="{9A169E5C-4876-47CB-BC49-D1B63A921527}"/>
+              </a:ext>
+            </a:extLst>
+          </p:cNvPr>
+          <p:cNvCxnSpPr/>
+          <p:nvPr/>
+        </p:nvCxnSpPr>
+        <p:spPr>
+          <a:xfrm>
+            <a:off x="3912661" y="3972232"/>
+            <a:ext cx="4179287" cy="493645"/>
+          </a:xfrm>
+          <a:prstGeom prst="straightConnector1">
+            <a:avLst/>
+          </a:prstGeom>
+          <a:ln>
+            <a:tailEnd type="triangle"/>
+          </a:ln>
+        </p:spPr>
+        <p:style>
+          <a:lnRef idx="1">
+            <a:schemeClr val="accent1"/>
+          </a:lnRef>
+          <a:fillRef idx="0">
+            <a:schemeClr val="accent1"/>
+          </a:fillRef>
+          <a:effectRef idx="0">
+            <a:schemeClr val="accent1"/>
+          </a:effectRef>
+          <a:fontRef idx="minor">
+            <a:schemeClr val="tx1"/>
+          </a:fontRef>
+        </p:style>
+      </p:cxnSp>
+      <p:cxnSp>
+        <p:nvCxnSpPr>
+          <p:cNvPr id="54" name="Straight Arrow Connector 53">
+            <a:extLst>
+              <a:ext uri="{FF2B5EF4-FFF2-40B4-BE49-F238E27FC236}">
+                <a16:creationId xmlns:a16="http://schemas.microsoft.com/office/drawing/2014/main" id="{129EC6EB-F43F-40FF-BC53-16B03DDD153C}"/>
+              </a:ext>
+            </a:extLst>
+          </p:cNvPr>
+          <p:cNvCxnSpPr/>
+          <p:nvPr/>
+        </p:nvCxnSpPr>
+        <p:spPr>
+          <a:xfrm>
+            <a:off x="7511806" y="4550506"/>
+            <a:ext cx="0" cy="724879"/>
+          </a:xfrm>
+          <a:prstGeom prst="straightConnector1">
+            <a:avLst/>
+          </a:prstGeom>
+          <a:ln>
+            <a:tailEnd type="triangle"/>
+          </a:ln>
+        </p:spPr>
+        <p:style>
+          <a:lnRef idx="1">
+            <a:schemeClr val="accent1"/>
+          </a:lnRef>
+          <a:fillRef idx="0">
+            <a:schemeClr val="accent1"/>
+          </a:fillRef>
+          <a:effectRef idx="0">
+            <a:schemeClr val="accent1"/>
+          </a:effectRef>
+          <a:fontRef idx="minor">
+            <a:schemeClr val="tx1"/>
+          </a:fontRef>
+        </p:style>
+      </p:cxnSp>
+      <p:sp>
+        <p:nvSpPr>
+          <p:cNvPr id="55" name="Right Brace 54">
+            <a:extLst>
+              <a:ext uri="{FF2B5EF4-FFF2-40B4-BE49-F238E27FC236}">
+                <a16:creationId xmlns:a16="http://schemas.microsoft.com/office/drawing/2014/main" id="{7C289E3E-B9BB-4728-91DF-18A45926E039}"/>
+              </a:ext>
+            </a:extLst>
+          </p:cNvPr>
+          <p:cNvSpPr/>
+          <p:nvPr/>
+        </p:nvSpPr>
+        <p:spPr>
+          <a:xfrm>
+            <a:off x="10747276" y="2104103"/>
+            <a:ext cx="186197" cy="1258529"/>
+          </a:xfrm>
+          <a:prstGeom prst="rightBrace">
+            <a:avLst/>
+          </a:prstGeom>
+        </p:spPr>
+        <p:style>
+          <a:lnRef idx="1">
+            <a:schemeClr val="accent1"/>
+          </a:lnRef>
+          <a:fillRef idx="0">
+            <a:schemeClr val="accent1"/>
+          </a:fillRef>
+          <a:effectRef idx="0">
+            <a:schemeClr val="accent1"/>
+          </a:effectRef>
+          <a:fontRef idx="minor">
+            <a:schemeClr val="tx1"/>
+          </a:fontRef>
+        </p:style>
+        <p:txBody>
+          <a:bodyPr rtlCol="0" anchor="ctr"/>
+          <a:lstStyle/>
+          <a:p>
+            <a:pPr algn="ctr"/>
+            <a:endParaRPr lang="en-US"/>
+          </a:p>
+        </p:txBody>
+      </p:sp>
+      <p:sp>
+        <p:nvSpPr>
+          <p:cNvPr id="56" name="TextBox 55">
+            <a:extLst>
+              <a:ext uri="{FF2B5EF4-FFF2-40B4-BE49-F238E27FC236}">
+                <a16:creationId xmlns:a16="http://schemas.microsoft.com/office/drawing/2014/main" id="{A4763635-3A0D-429F-8BB1-C3334F828E5F}"/>
+              </a:ext>
+            </a:extLst>
+          </p:cNvPr>
+          <p:cNvSpPr txBox="1"/>
+          <p:nvPr/>
+        </p:nvSpPr>
+        <p:spPr>
+          <a:xfrm>
+            <a:off x="10853772" y="2529112"/>
+            <a:ext cx="1423980" cy="369332"/>
+          </a:xfrm>
+          <a:prstGeom prst="rect">
+            <a:avLst/>
+          </a:prstGeom>
+          <a:noFill/>
+        </p:spPr>
+        <p:txBody>
+          <a:bodyPr wrap="none" rtlCol="0">
+            <a:spAutoFit/>
+          </a:bodyPr>
+          <a:lstStyle/>
+          <a:p>
+            <a:r>
+              <a:rPr lang="en-US" dirty="0"/>
+              <a:t>Svc discovery</a:t>
+            </a:r>
+          </a:p>
+        </p:txBody>
+      </p:sp>
+    </p:spTree>
+    <p:extLst>
+      <p:ext uri="{BB962C8B-B14F-4D97-AF65-F5344CB8AC3E}">
+        <p14:creationId xmlns:p14="http://schemas.microsoft.com/office/powerpoint/2010/main" val="1187836437"/>
       </p:ext>
     </p:extLst>
   </p:cSld>

--- a/rough-diag.pptx
+++ b/rough-diag.pptx
@@ -20,6 +20,9 @@
     <p:sldId id="268" r:id="rId14"/>
     <p:sldId id="269" r:id="rId15"/>
     <p:sldId id="270" r:id="rId16"/>
+    <p:sldId id="271" r:id="rId17"/>
+    <p:sldId id="272" r:id="rId18"/>
+    <p:sldId id="273" r:id="rId19"/>
   </p:sldIdLst>
   <p:sldSz cx="12192000" cy="6858000"/>
   <p:notesSz cx="6858000" cy="9144000"/>
@@ -12932,6 +12935,2336 @@
 </p:sld>
 </file>
 
+<file path=ppt/slides/slide16.xml><?xml version="1.0" encoding="utf-8"?>
+<p:sld xmlns:a="http://schemas.openxmlformats.org/drawingml/2006/main" xmlns:r="http://schemas.openxmlformats.org/officeDocument/2006/relationships" xmlns:p="http://schemas.openxmlformats.org/presentationml/2006/main">
+  <p:cSld>
+    <p:spTree>
+      <p:nvGrpSpPr>
+        <p:cNvPr id="1" name=""/>
+        <p:cNvGrpSpPr/>
+        <p:nvPr/>
+      </p:nvGrpSpPr>
+      <p:grpSpPr>
+        <a:xfrm>
+          <a:off x="0" y="0"/>
+          <a:ext cx="0" cy="0"/>
+          <a:chOff x="0" y="0"/>
+          <a:chExt cx="0" cy="0"/>
+        </a:xfrm>
+      </p:grpSpPr>
+      <p:sp>
+        <p:nvSpPr>
+          <p:cNvPr id="2" name="Rectangle 1">
+            <a:extLst>
+              <a:ext uri="{FF2B5EF4-FFF2-40B4-BE49-F238E27FC236}">
+                <a16:creationId xmlns:a16="http://schemas.microsoft.com/office/drawing/2014/main" id="{8C2664D6-66AD-4768-A51B-F94C60E8E3AC}"/>
+              </a:ext>
+            </a:extLst>
+          </p:cNvPr>
+          <p:cNvSpPr/>
+          <p:nvPr/>
+        </p:nvSpPr>
+        <p:spPr>
+          <a:xfrm>
+            <a:off x="2379406" y="1671484"/>
+            <a:ext cx="2939846" cy="2841522"/>
+          </a:xfrm>
+          <a:prstGeom prst="rect">
+            <a:avLst/>
+          </a:prstGeom>
+          <a:noFill/>
+        </p:spPr>
+        <p:style>
+          <a:lnRef idx="2">
+            <a:schemeClr val="accent1">
+              <a:shade val="50000"/>
+            </a:schemeClr>
+          </a:lnRef>
+          <a:fillRef idx="1">
+            <a:schemeClr val="accent1"/>
+          </a:fillRef>
+          <a:effectRef idx="0">
+            <a:schemeClr val="accent1"/>
+          </a:effectRef>
+          <a:fontRef idx="minor">
+            <a:schemeClr val="lt1"/>
+          </a:fontRef>
+        </p:style>
+        <p:txBody>
+          <a:bodyPr rtlCol="0" anchor="ctr"/>
+          <a:lstStyle/>
+          <a:p>
+            <a:pPr algn="ctr"/>
+            <a:endParaRPr lang="en-US"/>
+          </a:p>
+        </p:txBody>
+      </p:sp>
+      <p:sp>
+        <p:nvSpPr>
+          <p:cNvPr id="3" name="Rectangle 2">
+            <a:extLst>
+              <a:ext uri="{FF2B5EF4-FFF2-40B4-BE49-F238E27FC236}">
+                <a16:creationId xmlns:a16="http://schemas.microsoft.com/office/drawing/2014/main" id="{FB24E3DF-2FD2-4F08-9BDE-477F0B5F528D}"/>
+              </a:ext>
+            </a:extLst>
+          </p:cNvPr>
+          <p:cNvSpPr/>
+          <p:nvPr/>
+        </p:nvSpPr>
+        <p:spPr>
+          <a:xfrm>
+            <a:off x="5933777" y="1656735"/>
+            <a:ext cx="2939846" cy="2841522"/>
+          </a:xfrm>
+          <a:prstGeom prst="rect">
+            <a:avLst/>
+          </a:prstGeom>
+          <a:noFill/>
+        </p:spPr>
+        <p:style>
+          <a:lnRef idx="2">
+            <a:schemeClr val="accent1">
+              <a:shade val="50000"/>
+            </a:schemeClr>
+          </a:lnRef>
+          <a:fillRef idx="1">
+            <a:schemeClr val="accent1"/>
+          </a:fillRef>
+          <a:effectRef idx="0">
+            <a:schemeClr val="accent1"/>
+          </a:effectRef>
+          <a:fontRef idx="minor">
+            <a:schemeClr val="lt1"/>
+          </a:fontRef>
+        </p:style>
+        <p:txBody>
+          <a:bodyPr rtlCol="0" anchor="ctr"/>
+          <a:lstStyle/>
+          <a:p>
+            <a:pPr algn="ctr"/>
+            <a:endParaRPr lang="en-US"/>
+          </a:p>
+        </p:txBody>
+      </p:sp>
+      <p:sp>
+        <p:nvSpPr>
+          <p:cNvPr id="4" name="TextBox 3">
+            <a:extLst>
+              <a:ext uri="{FF2B5EF4-FFF2-40B4-BE49-F238E27FC236}">
+                <a16:creationId xmlns:a16="http://schemas.microsoft.com/office/drawing/2014/main" id="{4F168F05-C46D-4AD0-9AA6-77ECB233CD7B}"/>
+              </a:ext>
+            </a:extLst>
+          </p:cNvPr>
+          <p:cNvSpPr txBox="1"/>
+          <p:nvPr/>
+        </p:nvSpPr>
+        <p:spPr>
+          <a:xfrm>
+            <a:off x="2379406" y="1386348"/>
+            <a:ext cx="782587" cy="369332"/>
+          </a:xfrm>
+          <a:prstGeom prst="rect">
+            <a:avLst/>
+          </a:prstGeom>
+          <a:noFill/>
+        </p:spPr>
+        <p:txBody>
+          <a:bodyPr wrap="none" rtlCol="0">
+            <a:spAutoFit/>
+          </a:bodyPr>
+          <a:lstStyle/>
+          <a:p>
+            <a:r>
+              <a:rPr lang="en-US" dirty="0"/>
+              <a:t>node1</a:t>
+            </a:r>
+          </a:p>
+        </p:txBody>
+      </p:sp>
+      <p:sp>
+        <p:nvSpPr>
+          <p:cNvPr id="5" name="TextBox 4">
+            <a:extLst>
+              <a:ext uri="{FF2B5EF4-FFF2-40B4-BE49-F238E27FC236}">
+                <a16:creationId xmlns:a16="http://schemas.microsoft.com/office/drawing/2014/main" id="{8C2ABAA2-A36F-4235-9701-D1BFF7B3A573}"/>
+              </a:ext>
+            </a:extLst>
+          </p:cNvPr>
+          <p:cNvSpPr txBox="1"/>
+          <p:nvPr/>
+        </p:nvSpPr>
+        <p:spPr>
+          <a:xfrm>
+            <a:off x="5943607" y="1381432"/>
+            <a:ext cx="782587" cy="369332"/>
+          </a:xfrm>
+          <a:prstGeom prst="rect">
+            <a:avLst/>
+          </a:prstGeom>
+          <a:noFill/>
+        </p:spPr>
+        <p:txBody>
+          <a:bodyPr wrap="none" rtlCol="0">
+            <a:spAutoFit/>
+          </a:bodyPr>
+          <a:lstStyle/>
+          <a:p>
+            <a:r>
+              <a:rPr lang="en-US" dirty="0"/>
+              <a:t>node2</a:t>
+            </a:r>
+          </a:p>
+        </p:txBody>
+      </p:sp>
+      <p:sp>
+        <p:nvSpPr>
+          <p:cNvPr id="6" name="Rectangle 5">
+            <a:extLst>
+              <a:ext uri="{FF2B5EF4-FFF2-40B4-BE49-F238E27FC236}">
+                <a16:creationId xmlns:a16="http://schemas.microsoft.com/office/drawing/2014/main" id="{113F4B72-A166-45CB-9E5D-0D066FD40CB0}"/>
+              </a:ext>
+            </a:extLst>
+          </p:cNvPr>
+          <p:cNvSpPr/>
+          <p:nvPr/>
+        </p:nvSpPr>
+        <p:spPr>
+          <a:xfrm>
+            <a:off x="2797287" y="1959299"/>
+            <a:ext cx="1233026" cy="1268361"/>
+          </a:xfrm>
+          <a:prstGeom prst="rect">
+            <a:avLst/>
+          </a:prstGeom>
+          <a:noFill/>
+        </p:spPr>
+        <p:style>
+          <a:lnRef idx="2">
+            <a:schemeClr val="accent1">
+              <a:shade val="50000"/>
+            </a:schemeClr>
+          </a:lnRef>
+          <a:fillRef idx="1">
+            <a:schemeClr val="accent1"/>
+          </a:fillRef>
+          <a:effectRef idx="0">
+            <a:schemeClr val="accent1"/>
+          </a:effectRef>
+          <a:fontRef idx="minor">
+            <a:schemeClr val="lt1"/>
+          </a:fontRef>
+        </p:style>
+        <p:txBody>
+          <a:bodyPr rtlCol="0" anchor="ctr"/>
+          <a:lstStyle/>
+          <a:p>
+            <a:pPr algn="ctr"/>
+            <a:endParaRPr lang="en-US"/>
+          </a:p>
+        </p:txBody>
+      </p:sp>
+      <p:sp>
+        <p:nvSpPr>
+          <p:cNvPr id="7" name="Oval 6">
+            <a:extLst>
+              <a:ext uri="{FF2B5EF4-FFF2-40B4-BE49-F238E27FC236}">
+                <a16:creationId xmlns:a16="http://schemas.microsoft.com/office/drawing/2014/main" id="{2581F62F-A091-474A-A60B-ED4A3BC16E3C}"/>
+              </a:ext>
+            </a:extLst>
+          </p:cNvPr>
+          <p:cNvSpPr/>
+          <p:nvPr/>
+        </p:nvSpPr>
+        <p:spPr>
+          <a:xfrm>
+            <a:off x="2885711" y="2435614"/>
+            <a:ext cx="1061884" cy="643391"/>
+          </a:xfrm>
+          <a:prstGeom prst="ellipse">
+            <a:avLst/>
+          </a:prstGeom>
+        </p:spPr>
+        <p:style>
+          <a:lnRef idx="2">
+            <a:schemeClr val="accent1">
+              <a:shade val="50000"/>
+            </a:schemeClr>
+          </a:lnRef>
+          <a:fillRef idx="1">
+            <a:schemeClr val="accent1"/>
+          </a:fillRef>
+          <a:effectRef idx="0">
+            <a:schemeClr val="accent1"/>
+          </a:effectRef>
+          <a:fontRef idx="minor">
+            <a:schemeClr val="lt1"/>
+          </a:fontRef>
+        </p:style>
+        <p:txBody>
+          <a:bodyPr rtlCol="0" anchor="ctr"/>
+          <a:lstStyle/>
+          <a:p>
+            <a:pPr algn="ctr"/>
+            <a:r>
+              <a:rPr lang="en-US" dirty="0" err="1"/>
+              <a:t>mysql</a:t>
+            </a:r>
+            <a:endParaRPr lang="en-US" dirty="0"/>
+          </a:p>
+        </p:txBody>
+      </p:sp>
+      <p:cxnSp>
+        <p:nvCxnSpPr>
+          <p:cNvPr id="9" name="Straight Arrow Connector 8">
+            <a:extLst>
+              <a:ext uri="{FF2B5EF4-FFF2-40B4-BE49-F238E27FC236}">
+                <a16:creationId xmlns:a16="http://schemas.microsoft.com/office/drawing/2014/main" id="{0041D523-4F53-40AD-A9B9-77B917CF98CE}"/>
+              </a:ext>
+            </a:extLst>
+          </p:cNvPr>
+          <p:cNvCxnSpPr>
+            <a:cxnSpLocks/>
+            <a:stCxn id="7" idx="5"/>
+            <a:endCxn id="16" idx="0"/>
+          </p:cNvCxnSpPr>
+          <p:nvPr/>
+        </p:nvCxnSpPr>
+        <p:spPr>
+          <a:xfrm>
+            <a:off x="3792086" y="2984783"/>
+            <a:ext cx="1861462" cy="869462"/>
+          </a:xfrm>
+          <a:prstGeom prst="straightConnector1">
+            <a:avLst/>
+          </a:prstGeom>
+          <a:ln>
+            <a:tailEnd type="triangle"/>
+          </a:ln>
+        </p:spPr>
+        <p:style>
+          <a:lnRef idx="1">
+            <a:schemeClr val="accent1"/>
+          </a:lnRef>
+          <a:fillRef idx="0">
+            <a:schemeClr val="accent1"/>
+          </a:fillRef>
+          <a:effectRef idx="0">
+            <a:schemeClr val="accent1"/>
+          </a:effectRef>
+          <a:fontRef idx="minor">
+            <a:schemeClr val="tx1"/>
+          </a:fontRef>
+        </p:style>
+      </p:cxnSp>
+      <p:sp>
+        <p:nvSpPr>
+          <p:cNvPr id="11" name="Rectangle 10">
+            <a:extLst>
+              <a:ext uri="{FF2B5EF4-FFF2-40B4-BE49-F238E27FC236}">
+                <a16:creationId xmlns:a16="http://schemas.microsoft.com/office/drawing/2014/main" id="{DCA2AC56-1E56-4C41-961D-F4D8D7D595D5}"/>
+              </a:ext>
+            </a:extLst>
+          </p:cNvPr>
+          <p:cNvSpPr/>
+          <p:nvPr/>
+        </p:nvSpPr>
+        <p:spPr>
+          <a:xfrm>
+            <a:off x="2379406" y="4579774"/>
+            <a:ext cx="6494217" cy="1001453"/>
+          </a:xfrm>
+          <a:prstGeom prst="rect">
+            <a:avLst/>
+          </a:prstGeom>
+        </p:spPr>
+        <p:style>
+          <a:lnRef idx="2">
+            <a:schemeClr val="accent1">
+              <a:shade val="50000"/>
+            </a:schemeClr>
+          </a:lnRef>
+          <a:fillRef idx="1">
+            <a:schemeClr val="accent1"/>
+          </a:fillRef>
+          <a:effectRef idx="0">
+            <a:schemeClr val="accent1"/>
+          </a:effectRef>
+          <a:fontRef idx="minor">
+            <a:schemeClr val="lt1"/>
+          </a:fontRef>
+        </p:style>
+        <p:txBody>
+          <a:bodyPr rtlCol="0" anchor="ctr"/>
+          <a:lstStyle/>
+          <a:p>
+            <a:pPr algn="ctr"/>
+            <a:r>
+              <a:rPr lang="en-US" dirty="0"/>
+              <a:t>/</a:t>
+            </a:r>
+            <a:r>
+              <a:rPr lang="en-US" dirty="0" err="1"/>
+              <a:t>mnt</a:t>
+            </a:r>
+            <a:r>
+              <a:rPr lang="en-US" dirty="0"/>
+              <a:t>/sda1</a:t>
+            </a:r>
+          </a:p>
+        </p:txBody>
+      </p:sp>
+      <p:sp>
+        <p:nvSpPr>
+          <p:cNvPr id="12" name="Rectangle 11">
+            <a:extLst>
+              <a:ext uri="{FF2B5EF4-FFF2-40B4-BE49-F238E27FC236}">
+                <a16:creationId xmlns:a16="http://schemas.microsoft.com/office/drawing/2014/main" id="{4B2178CF-9780-4DCA-BD8F-1B8636FEEAC9}"/>
+              </a:ext>
+            </a:extLst>
+          </p:cNvPr>
+          <p:cNvSpPr/>
+          <p:nvPr/>
+        </p:nvSpPr>
+        <p:spPr>
+          <a:xfrm>
+            <a:off x="2703871" y="4783393"/>
+            <a:ext cx="1484671" cy="526026"/>
+          </a:xfrm>
+          <a:prstGeom prst="rect">
+            <a:avLst/>
+          </a:prstGeom>
+        </p:spPr>
+        <p:style>
+          <a:lnRef idx="2">
+            <a:schemeClr val="accent1">
+              <a:shade val="50000"/>
+            </a:schemeClr>
+          </a:lnRef>
+          <a:fillRef idx="1">
+            <a:schemeClr val="accent1"/>
+          </a:fillRef>
+          <a:effectRef idx="0">
+            <a:schemeClr val="accent1"/>
+          </a:effectRef>
+          <a:fontRef idx="minor">
+            <a:schemeClr val="lt1"/>
+          </a:fontRef>
+        </p:style>
+        <p:txBody>
+          <a:bodyPr rtlCol="0" anchor="ctr"/>
+          <a:lstStyle/>
+          <a:p>
+            <a:pPr algn="ctr"/>
+            <a:r>
+              <a:rPr lang="en-US" dirty="0"/>
+              <a:t>proj1/data1</a:t>
+            </a:r>
+          </a:p>
+          <a:p>
+            <a:pPr algn="ctr"/>
+            <a:r>
+              <a:rPr lang="en-US" dirty="0"/>
+              <a:t>5GB</a:t>
+            </a:r>
+          </a:p>
+        </p:txBody>
+      </p:sp>
+      <p:sp>
+        <p:nvSpPr>
+          <p:cNvPr id="13" name="Rectangle 12">
+            <a:extLst>
+              <a:ext uri="{FF2B5EF4-FFF2-40B4-BE49-F238E27FC236}">
+                <a16:creationId xmlns:a16="http://schemas.microsoft.com/office/drawing/2014/main" id="{51F4BAAE-C617-4CC4-A09C-8243C54E1B91}"/>
+              </a:ext>
+            </a:extLst>
+          </p:cNvPr>
+          <p:cNvSpPr/>
+          <p:nvPr/>
+        </p:nvSpPr>
+        <p:spPr>
+          <a:xfrm>
+            <a:off x="7014404" y="4709120"/>
+            <a:ext cx="1484671" cy="526026"/>
+          </a:xfrm>
+          <a:prstGeom prst="rect">
+            <a:avLst/>
+          </a:prstGeom>
+        </p:spPr>
+        <p:style>
+          <a:lnRef idx="2">
+            <a:schemeClr val="accent1">
+              <a:shade val="50000"/>
+            </a:schemeClr>
+          </a:lnRef>
+          <a:fillRef idx="1">
+            <a:schemeClr val="accent1"/>
+          </a:fillRef>
+          <a:effectRef idx="0">
+            <a:schemeClr val="accent1"/>
+          </a:effectRef>
+          <a:fontRef idx="minor">
+            <a:schemeClr val="lt1"/>
+          </a:fontRef>
+        </p:style>
+        <p:txBody>
+          <a:bodyPr rtlCol="0" anchor="ctr"/>
+          <a:lstStyle/>
+          <a:p>
+            <a:pPr algn="ctr"/>
+            <a:r>
+              <a:rPr lang="en-US" dirty="0"/>
+              <a:t>proj2/data2</a:t>
+            </a:r>
+          </a:p>
+          <a:p>
+            <a:pPr algn="ctr"/>
+            <a:r>
+              <a:rPr lang="en-US" dirty="0"/>
+              <a:t>1GB</a:t>
+            </a:r>
+          </a:p>
+        </p:txBody>
+      </p:sp>
+      <p:sp>
+        <p:nvSpPr>
+          <p:cNvPr id="14" name="TextBox 13">
+            <a:extLst>
+              <a:ext uri="{FF2B5EF4-FFF2-40B4-BE49-F238E27FC236}">
+                <a16:creationId xmlns:a16="http://schemas.microsoft.com/office/drawing/2014/main" id="{EC75042C-976D-4D9B-882B-CDAA45B4F2BE}"/>
+              </a:ext>
+            </a:extLst>
+          </p:cNvPr>
+          <p:cNvSpPr txBox="1"/>
+          <p:nvPr/>
+        </p:nvSpPr>
+        <p:spPr>
+          <a:xfrm>
+            <a:off x="3725446" y="5001850"/>
+            <a:ext cx="433580" cy="369332"/>
+          </a:xfrm>
+          <a:prstGeom prst="rect">
+            <a:avLst/>
+          </a:prstGeom>
+          <a:noFill/>
+        </p:spPr>
+        <p:txBody>
+          <a:bodyPr wrap="none" rtlCol="0">
+            <a:spAutoFit/>
+          </a:bodyPr>
+          <a:lstStyle/>
+          <a:p>
+            <a:r>
+              <a:rPr lang="en-US" dirty="0">
+                <a:solidFill>
+                  <a:schemeClr val="bg1"/>
+                </a:solidFill>
+              </a:rPr>
+              <a:t>PV</a:t>
+            </a:r>
+          </a:p>
+        </p:txBody>
+      </p:sp>
+      <p:sp>
+        <p:nvSpPr>
+          <p:cNvPr id="15" name="TextBox 14">
+            <a:extLst>
+              <a:ext uri="{FF2B5EF4-FFF2-40B4-BE49-F238E27FC236}">
+                <a16:creationId xmlns:a16="http://schemas.microsoft.com/office/drawing/2014/main" id="{B720595B-07B8-44E9-A9C5-5AAA6D4CC262}"/>
+              </a:ext>
+            </a:extLst>
+          </p:cNvPr>
+          <p:cNvSpPr txBox="1"/>
+          <p:nvPr/>
+        </p:nvSpPr>
+        <p:spPr>
+          <a:xfrm>
+            <a:off x="6970120" y="5001850"/>
+            <a:ext cx="433580" cy="369332"/>
+          </a:xfrm>
+          <a:prstGeom prst="rect">
+            <a:avLst/>
+          </a:prstGeom>
+          <a:noFill/>
+        </p:spPr>
+        <p:txBody>
+          <a:bodyPr wrap="none" rtlCol="0">
+            <a:spAutoFit/>
+          </a:bodyPr>
+          <a:lstStyle/>
+          <a:p>
+            <a:r>
+              <a:rPr lang="en-US" dirty="0">
+                <a:solidFill>
+                  <a:schemeClr val="bg1"/>
+                </a:solidFill>
+              </a:rPr>
+              <a:t>PV</a:t>
+            </a:r>
+          </a:p>
+        </p:txBody>
+      </p:sp>
+      <p:sp>
+        <p:nvSpPr>
+          <p:cNvPr id="16" name="Rectangle 15">
+            <a:extLst>
+              <a:ext uri="{FF2B5EF4-FFF2-40B4-BE49-F238E27FC236}">
+                <a16:creationId xmlns:a16="http://schemas.microsoft.com/office/drawing/2014/main" id="{C2E92394-8451-4BD6-8994-DD3E1EF8A2BC}"/>
+              </a:ext>
+            </a:extLst>
+          </p:cNvPr>
+          <p:cNvSpPr/>
+          <p:nvPr/>
+        </p:nvSpPr>
+        <p:spPr>
+          <a:xfrm>
+            <a:off x="4965290" y="3854245"/>
+            <a:ext cx="1376516" cy="644012"/>
+          </a:xfrm>
+          <a:prstGeom prst="rect">
+            <a:avLst/>
+          </a:prstGeom>
+        </p:spPr>
+        <p:style>
+          <a:lnRef idx="2">
+            <a:schemeClr val="accent1">
+              <a:shade val="50000"/>
+            </a:schemeClr>
+          </a:lnRef>
+          <a:fillRef idx="1">
+            <a:schemeClr val="accent1"/>
+          </a:fillRef>
+          <a:effectRef idx="0">
+            <a:schemeClr val="accent1"/>
+          </a:effectRef>
+          <a:fontRef idx="minor">
+            <a:schemeClr val="lt1"/>
+          </a:fontRef>
+        </p:style>
+        <p:txBody>
+          <a:bodyPr rtlCol="0" anchor="ctr"/>
+          <a:lstStyle/>
+          <a:p>
+            <a:pPr algn="ctr"/>
+            <a:r>
+              <a:rPr lang="en-US" dirty="0"/>
+              <a:t>PVC</a:t>
+            </a:r>
+          </a:p>
+          <a:p>
+            <a:pPr algn="ctr"/>
+            <a:r>
+              <a:rPr lang="en-US" dirty="0"/>
+              <a:t>5GB</a:t>
+            </a:r>
+          </a:p>
+        </p:txBody>
+      </p:sp>
+      <p:cxnSp>
+        <p:nvCxnSpPr>
+          <p:cNvPr id="18" name="Straight Arrow Connector 17">
+            <a:extLst>
+              <a:ext uri="{FF2B5EF4-FFF2-40B4-BE49-F238E27FC236}">
+                <a16:creationId xmlns:a16="http://schemas.microsoft.com/office/drawing/2014/main" id="{E9D43F07-80B4-43DC-8D3C-F42EFC273340}"/>
+              </a:ext>
+            </a:extLst>
+          </p:cNvPr>
+          <p:cNvCxnSpPr>
+            <a:stCxn id="16" idx="2"/>
+            <a:endCxn id="12" idx="3"/>
+          </p:cNvCxnSpPr>
+          <p:nvPr/>
+        </p:nvCxnSpPr>
+        <p:spPr>
+          <a:xfrm flipH="1">
+            <a:off x="4188542" y="4498257"/>
+            <a:ext cx="1465006" cy="548149"/>
+          </a:xfrm>
+          <a:prstGeom prst="straightConnector1">
+            <a:avLst/>
+          </a:prstGeom>
+          <a:ln>
+            <a:solidFill>
+              <a:srgbClr val="FF0000"/>
+            </a:solidFill>
+            <a:tailEnd type="triangle"/>
+          </a:ln>
+        </p:spPr>
+        <p:style>
+          <a:lnRef idx="1">
+            <a:schemeClr val="accent1"/>
+          </a:lnRef>
+          <a:fillRef idx="0">
+            <a:schemeClr val="accent1"/>
+          </a:fillRef>
+          <a:effectRef idx="0">
+            <a:schemeClr val="accent1"/>
+          </a:effectRef>
+          <a:fontRef idx="minor">
+            <a:schemeClr val="tx1"/>
+          </a:fontRef>
+        </p:style>
+      </p:cxnSp>
+      <p:sp>
+        <p:nvSpPr>
+          <p:cNvPr id="23" name="Cloud 22">
+            <a:extLst>
+              <a:ext uri="{FF2B5EF4-FFF2-40B4-BE49-F238E27FC236}">
+                <a16:creationId xmlns:a16="http://schemas.microsoft.com/office/drawing/2014/main" id="{963056CA-1C76-435D-8BC1-B7F54D46D8A8}"/>
+              </a:ext>
+            </a:extLst>
+          </p:cNvPr>
+          <p:cNvSpPr/>
+          <p:nvPr/>
+        </p:nvSpPr>
+        <p:spPr>
+          <a:xfrm>
+            <a:off x="373626" y="255639"/>
+            <a:ext cx="4591664" cy="1001453"/>
+          </a:xfrm>
+          <a:prstGeom prst="cloud">
+            <a:avLst/>
+          </a:prstGeom>
+          <a:noFill/>
+        </p:spPr>
+        <p:style>
+          <a:lnRef idx="2">
+            <a:schemeClr val="accent1">
+              <a:shade val="50000"/>
+            </a:schemeClr>
+          </a:lnRef>
+          <a:fillRef idx="1">
+            <a:schemeClr val="accent1"/>
+          </a:fillRef>
+          <a:effectRef idx="0">
+            <a:schemeClr val="accent1"/>
+          </a:effectRef>
+          <a:fontRef idx="minor">
+            <a:schemeClr val="lt1"/>
+          </a:fontRef>
+        </p:style>
+        <p:txBody>
+          <a:bodyPr rtlCol="0" anchor="ctr"/>
+          <a:lstStyle/>
+          <a:p>
+            <a:pPr algn="ctr"/>
+            <a:endParaRPr lang="en-US"/>
+          </a:p>
+        </p:txBody>
+      </p:sp>
+      <p:sp>
+        <p:nvSpPr>
+          <p:cNvPr id="24" name="Rectangle 23">
+            <a:extLst>
+              <a:ext uri="{FF2B5EF4-FFF2-40B4-BE49-F238E27FC236}">
+                <a16:creationId xmlns:a16="http://schemas.microsoft.com/office/drawing/2014/main" id="{70A84818-8EAC-4860-8C33-4686512C4949}"/>
+              </a:ext>
+            </a:extLst>
+          </p:cNvPr>
+          <p:cNvSpPr/>
+          <p:nvPr/>
+        </p:nvSpPr>
+        <p:spPr>
+          <a:xfrm>
+            <a:off x="1052052" y="511277"/>
+            <a:ext cx="953729" cy="501446"/>
+          </a:xfrm>
+          <a:prstGeom prst="rect">
+            <a:avLst/>
+          </a:prstGeom>
+        </p:spPr>
+        <p:style>
+          <a:lnRef idx="2">
+            <a:schemeClr val="accent1">
+              <a:shade val="50000"/>
+            </a:schemeClr>
+          </a:lnRef>
+          <a:fillRef idx="1">
+            <a:schemeClr val="accent1"/>
+          </a:fillRef>
+          <a:effectRef idx="0">
+            <a:schemeClr val="accent1"/>
+          </a:effectRef>
+          <a:fontRef idx="minor">
+            <a:schemeClr val="lt1"/>
+          </a:fontRef>
+        </p:style>
+        <p:txBody>
+          <a:bodyPr rtlCol="0" anchor="ctr"/>
+          <a:lstStyle/>
+          <a:p>
+            <a:pPr algn="ctr"/>
+            <a:r>
+              <a:rPr lang="en-US" dirty="0"/>
+              <a:t>Default</a:t>
+            </a:r>
+          </a:p>
+          <a:p>
+            <a:pPr algn="ctr"/>
+            <a:r>
+              <a:rPr lang="en-US" dirty="0"/>
+              <a:t>HDD</a:t>
+            </a:r>
+          </a:p>
+        </p:txBody>
+      </p:sp>
+      <p:sp>
+        <p:nvSpPr>
+          <p:cNvPr id="25" name="Rectangle 24">
+            <a:extLst>
+              <a:ext uri="{FF2B5EF4-FFF2-40B4-BE49-F238E27FC236}">
+                <a16:creationId xmlns:a16="http://schemas.microsoft.com/office/drawing/2014/main" id="{0F56E080-DB72-495A-8E97-D287CFC2BD55}"/>
+              </a:ext>
+            </a:extLst>
+          </p:cNvPr>
+          <p:cNvSpPr/>
+          <p:nvPr/>
+        </p:nvSpPr>
+        <p:spPr>
+          <a:xfrm>
+            <a:off x="2770699" y="534428"/>
+            <a:ext cx="953729" cy="501446"/>
+          </a:xfrm>
+          <a:prstGeom prst="rect">
+            <a:avLst/>
+          </a:prstGeom>
+        </p:spPr>
+        <p:style>
+          <a:lnRef idx="2">
+            <a:schemeClr val="accent1">
+              <a:shade val="50000"/>
+            </a:schemeClr>
+          </a:lnRef>
+          <a:fillRef idx="1">
+            <a:schemeClr val="accent1"/>
+          </a:fillRef>
+          <a:effectRef idx="0">
+            <a:schemeClr val="accent1"/>
+          </a:effectRef>
+          <a:fontRef idx="minor">
+            <a:schemeClr val="lt1"/>
+          </a:fontRef>
+        </p:style>
+        <p:txBody>
+          <a:bodyPr rtlCol="0" anchor="ctr"/>
+          <a:lstStyle/>
+          <a:p>
+            <a:pPr algn="ctr"/>
+            <a:r>
+              <a:rPr lang="en-US" sz="1400" dirty="0"/>
+              <a:t>Premium</a:t>
+            </a:r>
+          </a:p>
+          <a:p>
+            <a:pPr algn="ctr"/>
+            <a:r>
+              <a:rPr lang="en-US" sz="1400" dirty="0"/>
+              <a:t>SSD</a:t>
+            </a:r>
+            <a:endParaRPr lang="en-US" dirty="0"/>
+          </a:p>
+        </p:txBody>
+      </p:sp>
+    </p:spTree>
+    <p:extLst>
+      <p:ext uri="{BB962C8B-B14F-4D97-AF65-F5344CB8AC3E}">
+        <p14:creationId xmlns:p14="http://schemas.microsoft.com/office/powerpoint/2010/main" val="902533712"/>
+      </p:ext>
+    </p:extLst>
+  </p:cSld>
+  <p:clrMapOvr>
+    <a:masterClrMapping/>
+  </p:clrMapOvr>
+</p:sld>
+</file>
+
+<file path=ppt/slides/slide17.xml><?xml version="1.0" encoding="utf-8"?>
+<p:sld xmlns:a="http://schemas.openxmlformats.org/drawingml/2006/main" xmlns:r="http://schemas.openxmlformats.org/officeDocument/2006/relationships" xmlns:p="http://schemas.openxmlformats.org/presentationml/2006/main">
+  <p:cSld>
+    <p:spTree>
+      <p:nvGrpSpPr>
+        <p:cNvPr id="1" name=""/>
+        <p:cNvGrpSpPr/>
+        <p:nvPr/>
+      </p:nvGrpSpPr>
+      <p:grpSpPr>
+        <a:xfrm>
+          <a:off x="0" y="0"/>
+          <a:ext cx="0" cy="0"/>
+          <a:chOff x="0" y="0"/>
+          <a:chExt cx="0" cy="0"/>
+        </a:xfrm>
+      </p:grpSpPr>
+      <p:sp>
+        <p:nvSpPr>
+          <p:cNvPr id="2" name="Rectangle 1">
+            <a:extLst>
+              <a:ext uri="{FF2B5EF4-FFF2-40B4-BE49-F238E27FC236}">
+                <a16:creationId xmlns:a16="http://schemas.microsoft.com/office/drawing/2014/main" id="{3951C30D-0601-4CE4-A379-AE51A71F713A}"/>
+              </a:ext>
+            </a:extLst>
+          </p:cNvPr>
+          <p:cNvSpPr/>
+          <p:nvPr/>
+        </p:nvSpPr>
+        <p:spPr>
+          <a:xfrm>
+            <a:off x="235974" y="471948"/>
+            <a:ext cx="4798142" cy="4473677"/>
+          </a:xfrm>
+          <a:prstGeom prst="rect">
+            <a:avLst/>
+          </a:prstGeom>
+          <a:noFill/>
+        </p:spPr>
+        <p:style>
+          <a:lnRef idx="2">
+            <a:schemeClr val="accent1">
+              <a:shade val="50000"/>
+            </a:schemeClr>
+          </a:lnRef>
+          <a:fillRef idx="1">
+            <a:schemeClr val="accent1"/>
+          </a:fillRef>
+          <a:effectRef idx="0">
+            <a:schemeClr val="accent1"/>
+          </a:effectRef>
+          <a:fontRef idx="minor">
+            <a:schemeClr val="lt1"/>
+          </a:fontRef>
+        </p:style>
+        <p:txBody>
+          <a:bodyPr rtlCol="0" anchor="ctr"/>
+          <a:lstStyle/>
+          <a:p>
+            <a:pPr algn="ctr"/>
+            <a:endParaRPr lang="en-US"/>
+          </a:p>
+        </p:txBody>
+      </p:sp>
+      <p:sp>
+        <p:nvSpPr>
+          <p:cNvPr id="3" name="Oval 2">
+            <a:extLst>
+              <a:ext uri="{FF2B5EF4-FFF2-40B4-BE49-F238E27FC236}">
+                <a16:creationId xmlns:a16="http://schemas.microsoft.com/office/drawing/2014/main" id="{EB32043B-72FC-4215-932D-D042B7064D74}"/>
+              </a:ext>
+            </a:extLst>
+          </p:cNvPr>
+          <p:cNvSpPr/>
+          <p:nvPr/>
+        </p:nvSpPr>
+        <p:spPr>
+          <a:xfrm>
+            <a:off x="1789471" y="727586"/>
+            <a:ext cx="2222090" cy="2251588"/>
+          </a:xfrm>
+          <a:prstGeom prst="ellipse">
+            <a:avLst/>
+          </a:prstGeom>
+        </p:spPr>
+        <p:style>
+          <a:lnRef idx="2">
+            <a:schemeClr val="accent1">
+              <a:shade val="50000"/>
+            </a:schemeClr>
+          </a:lnRef>
+          <a:fillRef idx="1">
+            <a:schemeClr val="accent1"/>
+          </a:fillRef>
+          <a:effectRef idx="0">
+            <a:schemeClr val="accent1"/>
+          </a:effectRef>
+          <a:fontRef idx="minor">
+            <a:schemeClr val="lt1"/>
+          </a:fontRef>
+        </p:style>
+        <p:txBody>
+          <a:bodyPr rtlCol="0" anchor="ctr"/>
+          <a:lstStyle/>
+          <a:p>
+            <a:pPr algn="ctr"/>
+            <a:r>
+              <a:rPr lang="en-US" dirty="0"/>
+              <a:t>Reconreport.sh</a:t>
+            </a:r>
+          </a:p>
+          <a:p>
+            <a:pPr algn="ctr"/>
+            <a:r>
+              <a:rPr lang="en-US" dirty="0"/>
+              <a:t>/var/log</a:t>
+            </a:r>
+          </a:p>
+          <a:p>
+            <a:pPr algn="ctr"/>
+            <a:r>
+              <a:rPr lang="en-US" dirty="0"/>
+              <a:t>/var/report</a:t>
+            </a:r>
+          </a:p>
+        </p:txBody>
+      </p:sp>
+      <p:cxnSp>
+        <p:nvCxnSpPr>
+          <p:cNvPr id="5" name="Straight Arrow Connector 4">
+            <a:extLst>
+              <a:ext uri="{FF2B5EF4-FFF2-40B4-BE49-F238E27FC236}">
+                <a16:creationId xmlns:a16="http://schemas.microsoft.com/office/drawing/2014/main" id="{824D2DF1-917C-48C5-9969-38B8D90DD36A}"/>
+              </a:ext>
+            </a:extLst>
+          </p:cNvPr>
+          <p:cNvCxnSpPr/>
+          <p:nvPr/>
+        </p:nvCxnSpPr>
+        <p:spPr>
+          <a:xfrm flipH="1">
+            <a:off x="1111045" y="1976283"/>
+            <a:ext cx="1327355" cy="904568"/>
+          </a:xfrm>
+          <a:prstGeom prst="straightConnector1">
+            <a:avLst/>
+          </a:prstGeom>
+          <a:ln>
+            <a:solidFill>
+              <a:srgbClr val="FF0000"/>
+            </a:solidFill>
+            <a:tailEnd type="triangle"/>
+          </a:ln>
+        </p:spPr>
+        <p:style>
+          <a:lnRef idx="1">
+            <a:schemeClr val="accent1"/>
+          </a:lnRef>
+          <a:fillRef idx="0">
+            <a:schemeClr val="accent1"/>
+          </a:fillRef>
+          <a:effectRef idx="0">
+            <a:schemeClr val="accent1"/>
+          </a:effectRef>
+          <a:fontRef idx="minor">
+            <a:schemeClr val="tx1"/>
+          </a:fontRef>
+        </p:style>
+      </p:cxnSp>
+      <p:cxnSp>
+        <p:nvCxnSpPr>
+          <p:cNvPr id="7" name="Straight Arrow Connector 6">
+            <a:extLst>
+              <a:ext uri="{FF2B5EF4-FFF2-40B4-BE49-F238E27FC236}">
+                <a16:creationId xmlns:a16="http://schemas.microsoft.com/office/drawing/2014/main" id="{9DE4D864-D9B8-48C4-A0C4-E4B71A2142BA}"/>
+              </a:ext>
+            </a:extLst>
+          </p:cNvPr>
+          <p:cNvCxnSpPr/>
+          <p:nvPr/>
+        </p:nvCxnSpPr>
+        <p:spPr>
+          <a:xfrm>
+            <a:off x="3333135" y="2310580"/>
+            <a:ext cx="1130710" cy="825909"/>
+          </a:xfrm>
+          <a:prstGeom prst="straightConnector1">
+            <a:avLst/>
+          </a:prstGeom>
+          <a:ln>
+            <a:solidFill>
+              <a:srgbClr val="FF0000"/>
+            </a:solidFill>
+            <a:tailEnd type="triangle"/>
+          </a:ln>
+        </p:spPr>
+        <p:style>
+          <a:lnRef idx="1">
+            <a:schemeClr val="accent1"/>
+          </a:lnRef>
+          <a:fillRef idx="0">
+            <a:schemeClr val="accent1"/>
+          </a:fillRef>
+          <a:effectRef idx="0">
+            <a:schemeClr val="accent1"/>
+          </a:effectRef>
+          <a:fontRef idx="minor">
+            <a:schemeClr val="tx1"/>
+          </a:fontRef>
+        </p:style>
+      </p:cxnSp>
+      <p:sp>
+        <p:nvSpPr>
+          <p:cNvPr id="8" name="Rectangle 7">
+            <a:extLst>
+              <a:ext uri="{FF2B5EF4-FFF2-40B4-BE49-F238E27FC236}">
+                <a16:creationId xmlns:a16="http://schemas.microsoft.com/office/drawing/2014/main" id="{9A3AB436-A6AF-4CBB-B50A-F2DCF2657537}"/>
+              </a:ext>
+            </a:extLst>
+          </p:cNvPr>
+          <p:cNvSpPr/>
+          <p:nvPr/>
+        </p:nvSpPr>
+        <p:spPr>
+          <a:xfrm>
+            <a:off x="540774" y="2880851"/>
+            <a:ext cx="1130710" cy="403123"/>
+          </a:xfrm>
+          <a:prstGeom prst="rect">
+            <a:avLst/>
+          </a:prstGeom>
+        </p:spPr>
+        <p:style>
+          <a:lnRef idx="2">
+            <a:schemeClr val="accent1">
+              <a:shade val="50000"/>
+            </a:schemeClr>
+          </a:lnRef>
+          <a:fillRef idx="1">
+            <a:schemeClr val="accent1"/>
+          </a:fillRef>
+          <a:effectRef idx="0">
+            <a:schemeClr val="accent1"/>
+          </a:effectRef>
+          <a:fontRef idx="minor">
+            <a:schemeClr val="lt1"/>
+          </a:fontRef>
+        </p:style>
+        <p:txBody>
+          <a:bodyPr rtlCol="0" anchor="ctr"/>
+          <a:lstStyle/>
+          <a:p>
+            <a:pPr algn="ctr"/>
+            <a:r>
+              <a:rPr lang="en-US" dirty="0"/>
+              <a:t>/</a:t>
+            </a:r>
+            <a:r>
+              <a:rPr lang="en-US" dirty="0" err="1"/>
+              <a:t>tmp</a:t>
+            </a:r>
+            <a:r>
+              <a:rPr lang="en-US" dirty="0"/>
+              <a:t>/log</a:t>
+            </a:r>
+          </a:p>
+        </p:txBody>
+      </p:sp>
+      <p:sp>
+        <p:nvSpPr>
+          <p:cNvPr id="9" name="Rectangle 8">
+            <a:extLst>
+              <a:ext uri="{FF2B5EF4-FFF2-40B4-BE49-F238E27FC236}">
+                <a16:creationId xmlns:a16="http://schemas.microsoft.com/office/drawing/2014/main" id="{5ADF11A4-6C84-4E52-9A50-FDC88CF0A53F}"/>
+              </a:ext>
+            </a:extLst>
+          </p:cNvPr>
+          <p:cNvSpPr/>
+          <p:nvPr/>
+        </p:nvSpPr>
+        <p:spPr>
+          <a:xfrm>
+            <a:off x="3475702" y="3136489"/>
+            <a:ext cx="1440426" cy="403123"/>
+          </a:xfrm>
+          <a:prstGeom prst="rect">
+            <a:avLst/>
+          </a:prstGeom>
+        </p:spPr>
+        <p:style>
+          <a:lnRef idx="2">
+            <a:schemeClr val="accent1">
+              <a:shade val="50000"/>
+            </a:schemeClr>
+          </a:lnRef>
+          <a:fillRef idx="1">
+            <a:schemeClr val="accent1"/>
+          </a:fillRef>
+          <a:effectRef idx="0">
+            <a:schemeClr val="accent1"/>
+          </a:effectRef>
+          <a:fontRef idx="minor">
+            <a:schemeClr val="lt1"/>
+          </a:fontRef>
+        </p:style>
+        <p:txBody>
+          <a:bodyPr rtlCol="0" anchor="ctr"/>
+          <a:lstStyle/>
+          <a:p>
+            <a:pPr algn="ctr"/>
+            <a:r>
+              <a:rPr lang="en-US" dirty="0"/>
+              <a:t>/</a:t>
+            </a:r>
+            <a:r>
+              <a:rPr lang="en-US" dirty="0" err="1"/>
+              <a:t>tmp</a:t>
+            </a:r>
+            <a:r>
+              <a:rPr lang="en-US" dirty="0"/>
+              <a:t>/report</a:t>
+            </a:r>
+          </a:p>
+        </p:txBody>
+      </p:sp>
+      <p:sp>
+        <p:nvSpPr>
+          <p:cNvPr id="10" name="Rectangle 9">
+            <a:extLst>
+              <a:ext uri="{FF2B5EF4-FFF2-40B4-BE49-F238E27FC236}">
+                <a16:creationId xmlns:a16="http://schemas.microsoft.com/office/drawing/2014/main" id="{B077CB2D-FEA7-467F-9087-6CF6889B5EB6}"/>
+              </a:ext>
+            </a:extLst>
+          </p:cNvPr>
+          <p:cNvSpPr/>
+          <p:nvPr/>
+        </p:nvSpPr>
+        <p:spPr>
+          <a:xfrm>
+            <a:off x="6125496" y="471948"/>
+            <a:ext cx="4798142" cy="4473677"/>
+          </a:xfrm>
+          <a:prstGeom prst="rect">
+            <a:avLst/>
+          </a:prstGeom>
+          <a:noFill/>
+        </p:spPr>
+        <p:style>
+          <a:lnRef idx="2">
+            <a:schemeClr val="accent1">
+              <a:shade val="50000"/>
+            </a:schemeClr>
+          </a:lnRef>
+          <a:fillRef idx="1">
+            <a:schemeClr val="accent1"/>
+          </a:fillRef>
+          <a:effectRef idx="0">
+            <a:schemeClr val="accent1"/>
+          </a:effectRef>
+          <a:fontRef idx="minor">
+            <a:schemeClr val="lt1"/>
+          </a:fontRef>
+        </p:style>
+        <p:txBody>
+          <a:bodyPr rtlCol="0" anchor="ctr"/>
+          <a:lstStyle/>
+          <a:p>
+            <a:pPr algn="ctr"/>
+            <a:endParaRPr lang="en-US"/>
+          </a:p>
+        </p:txBody>
+      </p:sp>
+      <p:sp>
+        <p:nvSpPr>
+          <p:cNvPr id="11" name="Oval 10">
+            <a:extLst>
+              <a:ext uri="{FF2B5EF4-FFF2-40B4-BE49-F238E27FC236}">
+                <a16:creationId xmlns:a16="http://schemas.microsoft.com/office/drawing/2014/main" id="{64511BB0-0EB8-4FFD-8ABC-FBCBF2E34B72}"/>
+              </a:ext>
+            </a:extLst>
+          </p:cNvPr>
+          <p:cNvSpPr/>
+          <p:nvPr/>
+        </p:nvSpPr>
+        <p:spPr>
+          <a:xfrm>
+            <a:off x="7678993" y="727586"/>
+            <a:ext cx="2222090" cy="2251588"/>
+          </a:xfrm>
+          <a:prstGeom prst="ellipse">
+            <a:avLst/>
+          </a:prstGeom>
+        </p:spPr>
+        <p:style>
+          <a:lnRef idx="2">
+            <a:schemeClr val="accent1">
+              <a:shade val="50000"/>
+            </a:schemeClr>
+          </a:lnRef>
+          <a:fillRef idx="1">
+            <a:schemeClr val="accent1"/>
+          </a:fillRef>
+          <a:effectRef idx="0">
+            <a:schemeClr val="accent1"/>
+          </a:effectRef>
+          <a:fontRef idx="minor">
+            <a:schemeClr val="lt1"/>
+          </a:fontRef>
+        </p:style>
+        <p:txBody>
+          <a:bodyPr rtlCol="0" anchor="ctr"/>
+          <a:lstStyle/>
+          <a:p>
+            <a:pPr algn="ctr"/>
+            <a:r>
+              <a:rPr lang="en-US" dirty="0"/>
+              <a:t>Reconreport.sh</a:t>
+            </a:r>
+          </a:p>
+          <a:p>
+            <a:pPr algn="ctr"/>
+            <a:r>
+              <a:rPr lang="en-US" dirty="0"/>
+              <a:t>/var/data</a:t>
+            </a:r>
+          </a:p>
+          <a:p>
+            <a:pPr algn="ctr"/>
+            <a:r>
+              <a:rPr lang="en-US" dirty="0">
+                <a:sym typeface="Wingdings" panose="05000000000000000000" pitchFamily="2" charset="2"/>
+              </a:rPr>
+              <a:t> </a:t>
+            </a:r>
+            <a:r>
+              <a:rPr lang="en-US" dirty="0"/>
+              <a:t>Log</a:t>
+            </a:r>
+          </a:p>
+          <a:p>
+            <a:pPr algn="ctr"/>
+            <a:r>
+              <a:rPr lang="en-US" dirty="0">
+                <a:sym typeface="Wingdings" panose="05000000000000000000" pitchFamily="2" charset="2"/>
+              </a:rPr>
+              <a:t></a:t>
+            </a:r>
+            <a:r>
+              <a:rPr lang="en-US" dirty="0"/>
+              <a:t>report</a:t>
+            </a:r>
+          </a:p>
+        </p:txBody>
+      </p:sp>
+      <p:cxnSp>
+        <p:nvCxnSpPr>
+          <p:cNvPr id="12" name="Straight Arrow Connector 11">
+            <a:extLst>
+              <a:ext uri="{FF2B5EF4-FFF2-40B4-BE49-F238E27FC236}">
+                <a16:creationId xmlns:a16="http://schemas.microsoft.com/office/drawing/2014/main" id="{19B2DB1E-2AC9-451C-8CB4-602D893CA9E0}"/>
+              </a:ext>
+            </a:extLst>
+          </p:cNvPr>
+          <p:cNvCxnSpPr/>
+          <p:nvPr/>
+        </p:nvCxnSpPr>
+        <p:spPr>
+          <a:xfrm flipH="1">
+            <a:off x="7000567" y="1976283"/>
+            <a:ext cx="1327355" cy="904568"/>
+          </a:xfrm>
+          <a:prstGeom prst="straightConnector1">
+            <a:avLst/>
+          </a:prstGeom>
+          <a:ln>
+            <a:solidFill>
+              <a:srgbClr val="FF0000"/>
+            </a:solidFill>
+            <a:tailEnd type="triangle"/>
+          </a:ln>
+        </p:spPr>
+        <p:style>
+          <a:lnRef idx="1">
+            <a:schemeClr val="accent1"/>
+          </a:lnRef>
+          <a:fillRef idx="0">
+            <a:schemeClr val="accent1"/>
+          </a:fillRef>
+          <a:effectRef idx="0">
+            <a:schemeClr val="accent1"/>
+          </a:effectRef>
+          <a:fontRef idx="minor">
+            <a:schemeClr val="tx1"/>
+          </a:fontRef>
+        </p:style>
+      </p:cxnSp>
+      <p:sp>
+        <p:nvSpPr>
+          <p:cNvPr id="14" name="Rectangle 13">
+            <a:extLst>
+              <a:ext uri="{FF2B5EF4-FFF2-40B4-BE49-F238E27FC236}">
+                <a16:creationId xmlns:a16="http://schemas.microsoft.com/office/drawing/2014/main" id="{8C55D7A2-A859-448F-8C05-890CC465D22E}"/>
+              </a:ext>
+            </a:extLst>
+          </p:cNvPr>
+          <p:cNvSpPr/>
+          <p:nvPr/>
+        </p:nvSpPr>
+        <p:spPr>
+          <a:xfrm>
+            <a:off x="6430296" y="2880851"/>
+            <a:ext cx="1130710" cy="403123"/>
+          </a:xfrm>
+          <a:prstGeom prst="rect">
+            <a:avLst/>
+          </a:prstGeom>
+        </p:spPr>
+        <p:style>
+          <a:lnRef idx="2">
+            <a:schemeClr val="accent1">
+              <a:shade val="50000"/>
+            </a:schemeClr>
+          </a:lnRef>
+          <a:fillRef idx="1">
+            <a:schemeClr val="accent1"/>
+          </a:fillRef>
+          <a:effectRef idx="0">
+            <a:schemeClr val="accent1"/>
+          </a:effectRef>
+          <a:fontRef idx="minor">
+            <a:schemeClr val="lt1"/>
+          </a:fontRef>
+        </p:style>
+        <p:txBody>
+          <a:bodyPr rtlCol="0" anchor="ctr"/>
+          <a:lstStyle/>
+          <a:p>
+            <a:pPr algn="ctr"/>
+            <a:r>
+              <a:rPr lang="en-US" dirty="0"/>
+              <a:t>/</a:t>
+            </a:r>
+            <a:r>
+              <a:rPr lang="en-US" dirty="0" err="1"/>
+              <a:t>tmp</a:t>
+            </a:r>
+            <a:r>
+              <a:rPr lang="en-US" dirty="0"/>
+              <a:t>/log</a:t>
+            </a:r>
+          </a:p>
+        </p:txBody>
+      </p:sp>
+    </p:spTree>
+    <p:extLst>
+      <p:ext uri="{BB962C8B-B14F-4D97-AF65-F5344CB8AC3E}">
+        <p14:creationId xmlns:p14="http://schemas.microsoft.com/office/powerpoint/2010/main" val="2968796128"/>
+      </p:ext>
+    </p:extLst>
+  </p:cSld>
+  <p:clrMapOvr>
+    <a:masterClrMapping/>
+  </p:clrMapOvr>
+</p:sld>
+</file>
+
+<file path=ppt/slides/slide18.xml><?xml version="1.0" encoding="utf-8"?>
+<p:sld xmlns:a="http://schemas.openxmlformats.org/drawingml/2006/main" xmlns:r="http://schemas.openxmlformats.org/officeDocument/2006/relationships" xmlns:p="http://schemas.openxmlformats.org/presentationml/2006/main">
+  <p:cSld>
+    <p:spTree>
+      <p:nvGrpSpPr>
+        <p:cNvPr id="1" name=""/>
+        <p:cNvGrpSpPr/>
+        <p:nvPr/>
+      </p:nvGrpSpPr>
+      <p:grpSpPr>
+        <a:xfrm>
+          <a:off x="0" y="0"/>
+          <a:ext cx="0" cy="0"/>
+          <a:chOff x="0" y="0"/>
+          <a:chExt cx="0" cy="0"/>
+        </a:xfrm>
+      </p:grpSpPr>
+      <p:sp>
+        <p:nvSpPr>
+          <p:cNvPr id="3" name="Rectangle 2">
+            <a:extLst>
+              <a:ext uri="{FF2B5EF4-FFF2-40B4-BE49-F238E27FC236}">
+                <a16:creationId xmlns:a16="http://schemas.microsoft.com/office/drawing/2014/main" id="{0AB4E11C-5D3A-4D7C-B437-C61BD9CE2BD4}"/>
+              </a:ext>
+            </a:extLst>
+          </p:cNvPr>
+          <p:cNvSpPr/>
+          <p:nvPr/>
+        </p:nvSpPr>
+        <p:spPr>
+          <a:xfrm>
+            <a:off x="324464" y="606383"/>
+            <a:ext cx="1779639" cy="1494503"/>
+          </a:xfrm>
+          <a:prstGeom prst="rect">
+            <a:avLst/>
+          </a:prstGeom>
+          <a:noFill/>
+        </p:spPr>
+        <p:style>
+          <a:lnRef idx="2">
+            <a:schemeClr val="accent1">
+              <a:shade val="50000"/>
+            </a:schemeClr>
+          </a:lnRef>
+          <a:fillRef idx="1">
+            <a:schemeClr val="accent1"/>
+          </a:fillRef>
+          <a:effectRef idx="0">
+            <a:schemeClr val="accent1"/>
+          </a:effectRef>
+          <a:fontRef idx="minor">
+            <a:schemeClr val="lt1"/>
+          </a:fontRef>
+        </p:style>
+        <p:txBody>
+          <a:bodyPr rtlCol="0" anchor="ctr"/>
+          <a:lstStyle/>
+          <a:p>
+            <a:pPr algn="ctr"/>
+            <a:endParaRPr lang="en-US"/>
+          </a:p>
+        </p:txBody>
+      </p:sp>
+      <p:sp>
+        <p:nvSpPr>
+          <p:cNvPr id="4" name="Oval 3">
+            <a:extLst>
+              <a:ext uri="{FF2B5EF4-FFF2-40B4-BE49-F238E27FC236}">
+                <a16:creationId xmlns:a16="http://schemas.microsoft.com/office/drawing/2014/main" id="{77FE5BE6-909E-4AA9-9648-0A12F40E676E}"/>
+              </a:ext>
+            </a:extLst>
+          </p:cNvPr>
+          <p:cNvSpPr/>
+          <p:nvPr/>
+        </p:nvSpPr>
+        <p:spPr>
+          <a:xfrm>
+            <a:off x="530942" y="822693"/>
+            <a:ext cx="1376516" cy="855407"/>
+          </a:xfrm>
+          <a:prstGeom prst="ellipse">
+            <a:avLst/>
+          </a:prstGeom>
+        </p:spPr>
+        <p:style>
+          <a:lnRef idx="2">
+            <a:schemeClr val="accent1">
+              <a:shade val="50000"/>
+            </a:schemeClr>
+          </a:lnRef>
+          <a:fillRef idx="1">
+            <a:schemeClr val="accent1"/>
+          </a:fillRef>
+          <a:effectRef idx="0">
+            <a:schemeClr val="accent1"/>
+          </a:effectRef>
+          <a:fontRef idx="minor">
+            <a:schemeClr val="lt1"/>
+          </a:fontRef>
+        </p:style>
+        <p:txBody>
+          <a:bodyPr rtlCol="0" anchor="ctr"/>
+          <a:lstStyle/>
+          <a:p>
+            <a:pPr algn="ctr"/>
+            <a:r>
+              <a:rPr lang="en-US" dirty="0"/>
+              <a:t>C1</a:t>
+            </a:r>
+          </a:p>
+        </p:txBody>
+      </p:sp>
+      <p:sp>
+        <p:nvSpPr>
+          <p:cNvPr id="9" name="Rectangle 8">
+            <a:extLst>
+              <a:ext uri="{FF2B5EF4-FFF2-40B4-BE49-F238E27FC236}">
+                <a16:creationId xmlns:a16="http://schemas.microsoft.com/office/drawing/2014/main" id="{BB100A5D-E54C-4C0A-9AA7-4CC167AE79AC}"/>
+              </a:ext>
+            </a:extLst>
+          </p:cNvPr>
+          <p:cNvSpPr/>
+          <p:nvPr/>
+        </p:nvSpPr>
+        <p:spPr>
+          <a:xfrm>
+            <a:off x="2310581" y="606383"/>
+            <a:ext cx="1779639" cy="1494503"/>
+          </a:xfrm>
+          <a:prstGeom prst="rect">
+            <a:avLst/>
+          </a:prstGeom>
+          <a:noFill/>
+        </p:spPr>
+        <p:style>
+          <a:lnRef idx="2">
+            <a:schemeClr val="accent1">
+              <a:shade val="50000"/>
+            </a:schemeClr>
+          </a:lnRef>
+          <a:fillRef idx="1">
+            <a:schemeClr val="accent1"/>
+          </a:fillRef>
+          <a:effectRef idx="0">
+            <a:schemeClr val="accent1"/>
+          </a:effectRef>
+          <a:fontRef idx="minor">
+            <a:schemeClr val="lt1"/>
+          </a:fontRef>
+        </p:style>
+        <p:txBody>
+          <a:bodyPr rtlCol="0" anchor="ctr"/>
+          <a:lstStyle/>
+          <a:p>
+            <a:pPr algn="ctr"/>
+            <a:endParaRPr lang="en-US"/>
+          </a:p>
+        </p:txBody>
+      </p:sp>
+      <p:sp>
+        <p:nvSpPr>
+          <p:cNvPr id="10" name="Oval 9">
+            <a:extLst>
+              <a:ext uri="{FF2B5EF4-FFF2-40B4-BE49-F238E27FC236}">
+                <a16:creationId xmlns:a16="http://schemas.microsoft.com/office/drawing/2014/main" id="{D2BA3E90-CF7B-486A-BB88-D1E48A871421}"/>
+              </a:ext>
+            </a:extLst>
+          </p:cNvPr>
+          <p:cNvSpPr/>
+          <p:nvPr/>
+        </p:nvSpPr>
+        <p:spPr>
+          <a:xfrm>
+            <a:off x="2517059" y="822693"/>
+            <a:ext cx="1376516" cy="855407"/>
+          </a:xfrm>
+          <a:prstGeom prst="ellipse">
+            <a:avLst/>
+          </a:prstGeom>
+        </p:spPr>
+        <p:style>
+          <a:lnRef idx="2">
+            <a:schemeClr val="accent1">
+              <a:shade val="50000"/>
+            </a:schemeClr>
+          </a:lnRef>
+          <a:fillRef idx="1">
+            <a:schemeClr val="accent1"/>
+          </a:fillRef>
+          <a:effectRef idx="0">
+            <a:schemeClr val="accent1"/>
+          </a:effectRef>
+          <a:fontRef idx="minor">
+            <a:schemeClr val="lt1"/>
+          </a:fontRef>
+        </p:style>
+        <p:txBody>
+          <a:bodyPr rtlCol="0" anchor="ctr"/>
+          <a:lstStyle/>
+          <a:p>
+            <a:pPr algn="ctr"/>
+            <a:r>
+              <a:rPr lang="en-US" dirty="0"/>
+              <a:t>C1</a:t>
+            </a:r>
+          </a:p>
+        </p:txBody>
+      </p:sp>
+      <p:sp>
+        <p:nvSpPr>
+          <p:cNvPr id="15" name="Rectangle 14">
+            <a:extLst>
+              <a:ext uri="{FF2B5EF4-FFF2-40B4-BE49-F238E27FC236}">
+                <a16:creationId xmlns:a16="http://schemas.microsoft.com/office/drawing/2014/main" id="{C4F69265-55F2-4054-834E-635A751AC631}"/>
+              </a:ext>
+            </a:extLst>
+          </p:cNvPr>
+          <p:cNvSpPr/>
+          <p:nvPr/>
+        </p:nvSpPr>
+        <p:spPr>
+          <a:xfrm>
+            <a:off x="7231625" y="993056"/>
+            <a:ext cx="1779639" cy="1494503"/>
+          </a:xfrm>
+          <a:prstGeom prst="rect">
+            <a:avLst/>
+          </a:prstGeom>
+          <a:noFill/>
+        </p:spPr>
+        <p:style>
+          <a:lnRef idx="2">
+            <a:schemeClr val="accent1">
+              <a:shade val="50000"/>
+            </a:schemeClr>
+          </a:lnRef>
+          <a:fillRef idx="1">
+            <a:schemeClr val="accent1"/>
+          </a:fillRef>
+          <a:effectRef idx="0">
+            <a:schemeClr val="accent1"/>
+          </a:effectRef>
+          <a:fontRef idx="minor">
+            <a:schemeClr val="lt1"/>
+          </a:fontRef>
+        </p:style>
+        <p:txBody>
+          <a:bodyPr rtlCol="0" anchor="ctr"/>
+          <a:lstStyle/>
+          <a:p>
+            <a:pPr algn="ctr"/>
+            <a:endParaRPr lang="en-US"/>
+          </a:p>
+        </p:txBody>
+      </p:sp>
+      <p:sp>
+        <p:nvSpPr>
+          <p:cNvPr id="16" name="Oval 15">
+            <a:extLst>
+              <a:ext uri="{FF2B5EF4-FFF2-40B4-BE49-F238E27FC236}">
+                <a16:creationId xmlns:a16="http://schemas.microsoft.com/office/drawing/2014/main" id="{2D7C6478-DD26-4EF6-ACA7-8A1886BB4620}"/>
+              </a:ext>
+            </a:extLst>
+          </p:cNvPr>
+          <p:cNvSpPr/>
+          <p:nvPr/>
+        </p:nvSpPr>
+        <p:spPr>
+          <a:xfrm>
+            <a:off x="7438103" y="1209366"/>
+            <a:ext cx="1376516" cy="855407"/>
+          </a:xfrm>
+          <a:prstGeom prst="ellipse">
+            <a:avLst/>
+          </a:prstGeom>
+        </p:spPr>
+        <p:style>
+          <a:lnRef idx="2">
+            <a:schemeClr val="accent1">
+              <a:shade val="50000"/>
+            </a:schemeClr>
+          </a:lnRef>
+          <a:fillRef idx="1">
+            <a:schemeClr val="accent1"/>
+          </a:fillRef>
+          <a:effectRef idx="0">
+            <a:schemeClr val="accent1"/>
+          </a:effectRef>
+          <a:fontRef idx="minor">
+            <a:schemeClr val="lt1"/>
+          </a:fontRef>
+        </p:style>
+        <p:txBody>
+          <a:bodyPr rtlCol="0" anchor="ctr"/>
+          <a:lstStyle/>
+          <a:p>
+            <a:pPr algn="ctr"/>
+            <a:r>
+              <a:rPr lang="en-US" dirty="0"/>
+              <a:t>C1</a:t>
+            </a:r>
+          </a:p>
+        </p:txBody>
+      </p:sp>
+      <p:cxnSp>
+        <p:nvCxnSpPr>
+          <p:cNvPr id="18" name="Straight Arrow Connector 17">
+            <a:extLst>
+              <a:ext uri="{FF2B5EF4-FFF2-40B4-BE49-F238E27FC236}">
+                <a16:creationId xmlns:a16="http://schemas.microsoft.com/office/drawing/2014/main" id="{F15DBE63-9897-4DAF-AE1C-83FE66A047E5}"/>
+              </a:ext>
+            </a:extLst>
+          </p:cNvPr>
+          <p:cNvCxnSpPr>
+            <a:stCxn id="15" idx="2"/>
+          </p:cNvCxnSpPr>
+          <p:nvPr/>
+        </p:nvCxnSpPr>
+        <p:spPr>
+          <a:xfrm flipH="1">
+            <a:off x="8101781" y="2487559"/>
+            <a:ext cx="19664" cy="1061885"/>
+          </a:xfrm>
+          <a:prstGeom prst="straightConnector1">
+            <a:avLst/>
+          </a:prstGeom>
+          <a:ln>
+            <a:tailEnd type="triangle"/>
+          </a:ln>
+        </p:spPr>
+        <p:style>
+          <a:lnRef idx="1">
+            <a:schemeClr val="accent1"/>
+          </a:lnRef>
+          <a:fillRef idx="0">
+            <a:schemeClr val="accent1"/>
+          </a:fillRef>
+          <a:effectRef idx="0">
+            <a:schemeClr val="accent1"/>
+          </a:effectRef>
+          <a:fontRef idx="minor">
+            <a:schemeClr val="tx1"/>
+          </a:fontRef>
+        </p:style>
+      </p:cxnSp>
+      <p:sp>
+        <p:nvSpPr>
+          <p:cNvPr id="19" name="TextBox 18">
+            <a:extLst>
+              <a:ext uri="{FF2B5EF4-FFF2-40B4-BE49-F238E27FC236}">
+                <a16:creationId xmlns:a16="http://schemas.microsoft.com/office/drawing/2014/main" id="{C152B375-DB0E-4228-A0B3-919C851CEB64}"/>
+              </a:ext>
+            </a:extLst>
+          </p:cNvPr>
+          <p:cNvSpPr txBox="1"/>
+          <p:nvPr/>
+        </p:nvSpPr>
+        <p:spPr>
+          <a:xfrm>
+            <a:off x="7501979" y="3549444"/>
+            <a:ext cx="1238929" cy="369332"/>
+          </a:xfrm>
+          <a:prstGeom prst="rect">
+            <a:avLst/>
+          </a:prstGeom>
+          <a:noFill/>
+        </p:spPr>
+        <p:txBody>
+          <a:bodyPr wrap="none" rtlCol="0">
+            <a:spAutoFit/>
+          </a:bodyPr>
+          <a:lstStyle/>
+          <a:p>
+            <a:r>
+              <a:rPr lang="en-US" dirty="0"/>
+              <a:t>/</a:t>
+            </a:r>
+            <a:r>
+              <a:rPr lang="en-US" dirty="0" err="1"/>
+              <a:t>tmp</a:t>
+            </a:r>
+            <a:r>
+              <a:rPr lang="en-US" dirty="0"/>
+              <a:t>/proj1</a:t>
+            </a:r>
+          </a:p>
+        </p:txBody>
+      </p:sp>
+      <p:sp>
+        <p:nvSpPr>
+          <p:cNvPr id="20" name="Rectangle 19">
+            <a:extLst>
+              <a:ext uri="{FF2B5EF4-FFF2-40B4-BE49-F238E27FC236}">
+                <a16:creationId xmlns:a16="http://schemas.microsoft.com/office/drawing/2014/main" id="{3C12CABC-A2BA-4037-9A4E-B348E5A266D9}"/>
+              </a:ext>
+            </a:extLst>
+          </p:cNvPr>
+          <p:cNvSpPr/>
+          <p:nvPr/>
+        </p:nvSpPr>
+        <p:spPr>
+          <a:xfrm>
+            <a:off x="9424159" y="1029169"/>
+            <a:ext cx="1779639" cy="1494503"/>
+          </a:xfrm>
+          <a:prstGeom prst="rect">
+            <a:avLst/>
+          </a:prstGeom>
+          <a:noFill/>
+        </p:spPr>
+        <p:style>
+          <a:lnRef idx="2">
+            <a:schemeClr val="accent1">
+              <a:shade val="50000"/>
+            </a:schemeClr>
+          </a:lnRef>
+          <a:fillRef idx="1">
+            <a:schemeClr val="accent1"/>
+          </a:fillRef>
+          <a:effectRef idx="0">
+            <a:schemeClr val="accent1"/>
+          </a:effectRef>
+          <a:fontRef idx="minor">
+            <a:schemeClr val="lt1"/>
+          </a:fontRef>
+        </p:style>
+        <p:txBody>
+          <a:bodyPr rtlCol="0" anchor="ctr"/>
+          <a:lstStyle/>
+          <a:p>
+            <a:pPr algn="ctr"/>
+            <a:endParaRPr lang="en-US"/>
+          </a:p>
+        </p:txBody>
+      </p:sp>
+      <p:sp>
+        <p:nvSpPr>
+          <p:cNvPr id="21" name="Oval 20">
+            <a:extLst>
+              <a:ext uri="{FF2B5EF4-FFF2-40B4-BE49-F238E27FC236}">
+                <a16:creationId xmlns:a16="http://schemas.microsoft.com/office/drawing/2014/main" id="{CBBAD4FA-A131-4C7C-9AAF-CF3AE76A526D}"/>
+              </a:ext>
+            </a:extLst>
+          </p:cNvPr>
+          <p:cNvSpPr/>
+          <p:nvPr/>
+        </p:nvSpPr>
+        <p:spPr>
+          <a:xfrm>
+            <a:off x="9630637" y="1245479"/>
+            <a:ext cx="1376516" cy="855407"/>
+          </a:xfrm>
+          <a:prstGeom prst="ellipse">
+            <a:avLst/>
+          </a:prstGeom>
+        </p:spPr>
+        <p:style>
+          <a:lnRef idx="2">
+            <a:schemeClr val="accent1">
+              <a:shade val="50000"/>
+            </a:schemeClr>
+          </a:lnRef>
+          <a:fillRef idx="1">
+            <a:schemeClr val="accent1"/>
+          </a:fillRef>
+          <a:effectRef idx="0">
+            <a:schemeClr val="accent1"/>
+          </a:effectRef>
+          <a:fontRef idx="minor">
+            <a:schemeClr val="lt1"/>
+          </a:fontRef>
+        </p:style>
+        <p:txBody>
+          <a:bodyPr rtlCol="0" anchor="ctr"/>
+          <a:lstStyle/>
+          <a:p>
+            <a:pPr algn="ctr"/>
+            <a:r>
+              <a:rPr lang="en-US" dirty="0"/>
+              <a:t>C2</a:t>
+            </a:r>
+          </a:p>
+        </p:txBody>
+      </p:sp>
+      <p:cxnSp>
+        <p:nvCxnSpPr>
+          <p:cNvPr id="22" name="Straight Arrow Connector 21">
+            <a:extLst>
+              <a:ext uri="{FF2B5EF4-FFF2-40B4-BE49-F238E27FC236}">
+                <a16:creationId xmlns:a16="http://schemas.microsoft.com/office/drawing/2014/main" id="{7DC8D7F3-ABFA-42E9-80F4-4F7DD8F9D67E}"/>
+              </a:ext>
+            </a:extLst>
+          </p:cNvPr>
+          <p:cNvCxnSpPr>
+            <a:stCxn id="20" idx="2"/>
+          </p:cNvCxnSpPr>
+          <p:nvPr/>
+        </p:nvCxnSpPr>
+        <p:spPr>
+          <a:xfrm flipH="1">
+            <a:off x="10294315" y="2523672"/>
+            <a:ext cx="19664" cy="1061885"/>
+          </a:xfrm>
+          <a:prstGeom prst="straightConnector1">
+            <a:avLst/>
+          </a:prstGeom>
+          <a:ln>
+            <a:tailEnd type="triangle"/>
+          </a:ln>
+        </p:spPr>
+        <p:style>
+          <a:lnRef idx="1">
+            <a:schemeClr val="accent1"/>
+          </a:lnRef>
+          <a:fillRef idx="0">
+            <a:schemeClr val="accent1"/>
+          </a:fillRef>
+          <a:effectRef idx="0">
+            <a:schemeClr val="accent1"/>
+          </a:effectRef>
+          <a:fontRef idx="minor">
+            <a:schemeClr val="tx1"/>
+          </a:fontRef>
+        </p:style>
+      </p:cxnSp>
+      <p:sp>
+        <p:nvSpPr>
+          <p:cNvPr id="23" name="TextBox 22">
+            <a:extLst>
+              <a:ext uri="{FF2B5EF4-FFF2-40B4-BE49-F238E27FC236}">
+                <a16:creationId xmlns:a16="http://schemas.microsoft.com/office/drawing/2014/main" id="{B151D3FE-A6AC-408A-92B4-BCB0568DB33C}"/>
+              </a:ext>
+            </a:extLst>
+          </p:cNvPr>
+          <p:cNvSpPr txBox="1"/>
+          <p:nvPr/>
+        </p:nvSpPr>
+        <p:spPr>
+          <a:xfrm>
+            <a:off x="9679825" y="3549444"/>
+            <a:ext cx="1238929" cy="369332"/>
+          </a:xfrm>
+          <a:prstGeom prst="rect">
+            <a:avLst/>
+          </a:prstGeom>
+          <a:noFill/>
+        </p:spPr>
+        <p:txBody>
+          <a:bodyPr wrap="none" rtlCol="0">
+            <a:spAutoFit/>
+          </a:bodyPr>
+          <a:lstStyle/>
+          <a:p>
+            <a:r>
+              <a:rPr lang="en-US" dirty="0"/>
+              <a:t>/</a:t>
+            </a:r>
+            <a:r>
+              <a:rPr lang="en-US" dirty="0" err="1"/>
+              <a:t>tmp</a:t>
+            </a:r>
+            <a:r>
+              <a:rPr lang="en-US" dirty="0"/>
+              <a:t>/proj2</a:t>
+            </a:r>
+          </a:p>
+        </p:txBody>
+      </p:sp>
+      <p:sp>
+        <p:nvSpPr>
+          <p:cNvPr id="24" name="TextBox 23">
+            <a:extLst>
+              <a:ext uri="{FF2B5EF4-FFF2-40B4-BE49-F238E27FC236}">
+                <a16:creationId xmlns:a16="http://schemas.microsoft.com/office/drawing/2014/main" id="{19A4AAC2-6B12-43FB-9459-FC07B10228D6}"/>
+              </a:ext>
+            </a:extLst>
+          </p:cNvPr>
+          <p:cNvSpPr txBox="1"/>
+          <p:nvPr/>
+        </p:nvSpPr>
+        <p:spPr>
+          <a:xfrm>
+            <a:off x="324464" y="390076"/>
+            <a:ext cx="1404615" cy="276999"/>
+          </a:xfrm>
+          <a:prstGeom prst="rect">
+            <a:avLst/>
+          </a:prstGeom>
+          <a:noFill/>
+        </p:spPr>
+        <p:txBody>
+          <a:bodyPr wrap="none" rtlCol="0">
+            <a:spAutoFit/>
+          </a:bodyPr>
+          <a:lstStyle/>
+          <a:p>
+            <a:r>
+              <a:rPr lang="en-US" sz="1200" dirty="0"/>
+              <a:t>Dep-23423i-sflwker</a:t>
+            </a:r>
+          </a:p>
+        </p:txBody>
+      </p:sp>
+      <p:sp>
+        <p:nvSpPr>
+          <p:cNvPr id="25" name="TextBox 24">
+            <a:extLst>
+              <a:ext uri="{FF2B5EF4-FFF2-40B4-BE49-F238E27FC236}">
+                <a16:creationId xmlns:a16="http://schemas.microsoft.com/office/drawing/2014/main" id="{1259F380-EF4D-48FC-B932-4A1F0FD7DBAA}"/>
+              </a:ext>
+            </a:extLst>
+          </p:cNvPr>
+          <p:cNvSpPr txBox="1"/>
+          <p:nvPr/>
+        </p:nvSpPr>
+        <p:spPr>
+          <a:xfrm>
+            <a:off x="2325333" y="365497"/>
+            <a:ext cx="1571649" cy="276999"/>
+          </a:xfrm>
+          <a:prstGeom prst="rect">
+            <a:avLst/>
+          </a:prstGeom>
+          <a:noFill/>
+        </p:spPr>
+        <p:txBody>
+          <a:bodyPr wrap="none" rtlCol="0">
+            <a:spAutoFit/>
+          </a:bodyPr>
+          <a:lstStyle/>
+          <a:p>
+            <a:r>
+              <a:rPr lang="en-US" sz="1200" dirty="0"/>
+              <a:t>Dep-23423i-sflasdfasd</a:t>
+            </a:r>
+          </a:p>
+        </p:txBody>
+      </p:sp>
+      <p:sp>
+        <p:nvSpPr>
+          <p:cNvPr id="31" name="TextBox 30">
+            <a:extLst>
+              <a:ext uri="{FF2B5EF4-FFF2-40B4-BE49-F238E27FC236}">
+                <a16:creationId xmlns:a16="http://schemas.microsoft.com/office/drawing/2014/main" id="{7CA30B98-B476-4146-B0BD-D2ECC8B6EBA6}"/>
+              </a:ext>
+            </a:extLst>
+          </p:cNvPr>
+          <p:cNvSpPr txBox="1"/>
+          <p:nvPr/>
+        </p:nvSpPr>
+        <p:spPr>
+          <a:xfrm>
+            <a:off x="7747820" y="776749"/>
+            <a:ext cx="806183" cy="369332"/>
+          </a:xfrm>
+          <a:prstGeom prst="rect">
+            <a:avLst/>
+          </a:prstGeom>
+          <a:noFill/>
+        </p:spPr>
+        <p:txBody>
+          <a:bodyPr wrap="none" rtlCol="0">
+            <a:spAutoFit/>
+          </a:bodyPr>
+          <a:lstStyle/>
+          <a:p>
+            <a:r>
+              <a:rPr lang="en-US" dirty="0"/>
+              <a:t>Web-1</a:t>
+            </a:r>
+          </a:p>
+        </p:txBody>
+      </p:sp>
+      <p:sp>
+        <p:nvSpPr>
+          <p:cNvPr id="32" name="TextBox 31">
+            <a:extLst>
+              <a:ext uri="{FF2B5EF4-FFF2-40B4-BE49-F238E27FC236}">
+                <a16:creationId xmlns:a16="http://schemas.microsoft.com/office/drawing/2014/main" id="{08FB8ECD-F23B-4607-A91B-276D4350E3AE}"/>
+              </a:ext>
+            </a:extLst>
+          </p:cNvPr>
+          <p:cNvSpPr txBox="1"/>
+          <p:nvPr/>
+        </p:nvSpPr>
+        <p:spPr>
+          <a:xfrm>
+            <a:off x="10038680" y="817778"/>
+            <a:ext cx="806183" cy="369332"/>
+          </a:xfrm>
+          <a:prstGeom prst="rect">
+            <a:avLst/>
+          </a:prstGeom>
+          <a:noFill/>
+        </p:spPr>
+        <p:txBody>
+          <a:bodyPr wrap="none" rtlCol="0">
+            <a:spAutoFit/>
+          </a:bodyPr>
+          <a:lstStyle/>
+          <a:p>
+            <a:r>
+              <a:rPr lang="en-US" dirty="0"/>
+              <a:t>Web-2</a:t>
+            </a:r>
+          </a:p>
+        </p:txBody>
+      </p:sp>
+      <p:sp>
+        <p:nvSpPr>
+          <p:cNvPr id="33" name="TextBox 32">
+            <a:extLst>
+              <a:ext uri="{FF2B5EF4-FFF2-40B4-BE49-F238E27FC236}">
+                <a16:creationId xmlns:a16="http://schemas.microsoft.com/office/drawing/2014/main" id="{F4CC8F44-E1C9-4B32-A197-38AF9FB3CCDA}"/>
+              </a:ext>
+            </a:extLst>
+          </p:cNvPr>
+          <p:cNvSpPr txBox="1"/>
+          <p:nvPr/>
+        </p:nvSpPr>
+        <p:spPr>
+          <a:xfrm>
+            <a:off x="8445910" y="160539"/>
+            <a:ext cx="1329723" cy="369332"/>
+          </a:xfrm>
+          <a:prstGeom prst="rect">
+            <a:avLst/>
+          </a:prstGeom>
+          <a:noFill/>
+        </p:spPr>
+        <p:txBody>
+          <a:bodyPr wrap="none" rtlCol="0">
+            <a:spAutoFit/>
+          </a:bodyPr>
+          <a:lstStyle/>
+          <a:p>
+            <a:r>
+              <a:rPr lang="en-US" dirty="0"/>
+              <a:t>Stateful sets</a:t>
+            </a:r>
+          </a:p>
+        </p:txBody>
+      </p:sp>
+      <p:sp>
+        <p:nvSpPr>
+          <p:cNvPr id="34" name="TextBox 33">
+            <a:extLst>
+              <a:ext uri="{FF2B5EF4-FFF2-40B4-BE49-F238E27FC236}">
+                <a16:creationId xmlns:a16="http://schemas.microsoft.com/office/drawing/2014/main" id="{7749BCB0-BCE9-4432-9650-21B07E890A69}"/>
+              </a:ext>
+            </a:extLst>
+          </p:cNvPr>
+          <p:cNvSpPr txBox="1"/>
+          <p:nvPr/>
+        </p:nvSpPr>
+        <p:spPr>
+          <a:xfrm>
+            <a:off x="462116" y="160539"/>
+            <a:ext cx="1317861" cy="369332"/>
+          </a:xfrm>
+          <a:prstGeom prst="rect">
+            <a:avLst/>
+          </a:prstGeom>
+          <a:noFill/>
+        </p:spPr>
+        <p:txBody>
+          <a:bodyPr wrap="none" rtlCol="0">
+            <a:spAutoFit/>
+          </a:bodyPr>
+          <a:lstStyle/>
+          <a:p>
+            <a:r>
+              <a:rPr lang="en-US" dirty="0"/>
+              <a:t>deployment</a:t>
+            </a:r>
+          </a:p>
+        </p:txBody>
+      </p:sp>
+      <p:sp>
+        <p:nvSpPr>
+          <p:cNvPr id="35" name="TextBox 34">
+            <a:extLst>
+              <a:ext uri="{FF2B5EF4-FFF2-40B4-BE49-F238E27FC236}">
+                <a16:creationId xmlns:a16="http://schemas.microsoft.com/office/drawing/2014/main" id="{D098C1E0-8F27-4A87-92E9-2EE78B6B94F5}"/>
+              </a:ext>
+            </a:extLst>
+          </p:cNvPr>
+          <p:cNvSpPr txBox="1"/>
+          <p:nvPr/>
+        </p:nvSpPr>
+        <p:spPr>
+          <a:xfrm>
+            <a:off x="397103" y="2644877"/>
+            <a:ext cx="4841710" cy="369332"/>
+          </a:xfrm>
+          <a:prstGeom prst="rect">
+            <a:avLst/>
+          </a:prstGeom>
+          <a:noFill/>
+        </p:spPr>
+        <p:txBody>
+          <a:bodyPr wrap="none" rtlCol="0">
+            <a:spAutoFit/>
+          </a:bodyPr>
+          <a:lstStyle/>
+          <a:p>
+            <a:r>
+              <a:rPr lang="en-US" dirty="0"/>
+              <a:t>Jobs/cronjobs – one time jobs and scheduled jobs</a:t>
+            </a:r>
+          </a:p>
+        </p:txBody>
+      </p:sp>
+      <p:sp>
+        <p:nvSpPr>
+          <p:cNvPr id="36" name="TextBox 35">
+            <a:extLst>
+              <a:ext uri="{FF2B5EF4-FFF2-40B4-BE49-F238E27FC236}">
+                <a16:creationId xmlns:a16="http://schemas.microsoft.com/office/drawing/2014/main" id="{A8B428A1-741B-49EC-8D51-38B20E441D9B}"/>
+              </a:ext>
+            </a:extLst>
+          </p:cNvPr>
+          <p:cNvSpPr txBox="1"/>
+          <p:nvPr/>
+        </p:nvSpPr>
+        <p:spPr>
+          <a:xfrm>
+            <a:off x="6601366" y="448444"/>
+            <a:ext cx="4943982" cy="369332"/>
+          </a:xfrm>
+          <a:prstGeom prst="rect">
+            <a:avLst/>
+          </a:prstGeom>
+          <a:noFill/>
+        </p:spPr>
+        <p:txBody>
+          <a:bodyPr wrap="none" rtlCol="0">
+            <a:spAutoFit/>
+          </a:bodyPr>
+          <a:lstStyle/>
+          <a:p>
+            <a:r>
+              <a:rPr lang="en-US" dirty="0"/>
+              <a:t>Each pod gets its own volume. Names are constant</a:t>
+            </a:r>
+          </a:p>
+        </p:txBody>
+      </p:sp>
+      <p:sp>
+        <p:nvSpPr>
+          <p:cNvPr id="37" name="TextBox 36">
+            <a:extLst>
+              <a:ext uri="{FF2B5EF4-FFF2-40B4-BE49-F238E27FC236}">
+                <a16:creationId xmlns:a16="http://schemas.microsoft.com/office/drawing/2014/main" id="{DB091EAE-EAE9-48BA-8F0F-65FF46D0AE10}"/>
+              </a:ext>
+            </a:extLst>
+          </p:cNvPr>
+          <p:cNvSpPr txBox="1"/>
+          <p:nvPr/>
+        </p:nvSpPr>
+        <p:spPr>
+          <a:xfrm>
+            <a:off x="283223" y="3585557"/>
+            <a:ext cx="4294702" cy="923330"/>
+          </a:xfrm>
+          <a:prstGeom prst="rect">
+            <a:avLst/>
+          </a:prstGeom>
+          <a:noFill/>
+        </p:spPr>
+        <p:txBody>
+          <a:bodyPr wrap="none" rtlCol="0">
+            <a:spAutoFit/>
+          </a:bodyPr>
+          <a:lstStyle/>
+          <a:p>
+            <a:r>
+              <a:rPr lang="en-US" dirty="0" err="1"/>
+              <a:t>Daemonsets</a:t>
+            </a:r>
+            <a:endParaRPr lang="en-US" dirty="0"/>
+          </a:p>
+          <a:p>
+            <a:pPr marL="285750" indent="-285750">
+              <a:buFontTx/>
+              <a:buChar char="-"/>
+            </a:pPr>
+            <a:r>
+              <a:rPr lang="en-US" dirty="0"/>
+              <a:t>Exactly one pod on every node</a:t>
+            </a:r>
+          </a:p>
+          <a:p>
+            <a:pPr marL="742950" lvl="1" indent="-285750">
+              <a:buFontTx/>
+              <a:buChar char="-"/>
+            </a:pPr>
+            <a:r>
+              <a:rPr lang="en-US" dirty="0" err="1"/>
+              <a:t>Eg</a:t>
+            </a:r>
+            <a:r>
+              <a:rPr lang="en-US" dirty="0"/>
+              <a:t>&gt; metric collection, network pods</a:t>
+            </a:r>
+          </a:p>
+        </p:txBody>
+      </p:sp>
+    </p:spTree>
+    <p:extLst>
+      <p:ext uri="{BB962C8B-B14F-4D97-AF65-F5344CB8AC3E}">
+        <p14:creationId xmlns:p14="http://schemas.microsoft.com/office/powerpoint/2010/main" val="2489670533"/>
+      </p:ext>
+    </p:extLst>
+  </p:cSld>
+  <p:clrMapOvr>
+    <a:masterClrMapping/>
+  </p:clrMapOvr>
+</p:sld>
+</file>
+
 <file path=ppt/slides/slide2.xml><?xml version="1.0" encoding="utf-8"?>
 <p:sld xmlns:a="http://schemas.openxmlformats.org/drawingml/2006/main" xmlns:r="http://schemas.openxmlformats.org/officeDocument/2006/relationships" xmlns:p="http://schemas.openxmlformats.org/presentationml/2006/main">
   <p:cSld>
